--- a/presentation/Stage：零磁场垂直入射线性重建.pptx
+++ b/presentation/Stage：零磁场垂直入射线性重建.pptx
@@ -10022,6 +10022,52 @@
           <a:chExt cx="0" cy="0"/>
         </a:xfrm>
       </p:grpSpPr>
+      <p:pic>
+        <p:nvPicPr>
+          <p:cNvPr id="5" name="图片 4" descr="图表&#10;&#10;中度可信度描述已自动生成">
+            <a:extLst>
+              <a:ext uri="{FF2B5EF4-FFF2-40B4-BE49-F238E27FC236}">
+                <a16:creationId xmlns:a16="http://schemas.microsoft.com/office/drawing/2014/main" id="{EA2A1A8E-68C2-EADE-56D9-11F42AAF4384}"/>
+              </a:ext>
+            </a:extLst>
+          </p:cNvPr>
+          <p:cNvPicPr>
+            <a:picLocks noChangeAspect="1"/>
+          </p:cNvPicPr>
+          <p:nvPr/>
+        </p:nvPicPr>
+        <p:blipFill>
+          <a:blip r:embed="rId2">
+            <a:clrChange>
+              <a:clrFrom>
+                <a:srgbClr val="FFFFFF"/>
+              </a:clrFrom>
+              <a:clrTo>
+                <a:srgbClr val="FFFFFF">
+                  <a:alpha val="0"/>
+                </a:srgbClr>
+              </a:clrTo>
+            </a:clrChange>
+            <a:extLst>
+              <a:ext uri="{28A0092B-C50C-407E-A947-70E740481C1C}">
+                <a14:useLocalDpi xmlns:a14="http://schemas.microsoft.com/office/drawing/2010/main" val="0"/>
+              </a:ext>
+            </a:extLst>
+          </a:blip>
+          <a:stretch>
+            <a:fillRect/>
+          </a:stretch>
+        </p:blipFill>
+        <p:spPr>
+          <a:xfrm>
+            <a:off x="694800" y="1670400"/>
+            <a:ext cx="6286622" cy="4399200"/>
+          </a:xfrm>
+          <a:prstGeom prst="rect">
+            <a:avLst/>
+          </a:prstGeom>
+        </p:spPr>
+      </p:pic>
       <p:sp>
         <p:nvSpPr>
           <p:cNvPr id="2" name="标题 1">
@@ -10067,8 +10113,8 @@
           </a:p>
         </p:txBody>
       </p:sp>
-      <mc:AlternateContent xmlns:mc="http://schemas.openxmlformats.org/markup-compatibility/2006" xmlns:a14="http://schemas.microsoft.com/office/drawing/2010/main">
-        <mc:Choice Requires="a14">
+      <mc:AlternateContent xmlns:mc="http://schemas.openxmlformats.org/markup-compatibility/2006">
+        <mc:Choice xmlns:a14="http://schemas.microsoft.com/office/drawing/2010/main" Requires="a14">
           <p:sp>
             <p:nvSpPr>
               <p:cNvPr id="3" name="文本框 2">
@@ -10193,7 +10239,7 @@
             </p:txBody>
           </p:sp>
         </mc:Choice>
-        <mc:Fallback xmlns="">
+        <mc:Fallback>
           <p:sp>
             <p:nvSpPr>
               <p:cNvPr id="3" name="文本框 2">
@@ -10217,7 +10263,7 @@
                 <a:avLst/>
               </a:prstGeom>
               <a:blipFill>
-                <a:blip r:embed="rId2"/>
+                <a:blip r:embed="rId3"/>
                 <a:stretch>
                   <a:fillRect l="-903" t="-10526" b="-28947"/>
                 </a:stretch>
@@ -10272,54 +10318,8 @@
           </a:p>
         </p:txBody>
       </p:sp>
-      <p:pic>
-        <p:nvPicPr>
-          <p:cNvPr id="11" name="图片 10" descr="图表&#10;&#10;描述已自动生成">
-            <a:extLst>
-              <a:ext uri="{FF2B5EF4-FFF2-40B4-BE49-F238E27FC236}">
-                <a16:creationId xmlns:a16="http://schemas.microsoft.com/office/drawing/2014/main" id="{E895D121-EFA8-5D99-EF8D-B2C5BDC2BC7C}"/>
-              </a:ext>
-            </a:extLst>
-          </p:cNvPr>
-          <p:cNvPicPr>
-            <a:picLocks noChangeAspect="1"/>
-          </p:cNvPicPr>
-          <p:nvPr/>
-        </p:nvPicPr>
-        <p:blipFill>
-          <a:blip r:embed="rId3">
-            <a:clrChange>
-              <a:clrFrom>
-                <a:srgbClr val="FFFFFF"/>
-              </a:clrFrom>
-              <a:clrTo>
-                <a:srgbClr val="FFFFFF">
-                  <a:alpha val="0"/>
-                </a:srgbClr>
-              </a:clrTo>
-            </a:clrChange>
-            <a:extLst>
-              <a:ext uri="{28A0092B-C50C-407E-A947-70E740481C1C}">
-                <a14:useLocalDpi xmlns:a14="http://schemas.microsoft.com/office/drawing/2010/main" val="0"/>
-              </a:ext>
-            </a:extLst>
-          </a:blip>
-          <a:stretch>
-            <a:fillRect/>
-          </a:stretch>
-        </p:blipFill>
-        <p:spPr>
-          <a:xfrm>
-            <a:off x="694800" y="1670832"/>
-            <a:ext cx="6284469" cy="4397694"/>
-          </a:xfrm>
-          <a:prstGeom prst="rect">
-            <a:avLst/>
-          </a:prstGeom>
-        </p:spPr>
-      </p:pic>
-      <mc:AlternateContent xmlns:mc="http://schemas.openxmlformats.org/markup-compatibility/2006" xmlns:a14="http://schemas.microsoft.com/office/drawing/2010/main">
-        <mc:Choice Requires="a14">
+      <mc:AlternateContent xmlns:mc="http://schemas.openxmlformats.org/markup-compatibility/2006">
+        <mc:Choice xmlns:a14="http://schemas.microsoft.com/office/drawing/2010/main" Requires="a14">
           <p:sp>
             <p:nvSpPr>
               <p:cNvPr id="12" name="文本框 11">
@@ -10397,7 +10397,7 @@
                         <a:ea typeface="华文楷体" panose="02010600040101010101" pitchFamily="2" charset="-122"/>
                         <a:cs typeface="+mj-cs"/>
                       </a:rPr>
-                      <m:t>𝛽𝛾</m:t>
+                      <m:t>𝛽</m:t>
                     </m:r>
                   </m:oMath>
                 </a14:m>
@@ -10413,7 +10413,7 @@
             </p:txBody>
           </p:sp>
         </mc:Choice>
-        <mc:Fallback xmlns="">
+        <mc:Fallback>
           <p:sp>
             <p:nvSpPr>
               <p:cNvPr id="12" name="文本框 11">
@@ -10472,7 +10472,7 @@
         </p:nvSpPr>
         <p:spPr>
           <a:xfrm>
-            <a:off x="6668048" y="3154098"/>
+            <a:off x="6668048" y="2369805"/>
             <a:ext cx="4826752" cy="461665"/>
           </a:xfrm>
           <a:prstGeom prst="rect">
@@ -10526,8 +10526,8 @@
           </a:p>
         </p:txBody>
       </p:sp>
-      <mc:AlternateContent xmlns:mc="http://schemas.openxmlformats.org/markup-compatibility/2006" xmlns:a14="http://schemas.microsoft.com/office/drawing/2010/main">
-        <mc:Choice Requires="a14">
+      <mc:AlternateContent xmlns:mc="http://schemas.openxmlformats.org/markup-compatibility/2006">
+        <mc:Choice xmlns:a14="http://schemas.microsoft.com/office/drawing/2010/main" Requires="a14">
           <p:sp>
             <p:nvSpPr>
               <p:cNvPr id="16" name="文本框 15">
@@ -10542,7 +10542,7 @@
             </p:nvSpPr>
             <p:spPr>
               <a:xfrm>
-                <a:off x="6668048" y="3615763"/>
+                <a:off x="6668048" y="4401130"/>
                 <a:ext cx="4826752" cy="1200329"/>
               </a:xfrm>
               <a:prstGeom prst="rect">
@@ -10580,7 +10580,7 @@
                         <a:ea typeface="华文楷体" panose="02010600040101010101" pitchFamily="2" charset="-122"/>
                         <a:cs typeface="+mj-cs"/>
                       </a:rPr>
-                      <m:t>𝛽𝛾</m:t>
+                      <m:t>𝛽</m:t>
                     </m:r>
                   </m:oMath>
                 </a14:m>
@@ -10639,7 +10639,7 @@
             </p:txBody>
           </p:sp>
         </mc:Choice>
-        <mc:Fallback xmlns="">
+        <mc:Fallback>
           <p:sp>
             <p:nvSpPr>
               <p:cNvPr id="16" name="文本框 15">
@@ -10656,7 +10656,7 @@
             </p:nvSpPr>
             <p:spPr>
               <a:xfrm>
-                <a:off x="6668048" y="3615763"/>
+                <a:off x="6668048" y="4401130"/>
                 <a:ext cx="4826752" cy="1200329"/>
               </a:xfrm>
               <a:prstGeom prst="rect">
@@ -10684,6 +10684,301 @@
           </p:sp>
         </mc:Fallback>
       </mc:AlternateContent>
+      <mc:AlternateContent xmlns:mc="http://schemas.openxmlformats.org/markup-compatibility/2006">
+        <mc:Choice xmlns:a14="http://schemas.microsoft.com/office/drawing/2010/main" Requires="a14">
+          <p:sp>
+            <p:nvSpPr>
+              <p:cNvPr id="6" name="文本框 5">
+                <a:extLst>
+                  <a:ext uri="{FF2B5EF4-FFF2-40B4-BE49-F238E27FC236}">
+                    <a16:creationId xmlns:a16="http://schemas.microsoft.com/office/drawing/2014/main" id="{8C54F6EE-EC98-1EB9-8980-80DB11E84B10}"/>
+                  </a:ext>
+                </a:extLst>
+              </p:cNvPr>
+              <p:cNvSpPr txBox="1"/>
+              <p:nvPr/>
+            </p:nvSpPr>
+            <p:spPr>
+              <a:xfrm>
+                <a:off x="6668048" y="2831470"/>
+                <a:ext cx="4826752" cy="1569660"/>
+              </a:xfrm>
+              <a:prstGeom prst="rect">
+                <a:avLst/>
+              </a:prstGeom>
+              <a:noFill/>
+            </p:spPr>
+            <p:txBody>
+              <a:bodyPr wrap="square">
+                <a:spAutoFit/>
+              </a:bodyPr>
+              <a:lstStyle/>
+              <a:p>
+                <a:pPr>
+                  <a:spcBef>
+                    <a:spcPts val="600"/>
+                  </a:spcBef>
+                  <a:spcAft>
+                    <a:spcPts val="600"/>
+                  </a:spcAft>
+                </a:pPr>
+                <a:r>
+                  <a:rPr lang="zh-CN" altLang="en-US" sz="2400" dirty="0">
+                    <a:latin typeface="华文楷体" panose="02010600040101010101" pitchFamily="2" charset="-122"/>
+                    <a:ea typeface="华文楷体" panose="02010600040101010101" pitchFamily="2" charset="-122"/>
+                    <a:cs typeface="+mj-cs"/>
+                  </a:rPr>
+                  <a:t>由于</a:t>
+                </a:r>
+                <a:r>
+                  <a:rPr lang="en-US" altLang="zh-CN" sz="2400" dirty="0">
+                    <a:latin typeface="华文楷体" panose="02010600040101010101" pitchFamily="2" charset="-122"/>
+                    <a:ea typeface="华文楷体" panose="02010600040101010101" pitchFamily="2" charset="-122"/>
+                    <a:cs typeface="+mj-cs"/>
+                  </a:rPr>
+                  <a:t>[7]</a:t>
+                </a:r>
+                <a:r>
+                  <a:rPr lang="zh-CN" altLang="en-US" sz="2400" dirty="0">
+                    <a:latin typeface="华文楷体" panose="02010600040101010101" pitchFamily="2" charset="-122"/>
+                    <a:ea typeface="华文楷体" panose="02010600040101010101" pitchFamily="2" charset="-122"/>
+                    <a:cs typeface="+mj-cs"/>
+                  </a:rPr>
+                  <a:t>指出</a:t>
+                </a:r>
+                <a:r>
+                  <a:rPr lang="en-US" altLang="zh-CN" sz="2400" dirty="0">
+                    <a:latin typeface="华文楷体" panose="02010600040101010101" pitchFamily="2" charset="-122"/>
+                    <a:ea typeface="华文楷体" panose="02010600040101010101" pitchFamily="2" charset="-122"/>
+                    <a:cs typeface="+mj-cs"/>
+                  </a:rPr>
+                  <a:t>Bethe</a:t>
+                </a:r>
+                <a:r>
+                  <a:rPr lang="zh-CN" altLang="en-US" sz="2400" dirty="0">
+                    <a:latin typeface="华文楷体" panose="02010600040101010101" pitchFamily="2" charset="-122"/>
+                    <a:ea typeface="华文楷体" panose="02010600040101010101" pitchFamily="2" charset="-122"/>
+                    <a:cs typeface="+mj-cs"/>
+                  </a:rPr>
+                  <a:t>方程在</a:t>
+                </a:r>
+                <a14:m>
+                  <m:oMath xmlns:m="http://schemas.openxmlformats.org/officeDocument/2006/math">
+                    <m:r>
+                      <a:rPr lang="en-US" altLang="zh-CN" sz="2400" i="1" dirty="0" smtClean="0">
+                        <a:latin typeface="Cambria Math" panose="02040503050406030204" pitchFamily="18" charset="0"/>
+                        <a:ea typeface="华文楷体" panose="02010600040101010101" pitchFamily="2" charset="-122"/>
+                        <a:cs typeface="+mj-cs"/>
+                      </a:rPr>
+                      <m:t>0.1≤</m:t>
+                    </m:r>
+                    <m:r>
+                      <a:rPr lang="en-US" altLang="zh-CN" sz="2400" b="0" i="1" dirty="0" smtClean="0">
+                        <a:latin typeface="Cambria Math" panose="02040503050406030204" pitchFamily="18" charset="0"/>
+                        <a:ea typeface="华文楷体" panose="02010600040101010101" pitchFamily="2" charset="-122"/>
+                        <a:cs typeface="+mj-cs"/>
+                      </a:rPr>
+                      <m:t>𝛽𝛾</m:t>
+                    </m:r>
+                    <m:r>
+                      <a:rPr lang="en-US" altLang="zh-CN" sz="2400" b="0" i="1" dirty="0" smtClean="0">
+                        <a:latin typeface="Cambria Math" panose="02040503050406030204" pitchFamily="18" charset="0"/>
+                        <a:ea typeface="华文楷体" panose="02010600040101010101" pitchFamily="2" charset="-122"/>
+                        <a:cs typeface="+mj-cs"/>
+                      </a:rPr>
+                      <m:t>≤1000</m:t>
+                    </m:r>
+                  </m:oMath>
+                </a14:m>
+                <a:r>
+                  <a:rPr lang="zh-CN" altLang="en-US" sz="2400" dirty="0">
+                    <a:latin typeface="华文楷体" panose="02010600040101010101" pitchFamily="2" charset="-122"/>
+                    <a:ea typeface="华文楷体" panose="02010600040101010101" pitchFamily="2" charset="-122"/>
+                    <a:cs typeface="+mj-cs"/>
+                  </a:rPr>
+                  <a:t>的误差可以接受，因此以</a:t>
+                </a:r>
+                <a14:m>
+                  <m:oMath xmlns:m="http://schemas.openxmlformats.org/officeDocument/2006/math">
+                    <m:r>
+                      <a:rPr lang="en-US" altLang="zh-CN" sz="2400" i="1" dirty="0">
+                        <a:latin typeface="Cambria Math" panose="02040503050406030204" pitchFamily="18" charset="0"/>
+                        <a:ea typeface="华文楷体" panose="02010600040101010101" pitchFamily="2" charset="-122"/>
+                      </a:rPr>
+                      <m:t>𝛽𝛾</m:t>
+                    </m:r>
+                  </m:oMath>
+                </a14:m>
+                <a:r>
+                  <a:rPr lang="zh-CN" altLang="en-US" sz="2400" dirty="0">
+                    <a:latin typeface="华文楷体" panose="02010600040101010101" pitchFamily="2" charset="-122"/>
+                    <a:ea typeface="华文楷体" panose="02010600040101010101" pitchFamily="2" charset="-122"/>
+                    <a:cs typeface="+mj-cs"/>
+                  </a:rPr>
+                  <a:t>作为限制区域，</a:t>
+                </a:r>
+                <a:r>
+                  <a:rPr lang="zh-CN" altLang="en-US" sz="2400" dirty="0">
+                    <a:solidFill>
+                      <a:srgbClr val="1F1FFF"/>
+                    </a:solidFill>
+                    <a:latin typeface="华文楷体" panose="02010600040101010101" pitchFamily="2" charset="-122"/>
+                    <a:ea typeface="华文楷体" panose="02010600040101010101" pitchFamily="2" charset="-122"/>
+                    <a:cs typeface="+mj-cs"/>
+                  </a:rPr>
+                  <a:t>蓝色实线</a:t>
+                </a:r>
+                <a:r>
+                  <a:rPr lang="zh-CN" altLang="en-US" sz="2400" dirty="0">
+                    <a:latin typeface="华文楷体" panose="02010600040101010101" pitchFamily="2" charset="-122"/>
+                    <a:ea typeface="华文楷体" panose="02010600040101010101" pitchFamily="2" charset="-122"/>
+                    <a:cs typeface="+mj-cs"/>
+                  </a:rPr>
+                  <a:t>的最左端为</a:t>
+                </a:r>
+                <a14:m>
+                  <m:oMath xmlns:m="http://schemas.openxmlformats.org/officeDocument/2006/math">
+                    <m:r>
+                      <a:rPr lang="en-US" altLang="zh-CN" sz="2400" i="1" dirty="0" smtClean="0">
+                        <a:latin typeface="Cambria Math" panose="02040503050406030204" pitchFamily="18" charset="0"/>
+                        <a:ea typeface="华文楷体" panose="02010600040101010101" pitchFamily="2" charset="-122"/>
+                      </a:rPr>
+                      <m:t>𝛽𝛾</m:t>
+                    </m:r>
+                  </m:oMath>
+                </a14:m>
+                <a:r>
+                  <a:rPr lang="en-US" altLang="zh-CN" sz="2400" dirty="0">
+                    <a:latin typeface="华文楷体" panose="02010600040101010101" pitchFamily="2" charset="-122"/>
+                    <a:ea typeface="华文楷体" panose="02010600040101010101" pitchFamily="2" charset="-122"/>
+                    <a:cs typeface="+mj-cs"/>
+                  </a:rPr>
+                  <a:t>=0.1</a:t>
+                </a:r>
+                <a:r>
+                  <a:rPr lang="zh-CN" altLang="en-US" sz="2400" dirty="0">
+                    <a:latin typeface="华文楷体" panose="02010600040101010101" pitchFamily="2" charset="-122"/>
+                    <a:ea typeface="华文楷体" panose="02010600040101010101" pitchFamily="2" charset="-122"/>
+                    <a:cs typeface="+mj-cs"/>
+                  </a:rPr>
+                  <a:t>，最右端为</a:t>
+                </a:r>
+                <a14:m>
+                  <m:oMath xmlns:m="http://schemas.openxmlformats.org/officeDocument/2006/math">
+                    <m:r>
+                      <a:rPr lang="en-US" altLang="zh-CN" sz="2400" i="1" dirty="0">
+                        <a:latin typeface="Cambria Math" panose="02040503050406030204" pitchFamily="18" charset="0"/>
+                        <a:ea typeface="华文楷体" panose="02010600040101010101" pitchFamily="2" charset="-122"/>
+                      </a:rPr>
+                      <m:t>𝛽𝛾</m:t>
+                    </m:r>
+                  </m:oMath>
+                </a14:m>
+                <a:r>
+                  <a:rPr lang="en-US" altLang="zh-CN" sz="2400" dirty="0">
+                    <a:latin typeface="华文楷体" panose="02010600040101010101" pitchFamily="2" charset="-122"/>
+                    <a:ea typeface="华文楷体" panose="02010600040101010101" pitchFamily="2" charset="-122"/>
+                  </a:rPr>
+                  <a:t>=1000</a:t>
+                </a:r>
+                <a:endParaRPr lang="en-US" altLang="zh-CN" sz="2400" dirty="0">
+                  <a:latin typeface="华文楷体" panose="02010600040101010101" pitchFamily="2" charset="-122"/>
+                  <a:ea typeface="华文楷体" panose="02010600040101010101" pitchFamily="2" charset="-122"/>
+                  <a:cs typeface="+mj-cs"/>
+                </a:endParaRPr>
+              </a:p>
+            </p:txBody>
+          </p:sp>
+        </mc:Choice>
+        <mc:Fallback>
+          <p:sp>
+            <p:nvSpPr>
+              <p:cNvPr id="6" name="文本框 5">
+                <a:extLst>
+                  <a:ext uri="{FF2B5EF4-FFF2-40B4-BE49-F238E27FC236}">
+                    <a16:creationId xmlns:a16="http://schemas.microsoft.com/office/drawing/2014/main" id="{8C54F6EE-EC98-1EB9-8980-80DB11E84B10}"/>
+                  </a:ext>
+                </a:extLst>
+              </p:cNvPr>
+              <p:cNvSpPr txBox="1">
+                <a:spLocks noRot="1" noChangeAspect="1" noMove="1" noResize="1" noEditPoints="1" noAdjustHandles="1" noChangeArrowheads="1" noChangeShapeType="1" noTextEdit="1"/>
+              </p:cNvSpPr>
+              <p:nvPr/>
+            </p:nvSpPr>
+            <p:spPr>
+              <a:xfrm>
+                <a:off x="6668048" y="2831470"/>
+                <a:ext cx="4826752" cy="1569660"/>
+              </a:xfrm>
+              <a:prstGeom prst="rect">
+                <a:avLst/>
+              </a:prstGeom>
+              <a:blipFill>
+                <a:blip r:embed="rId6"/>
+                <a:stretch>
+                  <a:fillRect l="-2020" t="-3101" r="-379" b="-7752"/>
+                </a:stretch>
+              </a:blipFill>
+            </p:spPr>
+            <p:txBody>
+              <a:bodyPr/>
+              <a:lstStyle/>
+              <a:p>
+                <a:r>
+                  <a:rPr lang="zh-CN" altLang="en-US">
+                    <a:noFill/>
+                  </a:rPr>
+                  <a:t> </a:t>
+                </a:r>
+              </a:p>
+            </p:txBody>
+          </p:sp>
+        </mc:Fallback>
+      </mc:AlternateContent>
+      <p:sp>
+        <p:nvSpPr>
+          <p:cNvPr id="8" name="文本框 7">
+            <a:extLst>
+              <a:ext uri="{FF2B5EF4-FFF2-40B4-BE49-F238E27FC236}">
+                <a16:creationId xmlns:a16="http://schemas.microsoft.com/office/drawing/2014/main" id="{D7F551C6-C2B6-9496-3E4B-51D9B4CDDE64}"/>
+              </a:ext>
+            </a:extLst>
+          </p:cNvPr>
+          <p:cNvSpPr txBox="1"/>
+          <p:nvPr/>
+        </p:nvSpPr>
+        <p:spPr>
+          <a:xfrm>
+            <a:off x="154800" y="6370340"/>
+            <a:ext cx="11880000" cy="338554"/>
+          </a:xfrm>
+          <a:prstGeom prst="rect">
+            <a:avLst/>
+          </a:prstGeom>
+          <a:noFill/>
+        </p:spPr>
+        <p:txBody>
+          <a:bodyPr wrap="square">
+            <a:spAutoFit/>
+          </a:bodyPr>
+          <a:lstStyle/>
+          <a:p>
+            <a:r>
+              <a:rPr lang="en-US" altLang="zh-CN" sz="1600" dirty="0">
+                <a:latin typeface="华文楷体" panose="02010600040101010101" pitchFamily="2" charset="-122"/>
+                <a:ea typeface="华文楷体" panose="02010600040101010101" pitchFamily="2" charset="-122"/>
+                <a:cs typeface="Times New Roman" panose="02020603050405020304" pitchFamily="18" charset="0"/>
+              </a:rPr>
+              <a:t>[7] Navas, S., others. Review of particle physics. Phys. Rev. D, 110(3): 030001, 2024. DOI: 10.1103/PhysRevD.110.030001.</a:t>
+            </a:r>
+            <a:endParaRPr lang="zh-CN" altLang="en-US" sz="1600" dirty="0">
+              <a:latin typeface="华文楷体" panose="02010600040101010101" pitchFamily="2" charset="-122"/>
+              <a:ea typeface="华文楷体" panose="02010600040101010101" pitchFamily="2" charset="-122"/>
+              <a:cs typeface="Times New Roman" panose="02020603050405020304" pitchFamily="18" charset="0"/>
+            </a:endParaRPr>
+          </a:p>
+        </p:txBody>
+      </p:sp>
     </p:spTree>
     <p:extLst>
       <p:ext uri="{BB962C8B-B14F-4D97-AF65-F5344CB8AC3E}">
@@ -10777,66 +11072,165 @@
           </a:p>
         </p:txBody>
       </p:sp>
-      <p:sp>
-        <p:nvSpPr>
-          <p:cNvPr id="3" name="文本框 2">
-            <a:extLst>
-              <a:ext uri="{FF2B5EF4-FFF2-40B4-BE49-F238E27FC236}">
-                <a16:creationId xmlns:a16="http://schemas.microsoft.com/office/drawing/2014/main" id="{AAE421F9-56E5-729B-610E-5EA665B67065}"/>
-              </a:ext>
-            </a:extLst>
-          </p:cNvPr>
-          <p:cNvSpPr txBox="1"/>
-          <p:nvPr/>
-        </p:nvSpPr>
-        <p:spPr>
-          <a:xfrm>
-            <a:off x="694800" y="1440000"/>
-            <a:ext cx="10800000" cy="461665"/>
-          </a:xfrm>
-          <a:prstGeom prst="rect">
-            <a:avLst/>
-          </a:prstGeom>
-          <a:noFill/>
-        </p:spPr>
-        <p:txBody>
-          <a:bodyPr wrap="square">
-            <a:spAutoFit/>
-          </a:bodyPr>
-          <a:lstStyle/>
-          <a:p>
-            <a:pPr>
-              <a:spcBef>
-                <a:spcPts val="600"/>
-              </a:spcBef>
-              <a:spcAft>
-                <a:spcPts val="600"/>
-              </a:spcAft>
-            </a:pPr>
-            <a:r>
-              <a:rPr lang="en-US" altLang="zh-CN" sz="2400" dirty="0">
-                <a:latin typeface="华文楷体" panose="02010600040101010101" pitchFamily="2" charset="-122"/>
-                <a:ea typeface="华文楷体" panose="02010600040101010101" pitchFamily="2" charset="-122"/>
-                <a:cs typeface="+mj-cs"/>
-              </a:rPr>
-              <a:t>2. </a:t>
-            </a:r>
-            <a:r>
-              <a:rPr lang="zh-CN" altLang="en-US" sz="2400" dirty="0">
-                <a:latin typeface="华文楷体" panose="02010600040101010101" pitchFamily="2" charset="-122"/>
-                <a:ea typeface="华文楷体" panose="02010600040101010101" pitchFamily="2" charset="-122"/>
-                <a:cs typeface="+mj-cs"/>
-              </a:rPr>
-              <a:t>能量损失对粒子通过探测器时的时间的影响</a:t>
-            </a:r>
-            <a:endParaRPr lang="en-US" altLang="zh-CN" sz="2400" dirty="0">
-              <a:latin typeface="华文楷体" panose="02010600040101010101" pitchFamily="2" charset="-122"/>
-              <a:ea typeface="华文楷体" panose="02010600040101010101" pitchFamily="2" charset="-122"/>
-              <a:cs typeface="+mj-cs"/>
-            </a:endParaRPr>
-          </a:p>
-        </p:txBody>
-      </p:sp>
+      <mc:AlternateContent xmlns:mc="http://schemas.openxmlformats.org/markup-compatibility/2006">
+        <mc:Choice xmlns:a14="http://schemas.microsoft.com/office/drawing/2010/main" Requires="a14">
+          <p:sp>
+            <p:nvSpPr>
+              <p:cNvPr id="3" name="文本框 2">
+                <a:extLst>
+                  <a:ext uri="{FF2B5EF4-FFF2-40B4-BE49-F238E27FC236}">
+                    <a16:creationId xmlns:a16="http://schemas.microsoft.com/office/drawing/2014/main" id="{AAE421F9-56E5-729B-610E-5EA665B67065}"/>
+                  </a:ext>
+                </a:extLst>
+              </p:cNvPr>
+              <p:cNvSpPr txBox="1"/>
+              <p:nvPr/>
+            </p:nvSpPr>
+            <p:spPr>
+              <a:xfrm>
+                <a:off x="694800" y="1440000"/>
+                <a:ext cx="10800000" cy="461665"/>
+              </a:xfrm>
+              <a:prstGeom prst="rect">
+                <a:avLst/>
+              </a:prstGeom>
+              <a:noFill/>
+            </p:spPr>
+            <p:txBody>
+              <a:bodyPr wrap="square">
+                <a:spAutoFit/>
+              </a:bodyPr>
+              <a:lstStyle/>
+              <a:p>
+                <a:pPr>
+                  <a:spcBef>
+                    <a:spcPts val="600"/>
+                  </a:spcBef>
+                  <a:spcAft>
+                    <a:spcPts val="600"/>
+                  </a:spcAft>
+                </a:pPr>
+                <a:r>
+                  <a:rPr lang="en-US" altLang="zh-CN" sz="2400" dirty="0">
+                    <a:latin typeface="华文楷体" panose="02010600040101010101" pitchFamily="2" charset="-122"/>
+                    <a:ea typeface="华文楷体" panose="02010600040101010101" pitchFamily="2" charset="-122"/>
+                    <a:cs typeface="+mj-cs"/>
+                  </a:rPr>
+                  <a:t>2. </a:t>
+                </a:r>
+                <a:r>
+                  <a:rPr lang="zh-CN" altLang="en-US" sz="2400" dirty="0">
+                    <a:latin typeface="华文楷体" panose="02010600040101010101" pitchFamily="2" charset="-122"/>
+                    <a:ea typeface="华文楷体" panose="02010600040101010101" pitchFamily="2" charset="-122"/>
+                    <a:cs typeface="+mj-cs"/>
+                  </a:rPr>
+                  <a:t>能量损失对粒子通过探测器时的时间的影响（</a:t>
+                </a:r>
+                <a14:m>
+                  <m:oMath xmlns:m="http://schemas.openxmlformats.org/officeDocument/2006/math">
+                    <m:sSub>
+                      <m:sSubPr>
+                        <m:ctrlPr>
+                          <a:rPr lang="en-US" altLang="zh-CN" sz="2400" b="0" i="1" smtClean="0">
+                            <a:latin typeface="Cambria Math" panose="02040503050406030204" pitchFamily="18" charset="0"/>
+                            <a:ea typeface="华文楷体" panose="02010600040101010101" pitchFamily="2" charset="-122"/>
+                            <a:cs typeface="+mj-cs"/>
+                          </a:rPr>
+                        </m:ctrlPr>
+                      </m:sSubPr>
+                      <m:e>
+                        <m:r>
+                          <a:rPr lang="en-US" altLang="zh-CN" sz="2400" b="0" i="1" smtClean="0">
+                            <a:latin typeface="Cambria Math" panose="02040503050406030204" pitchFamily="18" charset="0"/>
+                            <a:ea typeface="华文楷体" panose="02010600040101010101" pitchFamily="2" charset="-122"/>
+                            <a:cs typeface="+mj-cs"/>
+                          </a:rPr>
+                          <m:t>𝛽</m:t>
+                        </m:r>
+                      </m:e>
+                      <m:sub>
+                        <m:r>
+                          <a:rPr lang="en-US" altLang="zh-CN" sz="2400" b="0" i="1" smtClean="0">
+                            <a:latin typeface="Cambria Math" panose="02040503050406030204" pitchFamily="18" charset="0"/>
+                            <a:ea typeface="华文楷体" panose="02010600040101010101" pitchFamily="2" charset="-122"/>
+                            <a:cs typeface="+mj-cs"/>
+                          </a:rPr>
+                          <m:t>𝑟𝑒𝑎𝑙</m:t>
+                        </m:r>
+                      </m:sub>
+                    </m:sSub>
+                    <m:r>
+                      <a:rPr lang="en-US" altLang="zh-CN" sz="2400" b="0" i="1" smtClean="0">
+                        <a:latin typeface="Cambria Math" panose="02040503050406030204" pitchFamily="18" charset="0"/>
+                        <a:ea typeface="华文楷体" panose="02010600040101010101" pitchFamily="2" charset="-122"/>
+                        <a:cs typeface="+mj-cs"/>
+                      </a:rPr>
+                      <m:t>=0.7</m:t>
+                    </m:r>
+                  </m:oMath>
+                </a14:m>
+                <a:r>
+                  <a:rPr lang="zh-CN" altLang="en-US" sz="2400" dirty="0">
+                    <a:latin typeface="华文楷体" panose="02010600040101010101" pitchFamily="2" charset="-122"/>
+                    <a:ea typeface="华文楷体" panose="02010600040101010101" pitchFamily="2" charset="-122"/>
+                    <a:cs typeface="+mj-cs"/>
+                  </a:rPr>
+                  <a:t>）</a:t>
+                </a:r>
+                <a:endParaRPr lang="en-US" altLang="zh-CN" sz="2400" dirty="0">
+                  <a:latin typeface="华文楷体" panose="02010600040101010101" pitchFamily="2" charset="-122"/>
+                  <a:ea typeface="华文楷体" panose="02010600040101010101" pitchFamily="2" charset="-122"/>
+                  <a:cs typeface="+mj-cs"/>
+                </a:endParaRPr>
+              </a:p>
+            </p:txBody>
+          </p:sp>
+        </mc:Choice>
+        <mc:Fallback>
+          <p:sp>
+            <p:nvSpPr>
+              <p:cNvPr id="3" name="文本框 2">
+                <a:extLst>
+                  <a:ext uri="{FF2B5EF4-FFF2-40B4-BE49-F238E27FC236}">
+                    <a16:creationId xmlns:a16="http://schemas.microsoft.com/office/drawing/2014/main" id="{AAE421F9-56E5-729B-610E-5EA665B67065}"/>
+                  </a:ext>
+                </a:extLst>
+              </p:cNvPr>
+              <p:cNvSpPr txBox="1">
+                <a:spLocks noRot="1" noChangeAspect="1" noMove="1" noResize="1" noEditPoints="1" noAdjustHandles="1" noChangeArrowheads="1" noChangeShapeType="1" noTextEdit="1"/>
+              </p:cNvSpPr>
+              <p:nvPr/>
+            </p:nvSpPr>
+            <p:spPr>
+              <a:xfrm>
+                <a:off x="694800" y="1440000"/>
+                <a:ext cx="10800000" cy="461665"/>
+              </a:xfrm>
+              <a:prstGeom prst="rect">
+                <a:avLst/>
+              </a:prstGeom>
+              <a:blipFill>
+                <a:blip r:embed="rId2"/>
+                <a:stretch>
+                  <a:fillRect l="-903" t="-10526" b="-28947"/>
+                </a:stretch>
+              </a:blipFill>
+            </p:spPr>
+            <p:txBody>
+              <a:bodyPr/>
+              <a:lstStyle/>
+              <a:p>
+                <a:r>
+                  <a:rPr lang="zh-CN" altLang="en-US">
+                    <a:noFill/>
+                  </a:rPr>
+                  <a:t> </a:t>
+                </a:r>
+              </a:p>
+            </p:txBody>
+          </p:sp>
+        </mc:Fallback>
+      </mc:AlternateContent>
       <p:sp>
         <p:nvSpPr>
           <p:cNvPr id="7" name="灯片编号占位符 3">
@@ -11065,7 +11459,7 @@
                 <a:avLst/>
               </a:prstGeom>
               <a:blipFill>
-                <a:blip r:embed="rId2"/>
+                <a:blip r:embed="rId3"/>
                 <a:stretch>
                   <a:fillRect l="-2020" t="-5839" b="-15328"/>
                 </a:stretch>
@@ -11153,7 +11547,7 @@
           <p:nvPr/>
         </p:nvPicPr>
         <p:blipFill>
-          <a:blip r:embed="rId3">
+          <a:blip r:embed="rId4">
             <a:clrChange>
               <a:clrFrom>
                 <a:srgbClr val="FFFFFF"/>
@@ -11277,66 +11671,165 @@
           </a:p>
         </p:txBody>
       </p:sp>
-      <p:sp>
-        <p:nvSpPr>
-          <p:cNvPr id="3" name="文本框 2">
-            <a:extLst>
-              <a:ext uri="{FF2B5EF4-FFF2-40B4-BE49-F238E27FC236}">
-                <a16:creationId xmlns:a16="http://schemas.microsoft.com/office/drawing/2014/main" id="{9027521E-48BC-23D3-ECC6-0DB179720E16}"/>
-              </a:ext>
-            </a:extLst>
-          </p:cNvPr>
-          <p:cNvSpPr txBox="1"/>
-          <p:nvPr/>
-        </p:nvSpPr>
-        <p:spPr>
-          <a:xfrm>
-            <a:off x="694800" y="1440000"/>
-            <a:ext cx="10800000" cy="461665"/>
-          </a:xfrm>
-          <a:prstGeom prst="rect">
-            <a:avLst/>
-          </a:prstGeom>
-          <a:noFill/>
-        </p:spPr>
-        <p:txBody>
-          <a:bodyPr wrap="square">
-            <a:spAutoFit/>
-          </a:bodyPr>
-          <a:lstStyle/>
-          <a:p>
-            <a:pPr>
-              <a:spcBef>
-                <a:spcPts val="600"/>
-              </a:spcBef>
-              <a:spcAft>
-                <a:spcPts val="600"/>
-              </a:spcAft>
-            </a:pPr>
-            <a:r>
-              <a:rPr lang="en-US" altLang="zh-CN" sz="2400" dirty="0">
-                <a:latin typeface="华文楷体" panose="02010600040101010101" pitchFamily="2" charset="-122"/>
-                <a:ea typeface="华文楷体" panose="02010600040101010101" pitchFamily="2" charset="-122"/>
-                <a:cs typeface="+mj-cs"/>
-              </a:rPr>
-              <a:t>3. </a:t>
-            </a:r>
-            <a:r>
-              <a:rPr lang="zh-CN" altLang="en-US" sz="2400" dirty="0">
-                <a:latin typeface="华文楷体" panose="02010600040101010101" pitchFamily="2" charset="-122"/>
-                <a:ea typeface="华文楷体" panose="02010600040101010101" pitchFamily="2" charset="-122"/>
-                <a:cs typeface="+mj-cs"/>
-              </a:rPr>
-              <a:t>探测与拟合（重建）</a:t>
-            </a:r>
-            <a:endParaRPr lang="en-US" altLang="zh-CN" sz="2400" dirty="0">
-              <a:latin typeface="华文楷体" panose="02010600040101010101" pitchFamily="2" charset="-122"/>
-              <a:ea typeface="华文楷体" panose="02010600040101010101" pitchFamily="2" charset="-122"/>
-              <a:cs typeface="+mj-cs"/>
-            </a:endParaRPr>
-          </a:p>
-        </p:txBody>
-      </p:sp>
+      <mc:AlternateContent xmlns:mc="http://schemas.openxmlformats.org/markup-compatibility/2006">
+        <mc:Choice xmlns:a14="http://schemas.microsoft.com/office/drawing/2010/main" Requires="a14">
+          <p:sp>
+            <p:nvSpPr>
+              <p:cNvPr id="3" name="文本框 2">
+                <a:extLst>
+                  <a:ext uri="{FF2B5EF4-FFF2-40B4-BE49-F238E27FC236}">
+                    <a16:creationId xmlns:a16="http://schemas.microsoft.com/office/drawing/2014/main" id="{9027521E-48BC-23D3-ECC6-0DB179720E16}"/>
+                  </a:ext>
+                </a:extLst>
+              </p:cNvPr>
+              <p:cNvSpPr txBox="1"/>
+              <p:nvPr/>
+            </p:nvSpPr>
+            <p:spPr>
+              <a:xfrm>
+                <a:off x="694800" y="1440000"/>
+                <a:ext cx="10800000" cy="461665"/>
+              </a:xfrm>
+              <a:prstGeom prst="rect">
+                <a:avLst/>
+              </a:prstGeom>
+              <a:noFill/>
+            </p:spPr>
+            <p:txBody>
+              <a:bodyPr wrap="square">
+                <a:spAutoFit/>
+              </a:bodyPr>
+              <a:lstStyle/>
+              <a:p>
+                <a:pPr>
+                  <a:spcBef>
+                    <a:spcPts val="600"/>
+                  </a:spcBef>
+                  <a:spcAft>
+                    <a:spcPts val="600"/>
+                  </a:spcAft>
+                </a:pPr>
+                <a:r>
+                  <a:rPr lang="en-US" altLang="zh-CN" sz="2400" dirty="0">
+                    <a:latin typeface="华文楷体" panose="02010600040101010101" pitchFamily="2" charset="-122"/>
+                    <a:ea typeface="华文楷体" panose="02010600040101010101" pitchFamily="2" charset="-122"/>
+                    <a:cs typeface="+mj-cs"/>
+                  </a:rPr>
+                  <a:t>3. </a:t>
+                </a:r>
+                <a:r>
+                  <a:rPr lang="zh-CN" altLang="en-US" sz="2400" dirty="0">
+                    <a:latin typeface="华文楷体" panose="02010600040101010101" pitchFamily="2" charset="-122"/>
+                    <a:ea typeface="华文楷体" panose="02010600040101010101" pitchFamily="2" charset="-122"/>
+                    <a:cs typeface="+mj-cs"/>
+                  </a:rPr>
+                  <a:t>探测与拟合（重建） （</a:t>
+                </a:r>
+                <a14:m>
+                  <m:oMath xmlns:m="http://schemas.openxmlformats.org/officeDocument/2006/math">
+                    <m:sSub>
+                      <m:sSubPr>
+                        <m:ctrlPr>
+                          <a:rPr lang="en-US" altLang="zh-CN" sz="2400" b="0" i="1" smtClean="0">
+                            <a:latin typeface="Cambria Math" panose="02040503050406030204" pitchFamily="18" charset="0"/>
+                            <a:ea typeface="华文楷体" panose="02010600040101010101" pitchFamily="2" charset="-122"/>
+                            <a:cs typeface="+mj-cs"/>
+                          </a:rPr>
+                        </m:ctrlPr>
+                      </m:sSubPr>
+                      <m:e>
+                        <m:r>
+                          <a:rPr lang="en-US" altLang="zh-CN" sz="2400" b="0" i="1" smtClean="0">
+                            <a:latin typeface="Cambria Math" panose="02040503050406030204" pitchFamily="18" charset="0"/>
+                            <a:ea typeface="华文楷体" panose="02010600040101010101" pitchFamily="2" charset="-122"/>
+                            <a:cs typeface="+mj-cs"/>
+                          </a:rPr>
+                          <m:t>𝛽</m:t>
+                        </m:r>
+                      </m:e>
+                      <m:sub>
+                        <m:r>
+                          <a:rPr lang="en-US" altLang="zh-CN" sz="2400" b="0" i="1" smtClean="0">
+                            <a:latin typeface="Cambria Math" panose="02040503050406030204" pitchFamily="18" charset="0"/>
+                            <a:ea typeface="华文楷体" panose="02010600040101010101" pitchFamily="2" charset="-122"/>
+                            <a:cs typeface="+mj-cs"/>
+                          </a:rPr>
+                          <m:t>𝑟𝑒𝑎𝑙</m:t>
+                        </m:r>
+                      </m:sub>
+                    </m:sSub>
+                    <m:r>
+                      <a:rPr lang="en-US" altLang="zh-CN" sz="2400" b="0" i="1" smtClean="0">
+                        <a:latin typeface="Cambria Math" panose="02040503050406030204" pitchFamily="18" charset="0"/>
+                        <a:ea typeface="华文楷体" panose="02010600040101010101" pitchFamily="2" charset="-122"/>
+                        <a:cs typeface="+mj-cs"/>
+                      </a:rPr>
+                      <m:t>=0.7</m:t>
+                    </m:r>
+                  </m:oMath>
+                </a14:m>
+                <a:r>
+                  <a:rPr lang="zh-CN" altLang="en-US" sz="2400" dirty="0">
+                    <a:latin typeface="华文楷体" panose="02010600040101010101" pitchFamily="2" charset="-122"/>
+                    <a:ea typeface="华文楷体" panose="02010600040101010101" pitchFamily="2" charset="-122"/>
+                    <a:cs typeface="+mj-cs"/>
+                  </a:rPr>
+                  <a:t>）</a:t>
+                </a:r>
+                <a:endParaRPr lang="en-US" altLang="zh-CN" sz="2400" dirty="0">
+                  <a:latin typeface="华文楷体" panose="02010600040101010101" pitchFamily="2" charset="-122"/>
+                  <a:ea typeface="华文楷体" panose="02010600040101010101" pitchFamily="2" charset="-122"/>
+                  <a:cs typeface="+mj-cs"/>
+                </a:endParaRPr>
+              </a:p>
+            </p:txBody>
+          </p:sp>
+        </mc:Choice>
+        <mc:Fallback>
+          <p:sp>
+            <p:nvSpPr>
+              <p:cNvPr id="3" name="文本框 2">
+                <a:extLst>
+                  <a:ext uri="{FF2B5EF4-FFF2-40B4-BE49-F238E27FC236}">
+                    <a16:creationId xmlns:a16="http://schemas.microsoft.com/office/drawing/2014/main" id="{9027521E-48BC-23D3-ECC6-0DB179720E16}"/>
+                  </a:ext>
+                </a:extLst>
+              </p:cNvPr>
+              <p:cNvSpPr txBox="1">
+                <a:spLocks noRot="1" noChangeAspect="1" noMove="1" noResize="1" noEditPoints="1" noAdjustHandles="1" noChangeArrowheads="1" noChangeShapeType="1" noTextEdit="1"/>
+              </p:cNvSpPr>
+              <p:nvPr/>
+            </p:nvSpPr>
+            <p:spPr>
+              <a:xfrm>
+                <a:off x="694800" y="1440000"/>
+                <a:ext cx="10800000" cy="461665"/>
+              </a:xfrm>
+              <a:prstGeom prst="rect">
+                <a:avLst/>
+              </a:prstGeom>
+              <a:blipFill>
+                <a:blip r:embed="rId2"/>
+                <a:stretch>
+                  <a:fillRect l="-903" t="-10526" b="-28947"/>
+                </a:stretch>
+              </a:blipFill>
+            </p:spPr>
+            <p:txBody>
+              <a:bodyPr/>
+              <a:lstStyle/>
+              <a:p>
+                <a:r>
+                  <a:rPr lang="zh-CN" altLang="en-US">
+                    <a:noFill/>
+                  </a:rPr>
+                  <a:t> </a:t>
+                </a:r>
+              </a:p>
+            </p:txBody>
+          </p:sp>
+        </mc:Fallback>
+      </mc:AlternateContent>
       <p:sp>
         <p:nvSpPr>
           <p:cNvPr id="7" name="灯片编号占位符 3">
@@ -11548,7 +12041,7 @@
           <p:nvPr/>
         </p:nvPicPr>
         <p:blipFill>
-          <a:blip r:embed="rId2">
+          <a:blip r:embed="rId3">
             <a:clrChange>
               <a:clrFrom>
                 <a:srgbClr val="FFFFFF"/>
@@ -11627,6 +12120,42 @@
           <a:chExt cx="0" cy="0"/>
         </a:xfrm>
       </p:grpSpPr>
+      <p:pic>
+        <p:nvPicPr>
+          <p:cNvPr id="8" name="图片 7" descr="图表, 折线图&#10;&#10;描述已自动生成">
+            <a:extLst>
+              <a:ext uri="{FF2B5EF4-FFF2-40B4-BE49-F238E27FC236}">
+                <a16:creationId xmlns:a16="http://schemas.microsoft.com/office/drawing/2014/main" id="{C2D5453D-4F25-AF21-902D-B23542C0C22D}"/>
+              </a:ext>
+            </a:extLst>
+          </p:cNvPr>
+          <p:cNvPicPr>
+            <a:picLocks noChangeAspect="1"/>
+          </p:cNvPicPr>
+          <p:nvPr/>
+        </p:nvPicPr>
+        <p:blipFill>
+          <a:blip r:embed="rId2">
+            <a:extLst>
+              <a:ext uri="{28A0092B-C50C-407E-A947-70E740481C1C}">
+                <a14:useLocalDpi xmlns:a14="http://schemas.microsoft.com/office/drawing/2010/main" val="0"/>
+              </a:ext>
+            </a:extLst>
+          </a:blip>
+          <a:stretch>
+            <a:fillRect/>
+          </a:stretch>
+        </p:blipFill>
+        <p:spPr>
+          <a:xfrm>
+            <a:off x="694800" y="1670400"/>
+            <a:ext cx="6286622" cy="4399200"/>
+          </a:xfrm>
+          <a:prstGeom prst="rect">
+            <a:avLst/>
+          </a:prstGeom>
+        </p:spPr>
+      </p:pic>
       <p:sp>
         <p:nvSpPr>
           <p:cNvPr id="2" name="标题 1">
@@ -11672,66 +12201,165 @@
           </a:p>
         </p:txBody>
       </p:sp>
-      <p:sp>
-        <p:nvSpPr>
-          <p:cNvPr id="3" name="文本框 2">
-            <a:extLst>
-              <a:ext uri="{FF2B5EF4-FFF2-40B4-BE49-F238E27FC236}">
-                <a16:creationId xmlns:a16="http://schemas.microsoft.com/office/drawing/2014/main" id="{3CFA08A8-4152-2994-A094-8BC35DA7AB84}"/>
-              </a:ext>
-            </a:extLst>
-          </p:cNvPr>
-          <p:cNvSpPr txBox="1"/>
-          <p:nvPr/>
-        </p:nvSpPr>
-        <p:spPr>
-          <a:xfrm>
-            <a:off x="694800" y="1440000"/>
-            <a:ext cx="10800000" cy="461665"/>
-          </a:xfrm>
-          <a:prstGeom prst="rect">
-            <a:avLst/>
-          </a:prstGeom>
-          <a:noFill/>
-        </p:spPr>
-        <p:txBody>
-          <a:bodyPr wrap="square">
-            <a:spAutoFit/>
-          </a:bodyPr>
-          <a:lstStyle/>
-          <a:p>
-            <a:pPr>
-              <a:spcBef>
-                <a:spcPts val="600"/>
-              </a:spcBef>
-              <a:spcAft>
-                <a:spcPts val="600"/>
-              </a:spcAft>
-            </a:pPr>
-            <a:r>
-              <a:rPr lang="en-US" altLang="zh-CN" sz="2400" dirty="0">
-                <a:latin typeface="华文楷体" panose="02010600040101010101" pitchFamily="2" charset="-122"/>
-                <a:ea typeface="华文楷体" panose="02010600040101010101" pitchFamily="2" charset="-122"/>
-                <a:cs typeface="+mj-cs"/>
-              </a:rPr>
-              <a:t>4. </a:t>
-            </a:r>
-            <a:r>
-              <a:rPr lang="zh-CN" altLang="en-US" sz="2400" dirty="0">
-                <a:latin typeface="华文楷体" panose="02010600040101010101" pitchFamily="2" charset="-122"/>
-                <a:ea typeface="华文楷体" panose="02010600040101010101" pitchFamily="2" charset="-122"/>
-                <a:cs typeface="+mj-cs"/>
-              </a:rPr>
-              <a:t>重建后的分布</a:t>
-            </a:r>
-            <a:endParaRPr lang="en-US" altLang="zh-CN" sz="2400" dirty="0">
-              <a:latin typeface="华文楷体" panose="02010600040101010101" pitchFamily="2" charset="-122"/>
-              <a:ea typeface="华文楷体" panose="02010600040101010101" pitchFamily="2" charset="-122"/>
-              <a:cs typeface="+mj-cs"/>
-            </a:endParaRPr>
-          </a:p>
-        </p:txBody>
-      </p:sp>
+      <mc:AlternateContent xmlns:mc="http://schemas.openxmlformats.org/markup-compatibility/2006">
+        <mc:Choice xmlns:a14="http://schemas.microsoft.com/office/drawing/2010/main" Requires="a14">
+          <p:sp>
+            <p:nvSpPr>
+              <p:cNvPr id="3" name="文本框 2">
+                <a:extLst>
+                  <a:ext uri="{FF2B5EF4-FFF2-40B4-BE49-F238E27FC236}">
+                    <a16:creationId xmlns:a16="http://schemas.microsoft.com/office/drawing/2014/main" id="{3CFA08A8-4152-2994-A094-8BC35DA7AB84}"/>
+                  </a:ext>
+                </a:extLst>
+              </p:cNvPr>
+              <p:cNvSpPr txBox="1"/>
+              <p:nvPr/>
+            </p:nvSpPr>
+            <p:spPr>
+              <a:xfrm>
+                <a:off x="694800" y="1440000"/>
+                <a:ext cx="10800000" cy="461665"/>
+              </a:xfrm>
+              <a:prstGeom prst="rect">
+                <a:avLst/>
+              </a:prstGeom>
+              <a:noFill/>
+            </p:spPr>
+            <p:txBody>
+              <a:bodyPr wrap="square">
+                <a:spAutoFit/>
+              </a:bodyPr>
+              <a:lstStyle/>
+              <a:p>
+                <a:pPr>
+                  <a:spcBef>
+                    <a:spcPts val="600"/>
+                  </a:spcBef>
+                  <a:spcAft>
+                    <a:spcPts val="600"/>
+                  </a:spcAft>
+                </a:pPr>
+                <a:r>
+                  <a:rPr lang="en-US" altLang="zh-CN" sz="2400" dirty="0">
+                    <a:latin typeface="华文楷体" panose="02010600040101010101" pitchFamily="2" charset="-122"/>
+                    <a:ea typeface="华文楷体" panose="02010600040101010101" pitchFamily="2" charset="-122"/>
+                    <a:cs typeface="+mj-cs"/>
+                  </a:rPr>
+                  <a:t>4. </a:t>
+                </a:r>
+                <a:r>
+                  <a:rPr lang="zh-CN" altLang="en-US" sz="2400" dirty="0">
+                    <a:latin typeface="华文楷体" panose="02010600040101010101" pitchFamily="2" charset="-122"/>
+                    <a:ea typeface="华文楷体" panose="02010600040101010101" pitchFamily="2" charset="-122"/>
+                    <a:cs typeface="+mj-cs"/>
+                  </a:rPr>
+                  <a:t>重建后的分布（</a:t>
+                </a:r>
+                <a14:m>
+                  <m:oMath xmlns:m="http://schemas.openxmlformats.org/officeDocument/2006/math">
+                    <m:sSub>
+                      <m:sSubPr>
+                        <m:ctrlPr>
+                          <a:rPr lang="en-US" altLang="zh-CN" sz="2400" b="0" i="1" smtClean="0">
+                            <a:latin typeface="Cambria Math" panose="02040503050406030204" pitchFamily="18" charset="0"/>
+                            <a:ea typeface="华文楷体" panose="02010600040101010101" pitchFamily="2" charset="-122"/>
+                            <a:cs typeface="+mj-cs"/>
+                          </a:rPr>
+                        </m:ctrlPr>
+                      </m:sSubPr>
+                      <m:e>
+                        <m:r>
+                          <a:rPr lang="en-US" altLang="zh-CN" sz="2400" b="0" i="1" smtClean="0">
+                            <a:latin typeface="Cambria Math" panose="02040503050406030204" pitchFamily="18" charset="0"/>
+                            <a:ea typeface="华文楷体" panose="02010600040101010101" pitchFamily="2" charset="-122"/>
+                            <a:cs typeface="+mj-cs"/>
+                          </a:rPr>
+                          <m:t>𝛽</m:t>
+                        </m:r>
+                      </m:e>
+                      <m:sub>
+                        <m:r>
+                          <a:rPr lang="en-US" altLang="zh-CN" sz="2400" b="0" i="1" smtClean="0">
+                            <a:latin typeface="Cambria Math" panose="02040503050406030204" pitchFamily="18" charset="0"/>
+                            <a:ea typeface="华文楷体" panose="02010600040101010101" pitchFamily="2" charset="-122"/>
+                            <a:cs typeface="+mj-cs"/>
+                          </a:rPr>
+                          <m:t>𝑟𝑒𝑎𝑙</m:t>
+                        </m:r>
+                      </m:sub>
+                    </m:sSub>
+                    <m:r>
+                      <a:rPr lang="en-US" altLang="zh-CN" sz="2400" b="0" i="1" smtClean="0">
+                        <a:latin typeface="Cambria Math" panose="02040503050406030204" pitchFamily="18" charset="0"/>
+                        <a:ea typeface="华文楷体" panose="02010600040101010101" pitchFamily="2" charset="-122"/>
+                        <a:cs typeface="+mj-cs"/>
+                      </a:rPr>
+                      <m:t>=0.7</m:t>
+                    </m:r>
+                  </m:oMath>
+                </a14:m>
+                <a:r>
+                  <a:rPr lang="zh-CN" altLang="en-US" sz="2400" dirty="0">
+                    <a:latin typeface="华文楷体" panose="02010600040101010101" pitchFamily="2" charset="-122"/>
+                    <a:ea typeface="华文楷体" panose="02010600040101010101" pitchFamily="2" charset="-122"/>
+                    <a:cs typeface="+mj-cs"/>
+                  </a:rPr>
+                  <a:t>）</a:t>
+                </a:r>
+                <a:endParaRPr lang="en-US" altLang="zh-CN" sz="2400" dirty="0">
+                  <a:latin typeface="华文楷体" panose="02010600040101010101" pitchFamily="2" charset="-122"/>
+                  <a:ea typeface="华文楷体" panose="02010600040101010101" pitchFamily="2" charset="-122"/>
+                  <a:cs typeface="+mj-cs"/>
+                </a:endParaRPr>
+              </a:p>
+            </p:txBody>
+          </p:sp>
+        </mc:Choice>
+        <mc:Fallback>
+          <p:sp>
+            <p:nvSpPr>
+              <p:cNvPr id="3" name="文本框 2">
+                <a:extLst>
+                  <a:ext uri="{FF2B5EF4-FFF2-40B4-BE49-F238E27FC236}">
+                    <a16:creationId xmlns:a16="http://schemas.microsoft.com/office/drawing/2014/main" id="{3CFA08A8-4152-2994-A094-8BC35DA7AB84}"/>
+                  </a:ext>
+                </a:extLst>
+              </p:cNvPr>
+              <p:cNvSpPr txBox="1">
+                <a:spLocks noRot="1" noChangeAspect="1" noMove="1" noResize="1" noEditPoints="1" noAdjustHandles="1" noChangeArrowheads="1" noChangeShapeType="1" noTextEdit="1"/>
+              </p:cNvSpPr>
+              <p:nvPr/>
+            </p:nvSpPr>
+            <p:spPr>
+              <a:xfrm>
+                <a:off x="694800" y="1440000"/>
+                <a:ext cx="10800000" cy="461665"/>
+              </a:xfrm>
+              <a:prstGeom prst="rect">
+                <a:avLst/>
+              </a:prstGeom>
+              <a:blipFill>
+                <a:blip r:embed="rId3"/>
+                <a:stretch>
+                  <a:fillRect l="-903" t="-10526" b="-28947"/>
+                </a:stretch>
+              </a:blipFill>
+            </p:spPr>
+            <p:txBody>
+              <a:bodyPr/>
+              <a:lstStyle/>
+              <a:p>
+                <a:r>
+                  <a:rPr lang="zh-CN" altLang="en-US">
+                    <a:noFill/>
+                  </a:rPr>
+                  <a:t> </a:t>
+                </a:r>
+              </a:p>
+            </p:txBody>
+          </p:sp>
+        </mc:Fallback>
+      </mc:AlternateContent>
       <p:sp>
         <p:nvSpPr>
           <p:cNvPr id="7" name="灯片编号占位符 3">
@@ -11903,7 +12531,7 @@
                 <a:avLst/>
               </a:prstGeom>
               <a:blipFill>
-                <a:blip r:embed="rId2"/>
+                <a:blip r:embed="rId4"/>
                 <a:stretch>
                   <a:fillRect b="-6452"/>
                 </a:stretch>
@@ -11940,8 +12568,8 @@
             </p:nvSpPr>
             <p:spPr>
               <a:xfrm>
-                <a:off x="6668048" y="2969969"/>
-                <a:ext cx="4826752" cy="1200329"/>
+                <a:off x="6668048" y="2785304"/>
+                <a:ext cx="4826752" cy="1569660"/>
               </a:xfrm>
               <a:prstGeom prst="rect">
                 <a:avLst/>
@@ -12156,8 +12784,64 @@
                     <a:ea typeface="华文楷体" panose="02010600040101010101" pitchFamily="2" charset="-122"/>
                     <a:cs typeface="+mj-cs"/>
                   </a:rPr>
-                  <a:t>）差值的分布</a:t>
+                  <a:t>）差值的分布，中央黑色竖线为</a:t>
                 </a:r>
+                <a:r>
+                  <a:rPr lang="en-US" altLang="zh-CN" sz="2400" dirty="0">
+                    <a:latin typeface="华文楷体" panose="02010600040101010101" pitchFamily="2" charset="-122"/>
+                    <a:ea typeface="华文楷体" panose="02010600040101010101" pitchFamily="2" charset="-122"/>
+                    <a:cs typeface="+mj-cs"/>
+                  </a:rPr>
+                  <a:t>0</a:t>
+                </a:r>
+                <a:r>
+                  <a:rPr lang="zh-CN" altLang="en-US" sz="2400" dirty="0">
+                    <a:latin typeface="华文楷体" panose="02010600040101010101" pitchFamily="2" charset="-122"/>
+                    <a:ea typeface="华文楷体" panose="02010600040101010101" pitchFamily="2" charset="-122"/>
+                    <a:cs typeface="+mj-cs"/>
+                  </a:rPr>
+                  <a:t>时间分辨率时的</a:t>
+                </a:r>
+                <a14:m>
+                  <m:oMath xmlns:m="http://schemas.openxmlformats.org/officeDocument/2006/math">
+                    <m:r>
+                      <m:rPr>
+                        <m:sty m:val="p"/>
+                      </m:rPr>
+                      <a:rPr lang="en-US" altLang="zh-CN" sz="2400" b="0" i="0" smtClean="0">
+                        <a:latin typeface="Cambria Math" panose="02040503050406030204" pitchFamily="18" charset="0"/>
+                        <a:ea typeface="华文楷体" panose="02010600040101010101" pitchFamily="2" charset="-122"/>
+                      </a:rPr>
+                      <m:t>Δ</m:t>
+                    </m:r>
+                    <m:d>
+                      <m:dPr>
+                        <m:ctrlPr>
+                          <a:rPr lang="en-US" altLang="zh-CN" sz="2400" b="0" i="0" smtClean="0">
+                            <a:latin typeface="Cambria Math" panose="02040503050406030204" pitchFamily="18" charset="0"/>
+                            <a:ea typeface="华文楷体" panose="02010600040101010101" pitchFamily="2" charset="-122"/>
+                          </a:rPr>
+                        </m:ctrlPr>
+                      </m:dPr>
+                      <m:e>
+                        <m:r>
+                          <a:rPr lang="en-US" altLang="zh-CN" sz="2400" i="1">
+                            <a:latin typeface="Cambria Math" panose="02040503050406030204" pitchFamily="18" charset="0"/>
+                            <a:ea typeface="华文楷体" panose="02010600040101010101" pitchFamily="2" charset="-122"/>
+                          </a:rPr>
+                          <m:t>1/</m:t>
+                        </m:r>
+                        <m:r>
+                          <a:rPr lang="en-US" altLang="zh-CN" sz="2400" i="1">
+                            <a:latin typeface="Cambria Math" panose="02040503050406030204" pitchFamily="18" charset="0"/>
+                            <a:ea typeface="华文楷体" panose="02010600040101010101" pitchFamily="2" charset="-122"/>
+                          </a:rPr>
+                          <m:t>𝛽</m:t>
+                        </m:r>
+                      </m:e>
+                    </m:d>
+                  </m:oMath>
+                </a14:m>
                 <a:endParaRPr lang="en-US" altLang="zh-CN" sz="2400" dirty="0">
                   <a:latin typeface="华文楷体" panose="02010600040101010101" pitchFamily="2" charset="-122"/>
                   <a:ea typeface="华文楷体" panose="02010600040101010101" pitchFamily="2" charset="-122"/>
@@ -12184,16 +12868,16 @@
             </p:nvSpPr>
             <p:spPr>
               <a:xfrm>
-                <a:off x="6668048" y="2969969"/>
-                <a:ext cx="4826752" cy="1200329"/>
+                <a:off x="6668048" y="2785304"/>
+                <a:ext cx="4826752" cy="1569660"/>
               </a:xfrm>
               <a:prstGeom prst="rect">
                 <a:avLst/>
               </a:prstGeom>
               <a:blipFill>
-                <a:blip r:embed="rId3"/>
+                <a:blip r:embed="rId5"/>
                 <a:stretch>
-                  <a:fillRect l="-2020" t="-4061" b="-10660"/>
+                  <a:fillRect l="-2020" t="-3113" b="-8171"/>
                 </a:stretch>
               </a:blipFill>
             </p:spPr>
@@ -12212,52 +12896,6 @@
           </p:sp>
         </mc:Fallback>
       </mc:AlternateContent>
-      <p:pic>
-        <p:nvPicPr>
-          <p:cNvPr id="5" name="图片 4" descr="图表, 折线图&#10;&#10;描述已自动生成">
-            <a:extLst>
-              <a:ext uri="{FF2B5EF4-FFF2-40B4-BE49-F238E27FC236}">
-                <a16:creationId xmlns:a16="http://schemas.microsoft.com/office/drawing/2014/main" id="{0CFC11EB-C95D-7ECA-7EEF-89A35A5A8FED}"/>
-              </a:ext>
-            </a:extLst>
-          </p:cNvPr>
-          <p:cNvPicPr>
-            <a:picLocks noChangeAspect="1"/>
-          </p:cNvPicPr>
-          <p:nvPr/>
-        </p:nvPicPr>
-        <p:blipFill>
-          <a:blip r:embed="rId4">
-            <a:clrChange>
-              <a:clrFrom>
-                <a:srgbClr val="FFFFFF"/>
-              </a:clrFrom>
-              <a:clrTo>
-                <a:srgbClr val="FFFFFF">
-                  <a:alpha val="0"/>
-                </a:srgbClr>
-              </a:clrTo>
-            </a:clrChange>
-            <a:extLst>
-              <a:ext uri="{28A0092B-C50C-407E-A947-70E740481C1C}">
-                <a14:useLocalDpi xmlns:a14="http://schemas.microsoft.com/office/drawing/2010/main" val="0"/>
-              </a:ext>
-            </a:extLst>
-          </a:blip>
-          <a:stretch>
-            <a:fillRect/>
-          </a:stretch>
-        </p:blipFill>
-        <p:spPr>
-          <a:xfrm>
-            <a:off x="694800" y="1670400"/>
-            <a:ext cx="6286622" cy="4399200"/>
-          </a:xfrm>
-          <a:prstGeom prst="rect">
-            <a:avLst/>
-          </a:prstGeom>
-        </p:spPr>
-      </p:pic>
       <p:sp>
         <p:nvSpPr>
           <p:cNvPr id="4" name="文本框 3">
@@ -12272,7 +12910,7 @@
         </p:nvSpPr>
         <p:spPr>
           <a:xfrm>
-            <a:off x="6668048" y="4170298"/>
+            <a:off x="6668048" y="4354964"/>
             <a:ext cx="4826752" cy="830997"/>
           </a:xfrm>
           <a:prstGeom prst="rect">
@@ -12300,22 +12938,6 @@
                 <a:ea typeface="华文楷体" panose="02010600040101010101" pitchFamily="2" charset="-122"/>
                 <a:cs typeface="+mj-cs"/>
               </a:rPr>
-              <a:t>图</a:t>
-            </a:r>
-            <a:r>
-              <a:rPr lang="en-US" altLang="zh-CN" sz="2400" dirty="0">
-                <a:latin typeface="华文楷体" panose="02010600040101010101" pitchFamily="2" charset="-122"/>
-                <a:ea typeface="华文楷体" panose="02010600040101010101" pitchFamily="2" charset="-122"/>
-                <a:cs typeface="+mj-cs"/>
-              </a:rPr>
-              <a:t>6</a:t>
-            </a:r>
-            <a:r>
-              <a:rPr lang="zh-CN" altLang="en-US" sz="2400" dirty="0">
-                <a:latin typeface="华文楷体" panose="02010600040101010101" pitchFamily="2" charset="-122"/>
-                <a:ea typeface="华文楷体" panose="02010600040101010101" pitchFamily="2" charset="-122"/>
-                <a:cs typeface="+mj-cs"/>
-              </a:rPr>
               <a:t>可见均值并不在</a:t>
             </a:r>
             <a:r>
@@ -12332,7 +12954,7 @@
                 <a:ea typeface="华文楷体" panose="02010600040101010101" pitchFamily="2" charset="-122"/>
                 <a:cs typeface="+mj-cs"/>
               </a:rPr>
-              <a:t>处，猜想为线性重建方法的弊端</a:t>
+              <a:t>处，猜想为由重建方法（线性重建）造成</a:t>
             </a:r>
             <a:endParaRPr lang="en-US" altLang="zh-CN" sz="2400" dirty="0">
               <a:latin typeface="华文楷体" panose="02010600040101010101" pitchFamily="2" charset="-122"/>
@@ -12390,6 +13012,42 @@
           <a:chExt cx="0" cy="0"/>
         </a:xfrm>
       </p:grpSpPr>
+      <p:pic>
+        <p:nvPicPr>
+          <p:cNvPr id="5" name="图片 4" descr="图表, 折线图&#10;&#10;描述已自动生成">
+            <a:extLst>
+              <a:ext uri="{FF2B5EF4-FFF2-40B4-BE49-F238E27FC236}">
+                <a16:creationId xmlns:a16="http://schemas.microsoft.com/office/drawing/2014/main" id="{95225374-D0A4-FCE8-5AC2-EBB2428B111B}"/>
+              </a:ext>
+            </a:extLst>
+          </p:cNvPr>
+          <p:cNvPicPr>
+            <a:picLocks noChangeAspect="1"/>
+          </p:cNvPicPr>
+          <p:nvPr/>
+        </p:nvPicPr>
+        <p:blipFill>
+          <a:blip r:embed="rId2">
+            <a:extLst>
+              <a:ext uri="{28A0092B-C50C-407E-A947-70E740481C1C}">
+                <a14:useLocalDpi xmlns:a14="http://schemas.microsoft.com/office/drawing/2010/main" val="0"/>
+              </a:ext>
+            </a:extLst>
+          </a:blip>
+          <a:stretch>
+            <a:fillRect/>
+          </a:stretch>
+        </p:blipFill>
+        <p:spPr>
+          <a:xfrm>
+            <a:off x="694800" y="1670400"/>
+            <a:ext cx="6286622" cy="4399200"/>
+          </a:xfrm>
+          <a:prstGeom prst="rect">
+            <a:avLst/>
+          </a:prstGeom>
+        </p:spPr>
+      </p:pic>
       <p:sp>
         <p:nvSpPr>
           <p:cNvPr id="2" name="标题 1">
@@ -12435,8 +13093,8 @@
           </a:p>
         </p:txBody>
       </p:sp>
-      <mc:AlternateContent xmlns:mc="http://schemas.openxmlformats.org/markup-compatibility/2006" xmlns:a14="http://schemas.microsoft.com/office/drawing/2010/main">
-        <mc:Choice Requires="a14">
+      <mc:AlternateContent xmlns:mc="http://schemas.openxmlformats.org/markup-compatibility/2006">
+        <mc:Choice xmlns:a14="http://schemas.microsoft.com/office/drawing/2010/main" Requires="a14">
           <p:sp>
             <p:nvSpPr>
               <p:cNvPr id="3" name="文本框 2">
@@ -12500,6 +13158,22 @@
                     <a:cs typeface="+mj-cs"/>
                   </a:rPr>
                   <a:t>分别为</a:t>
+                </a:r>
+                <a:r>
+                  <a:rPr lang="en-US" altLang="zh-CN" sz="2400" dirty="0">
+                    <a:latin typeface="华文楷体" panose="02010600040101010101" pitchFamily="2" charset="-122"/>
+                    <a:ea typeface="华文楷体" panose="02010600040101010101" pitchFamily="2" charset="-122"/>
+                    <a:cs typeface="+mj-cs"/>
+                  </a:rPr>
+                  <a:t>0.4</a:t>
+                </a:r>
+                <a:r>
+                  <a:rPr lang="zh-CN" altLang="en-US" sz="2400" dirty="0">
+                    <a:latin typeface="华文楷体" panose="02010600040101010101" pitchFamily="2" charset="-122"/>
+                    <a:ea typeface="华文楷体" panose="02010600040101010101" pitchFamily="2" charset="-122"/>
+                    <a:cs typeface="+mj-cs"/>
+                  </a:rPr>
+                  <a:t>、</a:t>
                 </a:r>
                 <a:r>
                   <a:rPr lang="en-US" altLang="zh-CN" sz="2400" dirty="0">
@@ -12630,7 +13304,7 @@
             </p:txBody>
           </p:sp>
         </mc:Choice>
-        <mc:Fallback xmlns="">
+        <mc:Fallback>
           <p:sp>
             <p:nvSpPr>
               <p:cNvPr id="3" name="文本框 2">
@@ -12654,7 +13328,7 @@
                 <a:avLst/>
               </a:prstGeom>
               <a:blipFill>
-                <a:blip r:embed="rId2"/>
+                <a:blip r:embed="rId3"/>
                 <a:stretch>
                   <a:fillRect l="-903" t="-10526" b="-28947"/>
                 </a:stretch>
@@ -12866,7 +13540,7 @@
                 <a:avLst/>
               </a:prstGeom>
               <a:blipFill>
-                <a:blip r:embed="rId3"/>
+                <a:blip r:embed="rId4"/>
                 <a:stretch>
                   <a:fillRect b="-6452"/>
                 </a:stretch>
@@ -13010,7 +13684,7 @@
                 <a:avLst/>
               </a:prstGeom>
               <a:blipFill>
-                <a:blip r:embed="rId4"/>
+                <a:blip r:embed="rId5"/>
                 <a:stretch>
                   <a:fillRect l="-2020" t="-4061" r="-758" b="-10660"/>
                 </a:stretch>
@@ -13031,54 +13705,8 @@
           </p:sp>
         </mc:Fallback>
       </mc:AlternateContent>
-      <p:pic>
-        <p:nvPicPr>
-          <p:cNvPr id="6" name="图片 5" descr="图表, 折线图&#10;&#10;描述已自动生成">
-            <a:extLst>
-              <a:ext uri="{FF2B5EF4-FFF2-40B4-BE49-F238E27FC236}">
-                <a16:creationId xmlns:a16="http://schemas.microsoft.com/office/drawing/2014/main" id="{39348A67-ACCE-D9A8-DFDC-C4E907964954}"/>
-              </a:ext>
-            </a:extLst>
-          </p:cNvPr>
-          <p:cNvPicPr>
-            <a:picLocks noChangeAspect="1"/>
-          </p:cNvPicPr>
-          <p:nvPr/>
-        </p:nvPicPr>
-        <p:blipFill>
-          <a:blip r:embed="rId5">
-            <a:clrChange>
-              <a:clrFrom>
-                <a:srgbClr val="FFFFFF"/>
-              </a:clrFrom>
-              <a:clrTo>
-                <a:srgbClr val="FFFFFF">
-                  <a:alpha val="0"/>
-                </a:srgbClr>
-              </a:clrTo>
-            </a:clrChange>
-            <a:extLst>
-              <a:ext uri="{28A0092B-C50C-407E-A947-70E740481C1C}">
-                <a14:useLocalDpi xmlns:a14="http://schemas.microsoft.com/office/drawing/2010/main" val="0"/>
-              </a:ext>
-            </a:extLst>
-          </a:blip>
-          <a:stretch>
-            <a:fillRect/>
-          </a:stretch>
-        </p:blipFill>
-        <p:spPr>
-          <a:xfrm>
-            <a:off x="694800" y="1670400"/>
-            <a:ext cx="6286622" cy="4399200"/>
-          </a:xfrm>
-          <a:prstGeom prst="rect">
-            <a:avLst/>
-          </a:prstGeom>
-        </p:spPr>
-      </p:pic>
-      <mc:AlternateContent xmlns:mc="http://schemas.openxmlformats.org/markup-compatibility/2006" xmlns:a14="http://schemas.microsoft.com/office/drawing/2010/main">
-        <mc:Choice Requires="a14">
+      <mc:AlternateContent xmlns:mc="http://schemas.openxmlformats.org/markup-compatibility/2006">
+        <mc:Choice xmlns:a14="http://schemas.microsoft.com/office/drawing/2010/main" Requires="a14">
           <p:sp>
             <p:nvSpPr>
               <p:cNvPr id="9" name="文本框 8">
@@ -13133,7 +13761,7 @@
                     <a:ea typeface="华文楷体" panose="02010600040101010101" pitchFamily="2" charset="-122"/>
                     <a:cs typeface="+mj-cs"/>
                   </a:rPr>
-                  <a:t>较小时的能量损失很大，导致重建的速度与真实速度的差异较大。</a:t>
+                  <a:t>较小时的能量损失很大，导致重建的速度与真实速度的差异较大</a:t>
                 </a:r>
                 <a:endParaRPr lang="en-US" altLang="zh-CN" sz="2400" dirty="0">
                   <a:latin typeface="华文楷体" panose="02010600040101010101" pitchFamily="2" charset="-122"/>
@@ -13144,7 +13772,7 @@
             </p:txBody>
           </p:sp>
         </mc:Choice>
-        <mc:Fallback xmlns="">
+        <mc:Fallback>
           <p:sp>
             <p:nvSpPr>
               <p:cNvPr id="9" name="文本框 8">
@@ -13170,7 +13798,7 @@
               <a:blipFill>
                 <a:blip r:embed="rId6"/>
                 <a:stretch>
-                  <a:fillRect l="-2020" t="-5839" r="-379" b="-15328"/>
+                  <a:fillRect l="-2020" t="-5839" b="-15328"/>
                 </a:stretch>
               </a:blipFill>
             </p:spPr>
@@ -16331,7 +16959,7 @@
                 <a:ea typeface="华文楷体" panose="02010600040101010101" pitchFamily="2" charset="-122"/>
                 <a:cs typeface="+mj-cs"/>
               </a:rPr>
-              <a:t>1cm</a:t>
+              <a:t>0.1ns</a:t>
             </a:r>
           </a:p>
           <a:p>

--- a/presentation/Stage：零磁场垂直入射线性重建.pptx
+++ b/presentation/Stage：零磁场垂直入射线性重建.pptx
@@ -5,7 +5,7 @@
     <p:sldMasterId id="2147483648" r:id="rId1"/>
   </p:sldMasterIdLst>
   <p:notesMasterIdLst>
-    <p:notesMasterId r:id="rId22"/>
+    <p:notesMasterId r:id="rId24"/>
   </p:notesMasterIdLst>
   <p:sldIdLst>
     <p:sldId id="256" r:id="rId2"/>
@@ -23,11 +23,13 @@
     <p:sldId id="303" r:id="rId14"/>
     <p:sldId id="302" r:id="rId15"/>
     <p:sldId id="304" r:id="rId16"/>
-    <p:sldId id="305" r:id="rId17"/>
-    <p:sldId id="306" r:id="rId18"/>
-    <p:sldId id="307" r:id="rId19"/>
-    <p:sldId id="316" r:id="rId20"/>
-    <p:sldId id="295" r:id="rId21"/>
+    <p:sldId id="317" r:id="rId17"/>
+    <p:sldId id="318" r:id="rId18"/>
+    <p:sldId id="305" r:id="rId19"/>
+    <p:sldId id="306" r:id="rId20"/>
+    <p:sldId id="307" r:id="rId21"/>
+    <p:sldId id="316" r:id="rId22"/>
+    <p:sldId id="295" r:id="rId23"/>
   </p:sldIdLst>
   <p:sldSz cx="12192000" cy="6858000"/>
   <p:notesSz cx="6858000" cy="9144000"/>
@@ -216,7 +218,7 @@
           <a:p>
             <a:fld id="{4CACAE93-D93B-445C-BE5F-F723567AF5E7}" type="datetimeFigureOut">
               <a:rPr lang="zh-CN" altLang="en-US" smtClean="0"/>
-              <a:t>2025/1/16</a:t>
+              <a:t>2025/1/18</a:t>
             </a:fld>
             <a:endParaRPr lang="zh-CN" altLang="en-US"/>
           </a:p>
@@ -548,7 +550,7 @@
           <a:p>
             <a:fld id="{9889719D-D6F5-4305-94B0-35BE6525DD04}" type="slidenum">
               <a:rPr lang="zh-CN" altLang="en-US" smtClean="0"/>
-              <a:t>20</a:t>
+              <a:t>22</a:t>
             </a:fld>
             <a:endParaRPr lang="zh-CN" altLang="en-US"/>
           </a:p>
@@ -714,7 +716,7 @@
           <a:p>
             <a:fld id="{16B320BF-51D5-40BE-949E-DCB07961F781}" type="datetime1">
               <a:rPr lang="zh-CN" altLang="en-US" smtClean="0"/>
-              <a:t>2025/1/16</a:t>
+              <a:t>2025/1/18</a:t>
             </a:fld>
             <a:endParaRPr lang="zh-CN" altLang="en-US"/>
           </a:p>
@@ -912,7 +914,7 @@
           <a:p>
             <a:fld id="{1C273C5E-2503-4DDD-A543-A887334DA35F}" type="datetime1">
               <a:rPr lang="zh-CN" altLang="en-US" smtClean="0"/>
-              <a:t>2025/1/16</a:t>
+              <a:t>2025/1/18</a:t>
             </a:fld>
             <a:endParaRPr lang="zh-CN" altLang="en-US"/>
           </a:p>
@@ -1120,7 +1122,7 @@
           <a:p>
             <a:fld id="{05867EEF-1968-47A8-9EAA-01012566A685}" type="datetime1">
               <a:rPr lang="zh-CN" altLang="en-US" smtClean="0"/>
-              <a:t>2025/1/16</a:t>
+              <a:t>2025/1/18</a:t>
             </a:fld>
             <a:endParaRPr lang="zh-CN" altLang="en-US"/>
           </a:p>
@@ -1318,7 +1320,7 @@
           <a:p>
             <a:fld id="{38AEC280-2277-468A-889D-4D49D53BF1D9}" type="datetime1">
               <a:rPr lang="zh-CN" altLang="en-US" smtClean="0"/>
-              <a:t>2025/1/16</a:t>
+              <a:t>2025/1/18</a:t>
             </a:fld>
             <a:endParaRPr lang="zh-CN" altLang="en-US"/>
           </a:p>
@@ -1593,7 +1595,7 @@
           <a:p>
             <a:fld id="{6828DDCF-82ED-4608-853E-AC723BA86E47}" type="datetime1">
               <a:rPr lang="zh-CN" altLang="en-US" smtClean="0"/>
-              <a:t>2025/1/16</a:t>
+              <a:t>2025/1/18</a:t>
             </a:fld>
             <a:endParaRPr lang="zh-CN" altLang="en-US"/>
           </a:p>
@@ -1858,7 +1860,7 @@
           <a:p>
             <a:fld id="{97077794-3FE7-420F-88F7-1D7B4895C899}" type="datetime1">
               <a:rPr lang="zh-CN" altLang="en-US" smtClean="0"/>
-              <a:t>2025/1/16</a:t>
+              <a:t>2025/1/18</a:t>
             </a:fld>
             <a:endParaRPr lang="zh-CN" altLang="en-US"/>
           </a:p>
@@ -2270,7 +2272,7 @@
           <a:p>
             <a:fld id="{D59C3C3C-6E49-45F5-A91C-E6F38BA8DB42}" type="datetime1">
               <a:rPr lang="zh-CN" altLang="en-US" smtClean="0"/>
-              <a:t>2025/1/16</a:t>
+              <a:t>2025/1/18</a:t>
             </a:fld>
             <a:endParaRPr lang="zh-CN" altLang="en-US"/>
           </a:p>
@@ -2411,7 +2413,7 @@
           <a:p>
             <a:fld id="{AAE0815A-62CF-4DCB-BD3F-B6FB0564C615}" type="datetime1">
               <a:rPr lang="zh-CN" altLang="en-US" smtClean="0"/>
-              <a:t>2025/1/16</a:t>
+              <a:t>2025/1/18</a:t>
             </a:fld>
             <a:endParaRPr lang="zh-CN" altLang="en-US"/>
           </a:p>
@@ -2524,7 +2526,7 @@
           <a:p>
             <a:fld id="{6AAD7FEA-BEDC-43F5-A950-232128F45C0E}" type="datetime1">
               <a:rPr lang="zh-CN" altLang="en-US" smtClean="0"/>
-              <a:t>2025/1/16</a:t>
+              <a:t>2025/1/18</a:t>
             </a:fld>
             <a:endParaRPr lang="zh-CN" altLang="en-US"/>
           </a:p>
@@ -2835,7 +2837,7 @@
           <a:p>
             <a:fld id="{21CD2C9D-F443-44DD-858A-37DB01C48713}" type="datetime1">
               <a:rPr lang="zh-CN" altLang="en-US" smtClean="0"/>
-              <a:t>2025/1/16</a:t>
+              <a:t>2025/1/18</a:t>
             </a:fld>
             <a:endParaRPr lang="zh-CN" altLang="en-US"/>
           </a:p>
@@ -3123,7 +3125,7 @@
           <a:p>
             <a:fld id="{43C8F874-9162-4361-A9EA-65552F480750}" type="datetime1">
               <a:rPr lang="zh-CN" altLang="en-US" smtClean="0"/>
-              <a:t>2025/1/16</a:t>
+              <a:t>2025/1/18</a:t>
             </a:fld>
             <a:endParaRPr lang="zh-CN" altLang="en-US"/>
           </a:p>
@@ -3364,7 +3366,7 @@
           <a:p>
             <a:fld id="{9EF903D2-EC70-4977-99B9-B0722DA5DCAA}" type="datetime1">
               <a:rPr lang="zh-CN" altLang="en-US" smtClean="0"/>
-              <a:t>2025/1/16</a:t>
+              <a:t>2025/1/18</a:t>
             </a:fld>
             <a:endParaRPr lang="zh-CN" altLang="en-US"/>
           </a:p>
@@ -10024,10 +10026,10 @@
       </p:grpSpPr>
       <p:pic>
         <p:nvPicPr>
-          <p:cNvPr id="5" name="图片 4" descr="图表&#10;&#10;中度可信度描述已自动生成">
+          <p:cNvPr id="9" name="图片 8" descr="图示&#10;&#10;中度可信度描述已自动生成">
             <a:extLst>
               <a:ext uri="{FF2B5EF4-FFF2-40B4-BE49-F238E27FC236}">
-                <a16:creationId xmlns:a16="http://schemas.microsoft.com/office/drawing/2014/main" id="{EA2A1A8E-68C2-EADE-56D9-11F42AAF4384}"/>
+                <a16:creationId xmlns:a16="http://schemas.microsoft.com/office/drawing/2014/main" id="{0127B59D-8008-7D60-2F3C-EE9BDFB3DF7A}"/>
               </a:ext>
             </a:extLst>
           </p:cNvPr>
@@ -10038,16 +10040,6 @@
         </p:nvPicPr>
         <p:blipFill>
           <a:blip r:embed="rId2">
-            <a:clrChange>
-              <a:clrFrom>
-                <a:srgbClr val="FFFFFF"/>
-              </a:clrFrom>
-              <a:clrTo>
-                <a:srgbClr val="FFFFFF">
-                  <a:alpha val="0"/>
-                </a:srgbClr>
-              </a:clrTo>
-            </a:clrChange>
             <a:extLst>
               <a:ext uri="{28A0092B-C50C-407E-A947-70E740481C1C}">
                 <a14:useLocalDpi xmlns:a14="http://schemas.microsoft.com/office/drawing/2010/main" val="0"/>
@@ -10113,8 +10105,8 @@
           </a:p>
         </p:txBody>
       </p:sp>
-      <mc:AlternateContent xmlns:mc="http://schemas.openxmlformats.org/markup-compatibility/2006">
-        <mc:Choice xmlns:a14="http://schemas.microsoft.com/office/drawing/2010/main" Requires="a14">
+      <mc:AlternateContent xmlns:mc="http://schemas.openxmlformats.org/markup-compatibility/2006" xmlns:a14="http://schemas.microsoft.com/office/drawing/2010/main">
+        <mc:Choice Requires="a14">
           <p:sp>
             <p:nvSpPr>
               <p:cNvPr id="3" name="文本框 2">
@@ -10239,7 +10231,7 @@
             </p:txBody>
           </p:sp>
         </mc:Choice>
-        <mc:Fallback>
+        <mc:Fallback xmlns="">
           <p:sp>
             <p:nvSpPr>
               <p:cNvPr id="3" name="文本框 2">
@@ -10318,8 +10310,8 @@
           </a:p>
         </p:txBody>
       </p:sp>
-      <mc:AlternateContent xmlns:mc="http://schemas.openxmlformats.org/markup-compatibility/2006">
-        <mc:Choice xmlns:a14="http://schemas.microsoft.com/office/drawing/2010/main" Requires="a14">
+      <mc:AlternateContent xmlns:mc="http://schemas.openxmlformats.org/markup-compatibility/2006" xmlns:a14="http://schemas.microsoft.com/office/drawing/2010/main">
+        <mc:Choice Requires="a14">
           <p:sp>
             <p:nvSpPr>
               <p:cNvPr id="12" name="文本框 11">
@@ -10413,7 +10405,7 @@
             </p:txBody>
           </p:sp>
         </mc:Choice>
-        <mc:Fallback>
+        <mc:Fallback xmlns="">
           <p:sp>
             <p:nvSpPr>
               <p:cNvPr id="12" name="文本框 11">
@@ -10472,8 +10464,8 @@
         </p:nvSpPr>
         <p:spPr>
           <a:xfrm>
-            <a:off x="6668048" y="2369805"/>
-            <a:ext cx="4826752" cy="461665"/>
+            <a:off x="6527048" y="2328514"/>
+            <a:ext cx="4826752" cy="830997"/>
           </a:xfrm>
           <a:prstGeom prst="rect">
             <a:avLst/>
@@ -10516,7 +10508,23 @@
                 <a:ea typeface="华文楷体" panose="02010600040101010101" pitchFamily="2" charset="-122"/>
                 <a:cs typeface="+mj-cs"/>
               </a:rPr>
-              <a:t>计算中使用的材料为聚苯乙烯</a:t>
+              <a:t>使用</a:t>
+            </a:r>
+            <a:r>
+              <a:rPr lang="en-US" altLang="zh-CN" sz="2400" dirty="0">
+                <a:latin typeface="华文楷体" panose="02010600040101010101" pitchFamily="2" charset="-122"/>
+                <a:ea typeface="华文楷体" panose="02010600040101010101" pitchFamily="2" charset="-122"/>
+                <a:cs typeface="+mj-cs"/>
+              </a:rPr>
+              <a:t>EJ-200</a:t>
+            </a:r>
+            <a:r>
+              <a:rPr lang="zh-CN" altLang="en-US" sz="2400" dirty="0">
+                <a:latin typeface="华文楷体" panose="02010600040101010101" pitchFamily="2" charset="-122"/>
+                <a:ea typeface="华文楷体" panose="02010600040101010101" pitchFamily="2" charset="-122"/>
+                <a:cs typeface="+mj-cs"/>
+              </a:rPr>
+              <a:t>数据进行模拟（但材料使用的是聚苯乙烯）</a:t>
             </a:r>
             <a:endParaRPr lang="en-US" altLang="zh-CN" sz="2400" dirty="0">
               <a:latin typeface="华文楷体" panose="02010600040101010101" pitchFamily="2" charset="-122"/>
@@ -10542,7 +10550,7 @@
             </p:nvSpPr>
             <p:spPr>
               <a:xfrm>
-                <a:off x="6668048" y="4401130"/>
+                <a:off x="6527048" y="4729171"/>
                 <a:ext cx="4826752" cy="1200329"/>
               </a:xfrm>
               <a:prstGeom prst="rect">
@@ -10656,7 +10664,7 @@
             </p:nvSpPr>
             <p:spPr>
               <a:xfrm>
-                <a:off x="6668048" y="4401130"/>
+                <a:off x="6527048" y="4729171"/>
                 <a:ext cx="4826752" cy="1200329"/>
               </a:xfrm>
               <a:prstGeom prst="rect">
@@ -10700,7 +10708,7 @@
             </p:nvSpPr>
             <p:spPr>
               <a:xfrm>
-                <a:off x="6668048" y="2831470"/>
+                <a:off x="6527048" y="3159511"/>
                 <a:ext cx="4826752" cy="1569660"/>
               </a:xfrm>
               <a:prstGeom prst="rect">
@@ -10907,7 +10915,7 @@
             </p:nvSpPr>
             <p:spPr>
               <a:xfrm>
-                <a:off x="6668048" y="2831470"/>
+                <a:off x="6527048" y="3159511"/>
                 <a:ext cx="4826752" cy="1569660"/>
               </a:xfrm>
               <a:prstGeom prst="rect">
@@ -11027,6 +11035,42 @@
           <a:chExt cx="0" cy="0"/>
         </a:xfrm>
       </p:grpSpPr>
+      <p:pic>
+        <p:nvPicPr>
+          <p:cNvPr id="6" name="图片 5" descr="图表, 折线图&#10;&#10;描述已自动生成">
+            <a:extLst>
+              <a:ext uri="{FF2B5EF4-FFF2-40B4-BE49-F238E27FC236}">
+                <a16:creationId xmlns:a16="http://schemas.microsoft.com/office/drawing/2014/main" id="{5CE93620-DA53-1573-1D8B-A3A1FCE6B480}"/>
+              </a:ext>
+            </a:extLst>
+          </p:cNvPr>
+          <p:cNvPicPr>
+            <a:picLocks noChangeAspect="1"/>
+          </p:cNvPicPr>
+          <p:nvPr/>
+        </p:nvPicPr>
+        <p:blipFill>
+          <a:blip r:embed="rId2">
+            <a:extLst>
+              <a:ext uri="{28A0092B-C50C-407E-A947-70E740481C1C}">
+                <a14:useLocalDpi xmlns:a14="http://schemas.microsoft.com/office/drawing/2010/main" val="0"/>
+              </a:ext>
+            </a:extLst>
+          </a:blip>
+          <a:stretch>
+            <a:fillRect/>
+          </a:stretch>
+        </p:blipFill>
+        <p:spPr>
+          <a:xfrm>
+            <a:off x="694800" y="1670400"/>
+            <a:ext cx="6286622" cy="4399200"/>
+          </a:xfrm>
+          <a:prstGeom prst="rect">
+            <a:avLst/>
+          </a:prstGeom>
+        </p:spPr>
+      </p:pic>
       <p:sp>
         <p:nvSpPr>
           <p:cNvPr id="2" name="标题 1">
@@ -11072,8 +11116,8 @@
           </a:p>
         </p:txBody>
       </p:sp>
-      <mc:AlternateContent xmlns:mc="http://schemas.openxmlformats.org/markup-compatibility/2006">
-        <mc:Choice xmlns:a14="http://schemas.microsoft.com/office/drawing/2010/main" Requires="a14">
+      <mc:AlternateContent xmlns:mc="http://schemas.openxmlformats.org/markup-compatibility/2006" xmlns:a14="http://schemas.microsoft.com/office/drawing/2010/main">
+        <mc:Choice Requires="a14">
           <p:sp>
             <p:nvSpPr>
               <p:cNvPr id="3" name="文本框 2">
@@ -11186,7 +11230,7 @@
             </p:txBody>
           </p:sp>
         </mc:Choice>
-        <mc:Fallback>
+        <mc:Fallback xmlns="">
           <p:sp>
             <p:nvSpPr>
               <p:cNvPr id="3" name="文本框 2">
@@ -11210,7 +11254,7 @@
                 <a:avLst/>
               </a:prstGeom>
               <a:blipFill>
-                <a:blip r:embed="rId2"/>
+                <a:blip r:embed="rId3"/>
                 <a:stretch>
                   <a:fillRect l="-903" t="-10526" b="-28947"/>
                 </a:stretch>
@@ -11321,8 +11365,8 @@
           </a:p>
         </p:txBody>
       </p:sp>
-      <mc:AlternateContent xmlns:mc="http://schemas.openxmlformats.org/markup-compatibility/2006" xmlns:a14="http://schemas.microsoft.com/office/drawing/2010/main">
-        <mc:Choice Requires="a14">
+      <mc:AlternateContent xmlns:mc="http://schemas.openxmlformats.org/markup-compatibility/2006">
+        <mc:Choice xmlns:a14="http://schemas.microsoft.com/office/drawing/2010/main" Requires="a14">
           <p:sp>
             <p:nvSpPr>
               <p:cNvPr id="14" name="文本框 13">
@@ -11337,7 +11381,7 @@
             </p:nvSpPr>
             <p:spPr>
               <a:xfrm>
-                <a:off x="6668048" y="3154635"/>
+                <a:off x="6668048" y="3454501"/>
                 <a:ext cx="4826752" cy="830997"/>
               </a:xfrm>
               <a:prstGeom prst="rect">
@@ -11375,13 +11419,36 @@
                   </a:rPr>
                   <a:t>4</a:t>
                 </a:r>
+                <a14:m>
+                  <m:oMath xmlns:m="http://schemas.openxmlformats.org/officeDocument/2006/math">
+                    <m:r>
+                      <m:rPr>
+                        <m:sty m:val="p"/>
+                      </m:rPr>
+                      <a:rPr lang="en-US" altLang="zh-CN" sz="2400" b="0" i="0" smtClean="0">
+                        <a:latin typeface="Cambria Math" panose="02040503050406030204" pitchFamily="18" charset="0"/>
+                        <a:ea typeface="华文楷体" panose="02010600040101010101" pitchFamily="2" charset="-122"/>
+                        <a:cs typeface="+mj-cs"/>
+                      </a:rPr>
+                      <m:t>Δ</m:t>
+                    </m:r>
+                    <m:r>
+                      <a:rPr lang="en-US" altLang="zh-CN" sz="2400" b="0" i="1" smtClean="0">
+                        <a:latin typeface="Cambria Math" panose="02040503050406030204" pitchFamily="18" charset="0"/>
+                        <a:ea typeface="华文楷体" panose="02010600040101010101" pitchFamily="2" charset="-122"/>
+                        <a:cs typeface="+mj-cs"/>
+                      </a:rPr>
+                      <m:t>𝑡</m:t>
+                    </m:r>
+                  </m:oMath>
+                </a14:m>
                 <a:r>
                   <a:rPr lang="zh-CN" altLang="en-US" sz="2400" dirty="0">
                     <a:latin typeface="华文楷体" panose="02010600040101010101" pitchFamily="2" charset="-122"/>
                     <a:ea typeface="华文楷体" panose="02010600040101010101" pitchFamily="2" charset="-122"/>
                     <a:cs typeface="+mj-cs"/>
                   </a:rPr>
-                  <a:t>纵坐标为</a:t>
+                  <a:t>为</a:t>
                 </a:r>
                 <a14:m>
                   <m:oMath xmlns:m="http://schemas.openxmlformats.org/officeDocument/2006/math">
@@ -11424,7 +11491,27 @@
                     <a:ea typeface="华文楷体" panose="02010600040101010101" pitchFamily="2" charset="-122"/>
                     <a:cs typeface="+mj-cs"/>
                   </a:rPr>
-                  <a:t>在无能损时与有能损之间的差值</a:t>
+                  <a:t>在无能损时与有能损之间的差值，</a:t>
+                </a:r>
+                <a14:m>
+                  <m:oMath xmlns:m="http://schemas.openxmlformats.org/officeDocument/2006/math">
+                    <m:r>
+                      <a:rPr lang="en-US" altLang="zh-CN" sz="2400" b="0" i="1" smtClean="0">
+                        <a:latin typeface="Cambria Math" panose="02040503050406030204" pitchFamily="18" charset="0"/>
+                        <a:ea typeface="华文楷体" panose="02010600040101010101" pitchFamily="2" charset="-122"/>
+                        <a:cs typeface="+mj-cs"/>
+                      </a:rPr>
+                      <m:t>𝐿</m:t>
+                    </m:r>
+                  </m:oMath>
+                </a14:m>
+                <a:r>
+                  <a:rPr lang="zh-CN" altLang="en-US" sz="2400" dirty="0">
+                    <a:latin typeface="华文楷体" panose="02010600040101010101" pitchFamily="2" charset="-122"/>
+                    <a:ea typeface="华文楷体" panose="02010600040101010101" pitchFamily="2" charset="-122"/>
+                    <a:cs typeface="+mj-cs"/>
+                  </a:rPr>
+                  <a:t>为粒子传播路程</a:t>
                 </a:r>
                 <a:endParaRPr lang="en-US" altLang="zh-CN" sz="2400" dirty="0">
                   <a:latin typeface="华文楷体" panose="02010600040101010101" pitchFamily="2" charset="-122"/>
@@ -11435,7 +11522,7 @@
             </p:txBody>
           </p:sp>
         </mc:Choice>
-        <mc:Fallback xmlns="">
+        <mc:Fallback>
           <p:sp>
             <p:nvSpPr>
               <p:cNvPr id="14" name="文本框 13">
@@ -11452,16 +11539,16 @@
             </p:nvSpPr>
             <p:spPr>
               <a:xfrm>
-                <a:off x="6668048" y="3154635"/>
+                <a:off x="6668048" y="3454501"/>
                 <a:ext cx="4826752" cy="830997"/>
               </a:xfrm>
               <a:prstGeom prst="rect">
                 <a:avLst/>
               </a:prstGeom>
               <a:blipFill>
-                <a:blip r:embed="rId3"/>
+                <a:blip r:embed="rId4"/>
                 <a:stretch>
-                  <a:fillRect l="-2020" t="-5839" b="-15328"/>
+                  <a:fillRect l="-2020" t="-5882" b="-16176"/>
                 </a:stretch>
               </a:blipFill>
             </p:spPr>
@@ -11480,104 +11567,6 @@
           </p:sp>
         </mc:Fallback>
       </mc:AlternateContent>
-      <p:sp>
-        <p:nvSpPr>
-          <p:cNvPr id="16" name="文本框 15">
-            <a:extLst>
-              <a:ext uri="{FF2B5EF4-FFF2-40B4-BE49-F238E27FC236}">
-                <a16:creationId xmlns:a16="http://schemas.microsoft.com/office/drawing/2014/main" id="{BB205D04-1BFA-43AC-FB04-DAC9D49C7F16}"/>
-              </a:ext>
-            </a:extLst>
-          </p:cNvPr>
-          <p:cNvSpPr txBox="1"/>
-          <p:nvPr/>
-        </p:nvSpPr>
-        <p:spPr>
-          <a:xfrm>
-            <a:off x="6668048" y="3985632"/>
-            <a:ext cx="4826752" cy="830997"/>
-          </a:xfrm>
-          <a:prstGeom prst="rect">
-            <a:avLst/>
-          </a:prstGeom>
-          <a:noFill/>
-        </p:spPr>
-        <p:txBody>
-          <a:bodyPr wrap="square">
-            <a:spAutoFit/>
-          </a:bodyPr>
-          <a:lstStyle/>
-          <a:p>
-            <a:pPr>
-              <a:spcBef>
-                <a:spcPts val="600"/>
-              </a:spcBef>
-              <a:spcAft>
-                <a:spcPts val="600"/>
-              </a:spcAft>
-            </a:pPr>
-            <a:r>
-              <a:rPr lang="zh-CN" altLang="en-US" sz="2400" dirty="0">
-                <a:latin typeface="华文楷体" panose="02010600040101010101" pitchFamily="2" charset="-122"/>
-                <a:ea typeface="华文楷体" panose="02010600040101010101" pitchFamily="2" charset="-122"/>
-                <a:cs typeface="+mj-cs"/>
-              </a:rPr>
-              <a:t>可以注意到图像的斜率增加，表示有能损时的速度会减小</a:t>
-            </a:r>
-            <a:endParaRPr lang="en-US" altLang="zh-CN" sz="2400" dirty="0">
-              <a:latin typeface="华文楷体" panose="02010600040101010101" pitchFamily="2" charset="-122"/>
-              <a:ea typeface="华文楷体" panose="02010600040101010101" pitchFamily="2" charset="-122"/>
-              <a:cs typeface="+mj-cs"/>
-            </a:endParaRPr>
-          </a:p>
-        </p:txBody>
-      </p:sp>
-      <p:pic>
-        <p:nvPicPr>
-          <p:cNvPr id="5" name="图片 4" descr="图表, 折线图&#10;&#10;描述已自动生成">
-            <a:extLst>
-              <a:ext uri="{FF2B5EF4-FFF2-40B4-BE49-F238E27FC236}">
-                <a16:creationId xmlns:a16="http://schemas.microsoft.com/office/drawing/2014/main" id="{694DF28A-B128-3272-F669-1F621F9FB6C7}"/>
-              </a:ext>
-            </a:extLst>
-          </p:cNvPr>
-          <p:cNvPicPr>
-            <a:picLocks noChangeAspect="1"/>
-          </p:cNvPicPr>
-          <p:nvPr/>
-        </p:nvPicPr>
-        <p:blipFill>
-          <a:blip r:embed="rId4">
-            <a:clrChange>
-              <a:clrFrom>
-                <a:srgbClr val="FFFFFF"/>
-              </a:clrFrom>
-              <a:clrTo>
-                <a:srgbClr val="FFFFFF">
-                  <a:alpha val="0"/>
-                </a:srgbClr>
-              </a:clrTo>
-            </a:clrChange>
-            <a:extLst>
-              <a:ext uri="{28A0092B-C50C-407E-A947-70E740481C1C}">
-                <a14:useLocalDpi xmlns:a14="http://schemas.microsoft.com/office/drawing/2010/main" val="0"/>
-              </a:ext>
-            </a:extLst>
-          </a:blip>
-          <a:stretch>
-            <a:fillRect/>
-          </a:stretch>
-        </p:blipFill>
-        <p:spPr>
-          <a:xfrm>
-            <a:off x="694800" y="1670400"/>
-            <a:ext cx="6286621" cy="4399200"/>
-          </a:xfrm>
-          <a:prstGeom prst="rect">
-            <a:avLst/>
-          </a:prstGeom>
-        </p:spPr>
-      </p:pic>
     </p:spTree>
     <p:extLst>
       <p:ext uri="{BB962C8B-B14F-4D97-AF65-F5344CB8AC3E}">
@@ -11611,6 +11600,1188 @@
         <p:cNvPr id="1" name="">
           <a:extLst>
             <a:ext uri="{FF2B5EF4-FFF2-40B4-BE49-F238E27FC236}">
+              <a16:creationId xmlns:a16="http://schemas.microsoft.com/office/drawing/2014/main" id="{EBA460BE-92A0-E15B-8BD0-D5CC9D4148BB}"/>
+            </a:ext>
+          </a:extLst>
+        </p:cNvPr>
+        <p:cNvGrpSpPr/>
+        <p:nvPr/>
+      </p:nvGrpSpPr>
+      <p:grpSpPr>
+        <a:xfrm>
+          <a:off x="0" y="0"/>
+          <a:ext cx="0" cy="0"/>
+          <a:chOff x="0" y="0"/>
+          <a:chExt cx="0" cy="0"/>
+        </a:xfrm>
+      </p:grpSpPr>
+      <p:pic>
+        <p:nvPicPr>
+          <p:cNvPr id="5" name="图片 4" descr="图表, 折线图&#10;&#10;描述已自动生成">
+            <a:extLst>
+              <a:ext uri="{FF2B5EF4-FFF2-40B4-BE49-F238E27FC236}">
+                <a16:creationId xmlns:a16="http://schemas.microsoft.com/office/drawing/2014/main" id="{102A1EE7-07DC-621B-86A5-407D7B9E9FB6}"/>
+              </a:ext>
+            </a:extLst>
+          </p:cNvPr>
+          <p:cNvPicPr>
+            <a:picLocks noChangeAspect="1"/>
+          </p:cNvPicPr>
+          <p:nvPr/>
+        </p:nvPicPr>
+        <p:blipFill>
+          <a:blip r:embed="rId2">
+            <a:clrChange>
+              <a:clrFrom>
+                <a:srgbClr val="FEFEFE"/>
+              </a:clrFrom>
+              <a:clrTo>
+                <a:srgbClr val="FEFEFE">
+                  <a:alpha val="0"/>
+                </a:srgbClr>
+              </a:clrTo>
+            </a:clrChange>
+            <a:extLst>
+              <a:ext uri="{28A0092B-C50C-407E-A947-70E740481C1C}">
+                <a14:useLocalDpi xmlns:a14="http://schemas.microsoft.com/office/drawing/2010/main" val="0"/>
+              </a:ext>
+            </a:extLst>
+          </a:blip>
+          <a:stretch>
+            <a:fillRect/>
+          </a:stretch>
+        </p:blipFill>
+        <p:spPr>
+          <a:xfrm>
+            <a:off x="694800" y="1670400"/>
+            <a:ext cx="6286620" cy="4399200"/>
+          </a:xfrm>
+          <a:prstGeom prst="rect">
+            <a:avLst/>
+          </a:prstGeom>
+        </p:spPr>
+      </p:pic>
+      <p:sp>
+        <p:nvSpPr>
+          <p:cNvPr id="2" name="标题 1">
+            <a:extLst>
+              <a:ext uri="{FF2B5EF4-FFF2-40B4-BE49-F238E27FC236}">
+                <a16:creationId xmlns:a16="http://schemas.microsoft.com/office/drawing/2014/main" id="{1528AD72-5DF9-6263-447C-E9C395644D84}"/>
+              </a:ext>
+            </a:extLst>
+          </p:cNvPr>
+          <p:cNvSpPr>
+            <a:spLocks noGrp="1"/>
+          </p:cNvSpPr>
+          <p:nvPr>
+            <p:ph type="title"/>
+          </p:nvPr>
+        </p:nvSpPr>
+        <p:spPr>
+          <a:xfrm>
+            <a:off x="838200" y="365125"/>
+            <a:ext cx="10515600" cy="830997"/>
+          </a:xfrm>
+        </p:spPr>
+        <p:txBody>
+          <a:bodyPr/>
+          <a:lstStyle/>
+          <a:p>
+            <a:pPr>
+              <a:spcAft>
+                <a:spcPts val="600"/>
+              </a:spcAft>
+            </a:pPr>
+            <a:r>
+              <a:rPr lang="zh-CN" altLang="en-US" sz="4400" dirty="0">
+                <a:latin typeface="华文楷体" panose="02010600040101010101" pitchFamily="2" charset="-122"/>
+                <a:ea typeface="华文楷体" panose="02010600040101010101" pitchFamily="2" charset="-122"/>
+              </a:rPr>
+              <a:t>结果</a:t>
+            </a:r>
+            <a:endParaRPr lang="en-US" altLang="zh-CN" sz="4400" dirty="0">
+              <a:latin typeface="华文楷体" panose="02010600040101010101" pitchFamily="2" charset="-122"/>
+              <a:ea typeface="华文楷体" panose="02010600040101010101" pitchFamily="2" charset="-122"/>
+            </a:endParaRPr>
+          </a:p>
+        </p:txBody>
+      </p:sp>
+      <mc:AlternateContent xmlns:mc="http://schemas.openxmlformats.org/markup-compatibility/2006">
+        <mc:Choice xmlns:a14="http://schemas.microsoft.com/office/drawing/2010/main" Requires="a14">
+          <p:sp>
+            <p:nvSpPr>
+              <p:cNvPr id="3" name="文本框 2">
+                <a:extLst>
+                  <a:ext uri="{FF2B5EF4-FFF2-40B4-BE49-F238E27FC236}">
+                    <a16:creationId xmlns:a16="http://schemas.microsoft.com/office/drawing/2014/main" id="{BD0D20F9-3A99-2E00-898D-87D8B87F5D3C}"/>
+                  </a:ext>
+                </a:extLst>
+              </p:cNvPr>
+              <p:cNvSpPr txBox="1"/>
+              <p:nvPr/>
+            </p:nvSpPr>
+            <p:spPr>
+              <a:xfrm>
+                <a:off x="694800" y="1440000"/>
+                <a:ext cx="10800000" cy="461665"/>
+              </a:xfrm>
+              <a:prstGeom prst="rect">
+                <a:avLst/>
+              </a:prstGeom>
+              <a:noFill/>
+            </p:spPr>
+            <p:txBody>
+              <a:bodyPr wrap="square">
+                <a:spAutoFit/>
+              </a:bodyPr>
+              <a:lstStyle/>
+              <a:p>
+                <a:pPr>
+                  <a:spcBef>
+                    <a:spcPts val="600"/>
+                  </a:spcBef>
+                  <a:spcAft>
+                    <a:spcPts val="600"/>
+                  </a:spcAft>
+                </a:pPr>
+                <a:r>
+                  <a:rPr lang="en-US" altLang="zh-CN" sz="2400" dirty="0">
+                    <a:latin typeface="华文楷体" panose="02010600040101010101" pitchFamily="2" charset="-122"/>
+                    <a:ea typeface="华文楷体" panose="02010600040101010101" pitchFamily="2" charset="-122"/>
+                    <a:cs typeface="+mj-cs"/>
+                  </a:rPr>
+                  <a:t>2. </a:t>
+                </a:r>
+                <a:r>
+                  <a:rPr lang="zh-CN" altLang="en-US" sz="2400" dirty="0">
+                    <a:latin typeface="华文楷体" panose="02010600040101010101" pitchFamily="2" charset="-122"/>
+                    <a:ea typeface="华文楷体" panose="02010600040101010101" pitchFamily="2" charset="-122"/>
+                    <a:cs typeface="+mj-cs"/>
+                  </a:rPr>
+                  <a:t>能量损失对粒子通过探测器时的时间的影响（</a:t>
+                </a:r>
+                <a14:m>
+                  <m:oMath xmlns:m="http://schemas.openxmlformats.org/officeDocument/2006/math">
+                    <m:sSub>
+                      <m:sSubPr>
+                        <m:ctrlPr>
+                          <a:rPr lang="en-US" altLang="zh-CN" sz="2400" b="0" i="1" smtClean="0">
+                            <a:latin typeface="Cambria Math" panose="02040503050406030204" pitchFamily="18" charset="0"/>
+                            <a:ea typeface="华文楷体" panose="02010600040101010101" pitchFamily="2" charset="-122"/>
+                            <a:cs typeface="+mj-cs"/>
+                          </a:rPr>
+                        </m:ctrlPr>
+                      </m:sSubPr>
+                      <m:e>
+                        <m:r>
+                          <a:rPr lang="en-US" altLang="zh-CN" sz="2400" b="0" i="1" smtClean="0">
+                            <a:latin typeface="Cambria Math" panose="02040503050406030204" pitchFamily="18" charset="0"/>
+                            <a:ea typeface="华文楷体" panose="02010600040101010101" pitchFamily="2" charset="-122"/>
+                            <a:cs typeface="+mj-cs"/>
+                          </a:rPr>
+                          <m:t>𝛽</m:t>
+                        </m:r>
+                      </m:e>
+                      <m:sub>
+                        <m:r>
+                          <a:rPr lang="en-US" altLang="zh-CN" sz="2400" b="0" i="1" smtClean="0">
+                            <a:latin typeface="Cambria Math" panose="02040503050406030204" pitchFamily="18" charset="0"/>
+                            <a:ea typeface="华文楷体" panose="02010600040101010101" pitchFamily="2" charset="-122"/>
+                            <a:cs typeface="+mj-cs"/>
+                          </a:rPr>
+                          <m:t>𝑟𝑒𝑎𝑙</m:t>
+                        </m:r>
+                      </m:sub>
+                    </m:sSub>
+                    <m:r>
+                      <a:rPr lang="en-US" altLang="zh-CN" sz="2400" b="0" i="1" smtClean="0">
+                        <a:latin typeface="Cambria Math" panose="02040503050406030204" pitchFamily="18" charset="0"/>
+                        <a:ea typeface="华文楷体" panose="02010600040101010101" pitchFamily="2" charset="-122"/>
+                        <a:cs typeface="+mj-cs"/>
+                      </a:rPr>
+                      <m:t>=0.7</m:t>
+                    </m:r>
+                  </m:oMath>
+                </a14:m>
+                <a:r>
+                  <a:rPr lang="zh-CN" altLang="en-US" sz="2400" dirty="0">
+                    <a:latin typeface="华文楷体" panose="02010600040101010101" pitchFamily="2" charset="-122"/>
+                    <a:ea typeface="华文楷体" panose="02010600040101010101" pitchFamily="2" charset="-122"/>
+                    <a:cs typeface="+mj-cs"/>
+                  </a:rPr>
+                  <a:t>）</a:t>
+                </a:r>
+                <a:endParaRPr lang="en-US" altLang="zh-CN" sz="2400" dirty="0">
+                  <a:latin typeface="华文楷体" panose="02010600040101010101" pitchFamily="2" charset="-122"/>
+                  <a:ea typeface="华文楷体" panose="02010600040101010101" pitchFamily="2" charset="-122"/>
+                  <a:cs typeface="+mj-cs"/>
+                </a:endParaRPr>
+              </a:p>
+            </p:txBody>
+          </p:sp>
+        </mc:Choice>
+        <mc:Fallback>
+          <p:sp>
+            <p:nvSpPr>
+              <p:cNvPr id="3" name="文本框 2">
+                <a:extLst>
+                  <a:ext uri="{FF2B5EF4-FFF2-40B4-BE49-F238E27FC236}">
+                    <a16:creationId xmlns:a16="http://schemas.microsoft.com/office/drawing/2014/main" id="{BD0D20F9-3A99-2E00-898D-87D8B87F5D3C}"/>
+                  </a:ext>
+                </a:extLst>
+              </p:cNvPr>
+              <p:cNvSpPr txBox="1">
+                <a:spLocks noRot="1" noChangeAspect="1" noMove="1" noResize="1" noEditPoints="1" noAdjustHandles="1" noChangeArrowheads="1" noChangeShapeType="1" noTextEdit="1"/>
+              </p:cNvSpPr>
+              <p:nvPr/>
+            </p:nvSpPr>
+            <p:spPr>
+              <a:xfrm>
+                <a:off x="694800" y="1440000"/>
+                <a:ext cx="10800000" cy="461665"/>
+              </a:xfrm>
+              <a:prstGeom prst="rect">
+                <a:avLst/>
+              </a:prstGeom>
+              <a:blipFill>
+                <a:blip r:embed="rId3"/>
+                <a:stretch>
+                  <a:fillRect l="-903" t="-10526" b="-28947"/>
+                </a:stretch>
+              </a:blipFill>
+            </p:spPr>
+            <p:txBody>
+              <a:bodyPr/>
+              <a:lstStyle/>
+              <a:p>
+                <a:r>
+                  <a:rPr lang="zh-CN" altLang="en-US">
+                    <a:noFill/>
+                  </a:rPr>
+                  <a:t> </a:t>
+                </a:r>
+              </a:p>
+            </p:txBody>
+          </p:sp>
+        </mc:Fallback>
+      </mc:AlternateContent>
+      <p:sp>
+        <p:nvSpPr>
+          <p:cNvPr id="7" name="灯片编号占位符 3">
+            <a:extLst>
+              <a:ext uri="{FF2B5EF4-FFF2-40B4-BE49-F238E27FC236}">
+                <a16:creationId xmlns:a16="http://schemas.microsoft.com/office/drawing/2014/main" id="{90FBA25D-7E36-966C-6242-57011FCBD770}"/>
+              </a:ext>
+            </a:extLst>
+          </p:cNvPr>
+          <p:cNvSpPr>
+            <a:spLocks noGrp="1"/>
+          </p:cNvSpPr>
+          <p:nvPr>
+            <p:ph type="sldNum" sz="quarter" idx="12"/>
+          </p:nvPr>
+        </p:nvSpPr>
+        <p:spPr>
+          <a:xfrm>
+            <a:off x="8610600" y="6356350"/>
+            <a:ext cx="2743200" cy="365125"/>
+          </a:xfrm>
+        </p:spPr>
+        <p:txBody>
+          <a:bodyPr/>
+          <a:lstStyle/>
+          <a:p>
+            <a:fld id="{4DF96A39-405C-4801-AFAA-189ED9B29D59}" type="slidenum">
+              <a:rPr lang="zh-CN" altLang="en-US" sz="2400" smtClean="0"/>
+              <a:t>16</a:t>
+            </a:fld>
+            <a:endParaRPr lang="zh-CN" altLang="en-US" sz="2400" dirty="0"/>
+          </a:p>
+        </p:txBody>
+      </p:sp>
+      <p:sp>
+        <p:nvSpPr>
+          <p:cNvPr id="12" name="文本框 11">
+            <a:extLst>
+              <a:ext uri="{FF2B5EF4-FFF2-40B4-BE49-F238E27FC236}">
+                <a16:creationId xmlns:a16="http://schemas.microsoft.com/office/drawing/2014/main" id="{73EBD1DD-1DB1-1467-70A2-D915131574BC}"/>
+              </a:ext>
+            </a:extLst>
+          </p:cNvPr>
+          <p:cNvSpPr txBox="1"/>
+          <p:nvPr/>
+        </p:nvSpPr>
+        <p:spPr>
+          <a:xfrm>
+            <a:off x="1490560" y="5956240"/>
+            <a:ext cx="4695099" cy="400110"/>
+          </a:xfrm>
+          <a:prstGeom prst="rect">
+            <a:avLst/>
+          </a:prstGeom>
+          <a:noFill/>
+        </p:spPr>
+        <p:txBody>
+          <a:bodyPr wrap="square">
+            <a:spAutoFit/>
+          </a:bodyPr>
+          <a:lstStyle/>
+          <a:p>
+            <a:pPr algn="ctr"/>
+            <a:r>
+              <a:rPr lang="zh-CN" altLang="en-US" sz="2000" dirty="0">
+                <a:latin typeface="华文楷体" panose="02010600040101010101" pitchFamily="2" charset="-122"/>
+                <a:ea typeface="华文楷体" panose="02010600040101010101" pitchFamily="2" charset="-122"/>
+                <a:cs typeface="+mj-cs"/>
+              </a:rPr>
+              <a:t>图</a:t>
+            </a:r>
+            <a:r>
+              <a:rPr lang="en-US" altLang="zh-CN" sz="2000" dirty="0">
+                <a:latin typeface="华文楷体" panose="02010600040101010101" pitchFamily="2" charset="-122"/>
+                <a:ea typeface="华文楷体" panose="02010600040101010101" pitchFamily="2" charset="-122"/>
+                <a:cs typeface="+mj-cs"/>
+              </a:rPr>
+              <a:t>4-1</a:t>
+            </a:r>
+            <a:r>
+              <a:rPr lang="zh-CN" altLang="en-US" sz="2000" dirty="0">
+                <a:latin typeface="华文楷体" panose="02010600040101010101" pitchFamily="2" charset="-122"/>
+                <a:ea typeface="华文楷体" panose="02010600040101010101" pitchFamily="2" charset="-122"/>
+                <a:cs typeface="+mj-cs"/>
+              </a:rPr>
+              <a:t>：</a:t>
+            </a:r>
+            <a:r>
+              <a:rPr lang="en-US" altLang="zh-CN" sz="2000" dirty="0">
+                <a:latin typeface="华文楷体" panose="02010600040101010101" pitchFamily="2" charset="-122"/>
+                <a:ea typeface="华文楷体" panose="02010600040101010101" pitchFamily="2" charset="-122"/>
+                <a:cs typeface="+mj-cs"/>
+              </a:rPr>
+              <a:t>TOF-1</a:t>
+            </a:r>
+            <a:r>
+              <a:rPr lang="zh-CN" altLang="en-US" sz="2000" dirty="0">
+                <a:latin typeface="华文楷体" panose="02010600040101010101" pitchFamily="2" charset="-122"/>
+                <a:ea typeface="华文楷体" panose="02010600040101010101" pitchFamily="2" charset="-122"/>
+                <a:cs typeface="+mj-cs"/>
+              </a:rPr>
+              <a:t>附近时间差与路程关系</a:t>
+            </a:r>
+          </a:p>
+        </p:txBody>
+      </p:sp>
+      <p:sp>
+        <p:nvSpPr>
+          <p:cNvPr id="14" name="文本框 13">
+            <a:extLst>
+              <a:ext uri="{FF2B5EF4-FFF2-40B4-BE49-F238E27FC236}">
+                <a16:creationId xmlns:a16="http://schemas.microsoft.com/office/drawing/2014/main" id="{9E7ECEFD-1DFF-9284-622D-F38000AE7F9F}"/>
+              </a:ext>
+            </a:extLst>
+          </p:cNvPr>
+          <p:cNvSpPr txBox="1"/>
+          <p:nvPr/>
+        </p:nvSpPr>
+        <p:spPr>
+          <a:xfrm>
+            <a:off x="6527048" y="2785303"/>
+            <a:ext cx="4826752" cy="1200329"/>
+          </a:xfrm>
+          <a:prstGeom prst="rect">
+            <a:avLst/>
+          </a:prstGeom>
+          <a:noFill/>
+        </p:spPr>
+        <p:txBody>
+          <a:bodyPr wrap="square">
+            <a:spAutoFit/>
+          </a:bodyPr>
+          <a:lstStyle/>
+          <a:p>
+            <a:pPr>
+              <a:spcBef>
+                <a:spcPts val="600"/>
+              </a:spcBef>
+              <a:spcAft>
+                <a:spcPts val="600"/>
+              </a:spcAft>
+            </a:pPr>
+            <a:r>
+              <a:rPr lang="zh-CN" altLang="en-US" sz="2400" dirty="0">
+                <a:latin typeface="华文楷体" panose="02010600040101010101" pitchFamily="2" charset="-122"/>
+                <a:ea typeface="华文楷体" panose="02010600040101010101" pitchFamily="2" charset="-122"/>
+                <a:cs typeface="+mj-cs"/>
+              </a:rPr>
+              <a:t>图</a:t>
+            </a:r>
+            <a:r>
+              <a:rPr lang="en-US" altLang="zh-CN" sz="2400" dirty="0">
+                <a:latin typeface="华文楷体" panose="02010600040101010101" pitchFamily="2" charset="-122"/>
+                <a:ea typeface="华文楷体" panose="02010600040101010101" pitchFamily="2" charset="-122"/>
+                <a:cs typeface="+mj-cs"/>
+              </a:rPr>
+              <a:t>4-1</a:t>
+            </a:r>
+            <a:r>
+              <a:rPr lang="zh-CN" altLang="en-US" sz="2400" dirty="0">
+                <a:latin typeface="华文楷体" panose="02010600040101010101" pitchFamily="2" charset="-122"/>
+                <a:ea typeface="华文楷体" panose="02010600040101010101" pitchFamily="2" charset="-122"/>
+                <a:cs typeface="+mj-cs"/>
+              </a:rPr>
+              <a:t>为图</a:t>
+            </a:r>
+            <a:r>
+              <a:rPr lang="en-US" altLang="zh-CN" sz="2400" dirty="0">
+                <a:latin typeface="华文楷体" panose="02010600040101010101" pitchFamily="2" charset="-122"/>
+                <a:ea typeface="华文楷体" panose="02010600040101010101" pitchFamily="2" charset="-122"/>
+                <a:cs typeface="+mj-cs"/>
+              </a:rPr>
+              <a:t>4</a:t>
+            </a:r>
+            <a:r>
+              <a:rPr lang="zh-CN" altLang="en-US" sz="2400" dirty="0">
+                <a:latin typeface="华文楷体" panose="02010600040101010101" pitchFamily="2" charset="-122"/>
+                <a:ea typeface="华文楷体" panose="02010600040101010101" pitchFamily="2" charset="-122"/>
+                <a:cs typeface="+mj-cs"/>
+              </a:rPr>
+              <a:t>的一部分，在</a:t>
+            </a:r>
+            <a:r>
+              <a:rPr lang="en-US" altLang="zh-CN" sz="2400" dirty="0">
+                <a:latin typeface="华文楷体" panose="02010600040101010101" pitchFamily="2" charset="-122"/>
+                <a:ea typeface="华文楷体" panose="02010600040101010101" pitchFamily="2" charset="-122"/>
+                <a:cs typeface="+mj-cs"/>
+              </a:rPr>
+              <a:t>TOF-1</a:t>
+            </a:r>
+            <a:r>
+              <a:rPr lang="zh-CN" altLang="en-US" sz="2400" dirty="0">
+                <a:latin typeface="华文楷体" panose="02010600040101010101" pitchFamily="2" charset="-122"/>
+                <a:ea typeface="华文楷体" panose="02010600040101010101" pitchFamily="2" charset="-122"/>
+                <a:cs typeface="+mj-cs"/>
+              </a:rPr>
+              <a:t>（编号为</a:t>
+            </a:r>
+            <a:r>
+              <a:rPr lang="en-US" altLang="zh-CN" sz="2400" dirty="0">
+                <a:latin typeface="华文楷体" panose="02010600040101010101" pitchFamily="2" charset="-122"/>
+                <a:ea typeface="华文楷体" panose="02010600040101010101" pitchFamily="2" charset="-122"/>
+                <a:cs typeface="+mj-cs"/>
+              </a:rPr>
+              <a:t>1</a:t>
+            </a:r>
+            <a:r>
+              <a:rPr lang="zh-CN" altLang="en-US" sz="2400" dirty="0">
+                <a:latin typeface="华文楷体" panose="02010600040101010101" pitchFamily="2" charset="-122"/>
+                <a:ea typeface="华文楷体" panose="02010600040101010101" pitchFamily="2" charset="-122"/>
+                <a:cs typeface="+mj-cs"/>
+              </a:rPr>
+              <a:t>的</a:t>
+            </a:r>
+            <a:r>
+              <a:rPr lang="en-US" altLang="zh-CN" sz="2400" dirty="0">
+                <a:latin typeface="华文楷体" panose="02010600040101010101" pitchFamily="2" charset="-122"/>
+                <a:ea typeface="华文楷体" panose="02010600040101010101" pitchFamily="2" charset="-122"/>
+                <a:cs typeface="+mj-cs"/>
+              </a:rPr>
+              <a:t>TOF</a:t>
+            </a:r>
+            <a:r>
+              <a:rPr lang="zh-CN" altLang="en-US" sz="2400" dirty="0">
+                <a:latin typeface="华文楷体" panose="02010600040101010101" pitchFamily="2" charset="-122"/>
+                <a:ea typeface="华文楷体" panose="02010600040101010101" pitchFamily="2" charset="-122"/>
+                <a:cs typeface="+mj-cs"/>
+              </a:rPr>
+              <a:t>探测器）附近的放大</a:t>
+            </a:r>
+            <a:endParaRPr lang="en-US" altLang="zh-CN" sz="2400" dirty="0">
+              <a:latin typeface="华文楷体" panose="02010600040101010101" pitchFamily="2" charset="-122"/>
+              <a:ea typeface="华文楷体" panose="02010600040101010101" pitchFamily="2" charset="-122"/>
+              <a:cs typeface="+mj-cs"/>
+            </a:endParaRPr>
+          </a:p>
+        </p:txBody>
+      </p:sp>
+      <p:sp>
+        <p:nvSpPr>
+          <p:cNvPr id="16" name="文本框 15">
+            <a:extLst>
+              <a:ext uri="{FF2B5EF4-FFF2-40B4-BE49-F238E27FC236}">
+                <a16:creationId xmlns:a16="http://schemas.microsoft.com/office/drawing/2014/main" id="{038B542E-B735-A412-15AB-5F93BA807FE7}"/>
+              </a:ext>
+            </a:extLst>
+          </p:cNvPr>
+          <p:cNvSpPr txBox="1"/>
+          <p:nvPr/>
+        </p:nvSpPr>
+        <p:spPr>
+          <a:xfrm>
+            <a:off x="6527048" y="3985632"/>
+            <a:ext cx="4826752" cy="1200329"/>
+          </a:xfrm>
+          <a:prstGeom prst="rect">
+            <a:avLst/>
+          </a:prstGeom>
+          <a:noFill/>
+        </p:spPr>
+        <p:txBody>
+          <a:bodyPr wrap="square">
+            <a:spAutoFit/>
+          </a:bodyPr>
+          <a:lstStyle/>
+          <a:p>
+            <a:pPr>
+              <a:spcBef>
+                <a:spcPts val="600"/>
+              </a:spcBef>
+              <a:spcAft>
+                <a:spcPts val="600"/>
+              </a:spcAft>
+            </a:pPr>
+            <a:r>
+              <a:rPr lang="zh-CN" altLang="en-US" sz="2400" dirty="0">
+                <a:latin typeface="华文楷体" panose="02010600040101010101" pitchFamily="2" charset="-122"/>
+                <a:ea typeface="华文楷体" panose="02010600040101010101" pitchFamily="2" charset="-122"/>
+                <a:cs typeface="+mj-cs"/>
+              </a:rPr>
+              <a:t>可以注意到在此处图像的斜率增加，即通过</a:t>
+            </a:r>
+            <a:r>
+              <a:rPr lang="en-US" altLang="zh-CN" sz="2400" dirty="0">
+                <a:latin typeface="华文楷体" panose="02010600040101010101" pitchFamily="2" charset="-122"/>
+                <a:ea typeface="华文楷体" panose="02010600040101010101" pitchFamily="2" charset="-122"/>
+                <a:cs typeface="+mj-cs"/>
+              </a:rPr>
+              <a:t>TOF-1</a:t>
+            </a:r>
+            <a:r>
+              <a:rPr lang="zh-CN" altLang="en-US" sz="2400" dirty="0">
+                <a:latin typeface="华文楷体" panose="02010600040101010101" pitchFamily="2" charset="-122"/>
+                <a:ea typeface="华文楷体" panose="02010600040101010101" pitchFamily="2" charset="-122"/>
+                <a:cs typeface="+mj-cs"/>
+              </a:rPr>
+              <a:t>导致了能量损失，速度减小</a:t>
+            </a:r>
+            <a:endParaRPr lang="en-US" altLang="zh-CN" sz="2400" dirty="0">
+              <a:latin typeface="华文楷体" panose="02010600040101010101" pitchFamily="2" charset="-122"/>
+              <a:ea typeface="华文楷体" panose="02010600040101010101" pitchFamily="2" charset="-122"/>
+              <a:cs typeface="+mj-cs"/>
+            </a:endParaRPr>
+          </a:p>
+        </p:txBody>
+      </p:sp>
+    </p:spTree>
+    <p:extLst>
+      <p:ext uri="{BB962C8B-B14F-4D97-AF65-F5344CB8AC3E}">
+        <p14:creationId xmlns:p14="http://schemas.microsoft.com/office/powerpoint/2010/main" val="3995582658"/>
+      </p:ext>
+    </p:extLst>
+  </p:cSld>
+  <p:clrMapOvr>
+    <a:masterClrMapping/>
+  </p:clrMapOvr>
+  <mc:AlternateContent xmlns:mc="http://schemas.openxmlformats.org/markup-compatibility/2006">
+    <mc:Choice xmlns:p159="http://schemas.microsoft.com/office/powerpoint/2015/09/main" Requires="p159">
+      <p:transition>
+        <p159:morph option="byObject"/>
+      </p:transition>
+    </mc:Choice>
+    <mc:Fallback>
+      <p:transition>
+        <p:fade/>
+      </p:transition>
+    </mc:Fallback>
+  </mc:AlternateContent>
+</p:sld>
+</file>
+
+<file path=ppt/slides/slide17.xml><?xml version="1.0" encoding="utf-8"?>
+<p:sld xmlns:a="http://schemas.openxmlformats.org/drawingml/2006/main" xmlns:r="http://schemas.openxmlformats.org/officeDocument/2006/relationships" xmlns:p="http://schemas.openxmlformats.org/presentationml/2006/main">
+  <p:cSld>
+    <p:spTree>
+      <p:nvGrpSpPr>
+        <p:cNvPr id="1" name="">
+          <a:extLst>
+            <a:ext uri="{FF2B5EF4-FFF2-40B4-BE49-F238E27FC236}">
+              <a16:creationId xmlns:a16="http://schemas.microsoft.com/office/drawing/2014/main" id="{C5501DB9-9B0E-34D6-D88E-2F7DC128C748}"/>
+            </a:ext>
+          </a:extLst>
+        </p:cNvPr>
+        <p:cNvGrpSpPr/>
+        <p:nvPr/>
+      </p:nvGrpSpPr>
+      <p:grpSpPr>
+        <a:xfrm>
+          <a:off x="0" y="0"/>
+          <a:ext cx="0" cy="0"/>
+          <a:chOff x="0" y="0"/>
+          <a:chExt cx="0" cy="0"/>
+        </a:xfrm>
+      </p:grpSpPr>
+      <p:pic>
+        <p:nvPicPr>
+          <p:cNvPr id="6" name="图片 5" descr="图表, 折线图&#10;&#10;描述已自动生成">
+            <a:extLst>
+              <a:ext uri="{FF2B5EF4-FFF2-40B4-BE49-F238E27FC236}">
+                <a16:creationId xmlns:a16="http://schemas.microsoft.com/office/drawing/2014/main" id="{92B90968-125A-8DAF-2C8E-ABDA7857905E}"/>
+              </a:ext>
+            </a:extLst>
+          </p:cNvPr>
+          <p:cNvPicPr>
+            <a:picLocks noChangeAspect="1"/>
+          </p:cNvPicPr>
+          <p:nvPr/>
+        </p:nvPicPr>
+        <p:blipFill>
+          <a:blip r:embed="rId2">
+            <a:extLst>
+              <a:ext uri="{28A0092B-C50C-407E-A947-70E740481C1C}">
+                <a14:useLocalDpi xmlns:a14="http://schemas.microsoft.com/office/drawing/2010/main" val="0"/>
+              </a:ext>
+            </a:extLst>
+          </a:blip>
+          <a:stretch>
+            <a:fillRect/>
+          </a:stretch>
+        </p:blipFill>
+        <p:spPr>
+          <a:xfrm>
+            <a:off x="694800" y="1670400"/>
+            <a:ext cx="6286622" cy="4399200"/>
+          </a:xfrm>
+          <a:prstGeom prst="rect">
+            <a:avLst/>
+          </a:prstGeom>
+        </p:spPr>
+      </p:pic>
+      <p:sp>
+        <p:nvSpPr>
+          <p:cNvPr id="2" name="标题 1">
+            <a:extLst>
+              <a:ext uri="{FF2B5EF4-FFF2-40B4-BE49-F238E27FC236}">
+                <a16:creationId xmlns:a16="http://schemas.microsoft.com/office/drawing/2014/main" id="{45A3216D-4A7E-BED1-3856-A562976BAC87}"/>
+              </a:ext>
+            </a:extLst>
+          </p:cNvPr>
+          <p:cNvSpPr>
+            <a:spLocks noGrp="1"/>
+          </p:cNvSpPr>
+          <p:nvPr>
+            <p:ph type="title"/>
+          </p:nvPr>
+        </p:nvSpPr>
+        <p:spPr>
+          <a:xfrm>
+            <a:off x="838200" y="365125"/>
+            <a:ext cx="10515600" cy="830997"/>
+          </a:xfrm>
+        </p:spPr>
+        <p:txBody>
+          <a:bodyPr/>
+          <a:lstStyle/>
+          <a:p>
+            <a:pPr>
+              <a:spcAft>
+                <a:spcPts val="600"/>
+              </a:spcAft>
+            </a:pPr>
+            <a:r>
+              <a:rPr lang="zh-CN" altLang="en-US" sz="4400" dirty="0">
+                <a:latin typeface="华文楷体" panose="02010600040101010101" pitchFamily="2" charset="-122"/>
+                <a:ea typeface="华文楷体" panose="02010600040101010101" pitchFamily="2" charset="-122"/>
+              </a:rPr>
+              <a:t>结果</a:t>
+            </a:r>
+            <a:endParaRPr lang="en-US" altLang="zh-CN" sz="4400" dirty="0">
+              <a:latin typeface="华文楷体" panose="02010600040101010101" pitchFamily="2" charset="-122"/>
+              <a:ea typeface="华文楷体" panose="02010600040101010101" pitchFamily="2" charset="-122"/>
+            </a:endParaRPr>
+          </a:p>
+        </p:txBody>
+      </p:sp>
+      <mc:AlternateContent xmlns:mc="http://schemas.openxmlformats.org/markup-compatibility/2006">
+        <mc:Choice xmlns:a14="http://schemas.microsoft.com/office/drawing/2010/main" Requires="a14">
+          <p:sp>
+            <p:nvSpPr>
+              <p:cNvPr id="3" name="文本框 2">
+                <a:extLst>
+                  <a:ext uri="{FF2B5EF4-FFF2-40B4-BE49-F238E27FC236}">
+                    <a16:creationId xmlns:a16="http://schemas.microsoft.com/office/drawing/2014/main" id="{90D39AB5-1F04-D592-2463-6279B9A40762}"/>
+                  </a:ext>
+                </a:extLst>
+              </p:cNvPr>
+              <p:cNvSpPr txBox="1"/>
+              <p:nvPr/>
+            </p:nvSpPr>
+            <p:spPr>
+              <a:xfrm>
+                <a:off x="694800" y="1440000"/>
+                <a:ext cx="10800000" cy="461665"/>
+              </a:xfrm>
+              <a:prstGeom prst="rect">
+                <a:avLst/>
+              </a:prstGeom>
+              <a:noFill/>
+            </p:spPr>
+            <p:txBody>
+              <a:bodyPr wrap="square">
+                <a:spAutoFit/>
+              </a:bodyPr>
+              <a:lstStyle/>
+              <a:p>
+                <a:pPr>
+                  <a:spcBef>
+                    <a:spcPts val="600"/>
+                  </a:spcBef>
+                  <a:spcAft>
+                    <a:spcPts val="600"/>
+                  </a:spcAft>
+                </a:pPr>
+                <a:r>
+                  <a:rPr lang="en-US" altLang="zh-CN" sz="2400" dirty="0">
+                    <a:latin typeface="华文楷体" panose="02010600040101010101" pitchFamily="2" charset="-122"/>
+                    <a:ea typeface="华文楷体" panose="02010600040101010101" pitchFamily="2" charset="-122"/>
+                    <a:cs typeface="+mj-cs"/>
+                  </a:rPr>
+                  <a:t>2. </a:t>
+                </a:r>
+                <a:r>
+                  <a:rPr lang="zh-CN" altLang="en-US" sz="2400" dirty="0">
+                    <a:latin typeface="华文楷体" panose="02010600040101010101" pitchFamily="2" charset="-122"/>
+                    <a:ea typeface="华文楷体" panose="02010600040101010101" pitchFamily="2" charset="-122"/>
+                    <a:cs typeface="+mj-cs"/>
+                  </a:rPr>
+                  <a:t>能量损失对粒子通过探测器时的时间的影响（</a:t>
+                </a:r>
+                <a14:m>
+                  <m:oMath xmlns:m="http://schemas.openxmlformats.org/officeDocument/2006/math">
+                    <m:sSub>
+                      <m:sSubPr>
+                        <m:ctrlPr>
+                          <a:rPr lang="en-US" altLang="zh-CN" sz="2400" b="0" i="1" smtClean="0">
+                            <a:latin typeface="Cambria Math" panose="02040503050406030204" pitchFamily="18" charset="0"/>
+                            <a:ea typeface="华文楷体" panose="02010600040101010101" pitchFamily="2" charset="-122"/>
+                            <a:cs typeface="+mj-cs"/>
+                          </a:rPr>
+                        </m:ctrlPr>
+                      </m:sSubPr>
+                      <m:e>
+                        <m:r>
+                          <a:rPr lang="en-US" altLang="zh-CN" sz="2400" b="0" i="1" smtClean="0">
+                            <a:latin typeface="Cambria Math" panose="02040503050406030204" pitchFamily="18" charset="0"/>
+                            <a:ea typeface="华文楷体" panose="02010600040101010101" pitchFamily="2" charset="-122"/>
+                            <a:cs typeface="+mj-cs"/>
+                          </a:rPr>
+                          <m:t>𝛽</m:t>
+                        </m:r>
+                      </m:e>
+                      <m:sub>
+                        <m:r>
+                          <a:rPr lang="en-US" altLang="zh-CN" sz="2400" b="0" i="1" smtClean="0">
+                            <a:latin typeface="Cambria Math" panose="02040503050406030204" pitchFamily="18" charset="0"/>
+                            <a:ea typeface="华文楷体" panose="02010600040101010101" pitchFamily="2" charset="-122"/>
+                            <a:cs typeface="+mj-cs"/>
+                          </a:rPr>
+                          <m:t>𝑟𝑒𝑎𝑙</m:t>
+                        </m:r>
+                      </m:sub>
+                    </m:sSub>
+                    <m:r>
+                      <a:rPr lang="en-US" altLang="zh-CN" sz="2400" b="0" i="1" smtClean="0">
+                        <a:latin typeface="Cambria Math" panose="02040503050406030204" pitchFamily="18" charset="0"/>
+                        <a:ea typeface="华文楷体" panose="02010600040101010101" pitchFamily="2" charset="-122"/>
+                        <a:cs typeface="+mj-cs"/>
+                      </a:rPr>
+                      <m:t>=0.7</m:t>
+                    </m:r>
+                  </m:oMath>
+                </a14:m>
+                <a:r>
+                  <a:rPr lang="zh-CN" altLang="en-US" sz="2400" dirty="0">
+                    <a:latin typeface="华文楷体" panose="02010600040101010101" pitchFamily="2" charset="-122"/>
+                    <a:ea typeface="华文楷体" panose="02010600040101010101" pitchFamily="2" charset="-122"/>
+                    <a:cs typeface="+mj-cs"/>
+                  </a:rPr>
+                  <a:t>）</a:t>
+                </a:r>
+                <a:endParaRPr lang="en-US" altLang="zh-CN" sz="2400" dirty="0">
+                  <a:latin typeface="华文楷体" panose="02010600040101010101" pitchFamily="2" charset="-122"/>
+                  <a:ea typeface="华文楷体" panose="02010600040101010101" pitchFamily="2" charset="-122"/>
+                  <a:cs typeface="+mj-cs"/>
+                </a:endParaRPr>
+              </a:p>
+            </p:txBody>
+          </p:sp>
+        </mc:Choice>
+        <mc:Fallback>
+          <p:sp>
+            <p:nvSpPr>
+              <p:cNvPr id="3" name="文本框 2">
+                <a:extLst>
+                  <a:ext uri="{FF2B5EF4-FFF2-40B4-BE49-F238E27FC236}">
+                    <a16:creationId xmlns:a16="http://schemas.microsoft.com/office/drawing/2014/main" id="{90D39AB5-1F04-D592-2463-6279B9A40762}"/>
+                  </a:ext>
+                </a:extLst>
+              </p:cNvPr>
+              <p:cNvSpPr txBox="1">
+                <a:spLocks noRot="1" noChangeAspect="1" noMove="1" noResize="1" noEditPoints="1" noAdjustHandles="1" noChangeArrowheads="1" noChangeShapeType="1" noTextEdit="1"/>
+              </p:cNvSpPr>
+              <p:nvPr/>
+            </p:nvSpPr>
+            <p:spPr>
+              <a:xfrm>
+                <a:off x="694800" y="1440000"/>
+                <a:ext cx="10800000" cy="461665"/>
+              </a:xfrm>
+              <a:prstGeom prst="rect">
+                <a:avLst/>
+              </a:prstGeom>
+              <a:blipFill>
+                <a:blip r:embed="rId3"/>
+                <a:stretch>
+                  <a:fillRect l="-903" t="-10526" b="-28947"/>
+                </a:stretch>
+              </a:blipFill>
+            </p:spPr>
+            <p:txBody>
+              <a:bodyPr/>
+              <a:lstStyle/>
+              <a:p>
+                <a:r>
+                  <a:rPr lang="zh-CN" altLang="en-US">
+                    <a:noFill/>
+                  </a:rPr>
+                  <a:t> </a:t>
+                </a:r>
+              </a:p>
+            </p:txBody>
+          </p:sp>
+        </mc:Fallback>
+      </mc:AlternateContent>
+      <p:sp>
+        <p:nvSpPr>
+          <p:cNvPr id="7" name="灯片编号占位符 3">
+            <a:extLst>
+              <a:ext uri="{FF2B5EF4-FFF2-40B4-BE49-F238E27FC236}">
+                <a16:creationId xmlns:a16="http://schemas.microsoft.com/office/drawing/2014/main" id="{6F5615D3-484D-6EB8-4DCD-9CF33AD3887A}"/>
+              </a:ext>
+            </a:extLst>
+          </p:cNvPr>
+          <p:cNvSpPr>
+            <a:spLocks noGrp="1"/>
+          </p:cNvSpPr>
+          <p:nvPr>
+            <p:ph type="sldNum" sz="quarter" idx="12"/>
+          </p:nvPr>
+        </p:nvSpPr>
+        <p:spPr>
+          <a:xfrm>
+            <a:off x="8610600" y="6356350"/>
+            <a:ext cx="2743200" cy="365125"/>
+          </a:xfrm>
+        </p:spPr>
+        <p:txBody>
+          <a:bodyPr/>
+          <a:lstStyle/>
+          <a:p>
+            <a:fld id="{4DF96A39-405C-4801-AFAA-189ED9B29D59}" type="slidenum">
+              <a:rPr lang="zh-CN" altLang="en-US" sz="2400" smtClean="0"/>
+              <a:t>17</a:t>
+            </a:fld>
+            <a:endParaRPr lang="zh-CN" altLang="en-US" sz="2400" dirty="0"/>
+          </a:p>
+        </p:txBody>
+      </p:sp>
+      <p:sp>
+        <p:nvSpPr>
+          <p:cNvPr id="12" name="文本框 11">
+            <a:extLst>
+              <a:ext uri="{FF2B5EF4-FFF2-40B4-BE49-F238E27FC236}">
+                <a16:creationId xmlns:a16="http://schemas.microsoft.com/office/drawing/2014/main" id="{0C819F86-567A-F2AA-A2AC-CD0BE650512C}"/>
+              </a:ext>
+            </a:extLst>
+          </p:cNvPr>
+          <p:cNvSpPr txBox="1"/>
+          <p:nvPr/>
+        </p:nvSpPr>
+        <p:spPr>
+          <a:xfrm>
+            <a:off x="1490560" y="5956240"/>
+            <a:ext cx="4695099" cy="400110"/>
+          </a:xfrm>
+          <a:prstGeom prst="rect">
+            <a:avLst/>
+          </a:prstGeom>
+          <a:noFill/>
+        </p:spPr>
+        <p:txBody>
+          <a:bodyPr wrap="square">
+            <a:spAutoFit/>
+          </a:bodyPr>
+          <a:lstStyle/>
+          <a:p>
+            <a:pPr algn="ctr"/>
+            <a:r>
+              <a:rPr lang="zh-CN" altLang="en-US" sz="2000" dirty="0">
+                <a:latin typeface="华文楷体" panose="02010600040101010101" pitchFamily="2" charset="-122"/>
+                <a:ea typeface="华文楷体" panose="02010600040101010101" pitchFamily="2" charset="-122"/>
+                <a:cs typeface="+mj-cs"/>
+              </a:rPr>
+              <a:t>图</a:t>
+            </a:r>
+            <a:r>
+              <a:rPr lang="en-US" altLang="zh-CN" sz="2000" dirty="0">
+                <a:latin typeface="华文楷体" panose="02010600040101010101" pitchFamily="2" charset="-122"/>
+                <a:ea typeface="华文楷体" panose="02010600040101010101" pitchFamily="2" charset="-122"/>
+                <a:cs typeface="+mj-cs"/>
+              </a:rPr>
+              <a:t>4-2</a:t>
+            </a:r>
+            <a:r>
+              <a:rPr lang="zh-CN" altLang="en-US" sz="2000" dirty="0">
+                <a:latin typeface="华文楷体" panose="02010600040101010101" pitchFamily="2" charset="-122"/>
+                <a:ea typeface="华文楷体" panose="02010600040101010101" pitchFamily="2" charset="-122"/>
+                <a:cs typeface="+mj-cs"/>
+              </a:rPr>
+              <a:t>：</a:t>
+            </a:r>
+            <a:r>
+              <a:rPr lang="en-US" altLang="zh-CN" sz="2000" dirty="0">
+                <a:latin typeface="华文楷体" panose="02010600040101010101" pitchFamily="2" charset="-122"/>
+                <a:ea typeface="华文楷体" panose="02010600040101010101" pitchFamily="2" charset="-122"/>
+                <a:cs typeface="+mj-cs"/>
+              </a:rPr>
+              <a:t>TOF-2</a:t>
+            </a:r>
+            <a:r>
+              <a:rPr lang="zh-CN" altLang="en-US" sz="2000" dirty="0">
+                <a:latin typeface="华文楷体" panose="02010600040101010101" pitchFamily="2" charset="-122"/>
+                <a:ea typeface="华文楷体" panose="02010600040101010101" pitchFamily="2" charset="-122"/>
+                <a:cs typeface="+mj-cs"/>
+              </a:rPr>
+              <a:t>附近时间差与路程关系</a:t>
+            </a:r>
+          </a:p>
+        </p:txBody>
+      </p:sp>
+      <p:sp>
+        <p:nvSpPr>
+          <p:cNvPr id="14" name="文本框 13">
+            <a:extLst>
+              <a:ext uri="{FF2B5EF4-FFF2-40B4-BE49-F238E27FC236}">
+                <a16:creationId xmlns:a16="http://schemas.microsoft.com/office/drawing/2014/main" id="{E37A0FF0-CFA0-368C-D849-28D49664DD41}"/>
+              </a:ext>
+            </a:extLst>
+          </p:cNvPr>
+          <p:cNvSpPr txBox="1"/>
+          <p:nvPr/>
+        </p:nvSpPr>
+        <p:spPr>
+          <a:xfrm>
+            <a:off x="6527048" y="2969969"/>
+            <a:ext cx="4826752" cy="1200329"/>
+          </a:xfrm>
+          <a:prstGeom prst="rect">
+            <a:avLst/>
+          </a:prstGeom>
+          <a:noFill/>
+        </p:spPr>
+        <p:txBody>
+          <a:bodyPr wrap="square">
+            <a:spAutoFit/>
+          </a:bodyPr>
+          <a:lstStyle/>
+          <a:p>
+            <a:pPr>
+              <a:spcBef>
+                <a:spcPts val="600"/>
+              </a:spcBef>
+              <a:spcAft>
+                <a:spcPts val="600"/>
+              </a:spcAft>
+            </a:pPr>
+            <a:r>
+              <a:rPr lang="zh-CN" altLang="en-US" sz="2400" dirty="0">
+                <a:latin typeface="华文楷体" panose="02010600040101010101" pitchFamily="2" charset="-122"/>
+                <a:ea typeface="华文楷体" panose="02010600040101010101" pitchFamily="2" charset="-122"/>
+                <a:cs typeface="+mj-cs"/>
+              </a:rPr>
+              <a:t>图</a:t>
+            </a:r>
+            <a:r>
+              <a:rPr lang="en-US" altLang="zh-CN" sz="2400" dirty="0">
+                <a:latin typeface="华文楷体" panose="02010600040101010101" pitchFamily="2" charset="-122"/>
+                <a:ea typeface="华文楷体" panose="02010600040101010101" pitchFamily="2" charset="-122"/>
+                <a:cs typeface="+mj-cs"/>
+              </a:rPr>
+              <a:t>4-2</a:t>
+            </a:r>
+            <a:r>
+              <a:rPr lang="zh-CN" altLang="en-US" sz="2400" dirty="0">
+                <a:latin typeface="华文楷体" panose="02010600040101010101" pitchFamily="2" charset="-122"/>
+                <a:ea typeface="华文楷体" panose="02010600040101010101" pitchFamily="2" charset="-122"/>
+                <a:cs typeface="+mj-cs"/>
+              </a:rPr>
+              <a:t>也为图</a:t>
+            </a:r>
+            <a:r>
+              <a:rPr lang="en-US" altLang="zh-CN" sz="2400" dirty="0">
+                <a:latin typeface="华文楷体" panose="02010600040101010101" pitchFamily="2" charset="-122"/>
+                <a:ea typeface="华文楷体" panose="02010600040101010101" pitchFamily="2" charset="-122"/>
+                <a:cs typeface="+mj-cs"/>
+              </a:rPr>
+              <a:t>4</a:t>
+            </a:r>
+            <a:r>
+              <a:rPr lang="zh-CN" altLang="en-US" sz="2400" dirty="0">
+                <a:latin typeface="华文楷体" panose="02010600040101010101" pitchFamily="2" charset="-122"/>
+                <a:ea typeface="华文楷体" panose="02010600040101010101" pitchFamily="2" charset="-122"/>
+                <a:cs typeface="+mj-cs"/>
+              </a:rPr>
+              <a:t>的一部分，在</a:t>
+            </a:r>
+            <a:r>
+              <a:rPr lang="en-US" altLang="zh-CN" sz="2400" dirty="0">
+                <a:latin typeface="华文楷体" panose="02010600040101010101" pitchFamily="2" charset="-122"/>
+                <a:ea typeface="华文楷体" panose="02010600040101010101" pitchFamily="2" charset="-122"/>
+                <a:cs typeface="+mj-cs"/>
+              </a:rPr>
+              <a:t>TOF-2</a:t>
+            </a:r>
+            <a:r>
+              <a:rPr lang="zh-CN" altLang="en-US" sz="2400" dirty="0">
+                <a:latin typeface="华文楷体" panose="02010600040101010101" pitchFamily="2" charset="-122"/>
+                <a:ea typeface="华文楷体" panose="02010600040101010101" pitchFamily="2" charset="-122"/>
+                <a:cs typeface="+mj-cs"/>
+              </a:rPr>
+              <a:t>（编号为</a:t>
+            </a:r>
+            <a:r>
+              <a:rPr lang="en-US" altLang="zh-CN" sz="2400" dirty="0">
+                <a:latin typeface="华文楷体" panose="02010600040101010101" pitchFamily="2" charset="-122"/>
+                <a:ea typeface="华文楷体" panose="02010600040101010101" pitchFamily="2" charset="-122"/>
+                <a:cs typeface="+mj-cs"/>
+              </a:rPr>
+              <a:t>1</a:t>
+            </a:r>
+            <a:r>
+              <a:rPr lang="zh-CN" altLang="en-US" sz="2400" dirty="0">
+                <a:latin typeface="华文楷体" panose="02010600040101010101" pitchFamily="2" charset="-122"/>
+                <a:ea typeface="华文楷体" panose="02010600040101010101" pitchFamily="2" charset="-122"/>
+                <a:cs typeface="+mj-cs"/>
+              </a:rPr>
+              <a:t>的</a:t>
+            </a:r>
+            <a:r>
+              <a:rPr lang="en-US" altLang="zh-CN" sz="2400" dirty="0">
+                <a:latin typeface="华文楷体" panose="02010600040101010101" pitchFamily="2" charset="-122"/>
+                <a:ea typeface="华文楷体" panose="02010600040101010101" pitchFamily="2" charset="-122"/>
+                <a:cs typeface="+mj-cs"/>
+              </a:rPr>
+              <a:t>TOF</a:t>
+            </a:r>
+            <a:r>
+              <a:rPr lang="zh-CN" altLang="en-US" sz="2400" dirty="0">
+                <a:latin typeface="华文楷体" panose="02010600040101010101" pitchFamily="2" charset="-122"/>
+                <a:ea typeface="华文楷体" panose="02010600040101010101" pitchFamily="2" charset="-122"/>
+                <a:cs typeface="+mj-cs"/>
+              </a:rPr>
+              <a:t>探测器）附近的放大</a:t>
+            </a:r>
+            <a:endParaRPr lang="en-US" altLang="zh-CN" sz="2400" dirty="0">
+              <a:latin typeface="华文楷体" panose="02010600040101010101" pitchFamily="2" charset="-122"/>
+              <a:ea typeface="华文楷体" panose="02010600040101010101" pitchFamily="2" charset="-122"/>
+              <a:cs typeface="+mj-cs"/>
+            </a:endParaRPr>
+          </a:p>
+        </p:txBody>
+      </p:sp>
+      <p:sp>
+        <p:nvSpPr>
+          <p:cNvPr id="16" name="文本框 15">
+            <a:extLst>
+              <a:ext uri="{FF2B5EF4-FFF2-40B4-BE49-F238E27FC236}">
+                <a16:creationId xmlns:a16="http://schemas.microsoft.com/office/drawing/2014/main" id="{60F1915E-96C7-696A-2D19-2A8BAAF43AD2}"/>
+              </a:ext>
+            </a:extLst>
+          </p:cNvPr>
+          <p:cNvSpPr txBox="1"/>
+          <p:nvPr/>
+        </p:nvSpPr>
+        <p:spPr>
+          <a:xfrm>
+            <a:off x="6527048" y="4170298"/>
+            <a:ext cx="4826752" cy="830997"/>
+          </a:xfrm>
+          <a:prstGeom prst="rect">
+            <a:avLst/>
+          </a:prstGeom>
+          <a:noFill/>
+        </p:spPr>
+        <p:txBody>
+          <a:bodyPr wrap="square">
+            <a:spAutoFit/>
+          </a:bodyPr>
+          <a:lstStyle/>
+          <a:p>
+            <a:pPr>
+              <a:spcBef>
+                <a:spcPts val="600"/>
+              </a:spcBef>
+              <a:spcAft>
+                <a:spcPts val="600"/>
+              </a:spcAft>
+            </a:pPr>
+            <a:r>
+              <a:rPr lang="zh-CN" altLang="en-US" sz="2400" dirty="0">
+                <a:latin typeface="华文楷体" panose="02010600040101010101" pitchFamily="2" charset="-122"/>
+                <a:ea typeface="华文楷体" panose="02010600040101010101" pitchFamily="2" charset="-122"/>
+                <a:cs typeface="+mj-cs"/>
+              </a:rPr>
+              <a:t>同样是通过探测器的能损导致了速度减小</a:t>
+            </a:r>
+            <a:endParaRPr lang="en-US" altLang="zh-CN" sz="2400" dirty="0">
+              <a:latin typeface="华文楷体" panose="02010600040101010101" pitchFamily="2" charset="-122"/>
+              <a:ea typeface="华文楷体" panose="02010600040101010101" pitchFamily="2" charset="-122"/>
+              <a:cs typeface="+mj-cs"/>
+            </a:endParaRPr>
+          </a:p>
+        </p:txBody>
+      </p:sp>
+    </p:spTree>
+    <p:extLst>
+      <p:ext uri="{BB962C8B-B14F-4D97-AF65-F5344CB8AC3E}">
+        <p14:creationId xmlns:p14="http://schemas.microsoft.com/office/powerpoint/2010/main" val="3454390182"/>
+      </p:ext>
+    </p:extLst>
+  </p:cSld>
+  <p:clrMapOvr>
+    <a:masterClrMapping/>
+  </p:clrMapOvr>
+  <mc:AlternateContent xmlns:mc="http://schemas.openxmlformats.org/markup-compatibility/2006">
+    <mc:Choice xmlns:p159="http://schemas.microsoft.com/office/powerpoint/2015/09/main" Requires="p159">
+      <p:transition>
+        <p159:morph option="byObject"/>
+      </p:transition>
+    </mc:Choice>
+    <mc:Fallback>
+      <p:transition>
+        <p:fade/>
+      </p:transition>
+    </mc:Fallback>
+  </mc:AlternateContent>
+</p:sld>
+</file>
+
+<file path=ppt/slides/slide18.xml><?xml version="1.0" encoding="utf-8"?>
+<p:sld xmlns:a="http://schemas.openxmlformats.org/drawingml/2006/main" xmlns:r="http://schemas.openxmlformats.org/officeDocument/2006/relationships" xmlns:p="http://schemas.openxmlformats.org/presentationml/2006/main">
+  <p:cSld>
+    <p:spTree>
+      <p:nvGrpSpPr>
+        <p:cNvPr id="1" name="">
+          <a:extLst>
+            <a:ext uri="{FF2B5EF4-FFF2-40B4-BE49-F238E27FC236}">
               <a16:creationId xmlns:a16="http://schemas.microsoft.com/office/drawing/2014/main" id="{6B2B2E3C-2528-CA71-1BD0-BBCCCBF403ED}"/>
             </a:ext>
           </a:extLst>
@@ -11626,6 +12797,42 @@
           <a:chExt cx="0" cy="0"/>
         </a:xfrm>
       </p:grpSpPr>
+      <p:pic>
+        <p:nvPicPr>
+          <p:cNvPr id="5" name="图片 4">
+            <a:extLst>
+              <a:ext uri="{FF2B5EF4-FFF2-40B4-BE49-F238E27FC236}">
+                <a16:creationId xmlns:a16="http://schemas.microsoft.com/office/drawing/2014/main" id="{832CA765-2E71-2AB7-8257-67DBCF973CD0}"/>
+              </a:ext>
+            </a:extLst>
+          </p:cNvPr>
+          <p:cNvPicPr>
+            <a:picLocks noChangeAspect="1"/>
+          </p:cNvPicPr>
+          <p:nvPr/>
+        </p:nvPicPr>
+        <p:blipFill>
+          <a:blip r:embed="rId2">
+            <a:extLst>
+              <a:ext uri="{28A0092B-C50C-407E-A947-70E740481C1C}">
+                <a14:useLocalDpi xmlns:a14="http://schemas.microsoft.com/office/drawing/2010/main" val="0"/>
+              </a:ext>
+            </a:extLst>
+          </a:blip>
+          <a:stretch>
+            <a:fillRect/>
+          </a:stretch>
+        </p:blipFill>
+        <p:spPr>
+          <a:xfrm>
+            <a:off x="694800" y="1670400"/>
+            <a:ext cx="6286622" cy="4399200"/>
+          </a:xfrm>
+          <a:prstGeom prst="rect">
+            <a:avLst/>
+          </a:prstGeom>
+        </p:spPr>
+      </p:pic>
       <p:sp>
         <p:nvSpPr>
           <p:cNvPr id="2" name="标题 1">
@@ -11671,8 +12878,8 @@
           </a:p>
         </p:txBody>
       </p:sp>
-      <mc:AlternateContent xmlns:mc="http://schemas.openxmlformats.org/markup-compatibility/2006">
-        <mc:Choice xmlns:a14="http://schemas.microsoft.com/office/drawing/2010/main" Requires="a14">
+      <mc:AlternateContent xmlns:mc="http://schemas.openxmlformats.org/markup-compatibility/2006" xmlns:a14="http://schemas.microsoft.com/office/drawing/2010/main">
+        <mc:Choice Requires="a14">
           <p:sp>
             <p:nvSpPr>
               <p:cNvPr id="3" name="文本框 2">
@@ -11785,7 +12992,7 @@
             </p:txBody>
           </p:sp>
         </mc:Choice>
-        <mc:Fallback>
+        <mc:Fallback xmlns="">
           <p:sp>
             <p:nvSpPr>
               <p:cNvPr id="3" name="文本框 2">
@@ -11809,7 +13016,7 @@
                 <a:avLst/>
               </a:prstGeom>
               <a:blipFill>
-                <a:blip r:embed="rId2"/>
+                <a:blip r:embed="rId3"/>
                 <a:stretch>
                   <a:fillRect l="-903" t="-10526" b="-28947"/>
                 </a:stretch>
@@ -11858,7 +13065,7 @@
           <a:p>
             <a:fld id="{4DF96A39-405C-4801-AFAA-189ED9B29D59}" type="slidenum">
               <a:rPr lang="zh-CN" altLang="en-US" sz="2400" smtClean="0"/>
-              <a:t>16</a:t>
+              <a:t>18</a:t>
             </a:fld>
             <a:endParaRPr lang="zh-CN" altLang="en-US" sz="2400" dirty="0"/>
           </a:p>
@@ -11935,7 +13142,7 @@
         <p:spPr>
           <a:xfrm>
             <a:off x="6668048" y="3269835"/>
-            <a:ext cx="4826752" cy="1200329"/>
+            <a:ext cx="4826752" cy="1569660"/>
           </a:xfrm>
           <a:prstGeom prst="rect">
             <a:avLst/>
@@ -11978,7 +13185,7 @@
                 <a:ea typeface="华文楷体" panose="02010600040101010101" pitchFamily="2" charset="-122"/>
                 <a:cs typeface="+mj-cs"/>
               </a:rPr>
-              <a:t>黑色实线表示实际时间的连线，</a:t>
+              <a:t>黑色三角表示粒子实际通过探测器的时间，</a:t>
             </a:r>
             <a:r>
               <a:rPr lang="zh-CN" altLang="en-US" sz="2400" dirty="0">
@@ -11997,18 +13204,18 @@
                 <a:ea typeface="华文楷体" panose="02010600040101010101" pitchFamily="2" charset="-122"/>
                 <a:cs typeface="+mj-cs"/>
               </a:rPr>
-              <a:t>代表测量时间，</a:t>
+              <a:t>代表探测器测量到的时间，</a:t>
             </a:r>
             <a:r>
               <a:rPr lang="zh-CN" altLang="en-US" sz="2400" dirty="0">
                 <a:solidFill>
-                  <a:srgbClr val="FF0000"/>
+                  <a:srgbClr val="13FF13"/>
                 </a:solidFill>
                 <a:latin typeface="华文楷体" panose="02010600040101010101" pitchFamily="2" charset="-122"/>
                 <a:ea typeface="华文楷体" panose="02010600040101010101" pitchFamily="2" charset="-122"/>
                 <a:cs typeface="+mj-cs"/>
               </a:rPr>
-              <a:t>红色实线</a:t>
+              <a:t>绿色实线</a:t>
             </a:r>
             <a:r>
               <a:rPr lang="zh-CN" altLang="en-US" sz="2400" dirty="0">
@@ -12016,7 +13223,7 @@
                 <a:ea typeface="华文楷体" panose="02010600040101010101" pitchFamily="2" charset="-122"/>
                 <a:cs typeface="+mj-cs"/>
               </a:rPr>
-              <a:t>为拟合直线</a:t>
+              <a:t>为对探测数据进行拟合得到的直线</a:t>
             </a:r>
             <a:endParaRPr lang="en-US" altLang="zh-CN" sz="2400" dirty="0">
               <a:latin typeface="华文楷体" panose="02010600040101010101" pitchFamily="2" charset="-122"/>
@@ -12026,52 +13233,6 @@
           </a:p>
         </p:txBody>
       </p:sp>
-      <p:pic>
-        <p:nvPicPr>
-          <p:cNvPr id="11" name="图片 10" descr="图表, 折线图&#10;&#10;描述已自动生成">
-            <a:extLst>
-              <a:ext uri="{FF2B5EF4-FFF2-40B4-BE49-F238E27FC236}">
-                <a16:creationId xmlns:a16="http://schemas.microsoft.com/office/drawing/2014/main" id="{C7689042-BBC7-671F-E656-4F08C365005E}"/>
-              </a:ext>
-            </a:extLst>
-          </p:cNvPr>
-          <p:cNvPicPr>
-            <a:picLocks noChangeAspect="1"/>
-          </p:cNvPicPr>
-          <p:nvPr/>
-        </p:nvPicPr>
-        <p:blipFill>
-          <a:blip r:embed="rId3">
-            <a:clrChange>
-              <a:clrFrom>
-                <a:srgbClr val="FFFFFF"/>
-              </a:clrFrom>
-              <a:clrTo>
-                <a:srgbClr val="FFFFFF">
-                  <a:alpha val="0"/>
-                </a:srgbClr>
-              </a:clrTo>
-            </a:clrChange>
-            <a:extLst>
-              <a:ext uri="{28A0092B-C50C-407E-A947-70E740481C1C}">
-                <a14:useLocalDpi xmlns:a14="http://schemas.microsoft.com/office/drawing/2010/main" val="0"/>
-              </a:ext>
-            </a:extLst>
-          </a:blip>
-          <a:stretch>
-            <a:fillRect/>
-          </a:stretch>
-        </p:blipFill>
-        <p:spPr>
-          <a:xfrm>
-            <a:off x="694800" y="1670400"/>
-            <a:ext cx="6286622" cy="4399200"/>
-          </a:xfrm>
-          <a:prstGeom prst="rect">
-            <a:avLst/>
-          </a:prstGeom>
-        </p:spPr>
-      </p:pic>
     </p:spTree>
     <p:extLst>
       <p:ext uri="{BB962C8B-B14F-4D97-AF65-F5344CB8AC3E}">
@@ -12097,7 +13258,7 @@
 </p:sld>
 </file>
 
-<file path=ppt/slides/slide17.xml><?xml version="1.0" encoding="utf-8"?>
+<file path=ppt/slides/slide19.xml><?xml version="1.0" encoding="utf-8"?>
 <p:sld xmlns:a="http://schemas.openxmlformats.org/drawingml/2006/main" xmlns:r="http://schemas.openxmlformats.org/officeDocument/2006/relationships" xmlns:p="http://schemas.openxmlformats.org/presentationml/2006/main">
   <p:cSld>
     <p:spTree>
@@ -12122,10 +13283,10 @@
       </p:grpSpPr>
       <p:pic>
         <p:nvPicPr>
-          <p:cNvPr id="8" name="图片 7" descr="图表, 折线图&#10;&#10;描述已自动生成">
+          <p:cNvPr id="6" name="图片 5" descr="图表, 折线图&#10;&#10;描述已自动生成">
             <a:extLst>
               <a:ext uri="{FF2B5EF4-FFF2-40B4-BE49-F238E27FC236}">
-                <a16:creationId xmlns:a16="http://schemas.microsoft.com/office/drawing/2014/main" id="{C2D5453D-4F25-AF21-902D-B23542C0C22D}"/>
+                <a16:creationId xmlns:a16="http://schemas.microsoft.com/office/drawing/2014/main" id="{A8E57C2A-B4D8-F9E4-B7A3-B0FE824EDF8F}"/>
               </a:ext>
             </a:extLst>
           </p:cNvPr>
@@ -12201,8 +13362,8 @@
           </a:p>
         </p:txBody>
       </p:sp>
-      <mc:AlternateContent xmlns:mc="http://schemas.openxmlformats.org/markup-compatibility/2006">
-        <mc:Choice xmlns:a14="http://schemas.microsoft.com/office/drawing/2010/main" Requires="a14">
+      <mc:AlternateContent xmlns:mc="http://schemas.openxmlformats.org/markup-compatibility/2006" xmlns:a14="http://schemas.microsoft.com/office/drawing/2010/main">
+        <mc:Choice Requires="a14">
           <p:sp>
             <p:nvSpPr>
               <p:cNvPr id="3" name="文本框 2">
@@ -12315,7 +13476,7 @@
             </p:txBody>
           </p:sp>
         </mc:Choice>
-        <mc:Fallback>
+        <mc:Fallback xmlns="">
           <p:sp>
             <p:nvSpPr>
               <p:cNvPr id="3" name="文本框 2">
@@ -12388,7 +13549,7 @@
           <a:p>
             <a:fld id="{4DF96A39-405C-4801-AFAA-189ED9B29D59}" type="slidenum">
               <a:rPr lang="zh-CN" altLang="en-US" sz="2400" smtClean="0"/>
-              <a:t>17</a:t>
+              <a:t>19</a:t>
             </a:fld>
             <a:endParaRPr lang="zh-CN" altLang="en-US" sz="2400" dirty="0"/>
           </a:p>
@@ -12568,7 +13729,7 @@
             </p:nvSpPr>
             <p:spPr>
               <a:xfrm>
-                <a:off x="6668048" y="2785304"/>
+                <a:off x="6668048" y="2369805"/>
                 <a:ext cx="4826752" cy="1569660"/>
               </a:xfrm>
               <a:prstGeom prst="rect">
@@ -12612,49 +13773,26 @@
                     <a:ea typeface="华文楷体" panose="02010600040101010101" pitchFamily="2" charset="-122"/>
                     <a:cs typeface="+mj-cs"/>
                   </a:rPr>
-                  <a:t>为</a:t>
+                  <a:t>为真实的粒子</a:t>
                 </a:r>
                 <a14:m>
                   <m:oMath xmlns:m="http://schemas.openxmlformats.org/officeDocument/2006/math">
+                    <m:r>
+                      <a:rPr lang="en-US" altLang="zh-CN" sz="2400" b="0" i="0" smtClean="0">
+                        <a:latin typeface="Cambria Math" panose="02040503050406030204" pitchFamily="18" charset="0"/>
+                        <a:ea typeface="华文楷体" panose="02010600040101010101" pitchFamily="2" charset="-122"/>
+                        <a:cs typeface="+mj-cs"/>
+                      </a:rPr>
+                      <m:t>1/</m:t>
+                    </m:r>
                     <m:r>
                       <a:rPr lang="en-US" altLang="zh-CN" sz="2400" b="0" i="1" smtClean="0">
                         <a:latin typeface="Cambria Math" panose="02040503050406030204" pitchFamily="18" charset="0"/>
                         <a:ea typeface="华文楷体" panose="02010600040101010101" pitchFamily="2" charset="-122"/>
                         <a:cs typeface="+mj-cs"/>
                       </a:rPr>
-                      <m:t>1/</m:t>
+                      <m:t>𝛽</m:t>
                     </m:r>
-                    <m:sSub>
-                      <m:sSubPr>
-                        <m:ctrlPr>
-                          <a:rPr lang="en-US" altLang="zh-CN" sz="2400" b="0" i="1" smtClean="0">
-                            <a:latin typeface="Cambria Math" panose="02040503050406030204" pitchFamily="18" charset="0"/>
-                            <a:ea typeface="华文楷体" panose="02010600040101010101" pitchFamily="2" charset="-122"/>
-                            <a:cs typeface="+mj-cs"/>
-                          </a:rPr>
-                        </m:ctrlPr>
-                      </m:sSubPr>
-                      <m:e>
-                        <m:r>
-                          <a:rPr lang="en-US" altLang="zh-CN" sz="2400" b="0" i="1" smtClean="0">
-                            <a:latin typeface="Cambria Math" panose="02040503050406030204" pitchFamily="18" charset="0"/>
-                            <a:ea typeface="华文楷体" panose="02010600040101010101" pitchFamily="2" charset="-122"/>
-                            <a:cs typeface="+mj-cs"/>
-                          </a:rPr>
-                          <m:t>𝛽</m:t>
-                        </m:r>
-                      </m:e>
-                      <m:sub>
-                        <m:r>
-                          <a:rPr lang="en-US" altLang="zh-CN" sz="2400" b="0" i="1" smtClean="0">
-                            <a:latin typeface="Cambria Math" panose="02040503050406030204" pitchFamily="18" charset="0"/>
-                            <a:ea typeface="华文楷体" panose="02010600040101010101" pitchFamily="2" charset="-122"/>
-                            <a:cs typeface="+mj-cs"/>
-                          </a:rPr>
-                          <m:t>𝑟𝑒𝑎𝑙</m:t>
-                        </m:r>
-                      </m:sub>
-                    </m:sSub>
                   </m:oMath>
                 </a14:m>
                 <a:r>
@@ -12663,7 +13801,7 @@
                     <a:ea typeface="华文楷体" panose="02010600040101010101" pitchFamily="2" charset="-122"/>
                     <a:cs typeface="+mj-cs"/>
                   </a:rPr>
-                  <a:t>（实际</a:t>
+                  <a:t>与重建</a:t>
                 </a:r>
                 <a:r>
                   <a:rPr lang="zh-CN" altLang="en-US" sz="2400" dirty="0">
@@ -12683,91 +13821,13 @@
                 <a14:m>
                   <m:oMath xmlns:m="http://schemas.openxmlformats.org/officeDocument/2006/math">
                     <m:r>
-                      <a:rPr lang="en-US" altLang="zh-CN" sz="2400" b="0" i="1" smtClean="0">
-                        <a:latin typeface="Cambria Math" panose="02040503050406030204" pitchFamily="18" charset="0"/>
-                        <a:ea typeface="华文楷体" panose="02010600040101010101" pitchFamily="2" charset="-122"/>
-                        <a:cs typeface="+mj-cs"/>
-                      </a:rPr>
-                      <m:t>𝛽</m:t>
-                    </m:r>
-                  </m:oMath>
-                </a14:m>
-                <a:r>
-                  <a:rPr lang="zh-CN" altLang="en-US" sz="2400" dirty="0">
-                    <a:latin typeface="华文楷体" panose="02010600040101010101" pitchFamily="2" charset="-122"/>
-                    <a:ea typeface="华文楷体" panose="02010600040101010101" pitchFamily="2" charset="-122"/>
-                    <a:cs typeface="+mj-cs"/>
-                  </a:rPr>
-                  <a:t>）与</a:t>
-                </a:r>
-                <a14:m>
-                  <m:oMath xmlns:m="http://schemas.openxmlformats.org/officeDocument/2006/math">
-                    <m:r>
-                      <a:rPr lang="en-US" altLang="zh-CN" sz="2400" b="0" i="1" smtClean="0">
+                      <a:rPr lang="en-US" altLang="zh-CN" sz="2400" b="0" i="0" smtClean="0">
                         <a:latin typeface="Cambria Math" panose="02040503050406030204" pitchFamily="18" charset="0"/>
                         <a:ea typeface="华文楷体" panose="02010600040101010101" pitchFamily="2" charset="-122"/>
                         <a:cs typeface="+mj-cs"/>
                       </a:rPr>
                       <m:t>1/</m:t>
                     </m:r>
-                    <m:sSub>
-                      <m:sSubPr>
-                        <m:ctrlPr>
-                          <a:rPr lang="en-US" altLang="zh-CN" sz="2400" b="0" i="1" smtClean="0">
-                            <a:latin typeface="Cambria Math" panose="02040503050406030204" pitchFamily="18" charset="0"/>
-                            <a:ea typeface="华文楷体" panose="02010600040101010101" pitchFamily="2" charset="-122"/>
-                            <a:cs typeface="+mj-cs"/>
-                          </a:rPr>
-                        </m:ctrlPr>
-                      </m:sSubPr>
-                      <m:e>
-                        <m:r>
-                          <a:rPr lang="en-US" altLang="zh-CN" sz="2400" b="0" i="1" smtClean="0">
-                            <a:latin typeface="Cambria Math" panose="02040503050406030204" pitchFamily="18" charset="0"/>
-                            <a:ea typeface="华文楷体" panose="02010600040101010101" pitchFamily="2" charset="-122"/>
-                            <a:cs typeface="+mj-cs"/>
-                          </a:rPr>
-                          <m:t>𝛽</m:t>
-                        </m:r>
-                      </m:e>
-                      <m:sub>
-                        <m:r>
-                          <a:rPr lang="en-US" altLang="zh-CN" sz="2400" b="0" i="1" smtClean="0">
-                            <a:latin typeface="Cambria Math" panose="02040503050406030204" pitchFamily="18" charset="0"/>
-                            <a:ea typeface="华文楷体" panose="02010600040101010101" pitchFamily="2" charset="-122"/>
-                            <a:cs typeface="+mj-cs"/>
-                          </a:rPr>
-                          <m:t>𝑟𝑒𝑐</m:t>
-                        </m:r>
-                      </m:sub>
-                    </m:sSub>
-                  </m:oMath>
-                </a14:m>
-                <a:r>
-                  <a:rPr lang="zh-CN" altLang="en-US" sz="2400" dirty="0">
-                    <a:latin typeface="华文楷体" panose="02010600040101010101" pitchFamily="2" charset="-122"/>
-                    <a:ea typeface="华文楷体" panose="02010600040101010101" pitchFamily="2" charset="-122"/>
-                    <a:cs typeface="+mj-cs"/>
-                  </a:rPr>
-                  <a:t>（重建</a:t>
-                </a:r>
-                <a:r>
-                  <a:rPr lang="zh-CN" altLang="en-US" sz="2400" dirty="0">
-                    <a:latin typeface="华文楷体" panose="02010600040101010101" pitchFamily="2" charset="-122"/>
-                    <a:ea typeface="华文楷体" panose="02010600040101010101" pitchFamily="2" charset="-122"/>
-                  </a:rPr>
-                  <a:t>的</a:t>
-                </a:r>
-                <a:r>
-                  <a:rPr lang="zh-CN" altLang="en-US" sz="2400" dirty="0">
-                    <a:latin typeface="华文楷体" panose="02010600040101010101" pitchFamily="2" charset="-122"/>
-                    <a:ea typeface="华文楷体" panose="02010600040101010101" pitchFamily="2" charset="-122"/>
-                    <a:cs typeface="+mj-cs"/>
-                  </a:rPr>
-                  <a:t>粒子</a:t>
-                </a:r>
-                <a14:m>
-                  <m:oMath xmlns:m="http://schemas.openxmlformats.org/officeDocument/2006/math">
                     <m:r>
                       <a:rPr lang="en-US" altLang="zh-CN" sz="2400" b="0" i="1" smtClean="0">
                         <a:latin typeface="Cambria Math" panose="02040503050406030204" pitchFamily="18" charset="0"/>
@@ -12784,7 +13844,7 @@
                     <a:ea typeface="华文楷体" panose="02010600040101010101" pitchFamily="2" charset="-122"/>
                     <a:cs typeface="+mj-cs"/>
                   </a:rPr>
-                  <a:t>）差值的分布，中央黑色竖线为</a:t>
+                  <a:t>差值的分布，中央的黑色竖线是将时间分辨率设置为</a:t>
                 </a:r>
                 <a:r>
                   <a:rPr lang="en-US" altLang="zh-CN" sz="2400" dirty="0">
@@ -12800,7 +13860,7 @@
                     <a:ea typeface="华文楷体" panose="02010600040101010101" pitchFamily="2" charset="-122"/>
                     <a:cs typeface="+mj-cs"/>
                   </a:rPr>
-                  <a:t>时间分辨率时的</a:t>
+                  <a:t>，得到的</a:t>
                 </a:r>
                 <a14:m>
                   <m:oMath xmlns:m="http://schemas.openxmlformats.org/officeDocument/2006/math">
@@ -12808,38 +13868,40 @@
                       <m:rPr>
                         <m:sty m:val="p"/>
                       </m:rPr>
-                      <a:rPr lang="en-US" altLang="zh-CN" sz="2400" b="0" i="0" smtClean="0">
+                      <a:rPr lang="en-US" altLang="zh-CN" sz="2400">
                         <a:latin typeface="Cambria Math" panose="02040503050406030204" pitchFamily="18" charset="0"/>
                         <a:ea typeface="华文楷体" panose="02010600040101010101" pitchFamily="2" charset="-122"/>
                       </a:rPr>
                       <m:t>Δ</m:t>
                     </m:r>
-                    <m:d>
-                      <m:dPr>
-                        <m:ctrlPr>
-                          <a:rPr lang="en-US" altLang="zh-CN" sz="2400" b="0" i="0" smtClean="0">
-                            <a:latin typeface="Cambria Math" panose="02040503050406030204" pitchFamily="18" charset="0"/>
-                            <a:ea typeface="华文楷体" panose="02010600040101010101" pitchFamily="2" charset="-122"/>
-                          </a:rPr>
-                        </m:ctrlPr>
-                      </m:dPr>
-                      <m:e>
-                        <m:r>
-                          <a:rPr lang="en-US" altLang="zh-CN" sz="2400" i="1">
-                            <a:latin typeface="Cambria Math" panose="02040503050406030204" pitchFamily="18" charset="0"/>
-                            <a:ea typeface="华文楷体" panose="02010600040101010101" pitchFamily="2" charset="-122"/>
-                          </a:rPr>
-                          <m:t>1/</m:t>
-                        </m:r>
-                        <m:r>
-                          <a:rPr lang="en-US" altLang="zh-CN" sz="2400" i="1">
-                            <a:latin typeface="Cambria Math" panose="02040503050406030204" pitchFamily="18" charset="0"/>
-                            <a:ea typeface="华文楷体" panose="02010600040101010101" pitchFamily="2" charset="-122"/>
-                          </a:rPr>
-                          <m:t>𝛽</m:t>
-                        </m:r>
-                      </m:e>
-                    </m:d>
+                    <m:r>
+                      <a:rPr lang="en-US" altLang="zh-CN" sz="2400" b="0" i="1" smtClean="0">
+                        <a:latin typeface="Cambria Math" panose="02040503050406030204" pitchFamily="18" charset="0"/>
+                        <a:ea typeface="华文楷体" panose="02010600040101010101" pitchFamily="2" charset="-122"/>
+                      </a:rPr>
+                      <m:t>(</m:t>
+                    </m:r>
+                    <m:r>
+                      <a:rPr lang="en-US" altLang="zh-CN" sz="2400">
+                        <a:latin typeface="Cambria Math" panose="02040503050406030204" pitchFamily="18" charset="0"/>
+                        <a:ea typeface="华文楷体" panose="02010600040101010101" pitchFamily="2" charset="-122"/>
+                      </a:rPr>
+                      <m:t>1/</m:t>
+                    </m:r>
+                    <m:r>
+                      <a:rPr lang="en-US" altLang="zh-CN" sz="2400" i="1">
+                        <a:latin typeface="Cambria Math" panose="02040503050406030204" pitchFamily="18" charset="0"/>
+                        <a:ea typeface="华文楷体" panose="02010600040101010101" pitchFamily="2" charset="-122"/>
+                      </a:rPr>
+                      <m:t>𝛽</m:t>
+                    </m:r>
+                    <m:r>
+                      <a:rPr lang="en-US" altLang="zh-CN" sz="2400" b="0" i="1" smtClean="0">
+                        <a:latin typeface="Cambria Math" panose="02040503050406030204" pitchFamily="18" charset="0"/>
+                        <a:ea typeface="华文楷体" panose="02010600040101010101" pitchFamily="2" charset="-122"/>
+                      </a:rPr>
+                      <m:t>)</m:t>
+                    </m:r>
                   </m:oMath>
                 </a14:m>
                 <a:endParaRPr lang="en-US" altLang="zh-CN" sz="2400" dirty="0">
@@ -12868,7 +13930,7 @@
             </p:nvSpPr>
             <p:spPr>
               <a:xfrm>
-                <a:off x="6668048" y="2785304"/>
+                <a:off x="6668048" y="2369805"/>
                 <a:ext cx="4826752" cy="1569660"/>
               </a:xfrm>
               <a:prstGeom prst="rect">
@@ -12877,7 +13939,7 @@
               <a:blipFill>
                 <a:blip r:embed="rId5"/>
                 <a:stretch>
-                  <a:fillRect l="-2020" t="-3113" b="-8171"/>
+                  <a:fillRect l="-2020" t="-3113" r="-1263" b="-4280"/>
                 </a:stretch>
               </a:blipFill>
             </p:spPr>
@@ -12910,7 +13972,7 @@
         </p:nvSpPr>
         <p:spPr>
           <a:xfrm>
-            <a:off x="6668048" y="4354964"/>
+            <a:off x="6668048" y="3939465"/>
             <a:ext cx="4826752" cy="830997"/>
           </a:xfrm>
           <a:prstGeom prst="rect">
@@ -12954,7 +14016,59 @@
                 <a:ea typeface="华文楷体" panose="02010600040101010101" pitchFamily="2" charset="-122"/>
                 <a:cs typeface="+mj-cs"/>
               </a:rPr>
-              <a:t>处，猜想为由重建方法（线性重建）造成</a:t>
+              <a:t>处，猜想为由重建方法（线性重建）不足：</a:t>
+            </a:r>
+            <a:endParaRPr lang="en-US" altLang="zh-CN" sz="2400" dirty="0">
+              <a:latin typeface="华文楷体" panose="02010600040101010101" pitchFamily="2" charset="-122"/>
+              <a:ea typeface="华文楷体" panose="02010600040101010101" pitchFamily="2" charset="-122"/>
+              <a:cs typeface="+mj-cs"/>
+            </a:endParaRPr>
+          </a:p>
+        </p:txBody>
+      </p:sp>
+      <p:sp>
+        <p:nvSpPr>
+          <p:cNvPr id="9" name="文本框 8">
+            <a:extLst>
+              <a:ext uri="{FF2B5EF4-FFF2-40B4-BE49-F238E27FC236}">
+                <a16:creationId xmlns:a16="http://schemas.microsoft.com/office/drawing/2014/main" id="{CD1AD42C-4A2C-DBFC-D9CA-F3F67562C3CE}"/>
+              </a:ext>
+            </a:extLst>
+          </p:cNvPr>
+          <p:cNvSpPr txBox="1"/>
+          <p:nvPr/>
+        </p:nvSpPr>
+        <p:spPr>
+          <a:xfrm>
+            <a:off x="6668048" y="4770462"/>
+            <a:ext cx="4826752" cy="830997"/>
+          </a:xfrm>
+          <a:prstGeom prst="rect">
+            <a:avLst/>
+          </a:prstGeom>
+          <a:noFill/>
+        </p:spPr>
+        <p:txBody>
+          <a:bodyPr wrap="square">
+            <a:spAutoFit/>
+          </a:bodyPr>
+          <a:lstStyle/>
+          <a:p>
+            <a:pPr>
+              <a:spcBef>
+                <a:spcPts val="600"/>
+              </a:spcBef>
+              <a:spcAft>
+                <a:spcPts val="600"/>
+              </a:spcAft>
+            </a:pPr>
+            <a:r>
+              <a:rPr lang="zh-CN" altLang="en-US" sz="2400" dirty="0">
+                <a:latin typeface="华文楷体" panose="02010600040101010101" pitchFamily="2" charset="-122"/>
+                <a:ea typeface="华文楷体" panose="02010600040101010101" pitchFamily="2" charset="-122"/>
+                <a:cs typeface="+mj-cs"/>
+              </a:rPr>
+              <a:t>实际上速度有衰减，但该重建方法仍然认为速度不变</a:t>
             </a:r>
             <a:endParaRPr lang="en-US" altLang="zh-CN" sz="2400" dirty="0">
               <a:latin typeface="华文楷体" panose="02010600040101010101" pitchFamily="2" charset="-122"/>
@@ -12989,7 +14103,222 @@
 </p:sld>
 </file>
 
-<file path=ppt/slides/slide18.xml><?xml version="1.0" encoding="utf-8"?>
+<file path=ppt/slides/slide2.xml><?xml version="1.0" encoding="utf-8"?>
+<p:sld xmlns:a="http://schemas.openxmlformats.org/drawingml/2006/main" xmlns:r="http://schemas.openxmlformats.org/officeDocument/2006/relationships" xmlns:p="http://schemas.openxmlformats.org/presentationml/2006/main">
+  <p:cSld>
+    <p:spTree>
+      <p:nvGrpSpPr>
+        <p:cNvPr id="1" name=""/>
+        <p:cNvGrpSpPr/>
+        <p:nvPr/>
+      </p:nvGrpSpPr>
+      <p:grpSpPr>
+        <a:xfrm>
+          <a:off x="0" y="0"/>
+          <a:ext cx="0" cy="0"/>
+          <a:chOff x="0" y="0"/>
+          <a:chExt cx="0" cy="0"/>
+        </a:xfrm>
+      </p:grpSpPr>
+      <p:sp>
+        <p:nvSpPr>
+          <p:cNvPr id="2" name="标题 1">
+            <a:extLst>
+              <a:ext uri="{FF2B5EF4-FFF2-40B4-BE49-F238E27FC236}">
+                <a16:creationId xmlns:a16="http://schemas.microsoft.com/office/drawing/2014/main" id="{9EBDDFBE-EB5E-457B-E06E-65815A2ECA0F}"/>
+              </a:ext>
+            </a:extLst>
+          </p:cNvPr>
+          <p:cNvSpPr>
+            <a:spLocks noGrp="1"/>
+          </p:cNvSpPr>
+          <p:nvPr>
+            <p:ph type="title"/>
+          </p:nvPr>
+        </p:nvSpPr>
+        <p:spPr/>
+        <p:txBody>
+          <a:bodyPr/>
+          <a:lstStyle/>
+          <a:p>
+            <a:r>
+              <a:rPr lang="zh-CN" altLang="en-US" dirty="0">
+                <a:latin typeface="华文宋体" panose="02010600040101010101" pitchFamily="2" charset="-122"/>
+                <a:ea typeface="华文宋体" panose="02010600040101010101" pitchFamily="2" charset="-122"/>
+              </a:rPr>
+              <a:t>目录</a:t>
+            </a:r>
+          </a:p>
+        </p:txBody>
+      </p:sp>
+      <p:sp>
+        <p:nvSpPr>
+          <p:cNvPr id="3" name="内容占位符 2">
+            <a:extLst>
+              <a:ext uri="{FF2B5EF4-FFF2-40B4-BE49-F238E27FC236}">
+                <a16:creationId xmlns:a16="http://schemas.microsoft.com/office/drawing/2014/main" id="{8A1E0005-B676-78F3-00E9-64C0A3D3B03B}"/>
+              </a:ext>
+            </a:extLst>
+          </p:cNvPr>
+          <p:cNvSpPr>
+            <a:spLocks noGrp="1"/>
+          </p:cNvSpPr>
+          <p:nvPr>
+            <p:ph idx="1"/>
+          </p:nvPr>
+        </p:nvSpPr>
+        <p:spPr/>
+        <p:txBody>
+          <a:bodyPr>
+            <a:normAutofit/>
+          </a:bodyPr>
+          <a:lstStyle/>
+          <a:p>
+            <a:pPr>
+              <a:spcAft>
+                <a:spcPts val="600"/>
+              </a:spcAft>
+            </a:pPr>
+            <a:r>
+              <a:rPr lang="en-US" altLang="zh-CN" sz="3600" dirty="0">
+                <a:latin typeface="华文楷体" panose="02010600040101010101" pitchFamily="2" charset="-122"/>
+                <a:ea typeface="华文楷体" panose="02010600040101010101" pitchFamily="2" charset="-122"/>
+                <a:hlinkClick r:id="rId2" action="ppaction://hlinksldjump"/>
+              </a:rPr>
+              <a:t>AMS</a:t>
+            </a:r>
+            <a:r>
+              <a:rPr lang="zh-CN" altLang="en-US" sz="3600" dirty="0">
+                <a:latin typeface="华文楷体" panose="02010600040101010101" pitchFamily="2" charset="-122"/>
+                <a:ea typeface="华文楷体" panose="02010600040101010101" pitchFamily="2" charset="-122"/>
+                <a:hlinkClick r:id="rId2" action="ppaction://hlinksldjump"/>
+              </a:rPr>
+              <a:t>飞行时间探测器简介</a:t>
+            </a:r>
+            <a:endParaRPr lang="en-US" altLang="zh-CN" sz="3600" dirty="0">
+              <a:latin typeface="华文楷体" panose="02010600040101010101" pitchFamily="2" charset="-122"/>
+              <a:ea typeface="华文楷体" panose="02010600040101010101" pitchFamily="2" charset="-122"/>
+            </a:endParaRPr>
+          </a:p>
+          <a:p>
+            <a:pPr>
+              <a:spcAft>
+                <a:spcPts val="600"/>
+              </a:spcAft>
+            </a:pPr>
+            <a:r>
+              <a:rPr lang="zh-CN" altLang="en-US" sz="3600" dirty="0">
+                <a:latin typeface="华文楷体" panose="02010600040101010101" pitchFamily="2" charset="-122"/>
+                <a:ea typeface="华文楷体" panose="02010600040101010101" pitchFamily="2" charset="-122"/>
+                <a:hlinkClick r:id="rId3" action="ppaction://hlinksldjump"/>
+              </a:rPr>
+              <a:t>该阶段研究中使用的参数</a:t>
+            </a:r>
+            <a:endParaRPr lang="en-US" altLang="zh-CN" sz="3600" dirty="0">
+              <a:latin typeface="华文楷体" panose="02010600040101010101" pitchFamily="2" charset="-122"/>
+              <a:ea typeface="华文楷体" panose="02010600040101010101" pitchFamily="2" charset="-122"/>
+            </a:endParaRPr>
+          </a:p>
+          <a:p>
+            <a:pPr>
+              <a:spcAft>
+                <a:spcPts val="600"/>
+              </a:spcAft>
+            </a:pPr>
+            <a:r>
+              <a:rPr lang="zh-CN" altLang="en-US" sz="3600" dirty="0">
+                <a:latin typeface="华文楷体" panose="02010600040101010101" pitchFamily="2" charset="-122"/>
+                <a:ea typeface="华文楷体" panose="02010600040101010101" pitchFamily="2" charset="-122"/>
+                <a:hlinkClick r:id="rId4" action="ppaction://hlinksldjump"/>
+              </a:rPr>
+              <a:t>研究方法</a:t>
+            </a:r>
+            <a:endParaRPr lang="en-US" altLang="zh-CN" sz="3600" dirty="0">
+              <a:latin typeface="华文楷体" panose="02010600040101010101" pitchFamily="2" charset="-122"/>
+              <a:ea typeface="华文楷体" panose="02010600040101010101" pitchFamily="2" charset="-122"/>
+            </a:endParaRPr>
+          </a:p>
+          <a:p>
+            <a:pPr>
+              <a:spcAft>
+                <a:spcPts val="600"/>
+              </a:spcAft>
+            </a:pPr>
+            <a:r>
+              <a:rPr lang="zh-CN" altLang="en-US" sz="3600" dirty="0">
+                <a:latin typeface="华文楷体" panose="02010600040101010101" pitchFamily="2" charset="-122"/>
+                <a:ea typeface="华文楷体" panose="02010600040101010101" pitchFamily="2" charset="-122"/>
+                <a:hlinkClick r:id="rId5" action="ppaction://hlinksldjump"/>
+              </a:rPr>
+              <a:t>结果</a:t>
+            </a:r>
+            <a:endParaRPr lang="zh-CN" altLang="en-US" sz="3600" dirty="0">
+              <a:latin typeface="华文楷体" panose="02010600040101010101" pitchFamily="2" charset="-122"/>
+              <a:ea typeface="华文楷体" panose="02010600040101010101" pitchFamily="2" charset="-122"/>
+            </a:endParaRPr>
+          </a:p>
+        </p:txBody>
+      </p:sp>
+      <p:sp>
+        <p:nvSpPr>
+          <p:cNvPr id="6" name="灯片编号占位符 3">
+            <a:extLst>
+              <a:ext uri="{FF2B5EF4-FFF2-40B4-BE49-F238E27FC236}">
+                <a16:creationId xmlns:a16="http://schemas.microsoft.com/office/drawing/2014/main" id="{07F2F14A-D798-B350-AE15-A415785BDCA7}"/>
+              </a:ext>
+            </a:extLst>
+          </p:cNvPr>
+          <p:cNvSpPr>
+            <a:spLocks noGrp="1"/>
+          </p:cNvSpPr>
+          <p:nvPr>
+            <p:ph type="sldNum" sz="quarter" idx="12"/>
+          </p:nvPr>
+        </p:nvSpPr>
+        <p:spPr>
+          <a:xfrm>
+            <a:off x="8610600" y="6356350"/>
+            <a:ext cx="2743200" cy="365125"/>
+          </a:xfrm>
+        </p:spPr>
+        <p:txBody>
+          <a:bodyPr/>
+          <a:lstStyle/>
+          <a:p>
+            <a:fld id="{4DF96A39-405C-4801-AFAA-189ED9B29D59}" type="slidenum">
+              <a:rPr lang="zh-CN" altLang="en-US" sz="2400" smtClean="0"/>
+              <a:t>2</a:t>
+            </a:fld>
+            <a:endParaRPr lang="zh-CN" altLang="en-US" sz="2400" dirty="0"/>
+          </a:p>
+        </p:txBody>
+      </p:sp>
+    </p:spTree>
+    <p:extLst>
+      <p:ext uri="{BB962C8B-B14F-4D97-AF65-F5344CB8AC3E}">
+        <p14:creationId xmlns:p14="http://schemas.microsoft.com/office/powerpoint/2010/main" val="2364123729"/>
+      </p:ext>
+    </p:extLst>
+  </p:cSld>
+  <p:clrMapOvr>
+    <a:masterClrMapping/>
+  </p:clrMapOvr>
+  <mc:AlternateContent xmlns:mc="http://schemas.openxmlformats.org/markup-compatibility/2006" xmlns:p159="http://schemas.microsoft.com/office/powerpoint/2015/09/main">
+    <mc:Choice Requires="p159">
+      <p:transition>
+        <p159:morph option="byObject"/>
+      </p:transition>
+    </mc:Choice>
+    <mc:Fallback xmlns="">
+      <p:transition>
+        <p:fade/>
+      </p:transition>
+    </mc:Fallback>
+  </mc:AlternateContent>
+</p:sld>
+</file>
+
+<file path=ppt/slides/slide20.xml><?xml version="1.0" encoding="utf-8"?>
 <p:sld xmlns:a="http://schemas.openxmlformats.org/drawingml/2006/main" xmlns:r="http://schemas.openxmlformats.org/officeDocument/2006/relationships" xmlns:p="http://schemas.openxmlformats.org/presentationml/2006/main">
   <p:cSld>
     <p:spTree>
@@ -13014,10 +14343,10 @@
       </p:grpSpPr>
       <p:pic>
         <p:nvPicPr>
-          <p:cNvPr id="5" name="图片 4" descr="图表, 折线图&#10;&#10;描述已自动生成">
+          <p:cNvPr id="6" name="图片 5" descr="图表, 折线图&#10;&#10;描述已自动生成">
             <a:extLst>
               <a:ext uri="{FF2B5EF4-FFF2-40B4-BE49-F238E27FC236}">
-                <a16:creationId xmlns:a16="http://schemas.microsoft.com/office/drawing/2014/main" id="{95225374-D0A4-FCE8-5AC2-EBB2428B111B}"/>
+                <a16:creationId xmlns:a16="http://schemas.microsoft.com/office/drawing/2014/main" id="{72E95237-B92F-B8BF-647A-553E993F6D85}"/>
               </a:ext>
             </a:extLst>
           </p:cNvPr>
@@ -13040,8 +14369,8 @@
         </p:blipFill>
         <p:spPr>
           <a:xfrm>
-            <a:off x="694800" y="1670400"/>
-            <a:ext cx="6286622" cy="4399200"/>
+            <a:off x="694799" y="1670400"/>
+            <a:ext cx="6286620" cy="4399200"/>
           </a:xfrm>
           <a:prstGeom prst="rect">
             <a:avLst/>
@@ -13093,8 +14422,8 @@
           </a:p>
         </p:txBody>
       </p:sp>
-      <mc:AlternateContent xmlns:mc="http://schemas.openxmlformats.org/markup-compatibility/2006">
-        <mc:Choice xmlns:a14="http://schemas.microsoft.com/office/drawing/2010/main" Requires="a14">
+      <mc:AlternateContent xmlns:mc="http://schemas.openxmlformats.org/markup-compatibility/2006" xmlns:a14="http://schemas.microsoft.com/office/drawing/2010/main">
+        <mc:Choice Requires="a14">
           <p:sp>
             <p:nvSpPr>
               <p:cNvPr id="3" name="文本框 2">
@@ -13304,7 +14633,7 @@
             </p:txBody>
           </p:sp>
         </mc:Choice>
-        <mc:Fallback>
+        <mc:Fallback xmlns="">
           <p:sp>
             <p:nvSpPr>
               <p:cNvPr id="3" name="文本框 2">
@@ -13377,7 +14706,7 @@
           <a:p>
             <a:fld id="{4DF96A39-405C-4801-AFAA-189ED9B29D59}" type="slidenum">
               <a:rPr lang="zh-CN" altLang="en-US" sz="2400" smtClean="0"/>
-              <a:t>18</a:t>
+              <a:t>20</a:t>
             </a:fld>
             <a:endParaRPr lang="zh-CN" altLang="en-US" sz="2400" dirty="0"/>
           </a:p>
@@ -13705,8 +15034,8 @@
           </p:sp>
         </mc:Fallback>
       </mc:AlternateContent>
-      <mc:AlternateContent xmlns:mc="http://schemas.openxmlformats.org/markup-compatibility/2006">
-        <mc:Choice xmlns:a14="http://schemas.microsoft.com/office/drawing/2010/main" Requires="a14">
+      <mc:AlternateContent xmlns:mc="http://schemas.openxmlformats.org/markup-compatibility/2006" xmlns:a14="http://schemas.microsoft.com/office/drawing/2010/main">
+        <mc:Choice Requires="a14">
           <p:sp>
             <p:nvSpPr>
               <p:cNvPr id="9" name="文本框 8">
@@ -13772,7 +15101,7 @@
             </p:txBody>
           </p:sp>
         </mc:Choice>
-        <mc:Fallback>
+        <mc:Fallback xmlns="">
           <p:sp>
             <p:nvSpPr>
               <p:cNvPr id="9" name="文本框 8">
@@ -13842,7 +15171,7 @@
 </p:sld>
 </file>
 
-<file path=ppt/slides/slide19.xml><?xml version="1.0" encoding="utf-8"?>
+<file path=ppt/slides/slide21.xml><?xml version="1.0" encoding="utf-8"?>
 <p:sld xmlns:a="http://schemas.openxmlformats.org/drawingml/2006/main" xmlns:r="http://schemas.openxmlformats.org/officeDocument/2006/relationships" xmlns:p="http://schemas.openxmlformats.org/presentationml/2006/main">
   <p:cSld>
     <p:spTree>
@@ -13967,7 +15296,7 @@
                   <a:latin typeface="楷体" panose="02010609060101010101" pitchFamily="49" charset="-122"/>
                   <a:ea typeface="楷体" panose="02010609060101010101" pitchFamily="49" charset="-122"/>
                 </a:rPr>
-                <a:t>2025.1.16</a:t>
+                <a:t>2025.1.18</a:t>
               </a:r>
               <a:endParaRPr lang="zh-CN" altLang="en-US" sz="2400" dirty="0"/>
             </a:p>
@@ -13999,222 +15328,7 @@
 </p:sld>
 </file>
 
-<file path=ppt/slides/slide2.xml><?xml version="1.0" encoding="utf-8"?>
-<p:sld xmlns:a="http://schemas.openxmlformats.org/drawingml/2006/main" xmlns:r="http://schemas.openxmlformats.org/officeDocument/2006/relationships" xmlns:p="http://schemas.openxmlformats.org/presentationml/2006/main">
-  <p:cSld>
-    <p:spTree>
-      <p:nvGrpSpPr>
-        <p:cNvPr id="1" name=""/>
-        <p:cNvGrpSpPr/>
-        <p:nvPr/>
-      </p:nvGrpSpPr>
-      <p:grpSpPr>
-        <a:xfrm>
-          <a:off x="0" y="0"/>
-          <a:ext cx="0" cy="0"/>
-          <a:chOff x="0" y="0"/>
-          <a:chExt cx="0" cy="0"/>
-        </a:xfrm>
-      </p:grpSpPr>
-      <p:sp>
-        <p:nvSpPr>
-          <p:cNvPr id="2" name="标题 1">
-            <a:extLst>
-              <a:ext uri="{FF2B5EF4-FFF2-40B4-BE49-F238E27FC236}">
-                <a16:creationId xmlns:a16="http://schemas.microsoft.com/office/drawing/2014/main" id="{9EBDDFBE-EB5E-457B-E06E-65815A2ECA0F}"/>
-              </a:ext>
-            </a:extLst>
-          </p:cNvPr>
-          <p:cNvSpPr>
-            <a:spLocks noGrp="1"/>
-          </p:cNvSpPr>
-          <p:nvPr>
-            <p:ph type="title"/>
-          </p:nvPr>
-        </p:nvSpPr>
-        <p:spPr/>
-        <p:txBody>
-          <a:bodyPr/>
-          <a:lstStyle/>
-          <a:p>
-            <a:r>
-              <a:rPr lang="zh-CN" altLang="en-US" dirty="0">
-                <a:latin typeface="华文宋体" panose="02010600040101010101" pitchFamily="2" charset="-122"/>
-                <a:ea typeface="华文宋体" panose="02010600040101010101" pitchFamily="2" charset="-122"/>
-              </a:rPr>
-              <a:t>目录</a:t>
-            </a:r>
-          </a:p>
-        </p:txBody>
-      </p:sp>
-      <p:sp>
-        <p:nvSpPr>
-          <p:cNvPr id="3" name="内容占位符 2">
-            <a:extLst>
-              <a:ext uri="{FF2B5EF4-FFF2-40B4-BE49-F238E27FC236}">
-                <a16:creationId xmlns:a16="http://schemas.microsoft.com/office/drawing/2014/main" id="{8A1E0005-B676-78F3-00E9-64C0A3D3B03B}"/>
-              </a:ext>
-            </a:extLst>
-          </p:cNvPr>
-          <p:cNvSpPr>
-            <a:spLocks noGrp="1"/>
-          </p:cNvSpPr>
-          <p:nvPr>
-            <p:ph idx="1"/>
-          </p:nvPr>
-        </p:nvSpPr>
-        <p:spPr/>
-        <p:txBody>
-          <a:bodyPr>
-            <a:normAutofit/>
-          </a:bodyPr>
-          <a:lstStyle/>
-          <a:p>
-            <a:pPr>
-              <a:spcAft>
-                <a:spcPts val="600"/>
-              </a:spcAft>
-            </a:pPr>
-            <a:r>
-              <a:rPr lang="en-US" altLang="zh-CN" sz="3600" dirty="0">
-                <a:latin typeface="华文楷体" panose="02010600040101010101" pitchFamily="2" charset="-122"/>
-                <a:ea typeface="华文楷体" panose="02010600040101010101" pitchFamily="2" charset="-122"/>
-                <a:hlinkClick r:id="rId2" action="ppaction://hlinksldjump"/>
-              </a:rPr>
-              <a:t>AMS</a:t>
-            </a:r>
-            <a:r>
-              <a:rPr lang="zh-CN" altLang="en-US" sz="3600" dirty="0">
-                <a:latin typeface="华文楷体" panose="02010600040101010101" pitchFamily="2" charset="-122"/>
-                <a:ea typeface="华文楷体" panose="02010600040101010101" pitchFamily="2" charset="-122"/>
-                <a:hlinkClick r:id="rId2" action="ppaction://hlinksldjump"/>
-              </a:rPr>
-              <a:t>飞行时间探测器简介</a:t>
-            </a:r>
-            <a:endParaRPr lang="en-US" altLang="zh-CN" sz="3600" dirty="0">
-              <a:latin typeface="华文楷体" panose="02010600040101010101" pitchFamily="2" charset="-122"/>
-              <a:ea typeface="华文楷体" panose="02010600040101010101" pitchFamily="2" charset="-122"/>
-            </a:endParaRPr>
-          </a:p>
-          <a:p>
-            <a:pPr>
-              <a:spcAft>
-                <a:spcPts val="600"/>
-              </a:spcAft>
-            </a:pPr>
-            <a:r>
-              <a:rPr lang="zh-CN" altLang="en-US" sz="3600" dirty="0">
-                <a:latin typeface="华文楷体" panose="02010600040101010101" pitchFamily="2" charset="-122"/>
-                <a:ea typeface="华文楷体" panose="02010600040101010101" pitchFamily="2" charset="-122"/>
-                <a:hlinkClick r:id="rId3" action="ppaction://hlinksldjump"/>
-              </a:rPr>
-              <a:t>该阶段研究中使用的参数</a:t>
-            </a:r>
-            <a:endParaRPr lang="en-US" altLang="zh-CN" sz="3600" dirty="0">
-              <a:latin typeface="华文楷体" panose="02010600040101010101" pitchFamily="2" charset="-122"/>
-              <a:ea typeface="华文楷体" panose="02010600040101010101" pitchFamily="2" charset="-122"/>
-            </a:endParaRPr>
-          </a:p>
-          <a:p>
-            <a:pPr>
-              <a:spcAft>
-                <a:spcPts val="600"/>
-              </a:spcAft>
-            </a:pPr>
-            <a:r>
-              <a:rPr lang="zh-CN" altLang="en-US" sz="3600" dirty="0">
-                <a:latin typeface="华文楷体" panose="02010600040101010101" pitchFamily="2" charset="-122"/>
-                <a:ea typeface="华文楷体" panose="02010600040101010101" pitchFamily="2" charset="-122"/>
-                <a:hlinkClick r:id="rId4" action="ppaction://hlinksldjump"/>
-              </a:rPr>
-              <a:t>研究方法</a:t>
-            </a:r>
-            <a:endParaRPr lang="en-US" altLang="zh-CN" sz="3600" dirty="0">
-              <a:latin typeface="华文楷体" panose="02010600040101010101" pitchFamily="2" charset="-122"/>
-              <a:ea typeface="华文楷体" panose="02010600040101010101" pitchFamily="2" charset="-122"/>
-            </a:endParaRPr>
-          </a:p>
-          <a:p>
-            <a:pPr>
-              <a:spcAft>
-                <a:spcPts val="600"/>
-              </a:spcAft>
-            </a:pPr>
-            <a:r>
-              <a:rPr lang="zh-CN" altLang="en-US" sz="3600" dirty="0">
-                <a:latin typeface="华文楷体" panose="02010600040101010101" pitchFamily="2" charset="-122"/>
-                <a:ea typeface="华文楷体" panose="02010600040101010101" pitchFamily="2" charset="-122"/>
-                <a:hlinkClick r:id="rId5" action="ppaction://hlinksldjump"/>
-              </a:rPr>
-              <a:t>结果</a:t>
-            </a:r>
-            <a:endParaRPr lang="zh-CN" altLang="en-US" sz="3600" dirty="0">
-              <a:latin typeface="华文楷体" panose="02010600040101010101" pitchFamily="2" charset="-122"/>
-              <a:ea typeface="华文楷体" panose="02010600040101010101" pitchFamily="2" charset="-122"/>
-            </a:endParaRPr>
-          </a:p>
-        </p:txBody>
-      </p:sp>
-      <p:sp>
-        <p:nvSpPr>
-          <p:cNvPr id="6" name="灯片编号占位符 3">
-            <a:extLst>
-              <a:ext uri="{FF2B5EF4-FFF2-40B4-BE49-F238E27FC236}">
-                <a16:creationId xmlns:a16="http://schemas.microsoft.com/office/drawing/2014/main" id="{07F2F14A-D798-B350-AE15-A415785BDCA7}"/>
-              </a:ext>
-            </a:extLst>
-          </p:cNvPr>
-          <p:cNvSpPr>
-            <a:spLocks noGrp="1"/>
-          </p:cNvSpPr>
-          <p:nvPr>
-            <p:ph type="sldNum" sz="quarter" idx="12"/>
-          </p:nvPr>
-        </p:nvSpPr>
-        <p:spPr>
-          <a:xfrm>
-            <a:off x="8610600" y="6356350"/>
-            <a:ext cx="2743200" cy="365125"/>
-          </a:xfrm>
-        </p:spPr>
-        <p:txBody>
-          <a:bodyPr/>
-          <a:lstStyle/>
-          <a:p>
-            <a:fld id="{4DF96A39-405C-4801-AFAA-189ED9B29D59}" type="slidenum">
-              <a:rPr lang="zh-CN" altLang="en-US" sz="2400" smtClean="0"/>
-              <a:t>2</a:t>
-            </a:fld>
-            <a:endParaRPr lang="zh-CN" altLang="en-US" sz="2400" dirty="0"/>
-          </a:p>
-        </p:txBody>
-      </p:sp>
-    </p:spTree>
-    <p:extLst>
-      <p:ext uri="{BB962C8B-B14F-4D97-AF65-F5344CB8AC3E}">
-        <p14:creationId xmlns:p14="http://schemas.microsoft.com/office/powerpoint/2010/main" val="2364123729"/>
-      </p:ext>
-    </p:extLst>
-  </p:cSld>
-  <p:clrMapOvr>
-    <a:masterClrMapping/>
-  </p:clrMapOvr>
-  <mc:AlternateContent xmlns:mc="http://schemas.openxmlformats.org/markup-compatibility/2006" xmlns:p159="http://schemas.microsoft.com/office/powerpoint/2015/09/main">
-    <mc:Choice Requires="p159">
-      <p:transition>
-        <p159:morph option="byObject"/>
-      </p:transition>
-    </mc:Choice>
-    <mc:Fallback xmlns="">
-      <p:transition>
-        <p:fade/>
-      </p:transition>
-    </mc:Fallback>
-  </mc:AlternateContent>
-</p:sld>
-</file>
-
-<file path=ppt/slides/slide20.xml><?xml version="1.0" encoding="utf-8"?>
+<file path=ppt/slides/slide22.xml><?xml version="1.0" encoding="utf-8"?>
 <p:sld xmlns:a="http://schemas.openxmlformats.org/drawingml/2006/main" xmlns:r="http://schemas.openxmlformats.org/officeDocument/2006/relationships" xmlns:p="http://schemas.openxmlformats.org/presentationml/2006/main" show="0">
   <p:cSld>
     <p:spTree>
@@ -16036,7 +17150,7 @@
           <a:p>
             <a:fld id="{4DF96A39-405C-4801-AFAA-189ED9B29D59}" type="slidenum">
               <a:rPr lang="zh-CN" altLang="en-US" sz="2400" smtClean="0"/>
-              <a:t>20</a:t>
+              <a:t>22</a:t>
             </a:fld>
             <a:endParaRPr lang="zh-CN" altLang="en-US" sz="2400" dirty="0"/>
           </a:p>
@@ -25798,7 +26912,7 @@
                 <a:ea typeface="华文楷体" panose="02010600040101010101" pitchFamily="2" charset="-122"/>
                 <a:cs typeface="Times New Roman" panose="02020603050405020304" pitchFamily="18" charset="0"/>
               </a:rPr>
-              <a:t>[4] </a:t>
+              <a:t>[8] </a:t>
             </a:r>
             <a:r>
               <a:rPr lang="en-US" altLang="zh-CN" sz="1600" dirty="0" err="1">

--- a/presentation/Stage：零磁场垂直入射线性重建.pptx
+++ b/presentation/Stage：零磁场垂直入射线性重建.pptx
@@ -5,7 +5,7 @@
     <p:sldMasterId id="2147483648" r:id="rId1"/>
   </p:sldMasterIdLst>
   <p:notesMasterIdLst>
-    <p:notesMasterId r:id="rId24"/>
+    <p:notesMasterId r:id="rId30"/>
   </p:notesMasterIdLst>
   <p:sldIdLst>
     <p:sldId id="256" r:id="rId2"/>
@@ -28,8 +28,14 @@
     <p:sldId id="305" r:id="rId19"/>
     <p:sldId id="306" r:id="rId20"/>
     <p:sldId id="307" r:id="rId21"/>
-    <p:sldId id="316" r:id="rId22"/>
-    <p:sldId id="295" r:id="rId23"/>
+    <p:sldId id="320" r:id="rId22"/>
+    <p:sldId id="321" r:id="rId23"/>
+    <p:sldId id="327" r:id="rId24"/>
+    <p:sldId id="323" r:id="rId25"/>
+    <p:sldId id="324" r:id="rId26"/>
+    <p:sldId id="325" r:id="rId27"/>
+    <p:sldId id="326" r:id="rId28"/>
+    <p:sldId id="295" r:id="rId29"/>
   </p:sldIdLst>
   <p:sldSz cx="12192000" cy="6858000"/>
   <p:notesSz cx="6858000" cy="9144000"/>
@@ -548,9 +554,93 @@
           <a:bodyPr/>
           <a:lstStyle/>
           <a:p>
+            <a:fld id="{3539F44A-A1F8-48E4-81E7-0858F8390BBB}" type="slidenum">
+              <a:rPr lang="zh-CN" altLang="en-US" smtClean="0"/>
+              <a:t>22</a:t>
+            </a:fld>
+            <a:endParaRPr lang="zh-CN" altLang="en-US"/>
+          </a:p>
+        </p:txBody>
+      </p:sp>
+    </p:spTree>
+    <p:extLst>
+      <p:ext uri="{BB962C8B-B14F-4D97-AF65-F5344CB8AC3E}">
+        <p14:creationId xmlns:p14="http://schemas.microsoft.com/office/powerpoint/2010/main" val="2242226912"/>
+      </p:ext>
+    </p:extLst>
+  </p:cSld>
+  <p:clrMapOvr>
+    <a:masterClrMapping/>
+  </p:clrMapOvr>
+</p:notes>
+</file>
+
+<file path=ppt/notesSlides/notesSlide2.xml><?xml version="1.0" encoding="utf-8"?>
+<p:notes xmlns:a="http://schemas.openxmlformats.org/drawingml/2006/main" xmlns:r="http://schemas.openxmlformats.org/officeDocument/2006/relationships" xmlns:p="http://schemas.openxmlformats.org/presentationml/2006/main">
+  <p:cSld>
+    <p:spTree>
+      <p:nvGrpSpPr>
+        <p:cNvPr id="1" name=""/>
+        <p:cNvGrpSpPr/>
+        <p:nvPr/>
+      </p:nvGrpSpPr>
+      <p:grpSpPr>
+        <a:xfrm>
+          <a:off x="0" y="0"/>
+          <a:ext cx="0" cy="0"/>
+          <a:chOff x="0" y="0"/>
+          <a:chExt cx="0" cy="0"/>
+        </a:xfrm>
+      </p:grpSpPr>
+      <p:sp>
+        <p:nvSpPr>
+          <p:cNvPr id="2" name="幻灯片图像占位符 1"/>
+          <p:cNvSpPr>
+            <a:spLocks noGrp="1" noRot="1" noChangeAspect="1"/>
+          </p:cNvSpPr>
+          <p:nvPr>
+            <p:ph type="sldImg"/>
+          </p:nvPr>
+        </p:nvSpPr>
+        <p:spPr/>
+      </p:sp>
+      <p:sp>
+        <p:nvSpPr>
+          <p:cNvPr id="3" name="备注占位符 2"/>
+          <p:cNvSpPr>
+            <a:spLocks noGrp="1"/>
+          </p:cNvSpPr>
+          <p:nvPr>
+            <p:ph type="body" idx="1"/>
+          </p:nvPr>
+        </p:nvSpPr>
+        <p:spPr/>
+        <p:txBody>
+          <a:bodyPr/>
+          <a:lstStyle/>
+          <a:p>
+            <a:endParaRPr lang="zh-CN" altLang="en-US" dirty="0"/>
+          </a:p>
+        </p:txBody>
+      </p:sp>
+      <p:sp>
+        <p:nvSpPr>
+          <p:cNvPr id="4" name="灯片编号占位符 3"/>
+          <p:cNvSpPr>
+            <a:spLocks noGrp="1"/>
+          </p:cNvSpPr>
+          <p:nvPr>
+            <p:ph type="sldNum" sz="quarter" idx="5"/>
+          </p:nvPr>
+        </p:nvSpPr>
+        <p:spPr/>
+        <p:txBody>
+          <a:bodyPr/>
+          <a:lstStyle/>
+          <a:p>
             <a:fld id="{9889719D-D6F5-4305-94B0-35BE6525DD04}" type="slidenum">
               <a:rPr lang="zh-CN" altLang="en-US" smtClean="0"/>
-              <a:t>22</a:t>
+              <a:t>28</a:t>
             </a:fld>
             <a:endParaRPr lang="zh-CN" altLang="en-US"/>
           </a:p>
@@ -5033,7 +5123,7 @@
                     <a:ea typeface="华文楷体" panose="02010600040101010101" pitchFamily="2" charset="-122"/>
                     <a:cs typeface="+mj-cs"/>
                   </a:rPr>
-                  <a:t>和</a:t>
+                  <a:t>、</a:t>
                 </a:r>
                 <a14:m>
                   <m:oMath xmlns:m="http://schemas.openxmlformats.org/officeDocument/2006/math">
@@ -5052,7 +5142,7 @@
                     <a:ea typeface="华文楷体" panose="02010600040101010101" pitchFamily="2" charset="-122"/>
                     <a:cs typeface="+mj-cs"/>
                   </a:rPr>
-                  <a:t>分别代表能量损失前后，</a:t>
+                  <a:t>分别代表能量损失前、后，</a:t>
                 </a:r>
                 <a14:m>
                   <m:oMath xmlns:m="http://schemas.openxmlformats.org/officeDocument/2006/math">
@@ -7524,7 +7614,7 @@
                 <a:ea typeface="华文楷体" panose="02010600040101010101" pitchFamily="2" charset="-122"/>
                 <a:cs typeface="+mj-cs"/>
               </a:rPr>
-              <a:t>由于使用自然单位制，此处需要进行单位制转换。下需单位制转换时不再提示。</a:t>
+              <a:t>由于使用自然单位制，此处需要进行单位制转换。下需单位制转换时不再说明。</a:t>
             </a:r>
             <a:endParaRPr lang="en-US" altLang="zh-CN" sz="1600" dirty="0">
               <a:latin typeface="华文楷体" panose="02010600040101010101" pitchFamily="2" charset="-122"/>
@@ -9240,8 +9330,8 @@
           </p:graphicFrame>
         </mc:Fallback>
       </mc:AlternateContent>
-      <mc:AlternateContent xmlns:mc="http://schemas.openxmlformats.org/markup-compatibility/2006" xmlns:a14="http://schemas.microsoft.com/office/drawing/2010/main">
-        <mc:Choice Requires="a14">
+      <mc:AlternateContent xmlns:mc="http://schemas.openxmlformats.org/markup-compatibility/2006">
+        <mc:Choice xmlns:a14="http://schemas.microsoft.com/office/drawing/2010/main" Requires="a14">
           <p:sp>
             <p:nvSpPr>
               <p:cNvPr id="9" name="文本框 8">
@@ -9323,6 +9413,13 @@
                   <a:t>表示</a:t>
                 </a:r>
                 <a:r>
+                  <a:rPr lang="zh-CN" altLang="en-US" sz="2400" dirty="0">
+                    <a:latin typeface="华文楷体" panose="02010600040101010101" pitchFamily="2" charset="-122"/>
+                    <a:ea typeface="华文楷体" panose="02010600040101010101" pitchFamily="2" charset="-122"/>
+                  </a:rPr>
+                  <a:t>需要</a:t>
+                </a:r>
+                <a:r>
                   <a:rPr lang="en-US" altLang="zh-CN" sz="2400" dirty="0">
                     <a:latin typeface="华文楷体" panose="02010600040101010101" pitchFamily="2" charset="-122"/>
                     <a:ea typeface="华文楷体" panose="02010600040101010101" pitchFamily="2" charset="-122"/>
@@ -9336,7 +9433,7 @@
                     <a:ea typeface="华文楷体" panose="02010600040101010101" pitchFamily="2" charset="-122"/>
                     <a:cs typeface="+mj-cs"/>
                   </a:rPr>
-                  <a:t>需要拟合的参数。</a:t>
+                  <a:t>拟合的参数。</a:t>
                 </a:r>
                 <a:endParaRPr lang="en-US" altLang="zh-CN" sz="2400" dirty="0">
                   <a:latin typeface="华文楷体" panose="02010600040101010101" pitchFamily="2" charset="-122"/>
@@ -9347,7 +9444,7 @@
             </p:txBody>
           </p:sp>
         </mc:Choice>
-        <mc:Fallback xmlns="">
+        <mc:Fallback>
           <p:sp>
             <p:nvSpPr>
               <p:cNvPr id="9" name="文本框 8">
@@ -9392,8 +9489,8 @@
           </p:sp>
         </mc:Fallback>
       </mc:AlternateContent>
-      <mc:AlternateContent xmlns:mc="http://schemas.openxmlformats.org/markup-compatibility/2006" xmlns:a14="http://schemas.microsoft.com/office/drawing/2010/main">
-        <mc:Choice Requires="a14">
+      <mc:AlternateContent xmlns:mc="http://schemas.openxmlformats.org/markup-compatibility/2006">
+        <mc:Choice xmlns:a14="http://schemas.microsoft.com/office/drawing/2010/main" Requires="a14">
           <p:sp>
             <p:nvSpPr>
               <p:cNvPr id="13" name="文本框 12">
@@ -9530,7 +9627,40 @@
                     <a:ea typeface="华文楷体" panose="02010600040101010101" pitchFamily="2" charset="-122"/>
                     <a:cs typeface="+mj-cs"/>
                   </a:rPr>
-                  <a:t>纵坐标，拟合得到</a:t>
+                  <a:t>纵坐标，得到的拟合参数</a:t>
+                </a:r>
+                <a14:m>
+                  <m:oMath xmlns:m="http://schemas.openxmlformats.org/officeDocument/2006/math">
+                    <m:d>
+                      <m:dPr>
+                        <m:begChr m:val="["/>
+                        <m:endChr m:val="]"/>
+                        <m:ctrlPr>
+                          <a:rPr lang="en-US" altLang="zh-CN" sz="2400" i="1">
+                            <a:latin typeface="Cambria Math" panose="02040503050406030204" pitchFamily="18" charset="0"/>
+                            <a:ea typeface="华文楷体" panose="02010600040101010101" pitchFamily="2" charset="-122"/>
+                          </a:rPr>
+                        </m:ctrlPr>
+                      </m:dPr>
+                      <m:e>
+                        <m:r>
+                          <a:rPr lang="en-US" altLang="zh-CN" sz="2400" i="1">
+                            <a:latin typeface="Cambria Math" panose="02040503050406030204" pitchFamily="18" charset="0"/>
+                            <a:ea typeface="华文楷体" panose="02010600040101010101" pitchFamily="2" charset="-122"/>
+                          </a:rPr>
+                          <m:t>0</m:t>
+                        </m:r>
+                      </m:e>
+                    </m:d>
+                  </m:oMath>
+                </a14:m>
+                <a:r>
+                  <a:rPr lang="zh-CN" altLang="en-US" sz="2400" dirty="0">
+                    <a:latin typeface="华文楷体" panose="02010600040101010101" pitchFamily="2" charset="-122"/>
+                    <a:ea typeface="华文楷体" panose="02010600040101010101" pitchFamily="2" charset="-122"/>
+                    <a:cs typeface="+mj-cs"/>
+                  </a:rPr>
+                  <a:t>即为重建的</a:t>
                 </a:r>
                 <a14:m>
                   <m:oMath xmlns:m="http://schemas.openxmlformats.org/officeDocument/2006/math">
@@ -9599,7 +9729,7 @@
             </p:txBody>
           </p:sp>
         </mc:Choice>
-        <mc:Fallback xmlns="">
+        <mc:Fallback>
           <p:sp>
             <p:nvSpPr>
               <p:cNvPr id="13" name="文本框 12">
@@ -9644,8 +9774,8 @@
           </p:sp>
         </mc:Fallback>
       </mc:AlternateContent>
-      <mc:AlternateContent xmlns:mc="http://schemas.openxmlformats.org/markup-compatibility/2006" xmlns:a14="http://schemas.microsoft.com/office/drawing/2010/main">
-        <mc:Choice Requires="a14">
+      <mc:AlternateContent xmlns:mc="http://schemas.openxmlformats.org/markup-compatibility/2006">
+        <mc:Choice xmlns:a14="http://schemas.microsoft.com/office/drawing/2010/main" Requires="a14">
           <p:sp>
             <p:nvSpPr>
               <p:cNvPr id="8" name="文本框 7">
@@ -9696,6 +9826,33 @@
                     <a:cs typeface="+mj-cs"/>
                   </a:rPr>
                   <a:t> </a:t>
+                </a:r>
+                <a:r>
+                  <a:rPr lang="zh-CN" altLang="en-US" sz="1600" dirty="0">
+                    <a:ea typeface="华文楷体" panose="02010600040101010101" pitchFamily="2" charset="-122"/>
+                    <a:cs typeface="+mj-cs"/>
+                  </a:rPr>
+                  <a:t>由于时间测量</a:t>
+                </a:r>
+                <a14:m>
+                  <m:oMath xmlns:m="http://schemas.openxmlformats.org/officeDocument/2006/math">
+                    <m:r>
+                      <a:rPr lang="zh-CN" altLang="en-US" sz="1600" i="1" dirty="0">
+                        <a:latin typeface="Cambria Math" panose="02040503050406030204" pitchFamily="18" charset="0"/>
+                        <a:ea typeface="华文楷体" panose="02010600040101010101" pitchFamily="2" charset="-122"/>
+                        <a:cs typeface="+mj-cs"/>
+                      </a:rPr>
+                      <m:t>的</m:t>
+                    </m:r>
+                  </m:oMath>
+                </a14:m>
+                <a:r>
+                  <a:rPr lang="zh-CN" altLang="en-US" sz="1600" i="0" dirty="0">
+                    <a:latin typeface="+mj-lt"/>
+                    <a:ea typeface="华文楷体" panose="02010600040101010101" pitchFamily="2" charset="-122"/>
+                    <a:cs typeface="+mj-cs"/>
+                  </a:rPr>
+                  <a:t>误差是满足高斯分布的，则</a:t>
                 </a:r>
                 <a14:m>
                   <m:oMath xmlns:m="http://schemas.openxmlformats.org/officeDocument/2006/math">
@@ -9792,7 +9949,7 @@
                     <a:ea typeface="华文楷体" panose="02010600040101010101" pitchFamily="2" charset="-122"/>
                     <a:cs typeface="Times New Roman" panose="02020603050405020304" pitchFamily="18" charset="0"/>
                   </a:rPr>
-                  <a:t>不满足。</a:t>
+                  <a:t>满足高斯分布的倒数。</a:t>
                 </a:r>
                 <a:endParaRPr lang="en-US" altLang="zh-CN" sz="1600" dirty="0">
                   <a:latin typeface="华文楷体" panose="02010600040101010101" pitchFamily="2" charset="-122"/>
@@ -9803,7 +9960,7 @@
             </p:txBody>
           </p:sp>
         </mc:Choice>
-        <mc:Fallback xmlns="">
+        <mc:Fallback>
           <p:sp>
             <p:nvSpPr>
               <p:cNvPr id="8" name="文本框 7">
@@ -9848,8 +10005,8 @@
           </p:sp>
         </mc:Fallback>
       </mc:AlternateContent>
-      <mc:AlternateContent xmlns:mc="http://schemas.openxmlformats.org/markup-compatibility/2006" xmlns:a14="http://schemas.microsoft.com/office/drawing/2010/main">
-        <mc:Choice Requires="a14">
+      <mc:AlternateContent xmlns:mc="http://schemas.openxmlformats.org/markup-compatibility/2006">
+        <mc:Choice xmlns:a14="http://schemas.microsoft.com/office/drawing/2010/main" Requires="a14">
           <p:sp>
             <p:nvSpPr>
               <p:cNvPr id="6" name="文本框 5">
@@ -9900,7 +10057,7 @@
                     <a:ea typeface="华文楷体" panose="02010600040101010101" pitchFamily="2" charset="-122"/>
                     <a:cs typeface="+mj-cs"/>
                   </a:rPr>
-                  <a:t>包含拟合功能，此处仅需指定拟合方程为正比例函数（式</a:t>
+                  <a:t>能够进行此拟合，仅需指定拟合方程为正比例函数（式</a:t>
                 </a:r>
                 <a14:m>
                   <m:oMath xmlns:m="http://schemas.openxmlformats.org/officeDocument/2006/math">
@@ -9931,7 +10088,7 @@
             </p:txBody>
           </p:sp>
         </mc:Choice>
-        <mc:Fallback xmlns="">
+        <mc:Fallback>
           <p:sp>
             <p:nvSpPr>
               <p:cNvPr id="6" name="文本框 5">
@@ -10534,8 +10691,8 @@
           </a:p>
         </p:txBody>
       </p:sp>
-      <mc:AlternateContent xmlns:mc="http://schemas.openxmlformats.org/markup-compatibility/2006">
-        <mc:Choice xmlns:a14="http://schemas.microsoft.com/office/drawing/2010/main" Requires="a14">
+      <mc:AlternateContent xmlns:mc="http://schemas.openxmlformats.org/markup-compatibility/2006" xmlns:a14="http://schemas.microsoft.com/office/drawing/2010/main">
+        <mc:Choice Requires="a14">
           <p:sp>
             <p:nvSpPr>
               <p:cNvPr id="16" name="文本框 15">
@@ -10647,7 +10804,7 @@
             </p:txBody>
           </p:sp>
         </mc:Choice>
-        <mc:Fallback>
+        <mc:Fallback xmlns="">
           <p:sp>
             <p:nvSpPr>
               <p:cNvPr id="16" name="文本框 15">
@@ -10692,8 +10849,8 @@
           </p:sp>
         </mc:Fallback>
       </mc:AlternateContent>
-      <mc:AlternateContent xmlns:mc="http://schemas.openxmlformats.org/markup-compatibility/2006">
-        <mc:Choice xmlns:a14="http://schemas.microsoft.com/office/drawing/2010/main" Requires="a14">
+      <mc:AlternateContent xmlns:mc="http://schemas.openxmlformats.org/markup-compatibility/2006" xmlns:a14="http://schemas.microsoft.com/office/drawing/2010/main">
+        <mc:Choice Requires="a14">
           <p:sp>
             <p:nvSpPr>
               <p:cNvPr id="6" name="文本框 5">
@@ -10773,15 +10930,23 @@
                 <a14:m>
                   <m:oMath xmlns:m="http://schemas.openxmlformats.org/officeDocument/2006/math">
                     <m:r>
-                      <a:rPr lang="en-US" altLang="zh-CN" sz="2400" i="1" dirty="0" smtClean="0">
+                      <a:rPr lang="en-US" altLang="zh-CN" sz="2400" dirty="0">
                         <a:latin typeface="Cambria Math" panose="02040503050406030204" pitchFamily="18" charset="0"/>
                         <a:ea typeface="华文楷体" panose="02010600040101010101" pitchFamily="2" charset="-122"/>
                         <a:cs typeface="+mj-cs"/>
                       </a:rPr>
-                      <m:t>0.1≤</m:t>
+                      <m:t>0.1</m:t>
                     </m:r>
                     <m:r>
-                      <a:rPr lang="en-US" altLang="zh-CN" sz="2400" b="0" i="1" dirty="0" smtClean="0">
+                      <a:rPr lang="en-US" altLang="zh-CN" sz="2400">
+                        <a:latin typeface="Cambria Math" panose="02040503050406030204" pitchFamily="18" charset="0"/>
+                        <a:ea typeface="华文楷体" panose="02010600040101010101" pitchFamily="2" charset="-122"/>
+                        <a:cs typeface="+mj-cs"/>
+                      </a:rPr>
+                      <m:t>≲</m:t>
+                    </m:r>
+                    <m:r>
+                      <a:rPr lang="en-US" altLang="zh-CN" sz="2400" dirty="0">
                         <a:latin typeface="Cambria Math" panose="02040503050406030204" pitchFamily="18" charset="0"/>
                         <a:ea typeface="华文楷体" panose="02010600040101010101" pitchFamily="2" charset="-122"/>
                         <a:cs typeface="+mj-cs"/>
@@ -10789,12 +10954,20 @@
                       <m:t>𝛽𝛾</m:t>
                     </m:r>
                     <m:r>
-                      <a:rPr lang="en-US" altLang="zh-CN" sz="2400" b="0" i="1" dirty="0" smtClean="0">
+                      <a:rPr lang="en-US" altLang="zh-CN" sz="2400">
                         <a:latin typeface="Cambria Math" panose="02040503050406030204" pitchFamily="18" charset="0"/>
                         <a:ea typeface="华文楷体" panose="02010600040101010101" pitchFamily="2" charset="-122"/>
                         <a:cs typeface="+mj-cs"/>
                       </a:rPr>
-                      <m:t>≤1000</m:t>
+                      <m:t>≲</m:t>
+                    </m:r>
+                    <m:r>
+                      <a:rPr lang="en-US" altLang="zh-CN" sz="2400" dirty="0">
+                        <a:latin typeface="Cambria Math" panose="02040503050406030204" pitchFamily="18" charset="0"/>
+                        <a:ea typeface="华文楷体" panose="02010600040101010101" pitchFamily="2" charset="-122"/>
+                        <a:cs typeface="+mj-cs"/>
+                      </a:rPr>
+                      <m:t>1000</m:t>
                     </m:r>
                   </m:oMath>
                 </a14:m>
@@ -10898,7 +11071,7 @@
             </p:txBody>
           </p:sp>
         </mc:Choice>
-        <mc:Fallback>
+        <mc:Fallback xmlns="">
           <p:sp>
             <p:nvSpPr>
               <p:cNvPr id="6" name="文本框 5">
@@ -11381,7 +11554,7 @@
             </p:nvSpPr>
             <p:spPr>
               <a:xfrm>
-                <a:off x="6668048" y="3454501"/>
+                <a:off x="6668048" y="3154635"/>
                 <a:ext cx="4826752" cy="830997"/>
               </a:xfrm>
               <a:prstGeom prst="rect">
@@ -11418,6 +11591,14 @@
                     <a:cs typeface="+mj-cs"/>
                   </a:rPr>
                   <a:t>4</a:t>
+                </a:r>
+                <a:r>
+                  <a:rPr lang="zh-CN" altLang="en-US" sz="2400" dirty="0">
+                    <a:latin typeface="华文楷体" panose="02010600040101010101" pitchFamily="2" charset="-122"/>
+                    <a:ea typeface="华文楷体" panose="02010600040101010101" pitchFamily="2" charset="-122"/>
+                    <a:cs typeface="+mj-cs"/>
+                  </a:rPr>
+                  <a:t>中</a:t>
                 </a:r>
                 <a14:m>
                   <m:oMath xmlns:m="http://schemas.openxmlformats.org/officeDocument/2006/math">
@@ -11486,12 +11667,20 @@
                   </m:oMath>
                 </a14:m>
                 <a:r>
+                  <a:rPr lang="en-US" altLang="zh-CN" sz="2400" baseline="30000" dirty="0">
+                    <a:latin typeface="华文楷体" panose="02010600040101010101" pitchFamily="2" charset="-122"/>
+                    <a:ea typeface="华文楷体" panose="02010600040101010101" pitchFamily="2" charset="-122"/>
+                    <a:cs typeface="+mj-cs"/>
+                  </a:rPr>
+                  <a:t>*</a:t>
+                </a:r>
+                <a:r>
                   <a:rPr lang="zh-CN" altLang="en-US" sz="2400" dirty="0">
                     <a:latin typeface="华文楷体" panose="02010600040101010101" pitchFamily="2" charset="-122"/>
                     <a:ea typeface="华文楷体" panose="02010600040101010101" pitchFamily="2" charset="-122"/>
                     <a:cs typeface="+mj-cs"/>
                   </a:rPr>
-                  <a:t>在无能损时与有能损之间的差值，</a:t>
+                  <a:t>在有无能损之间的差值，</a:t>
                 </a:r>
                 <a14:m>
                   <m:oMath xmlns:m="http://schemas.openxmlformats.org/officeDocument/2006/math">
@@ -11539,7 +11728,7 @@
             </p:nvSpPr>
             <p:spPr>
               <a:xfrm>
-                <a:off x="6668048" y="3454501"/>
+                <a:off x="6668048" y="3154635"/>
                 <a:ext cx="4826752" cy="830997"/>
               </a:xfrm>
               <a:prstGeom prst="rect">
@@ -11548,7 +11737,7 @@
               <a:blipFill>
                 <a:blip r:embed="rId4"/>
                 <a:stretch>
-                  <a:fillRect l="-2020" t="-5882" b="-16176"/>
+                  <a:fillRect l="-2020" t="-5839" b="-15328"/>
                 </a:stretch>
               </a:blipFill>
             </p:spPr>
@@ -11567,6 +11756,233 @@
           </p:sp>
         </mc:Fallback>
       </mc:AlternateContent>
+      <mc:AlternateContent xmlns:mc="http://schemas.openxmlformats.org/markup-compatibility/2006">
+        <mc:Choice xmlns:a14="http://schemas.microsoft.com/office/drawing/2010/main" Requires="a14">
+          <p:sp>
+            <p:nvSpPr>
+              <p:cNvPr id="4" name="文本框 3">
+                <a:extLst>
+                  <a:ext uri="{FF2B5EF4-FFF2-40B4-BE49-F238E27FC236}">
+                    <a16:creationId xmlns:a16="http://schemas.microsoft.com/office/drawing/2014/main" id="{65B8C4F3-214E-BC55-F3CB-D735D44F8310}"/>
+                  </a:ext>
+                </a:extLst>
+              </p:cNvPr>
+              <p:cNvSpPr txBox="1"/>
+              <p:nvPr/>
+            </p:nvSpPr>
+            <p:spPr>
+              <a:xfrm>
+                <a:off x="154800" y="6356350"/>
+                <a:ext cx="11880000" cy="338554"/>
+              </a:xfrm>
+              <a:prstGeom prst="rect">
+                <a:avLst/>
+              </a:prstGeom>
+              <a:noFill/>
+            </p:spPr>
+            <p:txBody>
+              <a:bodyPr wrap="square">
+                <a:spAutoFit/>
+              </a:bodyPr>
+              <a:lstStyle/>
+              <a:p>
+                <a:r>
+                  <a:rPr lang="en-US" altLang="zh-CN" sz="1600" baseline="30000" dirty="0">
+                    <a:latin typeface="华文楷体" panose="02010600040101010101" pitchFamily="2" charset="-122"/>
+                    <a:ea typeface="华文楷体" panose="02010600040101010101" pitchFamily="2" charset="-122"/>
+                    <a:cs typeface="Times New Roman" panose="02020603050405020304" pitchFamily="18" charset="0"/>
+                  </a:rPr>
+                  <a:t>*</a:t>
+                </a:r>
+                <a:r>
+                  <a:rPr lang="zh-CN" altLang="en-US" sz="1600" dirty="0">
+                    <a:latin typeface="华文楷体" panose="02010600040101010101" pitchFamily="2" charset="-122"/>
+                    <a:ea typeface="华文楷体" panose="02010600040101010101" pitchFamily="2" charset="-122"/>
+                    <a:cs typeface="Times New Roman" panose="02020603050405020304" pitchFamily="18" charset="0"/>
+                  </a:rPr>
+                  <a:t>：</a:t>
+                </a:r>
+                <a:r>
+                  <a:rPr lang="zh-CN" altLang="en-US" sz="1600" dirty="0">
+                    <a:latin typeface="华文楷体" panose="02010600040101010101" pitchFamily="2" charset="-122"/>
+                    <a:ea typeface="华文楷体" panose="02010600040101010101" pitchFamily="2" charset="-122"/>
+                  </a:rPr>
+                  <a:t>下标</a:t>
+                </a:r>
+                <a14:m>
+                  <m:oMath xmlns:m="http://schemas.openxmlformats.org/officeDocument/2006/math">
+                    <m:r>
+                      <a:rPr lang="en-US" altLang="zh-CN" sz="1600" i="1" dirty="0">
+                        <a:latin typeface="Cambria Math" panose="02040503050406030204" pitchFamily="18" charset="0"/>
+                        <a:ea typeface="华文楷体" panose="02010600040101010101" pitchFamily="2" charset="-122"/>
+                      </a:rPr>
+                      <m:t>𝑟</m:t>
+                    </m:r>
+                  </m:oMath>
+                </a14:m>
+                <a:r>
+                  <a:rPr lang="zh-CN" altLang="en-US" sz="1600" dirty="0">
+                    <a:latin typeface="华文楷体" panose="02010600040101010101" pitchFamily="2" charset="-122"/>
+                    <a:ea typeface="华文楷体" panose="02010600040101010101" pitchFamily="2" charset="-122"/>
+                  </a:rPr>
+                  <a:t>指</a:t>
+                </a:r>
+                <a:r>
+                  <a:rPr lang="en-US" altLang="zh-CN" sz="1600" dirty="0">
+                    <a:latin typeface="华文楷体" panose="02010600040101010101" pitchFamily="2" charset="-122"/>
+                    <a:ea typeface="华文楷体" panose="02010600040101010101" pitchFamily="2" charset="-122"/>
+                  </a:rPr>
+                  <a:t>real</a:t>
+                </a:r>
+                <a:r>
+                  <a:rPr lang="zh-CN" altLang="en-US" sz="1600" dirty="0">
+                    <a:latin typeface="华文楷体" panose="02010600040101010101" pitchFamily="2" charset="-122"/>
+                    <a:ea typeface="华文楷体" panose="02010600040101010101" pitchFamily="2" charset="-122"/>
+                  </a:rPr>
+                  <a:t>，</a:t>
+                </a:r>
+                <a14:m>
+                  <m:oMath xmlns:m="http://schemas.openxmlformats.org/officeDocument/2006/math">
+                    <m:r>
+                      <a:rPr lang="en-US" altLang="zh-CN" sz="1600" i="1">
+                        <a:latin typeface="Cambria Math" panose="02040503050406030204" pitchFamily="18" charset="0"/>
+                        <a:ea typeface="华文楷体" panose="02010600040101010101" pitchFamily="2" charset="-122"/>
+                      </a:rPr>
+                      <m:t>𝑖</m:t>
+                    </m:r>
+                  </m:oMath>
+                </a14:m>
+                <a:r>
+                  <a:rPr lang="zh-CN" altLang="en-US" sz="1600" dirty="0">
+                    <a:latin typeface="华文楷体" panose="02010600040101010101" pitchFamily="2" charset="-122"/>
+                    <a:ea typeface="华文楷体" panose="02010600040101010101" pitchFamily="2" charset="-122"/>
+                  </a:rPr>
+                  <a:t>指第</a:t>
+                </a:r>
+                <a14:m>
+                  <m:oMath xmlns:m="http://schemas.openxmlformats.org/officeDocument/2006/math">
+                    <m:r>
+                      <a:rPr lang="en-US" altLang="zh-CN" sz="1600" i="1">
+                        <a:latin typeface="Cambria Math" panose="02040503050406030204" pitchFamily="18" charset="0"/>
+                        <a:ea typeface="华文楷体" panose="02010600040101010101" pitchFamily="2" charset="-122"/>
+                      </a:rPr>
+                      <m:t>𝑖</m:t>
+                    </m:r>
+                  </m:oMath>
+                </a14:m>
+                <a:r>
+                  <a:rPr lang="zh-CN" altLang="en-US" sz="1600" dirty="0">
+                    <a:latin typeface="华文楷体" panose="02010600040101010101" pitchFamily="2" charset="-122"/>
+                    <a:ea typeface="华文楷体" panose="02010600040101010101" pitchFamily="2" charset="-122"/>
+                  </a:rPr>
+                  <a:t>个探测器</a:t>
+                </a:r>
+                <a:endParaRPr lang="en-US" altLang="zh-CN" sz="1600" dirty="0">
+                  <a:latin typeface="华文楷体" panose="02010600040101010101" pitchFamily="2" charset="-122"/>
+                  <a:ea typeface="华文楷体" panose="02010600040101010101" pitchFamily="2" charset="-122"/>
+                  <a:cs typeface="Times New Roman" panose="02020603050405020304" pitchFamily="18" charset="0"/>
+                </a:endParaRPr>
+              </a:p>
+            </p:txBody>
+          </p:sp>
+        </mc:Choice>
+        <mc:Fallback>
+          <p:sp>
+            <p:nvSpPr>
+              <p:cNvPr id="4" name="文本框 3">
+                <a:extLst>
+                  <a:ext uri="{FF2B5EF4-FFF2-40B4-BE49-F238E27FC236}">
+                    <a16:creationId xmlns:a16="http://schemas.microsoft.com/office/drawing/2014/main" id="{65B8C4F3-214E-BC55-F3CB-D735D44F8310}"/>
+                  </a:ext>
+                </a:extLst>
+              </p:cNvPr>
+              <p:cNvSpPr txBox="1">
+                <a:spLocks noRot="1" noChangeAspect="1" noMove="1" noResize="1" noEditPoints="1" noAdjustHandles="1" noChangeArrowheads="1" noChangeShapeType="1" noTextEdit="1"/>
+              </p:cNvSpPr>
+              <p:nvPr/>
+            </p:nvSpPr>
+            <p:spPr>
+              <a:xfrm>
+                <a:off x="154800" y="6356350"/>
+                <a:ext cx="11880000" cy="338554"/>
+              </a:xfrm>
+              <a:prstGeom prst="rect">
+                <a:avLst/>
+              </a:prstGeom>
+              <a:blipFill>
+                <a:blip r:embed="rId5"/>
+                <a:stretch>
+                  <a:fillRect t="-3636" b="-25455"/>
+                </a:stretch>
+              </a:blipFill>
+            </p:spPr>
+            <p:txBody>
+              <a:bodyPr/>
+              <a:lstStyle/>
+              <a:p>
+                <a:r>
+                  <a:rPr lang="zh-CN" altLang="en-US">
+                    <a:noFill/>
+                  </a:rPr>
+                  <a:t> </a:t>
+                </a:r>
+              </a:p>
+            </p:txBody>
+          </p:sp>
+        </mc:Fallback>
+      </mc:AlternateContent>
+      <p:sp>
+        <p:nvSpPr>
+          <p:cNvPr id="5" name="文本框 4">
+            <a:extLst>
+              <a:ext uri="{FF2B5EF4-FFF2-40B4-BE49-F238E27FC236}">
+                <a16:creationId xmlns:a16="http://schemas.microsoft.com/office/drawing/2014/main" id="{6302BFAC-3FFC-A0E6-26E5-6F3FE4F63908}"/>
+              </a:ext>
+            </a:extLst>
+          </p:cNvPr>
+          <p:cNvSpPr txBox="1"/>
+          <p:nvPr/>
+        </p:nvSpPr>
+        <p:spPr>
+          <a:xfrm>
+            <a:off x="6668048" y="3985632"/>
+            <a:ext cx="4826752" cy="830997"/>
+          </a:xfrm>
+          <a:prstGeom prst="rect">
+            <a:avLst/>
+          </a:prstGeom>
+          <a:noFill/>
+        </p:spPr>
+        <p:txBody>
+          <a:bodyPr wrap="square">
+            <a:spAutoFit/>
+          </a:bodyPr>
+          <a:lstStyle/>
+          <a:p>
+            <a:pPr>
+              <a:spcBef>
+                <a:spcPts val="600"/>
+              </a:spcBef>
+              <a:spcAft>
+                <a:spcPts val="600"/>
+              </a:spcAft>
+            </a:pPr>
+            <a:r>
+              <a:rPr lang="zh-CN" altLang="en-US" sz="2400" dirty="0">
+                <a:latin typeface="华文楷体" panose="02010600040101010101" pitchFamily="2" charset="-122"/>
+                <a:ea typeface="华文楷体" panose="02010600040101010101" pitchFamily="2" charset="-122"/>
+                <a:cs typeface="+mj-cs"/>
+              </a:rPr>
+              <a:t>该图主要是为展示能损对粒子的影响</a:t>
+            </a:r>
+            <a:endParaRPr lang="en-US" altLang="zh-CN" sz="2400" dirty="0">
+              <a:latin typeface="华文楷体" panose="02010600040101010101" pitchFamily="2" charset="-122"/>
+              <a:ea typeface="华文楷体" panose="02010600040101010101" pitchFamily="2" charset="-122"/>
+              <a:cs typeface="+mj-cs"/>
+            </a:endParaRPr>
+          </a:p>
+        </p:txBody>
+      </p:sp>
     </p:spTree>
     <p:extLst>
       <p:ext uri="{BB962C8B-B14F-4D97-AF65-F5344CB8AC3E}">
@@ -11706,8 +12122,8 @@
           </a:p>
         </p:txBody>
       </p:sp>
-      <mc:AlternateContent xmlns:mc="http://schemas.openxmlformats.org/markup-compatibility/2006">
-        <mc:Choice xmlns:a14="http://schemas.microsoft.com/office/drawing/2010/main" Requires="a14">
+      <mc:AlternateContent xmlns:mc="http://schemas.openxmlformats.org/markup-compatibility/2006" xmlns:a14="http://schemas.microsoft.com/office/drawing/2010/main">
+        <mc:Choice Requires="a14">
           <p:sp>
             <p:nvSpPr>
               <p:cNvPr id="3" name="文本框 2">
@@ -11820,7 +12236,7 @@
             </p:txBody>
           </p:sp>
         </mc:Choice>
-        <mc:Fallback>
+        <mc:Fallback xmlns="">
           <p:sp>
             <p:nvSpPr>
               <p:cNvPr id="3" name="文本框 2">
@@ -12181,13 +12597,13 @@
   <p:clrMapOvr>
     <a:masterClrMapping/>
   </p:clrMapOvr>
-  <mc:AlternateContent xmlns:mc="http://schemas.openxmlformats.org/markup-compatibility/2006">
-    <mc:Choice xmlns:p159="http://schemas.microsoft.com/office/powerpoint/2015/09/main" Requires="p159">
+  <mc:AlternateContent xmlns:mc="http://schemas.openxmlformats.org/markup-compatibility/2006" xmlns:p159="http://schemas.microsoft.com/office/powerpoint/2015/09/main">
+    <mc:Choice Requires="p159">
       <p:transition>
         <p159:morph option="byObject"/>
       </p:transition>
     </mc:Choice>
-    <mc:Fallback>
+    <mc:Fallback xmlns="">
       <p:transition>
         <p:fade/>
       </p:transition>
@@ -12300,8 +12716,8 @@
           </a:p>
         </p:txBody>
       </p:sp>
-      <mc:AlternateContent xmlns:mc="http://schemas.openxmlformats.org/markup-compatibility/2006">
-        <mc:Choice xmlns:a14="http://schemas.microsoft.com/office/drawing/2010/main" Requires="a14">
+      <mc:AlternateContent xmlns:mc="http://schemas.openxmlformats.org/markup-compatibility/2006" xmlns:a14="http://schemas.microsoft.com/office/drawing/2010/main">
+        <mc:Choice Requires="a14">
           <p:sp>
             <p:nvSpPr>
               <p:cNvPr id="3" name="文本框 2">
@@ -12414,7 +12830,7 @@
             </p:txBody>
           </p:sp>
         </mc:Choice>
-        <mc:Fallback>
+        <mc:Fallback xmlns="">
           <p:sp>
             <p:nvSpPr>
               <p:cNvPr id="3" name="文本框 2">
@@ -12663,7 +13079,7 @@
                 <a:ea typeface="华文楷体" panose="02010600040101010101" pitchFamily="2" charset="-122"/>
                 <a:cs typeface="+mj-cs"/>
               </a:rPr>
-              <a:t>1</a:t>
+              <a:t>2</a:t>
             </a:r>
             <a:r>
               <a:rPr lang="zh-CN" altLang="en-US" sz="2400" dirty="0">
@@ -12759,13 +13175,13 @@
   <p:clrMapOvr>
     <a:masterClrMapping/>
   </p:clrMapOvr>
-  <mc:AlternateContent xmlns:mc="http://schemas.openxmlformats.org/markup-compatibility/2006">
-    <mc:Choice xmlns:p159="http://schemas.microsoft.com/office/powerpoint/2015/09/main" Requires="p159">
+  <mc:AlternateContent xmlns:mc="http://schemas.openxmlformats.org/markup-compatibility/2006" xmlns:p159="http://schemas.microsoft.com/office/powerpoint/2015/09/main">
+    <mc:Choice Requires="p159">
       <p:transition>
         <p159:morph option="byObject"/>
       </p:transition>
     </mc:Choice>
-    <mc:Fallback>
+    <mc:Fallback xmlns="">
       <p:transition>
         <p:fade/>
       </p:transition>
@@ -13713,8 +14129,8 @@
           </p:sp>
         </mc:Fallback>
       </mc:AlternateContent>
-      <mc:AlternateContent xmlns:mc="http://schemas.openxmlformats.org/markup-compatibility/2006">
-        <mc:Choice xmlns:a14="http://schemas.microsoft.com/office/drawing/2010/main" Requires="a14">
+      <mc:AlternateContent xmlns:mc="http://schemas.openxmlformats.org/markup-compatibility/2006" xmlns:a14="http://schemas.microsoft.com/office/drawing/2010/main">
+        <mc:Choice Requires="a14">
           <p:sp>
             <p:nvSpPr>
               <p:cNvPr id="14" name="文本框 13">
@@ -13913,7 +14329,7 @@
             </p:txBody>
           </p:sp>
         </mc:Choice>
-        <mc:Fallback>
+        <mc:Fallback xmlns="">
           <p:sp>
             <p:nvSpPr>
               <p:cNvPr id="14" name="文本框 13">
@@ -14016,7 +14432,7 @@
                 <a:ea typeface="华文楷体" panose="02010600040101010101" pitchFamily="2" charset="-122"/>
                 <a:cs typeface="+mj-cs"/>
               </a:rPr>
-              <a:t>处，猜想为由重建方法（线性重建）不足：</a:t>
+              <a:t>处，是因为目前重建方法（线性重建）的不足：</a:t>
             </a:r>
             <a:endParaRPr lang="en-US" altLang="zh-CN" sz="2400" dirty="0">
               <a:latin typeface="华文楷体" panose="02010600040101010101" pitchFamily="2" charset="-122"/>
@@ -14251,6 +14667,25 @@
                 <a:hlinkClick r:id="rId5" action="ppaction://hlinksldjump"/>
               </a:rPr>
               <a:t>结果</a:t>
+            </a:r>
+            <a:endParaRPr lang="en-US" altLang="zh-CN" sz="3600" dirty="0">
+              <a:latin typeface="华文楷体" panose="02010600040101010101" pitchFamily="2" charset="-122"/>
+              <a:ea typeface="华文楷体" panose="02010600040101010101" pitchFamily="2" charset="-122"/>
+            </a:endParaRPr>
+          </a:p>
+          <a:p>
+            <a:pPr>
+              <a:spcAft>
+                <a:spcPts val="600"/>
+              </a:spcAft>
+            </a:pPr>
+            <a:r>
+              <a:rPr lang="zh-CN" altLang="en-US" sz="3600" dirty="0">
+                <a:latin typeface="华文楷体" panose="02010600040101010101" pitchFamily="2" charset="-122"/>
+                <a:ea typeface="华文楷体" panose="02010600040101010101" pitchFamily="2" charset="-122"/>
+                <a:hlinkClick r:id="rId6" action="ppaction://hlinksldjump"/>
+              </a:rPr>
+              <a:t>附录</a:t>
             </a:r>
             <a:endParaRPr lang="zh-CN" altLang="en-US" sz="3600" dirty="0">
               <a:latin typeface="华文楷体" panose="02010600040101010101" pitchFamily="2" charset="-122"/>
@@ -14906,7 +15341,7 @@
             </p:nvSpPr>
             <p:spPr>
               <a:xfrm>
-                <a:off x="6668048" y="2385491"/>
+                <a:off x="6668048" y="2969969"/>
                 <a:ext cx="4826752" cy="1200329"/>
               </a:xfrm>
               <a:prstGeom prst="rect">
@@ -15006,7 +15441,7 @@
             </p:nvSpPr>
             <p:spPr>
               <a:xfrm>
-                <a:off x="6668048" y="2385491"/>
+                <a:off x="6668048" y="2969969"/>
                 <a:ext cx="4826752" cy="1200329"/>
               </a:xfrm>
               <a:prstGeom prst="rect">
@@ -15050,7 +15485,7 @@
             </p:nvSpPr>
             <p:spPr>
               <a:xfrm>
-                <a:off x="6668048" y="3585820"/>
+                <a:off x="6668048" y="4170298"/>
                 <a:ext cx="4826752" cy="830997"/>
               </a:xfrm>
               <a:prstGeom prst="rect">
@@ -15118,7 +15553,7 @@
             </p:nvSpPr>
             <p:spPr>
               <a:xfrm>
-                <a:off x="6668048" y="3585820"/>
+                <a:off x="6668048" y="4170298"/>
                 <a:ext cx="4826752" cy="830997"/>
               </a:xfrm>
               <a:prstGeom prst="rect">
@@ -15127,7 +15562,7 @@
               <a:blipFill>
                 <a:blip r:embed="rId6"/>
                 <a:stretch>
-                  <a:fillRect l="-2020" t="-5839" b="-15328"/>
+                  <a:fillRect l="-2020" t="-5882" b="-16176"/>
                 </a:stretch>
               </a:blipFill>
             </p:spPr>
@@ -15176,7 +15611,13 @@
   <p:cSld>
     <p:spTree>
       <p:nvGrpSpPr>
-        <p:cNvPr id="1" name=""/>
+        <p:cNvPr id="1" name="">
+          <a:extLst>
+            <a:ext uri="{FF2B5EF4-FFF2-40B4-BE49-F238E27FC236}">
+              <a16:creationId xmlns:a16="http://schemas.microsoft.com/office/drawing/2014/main" id="{31349ABD-727B-9608-6571-CD7745E67160}"/>
+            </a:ext>
+          </a:extLst>
+        </p:cNvPr>
         <p:cNvGrpSpPr/>
         <p:nvPr/>
       </p:nvGrpSpPr>
@@ -15188,125 +15629,126 @@
           <a:chExt cx="0" cy="0"/>
         </a:xfrm>
       </p:grpSpPr>
-      <p:grpSp>
-        <p:nvGrpSpPr>
-          <p:cNvPr id="8" name="组合 7">
+      <p:sp>
+        <p:nvSpPr>
+          <p:cNvPr id="2" name="标题 1">
             <a:extLst>
               <a:ext uri="{FF2B5EF4-FFF2-40B4-BE49-F238E27FC236}">
-                <a16:creationId xmlns:a16="http://schemas.microsoft.com/office/drawing/2014/main" id="{51D6E12D-FE3D-8AC4-94BF-A448B947FBEC}"/>
+                <a16:creationId xmlns:a16="http://schemas.microsoft.com/office/drawing/2014/main" id="{300C0E53-4B4D-54AB-86C5-9094479BF973}"/>
               </a:ext>
             </a:extLst>
           </p:cNvPr>
-          <p:cNvGrpSpPr/>
-          <p:nvPr/>
-        </p:nvGrpSpPr>
-        <p:grpSpPr>
+          <p:cNvSpPr>
+            <a:spLocks noGrp="1"/>
+          </p:cNvSpPr>
+          <p:nvPr>
+            <p:ph type="ctrTitle"/>
+          </p:nvPr>
+        </p:nvSpPr>
+        <p:spPr/>
+        <p:txBody>
+          <a:bodyPr>
+            <a:normAutofit/>
+          </a:bodyPr>
+          <a:lstStyle/>
+          <a:p>
+            <a:r>
+              <a:rPr lang="zh-CN" altLang="en-US" sz="8800" dirty="0">
+                <a:latin typeface="华文宋体" panose="02010600040101010101" pitchFamily="2" charset="-122"/>
+                <a:ea typeface="华文宋体" panose="02010600040101010101" pitchFamily="2" charset="-122"/>
+                <a:cs typeface="Times New Roman" panose="02020603050405020304" pitchFamily="18" charset="0"/>
+              </a:rPr>
+              <a:t>谢谢</a:t>
+            </a:r>
+          </a:p>
+        </p:txBody>
+      </p:sp>
+      <p:sp>
+        <p:nvSpPr>
+          <p:cNvPr id="3" name="副标题 2">
+            <a:extLst>
+              <a:ext uri="{FF2B5EF4-FFF2-40B4-BE49-F238E27FC236}">
+                <a16:creationId xmlns:a16="http://schemas.microsoft.com/office/drawing/2014/main" id="{8E7A72A0-EDB1-4F23-D257-6E11925348C7}"/>
+              </a:ext>
+            </a:extLst>
+          </p:cNvPr>
+          <p:cNvSpPr>
+            <a:spLocks noGrp="1"/>
+          </p:cNvSpPr>
+          <p:nvPr>
+            <p:ph type="subTitle" idx="1"/>
+          </p:nvPr>
+        </p:nvSpPr>
+        <p:spPr/>
+        <p:txBody>
+          <a:bodyPr>
+            <a:normAutofit/>
+          </a:bodyPr>
+          <a:lstStyle/>
+          <a:p>
+            <a:pPr algn="r"/>
+            <a:r>
+              <a:rPr lang="en-US" altLang="zh-CN" sz="3200" dirty="0">
+                <a:latin typeface="华文楷体" panose="02010600040101010101" pitchFamily="2" charset="-122"/>
+                <a:ea typeface="华文楷体" panose="02010600040101010101" pitchFamily="2" charset="-122"/>
+              </a:rPr>
+              <a:t>——</a:t>
+            </a:r>
+            <a:r>
+              <a:rPr lang="zh-CN" altLang="en-US" sz="3200" dirty="0">
+                <a:latin typeface="华文楷体" panose="02010600040101010101" pitchFamily="2" charset="-122"/>
+                <a:ea typeface="华文楷体" panose="02010600040101010101" pitchFamily="2" charset="-122"/>
+              </a:rPr>
+              <a:t>吴函迅 </a:t>
+            </a:r>
+            <a:r>
+              <a:rPr lang="en-US" altLang="zh-CN" sz="3200" dirty="0">
+                <a:latin typeface="华文楷体" panose="02010600040101010101" pitchFamily="2" charset="-122"/>
+                <a:ea typeface="华文楷体" panose="02010600040101010101" pitchFamily="2" charset="-122"/>
+              </a:rPr>
+              <a:t>2025.1.18</a:t>
+            </a:r>
+          </a:p>
+        </p:txBody>
+      </p:sp>
+      <p:sp>
+        <p:nvSpPr>
+          <p:cNvPr id="5" name="灯片编号占位符 3">
+            <a:extLst>
+              <a:ext uri="{FF2B5EF4-FFF2-40B4-BE49-F238E27FC236}">
+                <a16:creationId xmlns:a16="http://schemas.microsoft.com/office/drawing/2014/main" id="{D7A0A4FB-1498-CBF4-D245-03A2AFD77456}"/>
+              </a:ext>
+            </a:extLst>
+          </p:cNvPr>
+          <p:cNvSpPr>
+            <a:spLocks noGrp="1"/>
+          </p:cNvSpPr>
+          <p:nvPr>
+            <p:ph type="sldNum" sz="quarter" idx="12"/>
+          </p:nvPr>
+        </p:nvSpPr>
+        <p:spPr>
           <a:xfrm>
-            <a:off x="3048000" y="2736502"/>
-            <a:ext cx="6096000" cy="1384995"/>
-            <a:chOff x="3048000" y="3034784"/>
-            <a:chExt cx="6096000" cy="1384995"/>
+            <a:off x="8610600" y="6356350"/>
+            <a:ext cx="2743200" cy="365125"/>
           </a:xfrm>
-        </p:grpSpPr>
-        <p:sp>
-          <p:nvSpPr>
-            <p:cNvPr id="5" name="文本框 4">
-              <a:extLst>
-                <a:ext uri="{FF2B5EF4-FFF2-40B4-BE49-F238E27FC236}">
-                  <a16:creationId xmlns:a16="http://schemas.microsoft.com/office/drawing/2014/main" id="{E21882EA-E097-48DF-E8A6-A5D656AC3817}"/>
-                </a:ext>
-              </a:extLst>
-            </p:cNvPr>
-            <p:cNvSpPr txBox="1"/>
-            <p:nvPr/>
-          </p:nvSpPr>
-          <p:spPr>
-            <a:xfrm>
-              <a:off x="3048000" y="3034784"/>
-              <a:ext cx="6096000" cy="923330"/>
-            </a:xfrm>
-            <a:prstGeom prst="rect">
-              <a:avLst/>
-            </a:prstGeom>
-            <a:noFill/>
-          </p:spPr>
-          <p:txBody>
-            <a:bodyPr wrap="square">
-              <a:spAutoFit/>
-            </a:bodyPr>
-            <a:lstStyle/>
-            <a:p>
-              <a:pPr algn="ctr"/>
-              <a:r>
-                <a:rPr lang="zh-CN" altLang="en-US" sz="5400" dirty="0">
-                  <a:latin typeface="楷体" panose="02010609060101010101" pitchFamily="49" charset="-122"/>
-                  <a:ea typeface="楷体" panose="02010609060101010101" pitchFamily="49" charset="-122"/>
-                </a:rPr>
-                <a:t>谢谢</a:t>
-              </a:r>
-              <a:endParaRPr lang="zh-CN" altLang="en-US" sz="5400" dirty="0"/>
-            </a:p>
-          </p:txBody>
-        </p:sp>
-        <p:sp>
-          <p:nvSpPr>
-            <p:cNvPr id="7" name="文本框 6">
-              <a:extLst>
-                <a:ext uri="{FF2B5EF4-FFF2-40B4-BE49-F238E27FC236}">
-                  <a16:creationId xmlns:a16="http://schemas.microsoft.com/office/drawing/2014/main" id="{2B9B58D8-4F56-41EA-9BF3-129A7D96B621}"/>
-                </a:ext>
-              </a:extLst>
-            </p:cNvPr>
-            <p:cNvSpPr txBox="1"/>
-            <p:nvPr/>
-          </p:nvSpPr>
-          <p:spPr>
-            <a:xfrm>
-              <a:off x="5626100" y="3958114"/>
-              <a:ext cx="3517900" cy="461665"/>
-            </a:xfrm>
-            <a:prstGeom prst="rect">
-              <a:avLst/>
-            </a:prstGeom>
-            <a:noFill/>
-          </p:spPr>
-          <p:txBody>
-            <a:bodyPr wrap="square">
-              <a:spAutoFit/>
-            </a:bodyPr>
-            <a:lstStyle/>
-            <a:p>
-              <a:pPr algn="r"/>
-              <a:r>
-                <a:rPr lang="en-US" altLang="zh-CN" sz="2400" dirty="0">
-                  <a:latin typeface="楷体" panose="02010609060101010101" pitchFamily="49" charset="-122"/>
-                  <a:ea typeface="楷体" panose="02010609060101010101" pitchFamily="49" charset="-122"/>
-                </a:rPr>
-                <a:t>——</a:t>
-              </a:r>
-              <a:r>
-                <a:rPr lang="zh-CN" altLang="en-US" sz="2400" dirty="0">
-                  <a:latin typeface="楷体" panose="02010609060101010101" pitchFamily="49" charset="-122"/>
-                  <a:ea typeface="楷体" panose="02010609060101010101" pitchFamily="49" charset="-122"/>
-                </a:rPr>
-                <a:t>吴函迅 </a:t>
-              </a:r>
-              <a:r>
-                <a:rPr lang="en-US" altLang="zh-CN" sz="2400">
-                  <a:latin typeface="楷体" panose="02010609060101010101" pitchFamily="49" charset="-122"/>
-                  <a:ea typeface="楷体" panose="02010609060101010101" pitchFamily="49" charset="-122"/>
-                </a:rPr>
-                <a:t>2025.1.18</a:t>
-              </a:r>
-              <a:endParaRPr lang="zh-CN" altLang="en-US" sz="2400" dirty="0"/>
-            </a:p>
-          </p:txBody>
-        </p:sp>
-      </p:grpSp>
+        </p:spPr>
+        <p:txBody>
+          <a:bodyPr/>
+          <a:lstStyle/>
+          <a:p>
+            <a:fld id="{4DF96A39-405C-4801-AFAA-189ED9B29D59}" type="slidenum">
+              <a:rPr lang="zh-CN" altLang="en-US" sz="2400" smtClean="0"/>
+              <a:t>21</a:t>
+            </a:fld>
+            <a:endParaRPr lang="zh-CN" altLang="en-US" sz="2400" dirty="0"/>
+          </a:p>
+        </p:txBody>
+      </p:sp>
     </p:spTree>
     <p:extLst>
       <p:ext uri="{BB962C8B-B14F-4D97-AF65-F5344CB8AC3E}">
-        <p14:creationId xmlns:p14="http://schemas.microsoft.com/office/powerpoint/2010/main" val="3497566129"/>
+        <p14:creationId xmlns:p14="http://schemas.microsoft.com/office/powerpoint/2010/main" val="1766099972"/>
       </p:ext>
     </p:extLst>
   </p:cSld>
@@ -15329,7 +15771,5979 @@
 </file>
 
 <file path=ppt/slides/slide22.xml><?xml version="1.0" encoding="utf-8"?>
-<p:sld xmlns:a="http://schemas.openxmlformats.org/drawingml/2006/main" xmlns:r="http://schemas.openxmlformats.org/officeDocument/2006/relationships" xmlns:p="http://schemas.openxmlformats.org/presentationml/2006/main" show="0">
+<p:sld xmlns:a="http://schemas.openxmlformats.org/drawingml/2006/main" xmlns:r="http://schemas.openxmlformats.org/officeDocument/2006/relationships" xmlns:p="http://schemas.openxmlformats.org/presentationml/2006/main">
+  <p:cSld>
+    <p:spTree>
+      <p:nvGrpSpPr>
+        <p:cNvPr id="1" name="">
+          <a:extLst>
+            <a:ext uri="{FF2B5EF4-FFF2-40B4-BE49-F238E27FC236}">
+              <a16:creationId xmlns:a16="http://schemas.microsoft.com/office/drawing/2014/main" id="{DBB4EBDA-4BD0-06BE-9EEF-5934D899DAC6}"/>
+            </a:ext>
+          </a:extLst>
+        </p:cNvPr>
+        <p:cNvGrpSpPr/>
+        <p:nvPr/>
+      </p:nvGrpSpPr>
+      <p:grpSpPr>
+        <a:xfrm>
+          <a:off x="0" y="0"/>
+          <a:ext cx="0" cy="0"/>
+          <a:chOff x="0" y="0"/>
+          <a:chExt cx="0" cy="0"/>
+        </a:xfrm>
+      </p:grpSpPr>
+      <p:sp>
+        <p:nvSpPr>
+          <p:cNvPr id="2" name="标题 1">
+            <a:extLst>
+              <a:ext uri="{FF2B5EF4-FFF2-40B4-BE49-F238E27FC236}">
+                <a16:creationId xmlns:a16="http://schemas.microsoft.com/office/drawing/2014/main" id="{1BE2DA13-0E9F-B1C7-3B29-4AE32EE9A07B}"/>
+              </a:ext>
+            </a:extLst>
+          </p:cNvPr>
+          <p:cNvSpPr>
+            <a:spLocks noGrp="1"/>
+          </p:cNvSpPr>
+          <p:nvPr>
+            <p:ph type="ctrTitle"/>
+          </p:nvPr>
+        </p:nvSpPr>
+        <p:spPr/>
+        <p:txBody>
+          <a:bodyPr>
+            <a:normAutofit/>
+          </a:bodyPr>
+          <a:lstStyle/>
+          <a:p>
+            <a:r>
+              <a:rPr lang="zh-CN" altLang="en-US" sz="8800" dirty="0">
+                <a:latin typeface="华文宋体" panose="02010600040101010101" pitchFamily="2" charset="-122"/>
+                <a:ea typeface="华文宋体" panose="02010600040101010101" pitchFamily="2" charset="-122"/>
+                <a:cs typeface="Times New Roman" panose="02020603050405020304" pitchFamily="18" charset="0"/>
+              </a:rPr>
+              <a:t>附录</a:t>
+            </a:r>
+          </a:p>
+        </p:txBody>
+      </p:sp>
+      <p:sp>
+        <p:nvSpPr>
+          <p:cNvPr id="5" name="灯片编号占位符 3">
+            <a:extLst>
+              <a:ext uri="{FF2B5EF4-FFF2-40B4-BE49-F238E27FC236}">
+                <a16:creationId xmlns:a16="http://schemas.microsoft.com/office/drawing/2014/main" id="{CD2C9C5D-0618-95AD-7E4E-9D94D1B6FB2B}"/>
+              </a:ext>
+            </a:extLst>
+          </p:cNvPr>
+          <p:cNvSpPr>
+            <a:spLocks noGrp="1"/>
+          </p:cNvSpPr>
+          <p:nvPr>
+            <p:ph type="sldNum" sz="quarter" idx="12"/>
+          </p:nvPr>
+        </p:nvSpPr>
+        <p:spPr>
+          <a:xfrm>
+            <a:off x="8610600" y="6356350"/>
+            <a:ext cx="2743200" cy="365125"/>
+          </a:xfrm>
+        </p:spPr>
+        <p:txBody>
+          <a:bodyPr/>
+          <a:lstStyle/>
+          <a:p>
+            <a:fld id="{4DF96A39-405C-4801-AFAA-189ED9B29D59}" type="slidenum">
+              <a:rPr lang="zh-CN" altLang="en-US" sz="2400" smtClean="0"/>
+              <a:t>22</a:t>
+            </a:fld>
+            <a:endParaRPr lang="zh-CN" altLang="en-US" sz="2400" dirty="0"/>
+          </a:p>
+        </p:txBody>
+      </p:sp>
+    </p:spTree>
+    <p:extLst>
+      <p:ext uri="{BB962C8B-B14F-4D97-AF65-F5344CB8AC3E}">
+        <p14:creationId xmlns:p14="http://schemas.microsoft.com/office/powerpoint/2010/main" val="1236289186"/>
+      </p:ext>
+    </p:extLst>
+  </p:cSld>
+  <p:clrMapOvr>
+    <a:masterClrMapping/>
+  </p:clrMapOvr>
+  <mc:AlternateContent xmlns:mc="http://schemas.openxmlformats.org/markup-compatibility/2006" xmlns:p159="http://schemas.microsoft.com/office/powerpoint/2015/09/main">
+    <mc:Choice Requires="p159">
+      <p:transition>
+        <p159:morph option="byObject"/>
+      </p:transition>
+    </mc:Choice>
+    <mc:Fallback xmlns="">
+      <p:transition>
+        <p:fade/>
+      </p:transition>
+    </mc:Fallback>
+  </mc:AlternateContent>
+</p:sld>
+</file>
+
+<file path=ppt/slides/slide23.xml><?xml version="1.0" encoding="utf-8"?>
+<p:sld xmlns:a="http://schemas.openxmlformats.org/drawingml/2006/main" xmlns:r="http://schemas.openxmlformats.org/officeDocument/2006/relationships" xmlns:p="http://schemas.openxmlformats.org/presentationml/2006/main">
+  <p:cSld>
+    <p:spTree>
+      <p:nvGrpSpPr>
+        <p:cNvPr id="1" name="">
+          <a:extLst>
+            <a:ext uri="{FF2B5EF4-FFF2-40B4-BE49-F238E27FC236}">
+              <a16:creationId xmlns:a16="http://schemas.microsoft.com/office/drawing/2014/main" id="{DB792C33-BA77-048E-3353-7D6ADA38B3B2}"/>
+            </a:ext>
+          </a:extLst>
+        </p:cNvPr>
+        <p:cNvGrpSpPr/>
+        <p:nvPr/>
+      </p:nvGrpSpPr>
+      <p:grpSpPr>
+        <a:xfrm>
+          <a:off x="0" y="0"/>
+          <a:ext cx="0" cy="0"/>
+          <a:chOff x="0" y="0"/>
+          <a:chExt cx="0" cy="0"/>
+        </a:xfrm>
+      </p:grpSpPr>
+      <p:sp>
+        <p:nvSpPr>
+          <p:cNvPr id="2" name="标题 1">
+            <a:extLst>
+              <a:ext uri="{FF2B5EF4-FFF2-40B4-BE49-F238E27FC236}">
+                <a16:creationId xmlns:a16="http://schemas.microsoft.com/office/drawing/2014/main" id="{F6B9B663-D029-6D86-DF4B-125514E960D9}"/>
+              </a:ext>
+            </a:extLst>
+          </p:cNvPr>
+          <p:cNvSpPr>
+            <a:spLocks noGrp="1"/>
+          </p:cNvSpPr>
+          <p:nvPr>
+            <p:ph type="title"/>
+          </p:nvPr>
+        </p:nvSpPr>
+        <p:spPr/>
+        <p:txBody>
+          <a:bodyPr/>
+          <a:lstStyle/>
+          <a:p>
+            <a:r>
+              <a:rPr lang="zh-CN" altLang="en-US" dirty="0">
+                <a:latin typeface="华文宋体" panose="02010600040101010101" pitchFamily="2" charset="-122"/>
+                <a:ea typeface="华文宋体" panose="02010600040101010101" pitchFamily="2" charset="-122"/>
+              </a:rPr>
+              <a:t>目录</a:t>
+            </a:r>
+          </a:p>
+        </p:txBody>
+      </p:sp>
+      <p:sp>
+        <p:nvSpPr>
+          <p:cNvPr id="3" name="内容占位符 2">
+            <a:extLst>
+              <a:ext uri="{FF2B5EF4-FFF2-40B4-BE49-F238E27FC236}">
+                <a16:creationId xmlns:a16="http://schemas.microsoft.com/office/drawing/2014/main" id="{B8A0EA3B-E690-40D5-D09E-CF1A25A7E4C0}"/>
+              </a:ext>
+            </a:extLst>
+          </p:cNvPr>
+          <p:cNvSpPr>
+            <a:spLocks noGrp="1"/>
+          </p:cNvSpPr>
+          <p:nvPr>
+            <p:ph idx="1"/>
+          </p:nvPr>
+        </p:nvSpPr>
+        <p:spPr/>
+        <p:txBody>
+          <a:bodyPr>
+            <a:normAutofit/>
+          </a:bodyPr>
+          <a:lstStyle/>
+          <a:p>
+            <a:pPr>
+              <a:spcAft>
+                <a:spcPts val="600"/>
+              </a:spcAft>
+            </a:pPr>
+            <a:r>
+              <a:rPr lang="zh-CN" altLang="en-US" sz="3600" dirty="0">
+                <a:latin typeface="华文楷体" panose="02010600040101010101" pitchFamily="2" charset="-122"/>
+                <a:ea typeface="华文楷体" panose="02010600040101010101" pitchFamily="2" charset="-122"/>
+                <a:hlinkClick r:id="rId2" action="ppaction://hlinksldjump"/>
+              </a:rPr>
+              <a:t>研究中使用的具体参数</a:t>
+            </a:r>
+            <a:endParaRPr lang="en-US" altLang="zh-CN" sz="3600" dirty="0">
+              <a:latin typeface="华文楷体" panose="02010600040101010101" pitchFamily="2" charset="-122"/>
+              <a:ea typeface="华文楷体" panose="02010600040101010101" pitchFamily="2" charset="-122"/>
+            </a:endParaRPr>
+          </a:p>
+          <a:p>
+            <a:pPr>
+              <a:spcAft>
+                <a:spcPts val="600"/>
+              </a:spcAft>
+            </a:pPr>
+            <a:r>
+              <a:rPr lang="zh-CN" altLang="en-US" sz="3600" dirty="0">
+                <a:latin typeface="华文楷体" panose="02010600040101010101" pitchFamily="2" charset="-122"/>
+                <a:ea typeface="华文楷体" panose="02010600040101010101" pitchFamily="2" charset="-122"/>
+                <a:hlinkClick r:id="rId3" action="ppaction://hlinksldjump"/>
+              </a:rPr>
+              <a:t>参考文献</a:t>
+            </a:r>
+            <a:endParaRPr lang="en-US" altLang="zh-CN" sz="3600" dirty="0">
+              <a:latin typeface="华文楷体" panose="02010600040101010101" pitchFamily="2" charset="-122"/>
+              <a:ea typeface="华文楷体" panose="02010600040101010101" pitchFamily="2" charset="-122"/>
+            </a:endParaRPr>
+          </a:p>
+          <a:p>
+            <a:pPr>
+              <a:spcAft>
+                <a:spcPts val="600"/>
+              </a:spcAft>
+            </a:pPr>
+            <a:r>
+              <a:rPr lang="zh-CN" altLang="en-US" sz="3600" dirty="0">
+                <a:latin typeface="华文楷体" panose="02010600040101010101" pitchFamily="2" charset="-122"/>
+                <a:ea typeface="华文楷体" panose="02010600040101010101" pitchFamily="2" charset="-122"/>
+                <a:hlinkClick r:id="rId4" action="ppaction://hlinksldjump"/>
+              </a:rPr>
+              <a:t>部分图片的</a:t>
+            </a:r>
+            <a:r>
+              <a:rPr lang="en-US" altLang="zh-CN" sz="3600" dirty="0">
+                <a:latin typeface="华文楷体" panose="02010600040101010101" pitchFamily="2" charset="-122"/>
+                <a:ea typeface="华文楷体" panose="02010600040101010101" pitchFamily="2" charset="-122"/>
+                <a:hlinkClick r:id="rId4" action="ppaction://hlinksldjump"/>
+              </a:rPr>
+              <a:t>PPT</a:t>
+            </a:r>
+            <a:r>
+              <a:rPr lang="zh-CN" altLang="en-US" sz="3600" dirty="0">
+                <a:latin typeface="华文楷体" panose="02010600040101010101" pitchFamily="2" charset="-122"/>
+                <a:ea typeface="华文楷体" panose="02010600040101010101" pitchFamily="2" charset="-122"/>
+                <a:hlinkClick r:id="rId4" action="ppaction://hlinksldjump"/>
+              </a:rPr>
+              <a:t>原对象</a:t>
+            </a:r>
+            <a:endParaRPr lang="zh-CN" altLang="en-US" sz="3600" dirty="0">
+              <a:latin typeface="华文楷体" panose="02010600040101010101" pitchFamily="2" charset="-122"/>
+              <a:ea typeface="华文楷体" panose="02010600040101010101" pitchFamily="2" charset="-122"/>
+            </a:endParaRPr>
+          </a:p>
+        </p:txBody>
+      </p:sp>
+      <p:sp>
+        <p:nvSpPr>
+          <p:cNvPr id="6" name="灯片编号占位符 3">
+            <a:extLst>
+              <a:ext uri="{FF2B5EF4-FFF2-40B4-BE49-F238E27FC236}">
+                <a16:creationId xmlns:a16="http://schemas.microsoft.com/office/drawing/2014/main" id="{45CA754E-590B-8F73-1A7D-598CCC70F450}"/>
+              </a:ext>
+            </a:extLst>
+          </p:cNvPr>
+          <p:cNvSpPr>
+            <a:spLocks noGrp="1"/>
+          </p:cNvSpPr>
+          <p:nvPr>
+            <p:ph type="sldNum" sz="quarter" idx="12"/>
+          </p:nvPr>
+        </p:nvSpPr>
+        <p:spPr>
+          <a:xfrm>
+            <a:off x="8610600" y="6356350"/>
+            <a:ext cx="2743200" cy="365125"/>
+          </a:xfrm>
+        </p:spPr>
+        <p:txBody>
+          <a:bodyPr/>
+          <a:lstStyle/>
+          <a:p>
+            <a:fld id="{4DF96A39-405C-4801-AFAA-189ED9B29D59}" type="slidenum">
+              <a:rPr lang="zh-CN" altLang="en-US" sz="2400" smtClean="0"/>
+              <a:t>23</a:t>
+            </a:fld>
+            <a:endParaRPr lang="zh-CN" altLang="en-US" sz="2400" dirty="0"/>
+          </a:p>
+        </p:txBody>
+      </p:sp>
+    </p:spTree>
+    <p:extLst>
+      <p:ext uri="{BB962C8B-B14F-4D97-AF65-F5344CB8AC3E}">
+        <p14:creationId xmlns:p14="http://schemas.microsoft.com/office/powerpoint/2010/main" val="3732870871"/>
+      </p:ext>
+    </p:extLst>
+  </p:cSld>
+  <p:clrMapOvr>
+    <a:masterClrMapping/>
+  </p:clrMapOvr>
+  <mc:AlternateContent xmlns:mc="http://schemas.openxmlformats.org/markup-compatibility/2006" xmlns:p159="http://schemas.microsoft.com/office/powerpoint/2015/09/main">
+    <mc:Choice Requires="p159">
+      <p:transition>
+        <p159:morph option="byObject"/>
+      </p:transition>
+    </mc:Choice>
+    <mc:Fallback xmlns="">
+      <p:transition>
+        <p:fade/>
+      </p:transition>
+    </mc:Fallback>
+  </mc:AlternateContent>
+</p:sld>
+</file>
+
+<file path=ppt/slides/slide24.xml><?xml version="1.0" encoding="utf-8"?>
+<p:sld xmlns:a="http://schemas.openxmlformats.org/drawingml/2006/main" xmlns:r="http://schemas.openxmlformats.org/officeDocument/2006/relationships" xmlns:p="http://schemas.openxmlformats.org/presentationml/2006/main">
+  <p:cSld>
+    <p:spTree>
+      <p:nvGrpSpPr>
+        <p:cNvPr id="1" name="">
+          <a:extLst>
+            <a:ext uri="{FF2B5EF4-FFF2-40B4-BE49-F238E27FC236}">
+              <a16:creationId xmlns:a16="http://schemas.microsoft.com/office/drawing/2014/main" id="{EB987EE9-A1F6-F5DE-FC1D-C5A00330F1B1}"/>
+            </a:ext>
+          </a:extLst>
+        </p:cNvPr>
+        <p:cNvGrpSpPr/>
+        <p:nvPr/>
+      </p:nvGrpSpPr>
+      <p:grpSpPr>
+        <a:xfrm>
+          <a:off x="0" y="0"/>
+          <a:ext cx="0" cy="0"/>
+          <a:chOff x="0" y="0"/>
+          <a:chExt cx="0" cy="0"/>
+        </a:xfrm>
+      </p:grpSpPr>
+      <p:sp>
+        <p:nvSpPr>
+          <p:cNvPr id="2" name="标题 1">
+            <a:extLst>
+              <a:ext uri="{FF2B5EF4-FFF2-40B4-BE49-F238E27FC236}">
+                <a16:creationId xmlns:a16="http://schemas.microsoft.com/office/drawing/2014/main" id="{6A192FEA-0260-AE7C-BB9C-10E2FC3F19A6}"/>
+              </a:ext>
+            </a:extLst>
+          </p:cNvPr>
+          <p:cNvSpPr>
+            <a:spLocks noGrp="1"/>
+          </p:cNvSpPr>
+          <p:nvPr>
+            <p:ph type="title"/>
+          </p:nvPr>
+        </p:nvSpPr>
+        <p:spPr>
+          <a:xfrm>
+            <a:off x="838200" y="365125"/>
+            <a:ext cx="10515600" cy="830997"/>
+          </a:xfrm>
+        </p:spPr>
+        <p:txBody>
+          <a:bodyPr/>
+          <a:lstStyle/>
+          <a:p>
+            <a:pPr>
+              <a:spcAft>
+                <a:spcPts val="600"/>
+              </a:spcAft>
+            </a:pPr>
+            <a:r>
+              <a:rPr lang="zh-CN" altLang="en-US" sz="4400" dirty="0">
+                <a:latin typeface="华文楷体" panose="02010600040101010101" pitchFamily="2" charset="-122"/>
+                <a:ea typeface="华文楷体" panose="02010600040101010101" pitchFamily="2" charset="-122"/>
+              </a:rPr>
+              <a:t>研究中使用的具体参数</a:t>
+            </a:r>
+            <a:endParaRPr lang="en-US" altLang="zh-CN" sz="4400" dirty="0">
+              <a:latin typeface="华文楷体" panose="02010600040101010101" pitchFamily="2" charset="-122"/>
+              <a:ea typeface="华文楷体" panose="02010600040101010101" pitchFamily="2" charset="-122"/>
+            </a:endParaRPr>
+          </a:p>
+        </p:txBody>
+      </p:sp>
+      <p:sp>
+        <p:nvSpPr>
+          <p:cNvPr id="7" name="灯片编号占位符 3">
+            <a:extLst>
+              <a:ext uri="{FF2B5EF4-FFF2-40B4-BE49-F238E27FC236}">
+                <a16:creationId xmlns:a16="http://schemas.microsoft.com/office/drawing/2014/main" id="{8E564D50-E8E2-5F27-5944-7D8FA64327D2}"/>
+              </a:ext>
+            </a:extLst>
+          </p:cNvPr>
+          <p:cNvSpPr>
+            <a:spLocks noGrp="1"/>
+          </p:cNvSpPr>
+          <p:nvPr>
+            <p:ph type="sldNum" sz="quarter" idx="12"/>
+          </p:nvPr>
+        </p:nvSpPr>
+        <p:spPr>
+          <a:xfrm>
+            <a:off x="8610600" y="6356350"/>
+            <a:ext cx="2743200" cy="365125"/>
+          </a:xfrm>
+        </p:spPr>
+        <p:txBody>
+          <a:bodyPr/>
+          <a:lstStyle/>
+          <a:p>
+            <a:fld id="{4DF96A39-405C-4801-AFAA-189ED9B29D59}" type="slidenum">
+              <a:rPr lang="zh-CN" altLang="en-US" sz="2400" smtClean="0"/>
+              <a:t>24</a:t>
+            </a:fld>
+            <a:endParaRPr lang="zh-CN" altLang="en-US" sz="2400" dirty="0"/>
+          </a:p>
+        </p:txBody>
+      </p:sp>
+      <mc:AlternateContent xmlns:mc="http://schemas.openxmlformats.org/markup-compatibility/2006" xmlns:a14="http://schemas.microsoft.com/office/drawing/2010/main">
+        <mc:Choice Requires="a14">
+          <p:graphicFrame>
+            <p:nvGraphicFramePr>
+              <p:cNvPr id="4" name="表格 3">
+                <a:extLst>
+                  <a:ext uri="{FF2B5EF4-FFF2-40B4-BE49-F238E27FC236}">
+                    <a16:creationId xmlns:a16="http://schemas.microsoft.com/office/drawing/2014/main" id="{4B43883E-0558-5748-E1CE-98A67EABBACA}"/>
+                  </a:ext>
+                </a:extLst>
+              </p:cNvPr>
+              <p:cNvGraphicFramePr>
+                <a:graphicFrameLocks noGrp="1"/>
+              </p:cNvGraphicFramePr>
+              <p:nvPr>
+                <p:extLst>
+                  <p:ext uri="{D42A27DB-BD31-4B8C-83A1-F6EECF244321}">
+                    <p14:modId xmlns:p14="http://schemas.microsoft.com/office/powerpoint/2010/main" val="2768613572"/>
+                  </p:ext>
+                </p:extLst>
+              </p:nvPr>
+            </p:nvGraphicFramePr>
+            <p:xfrm>
+              <a:off x="2054045" y="2192289"/>
+              <a:ext cx="8083910" cy="3045778"/>
+            </p:xfrm>
+            <a:graphic>
+              <a:graphicData uri="http://schemas.openxmlformats.org/drawingml/2006/table">
+                <a:tbl>
+                  <a:tblPr firstRow="1" bandRow="1">
+                    <a:tableStyleId>{5C22544A-7EE6-4342-B048-85BDC9FD1C3A}</a:tableStyleId>
+                  </a:tblPr>
+                  <a:tblGrid>
+                    <a:gridCol w="4041955">
+                      <a:extLst>
+                        <a:ext uri="{9D8B030D-6E8A-4147-A177-3AD203B41FA5}">
+                          <a16:colId xmlns:a16="http://schemas.microsoft.com/office/drawing/2014/main" val="2459270469"/>
+                        </a:ext>
+                      </a:extLst>
+                    </a:gridCol>
+                    <a:gridCol w="4041955">
+                      <a:extLst>
+                        <a:ext uri="{9D8B030D-6E8A-4147-A177-3AD203B41FA5}">
+                          <a16:colId xmlns:a16="http://schemas.microsoft.com/office/drawing/2014/main" val="1494011293"/>
+                        </a:ext>
+                      </a:extLst>
+                    </a:gridCol>
+                  </a:tblGrid>
+                  <a:tr h="370840">
+                    <a:tc>
+                      <a:txBody>
+                        <a:bodyPr/>
+                        <a:lstStyle/>
+                        <a:p>
+                          <a:pPr algn="ctr"/>
+                          <a:r>
+                            <a:rPr lang="zh-CN" altLang="en-US" sz="2400" b="0" kern="1200" dirty="0">
+                              <a:solidFill>
+                                <a:schemeClr val="tx1"/>
+                              </a:solidFill>
+                              <a:latin typeface="华文楷体" panose="02010600040101010101" pitchFamily="2" charset="-122"/>
+                              <a:ea typeface="华文楷体" panose="02010600040101010101" pitchFamily="2" charset="-122"/>
+                              <a:cs typeface="+mn-cs"/>
+                            </a:rPr>
+                            <a:t>密度 </a:t>
+                          </a:r>
+                          <a:r>
+                            <a:rPr lang="en-US" altLang="zh-CN" sz="2400" b="0" kern="1200" dirty="0">
+                              <a:solidFill>
+                                <a:schemeClr val="tx1"/>
+                              </a:solidFill>
+                              <a:latin typeface="华文楷体" panose="02010600040101010101" pitchFamily="2" charset="-122"/>
+                              <a:ea typeface="华文楷体" panose="02010600040101010101" pitchFamily="2" charset="-122"/>
+                              <a:cs typeface="+mn-cs"/>
+                            </a:rPr>
+                            <a:t>[</a:t>
+                          </a:r>
+                          <a14:m>
+                            <m:oMath xmlns:m="http://schemas.openxmlformats.org/officeDocument/2006/math">
+                              <m:r>
+                                <m:rPr>
+                                  <m:sty m:val="p"/>
+                                </m:rPr>
+                                <a:rPr lang="en-US" altLang="zh-CN" sz="2400" b="0" i="0" kern="1200" dirty="0" smtClean="0">
+                                  <a:solidFill>
+                                    <a:schemeClr val="tx1"/>
+                                  </a:solidFill>
+                                  <a:latin typeface="Cambria Math" panose="02040503050406030204" pitchFamily="18" charset="0"/>
+                                  <a:cs typeface="+mn-cs"/>
+                                </a:rPr>
+                                <m:t>g</m:t>
+                              </m:r>
+                              <m:r>
+                                <a:rPr lang="en-US" altLang="zh-CN" sz="2400" b="0" i="0" kern="1200" dirty="0" smtClean="0">
+                                  <a:solidFill>
+                                    <a:schemeClr val="tx1"/>
+                                  </a:solidFill>
+                                  <a:latin typeface="Cambria Math" panose="02040503050406030204" pitchFamily="18" charset="0"/>
+                                  <a:cs typeface="+mn-cs"/>
+                                </a:rPr>
+                                <m:t> </m:t>
+                              </m:r>
+                              <m:sSup>
+                                <m:sSupPr>
+                                  <m:ctrlPr>
+                                    <a:rPr lang="en-US" altLang="zh-CN" sz="2400" b="0" i="1" kern="1200" dirty="0" smtClean="0">
+                                      <a:solidFill>
+                                        <a:schemeClr val="tx1"/>
+                                      </a:solidFill>
+                                      <a:latin typeface="Cambria Math" panose="02040503050406030204" pitchFamily="18" charset="0"/>
+                                      <a:cs typeface="+mn-cs"/>
+                                    </a:rPr>
+                                  </m:ctrlPr>
+                                </m:sSupPr>
+                                <m:e>
+                                  <m:r>
+                                    <m:rPr>
+                                      <m:sty m:val="p"/>
+                                    </m:rPr>
+                                    <a:rPr lang="en-US" altLang="zh-CN" sz="2400" b="0" i="0" kern="1200" dirty="0" smtClean="0">
+                                      <a:solidFill>
+                                        <a:schemeClr val="tx1"/>
+                                      </a:solidFill>
+                                      <a:latin typeface="Cambria Math" panose="02040503050406030204" pitchFamily="18" charset="0"/>
+                                      <a:cs typeface="+mn-cs"/>
+                                    </a:rPr>
+                                    <m:t>cm</m:t>
+                                  </m:r>
+                                </m:e>
+                                <m:sup>
+                                  <m:r>
+                                    <a:rPr lang="en-US" altLang="zh-CN" sz="2400" b="0" i="0" kern="1200" dirty="0" smtClean="0">
+                                      <a:solidFill>
+                                        <a:schemeClr val="tx1"/>
+                                      </a:solidFill>
+                                      <a:latin typeface="Cambria Math" panose="02040503050406030204" pitchFamily="18" charset="0"/>
+                                      <a:cs typeface="+mn-cs"/>
+                                    </a:rPr>
+                                    <m:t>−3</m:t>
+                                  </m:r>
+                                </m:sup>
+                              </m:sSup>
+                            </m:oMath>
+                          </a14:m>
+                          <a:r>
+                            <a:rPr lang="en-US" altLang="zh-CN" sz="2400" b="0" kern="1200" dirty="0">
+                              <a:solidFill>
+                                <a:schemeClr val="tx1"/>
+                              </a:solidFill>
+                              <a:latin typeface="华文楷体" panose="02010600040101010101" pitchFamily="2" charset="-122"/>
+                              <a:ea typeface="华文楷体" panose="02010600040101010101" pitchFamily="2" charset="-122"/>
+                              <a:cs typeface="+mn-cs"/>
+                            </a:rPr>
+                            <a:t>]</a:t>
+                          </a:r>
+                          <a:endParaRPr lang="zh-CN" altLang="en-US" sz="2400" b="0" kern="1200" dirty="0">
+                            <a:solidFill>
+                              <a:schemeClr val="tx1"/>
+                            </a:solidFill>
+                            <a:latin typeface="华文楷体" panose="02010600040101010101" pitchFamily="2" charset="-122"/>
+                            <a:ea typeface="华文楷体" panose="02010600040101010101" pitchFamily="2" charset="-122"/>
+                            <a:cs typeface="+mn-cs"/>
+                          </a:endParaRPr>
+                        </a:p>
+                      </a:txBody>
+                      <a:tcPr anchor="ctr">
+                        <a:lnL w="12700" cap="flat" cmpd="sng" algn="ctr">
+                          <a:solidFill>
+                            <a:schemeClr val="tx1"/>
+                          </a:solidFill>
+                          <a:prstDash val="solid"/>
+                          <a:round/>
+                          <a:headEnd type="none" w="med" len="med"/>
+                          <a:tailEnd type="none" w="med" len="med"/>
+                        </a:lnL>
+                        <a:lnR w="12700" cap="flat" cmpd="sng" algn="ctr">
+                          <a:solidFill>
+                            <a:schemeClr val="tx1"/>
+                          </a:solidFill>
+                          <a:prstDash val="solid"/>
+                          <a:round/>
+                          <a:headEnd type="none" w="med" len="med"/>
+                          <a:tailEnd type="none" w="med" len="med"/>
+                        </a:lnR>
+                        <a:lnT w="12700" cap="flat" cmpd="sng" algn="ctr">
+                          <a:solidFill>
+                            <a:schemeClr val="tx1"/>
+                          </a:solidFill>
+                          <a:prstDash val="solid"/>
+                          <a:round/>
+                          <a:headEnd type="none" w="med" len="med"/>
+                          <a:tailEnd type="none" w="med" len="med"/>
+                        </a:lnT>
+                        <a:lnB w="12700" cap="flat" cmpd="sng" algn="ctr">
+                          <a:solidFill>
+                            <a:schemeClr val="tx1"/>
+                          </a:solidFill>
+                          <a:prstDash val="solid"/>
+                          <a:round/>
+                          <a:headEnd type="none" w="med" len="med"/>
+                          <a:tailEnd type="none" w="med" len="med"/>
+                        </a:lnB>
+                        <a:noFill/>
+                      </a:tcPr>
+                    </a:tc>
+                    <a:tc>
+                      <a:txBody>
+                        <a:bodyPr/>
+                        <a:lstStyle/>
+                        <a:p>
+                          <a:pPr algn="ctr"/>
+                          <a:r>
+                            <a:rPr lang="en-US" altLang="zh-CN" sz="2400" b="0" kern="1200" dirty="0">
+                              <a:solidFill>
+                                <a:schemeClr val="tx1"/>
+                              </a:solidFill>
+                              <a:latin typeface="华文楷体" panose="02010600040101010101" pitchFamily="2" charset="-122"/>
+                              <a:ea typeface="华文楷体" panose="02010600040101010101" pitchFamily="2" charset="-122"/>
+                              <a:cs typeface="+mn-cs"/>
+                            </a:rPr>
+                            <a:t>1.060</a:t>
+                          </a:r>
+                          <a:endParaRPr lang="zh-CN" altLang="en-US" sz="2400" b="0" kern="1200" dirty="0">
+                            <a:solidFill>
+                              <a:schemeClr val="tx1"/>
+                            </a:solidFill>
+                            <a:latin typeface="华文楷体" panose="02010600040101010101" pitchFamily="2" charset="-122"/>
+                            <a:ea typeface="华文楷体" panose="02010600040101010101" pitchFamily="2" charset="-122"/>
+                            <a:cs typeface="+mn-cs"/>
+                          </a:endParaRPr>
+                        </a:p>
+                      </a:txBody>
+                      <a:tcPr anchor="ctr">
+                        <a:lnL w="12700" cap="flat" cmpd="sng" algn="ctr">
+                          <a:solidFill>
+                            <a:schemeClr val="tx1"/>
+                          </a:solidFill>
+                          <a:prstDash val="solid"/>
+                          <a:round/>
+                          <a:headEnd type="none" w="med" len="med"/>
+                          <a:tailEnd type="none" w="med" len="med"/>
+                        </a:lnL>
+                        <a:lnR w="12700" cap="flat" cmpd="sng" algn="ctr">
+                          <a:solidFill>
+                            <a:schemeClr val="tx1"/>
+                          </a:solidFill>
+                          <a:prstDash val="solid"/>
+                          <a:round/>
+                          <a:headEnd type="none" w="med" len="med"/>
+                          <a:tailEnd type="none" w="med" len="med"/>
+                        </a:lnR>
+                        <a:lnT w="12700" cap="flat" cmpd="sng" algn="ctr">
+                          <a:solidFill>
+                            <a:schemeClr val="tx1"/>
+                          </a:solidFill>
+                          <a:prstDash val="solid"/>
+                          <a:round/>
+                          <a:headEnd type="none" w="med" len="med"/>
+                          <a:tailEnd type="none" w="med" len="med"/>
+                        </a:lnT>
+                        <a:lnB w="12700" cap="flat" cmpd="sng" algn="ctr">
+                          <a:solidFill>
+                            <a:schemeClr val="tx1"/>
+                          </a:solidFill>
+                          <a:prstDash val="solid"/>
+                          <a:round/>
+                          <a:headEnd type="none" w="med" len="med"/>
+                          <a:tailEnd type="none" w="med" len="med"/>
+                        </a:lnB>
+                        <a:noFill/>
+                      </a:tcPr>
+                    </a:tc>
+                    <a:extLst>
+                      <a:ext uri="{0D108BD9-81ED-4DB2-BD59-A6C34878D82A}">
+                        <a16:rowId xmlns:a16="http://schemas.microsoft.com/office/drawing/2014/main" val="1450359678"/>
+                      </a:ext>
+                    </a:extLst>
+                  </a:tr>
+                  <a:tr h="370840">
+                    <a:tc>
+                      <a:txBody>
+                        <a:bodyPr/>
+                        <a:lstStyle/>
+                        <a:p>
+                          <a:pPr algn="ctr"/>
+                          <a14:m>
+                            <m:oMathPara xmlns:m="http://schemas.openxmlformats.org/officeDocument/2006/math">
+                              <m:oMathParaPr>
+                                <m:jc m:val="centerGroup"/>
+                              </m:oMathParaPr>
+                              <m:oMath xmlns:m="http://schemas.openxmlformats.org/officeDocument/2006/math">
+                                <m:r>
+                                  <a:rPr lang="en-US" altLang="zh-CN" sz="2400" i="1" kern="1200" dirty="0" smtClean="0">
+                                    <a:solidFill>
+                                      <a:schemeClr val="tx1"/>
+                                    </a:solidFill>
+                                    <a:latin typeface="Cambria Math" panose="02040503050406030204" pitchFamily="18" charset="0"/>
+                                    <a:ea typeface="华文楷体" panose="02010600040101010101" pitchFamily="2" charset="-122"/>
+                                    <a:cs typeface="+mn-cs"/>
+                                  </a:rPr>
+                                  <m:t>𝑍</m:t>
+                                </m:r>
+                              </m:oMath>
+                            </m:oMathPara>
+                          </a14:m>
+                          <a:endParaRPr lang="zh-CN" altLang="en-US" sz="2400" kern="1200" dirty="0">
+                            <a:solidFill>
+                              <a:schemeClr val="tx1"/>
+                            </a:solidFill>
+                            <a:latin typeface="华文楷体" panose="02010600040101010101" pitchFamily="2" charset="-122"/>
+                            <a:ea typeface="华文楷体" panose="02010600040101010101" pitchFamily="2" charset="-122"/>
+                            <a:cs typeface="+mn-cs"/>
+                          </a:endParaRPr>
+                        </a:p>
+                      </a:txBody>
+                      <a:tcPr anchor="ctr">
+                        <a:lnL w="12700" cap="flat" cmpd="sng" algn="ctr">
+                          <a:solidFill>
+                            <a:schemeClr val="tx1"/>
+                          </a:solidFill>
+                          <a:prstDash val="solid"/>
+                          <a:round/>
+                          <a:headEnd type="none" w="med" len="med"/>
+                          <a:tailEnd type="none" w="med" len="med"/>
+                        </a:lnL>
+                        <a:lnR w="12700" cap="flat" cmpd="sng" algn="ctr">
+                          <a:solidFill>
+                            <a:schemeClr val="tx1"/>
+                          </a:solidFill>
+                          <a:prstDash val="solid"/>
+                          <a:round/>
+                          <a:headEnd type="none" w="med" len="med"/>
+                          <a:tailEnd type="none" w="med" len="med"/>
+                        </a:lnR>
+                        <a:lnT w="12700" cap="flat" cmpd="sng" algn="ctr">
+                          <a:solidFill>
+                            <a:schemeClr val="tx1"/>
+                          </a:solidFill>
+                          <a:prstDash val="solid"/>
+                          <a:round/>
+                          <a:headEnd type="none" w="med" len="med"/>
+                          <a:tailEnd type="none" w="med" len="med"/>
+                        </a:lnT>
+                        <a:lnB w="12700" cap="flat" cmpd="sng" algn="ctr">
+                          <a:solidFill>
+                            <a:schemeClr val="tx1"/>
+                          </a:solidFill>
+                          <a:prstDash val="solid"/>
+                          <a:round/>
+                          <a:headEnd type="none" w="med" len="med"/>
+                          <a:tailEnd type="none" w="med" len="med"/>
+                        </a:lnB>
+                        <a:noFill/>
+                      </a:tcPr>
+                    </a:tc>
+                    <a:tc>
+                      <a:txBody>
+                        <a:bodyPr/>
+                        <a:lstStyle/>
+                        <a:p>
+                          <a:pPr algn="ctr"/>
+                          <a:r>
+                            <a:rPr lang="en-US" altLang="zh-CN" sz="2400" kern="1200" dirty="0">
+                              <a:solidFill>
+                                <a:schemeClr val="tx1"/>
+                              </a:solidFill>
+                              <a:latin typeface="华文楷体" panose="02010600040101010101" pitchFamily="2" charset="-122"/>
+                              <a:ea typeface="华文楷体" panose="02010600040101010101" pitchFamily="2" charset="-122"/>
+                              <a:cs typeface="+mn-cs"/>
+                            </a:rPr>
+                            <a:t>56</a:t>
+                          </a:r>
+                        </a:p>
+                        <a:p>
+                          <a:pPr algn="ctr"/>
+                          <a14:m>
+                            <m:oMathPara xmlns:m="http://schemas.openxmlformats.org/officeDocument/2006/math">
+                              <m:oMathParaPr>
+                                <m:jc m:val="centerGroup"/>
+                              </m:oMathParaPr>
+                              <m:oMath xmlns:m="http://schemas.openxmlformats.org/officeDocument/2006/math">
+                                <m:d>
+                                  <m:dPr>
+                                    <m:ctrlPr>
+                                      <a:rPr lang="en-US" altLang="zh-CN" sz="2400" b="0" i="1" kern="1200" dirty="0" smtClean="0">
+                                        <a:solidFill>
+                                          <a:schemeClr val="tx1"/>
+                                        </a:solidFill>
+                                        <a:latin typeface="Cambria Math" panose="02040503050406030204" pitchFamily="18" charset="0"/>
+                                        <a:ea typeface="华文楷体" panose="02010600040101010101" pitchFamily="2" charset="-122"/>
+                                        <a:cs typeface="+mn-cs"/>
+                                      </a:rPr>
+                                    </m:ctrlPr>
+                                  </m:dPr>
+                                  <m:e>
+                                    <m:r>
+                                      <a:rPr lang="en-US" altLang="zh-CN" sz="2400" b="0" i="1" kern="1200" smtClean="0">
+                                        <a:solidFill>
+                                          <a:schemeClr val="tx1"/>
+                                        </a:solidFill>
+                                        <a:latin typeface="Cambria Math" panose="02040503050406030204" pitchFamily="18" charset="0"/>
+                                        <a:ea typeface="华文楷体" panose="02010600040101010101" pitchFamily="2" charset="-122"/>
+                                        <a:cs typeface="+mn-cs"/>
+                                      </a:rPr>
+                                      <m:t>1×8+6×8</m:t>
+                                    </m:r>
+                                  </m:e>
+                                </m:d>
+                              </m:oMath>
+                            </m:oMathPara>
+                          </a14:m>
+                          <a:endParaRPr lang="zh-CN" altLang="en-US" sz="2400" kern="1200" dirty="0">
+                            <a:solidFill>
+                              <a:schemeClr val="tx1"/>
+                            </a:solidFill>
+                            <a:latin typeface="华文楷体" panose="02010600040101010101" pitchFamily="2" charset="-122"/>
+                            <a:ea typeface="华文楷体" panose="02010600040101010101" pitchFamily="2" charset="-122"/>
+                            <a:cs typeface="+mn-cs"/>
+                          </a:endParaRPr>
+                        </a:p>
+                      </a:txBody>
+                      <a:tcPr anchor="ctr">
+                        <a:lnL w="12700" cap="flat" cmpd="sng" algn="ctr">
+                          <a:solidFill>
+                            <a:schemeClr val="tx1"/>
+                          </a:solidFill>
+                          <a:prstDash val="solid"/>
+                          <a:round/>
+                          <a:headEnd type="none" w="med" len="med"/>
+                          <a:tailEnd type="none" w="med" len="med"/>
+                        </a:lnL>
+                        <a:lnR w="12700" cap="flat" cmpd="sng" algn="ctr">
+                          <a:solidFill>
+                            <a:schemeClr val="tx1"/>
+                          </a:solidFill>
+                          <a:prstDash val="solid"/>
+                          <a:round/>
+                          <a:headEnd type="none" w="med" len="med"/>
+                          <a:tailEnd type="none" w="med" len="med"/>
+                        </a:lnR>
+                        <a:lnT w="12700" cap="flat" cmpd="sng" algn="ctr">
+                          <a:solidFill>
+                            <a:schemeClr val="tx1"/>
+                          </a:solidFill>
+                          <a:prstDash val="solid"/>
+                          <a:round/>
+                          <a:headEnd type="none" w="med" len="med"/>
+                          <a:tailEnd type="none" w="med" len="med"/>
+                        </a:lnT>
+                        <a:lnB w="12700" cap="flat" cmpd="sng" algn="ctr">
+                          <a:solidFill>
+                            <a:schemeClr val="tx1"/>
+                          </a:solidFill>
+                          <a:prstDash val="solid"/>
+                          <a:round/>
+                          <a:headEnd type="none" w="med" len="med"/>
+                          <a:tailEnd type="none" w="med" len="med"/>
+                        </a:lnB>
+                        <a:noFill/>
+                      </a:tcPr>
+                    </a:tc>
+                    <a:extLst>
+                      <a:ext uri="{0D108BD9-81ED-4DB2-BD59-A6C34878D82A}">
+                        <a16:rowId xmlns:a16="http://schemas.microsoft.com/office/drawing/2014/main" val="978271092"/>
+                      </a:ext>
+                    </a:extLst>
+                  </a:tr>
+                  <a:tr h="370840">
+                    <a:tc>
+                      <a:txBody>
+                        <a:bodyPr/>
+                        <a:lstStyle/>
+                        <a:p>
+                          <a:pPr marL="0" marR="0" lvl="0" indent="0" algn="ctr" defTabSz="914400" rtl="0" eaLnBrk="1" fontAlgn="auto" latinLnBrk="0" hangingPunct="1">
+                            <a:lnSpc>
+                              <a:spcPct val="100000"/>
+                            </a:lnSpc>
+                            <a:spcBef>
+                              <a:spcPts val="0"/>
+                            </a:spcBef>
+                            <a:spcAft>
+                              <a:spcPts val="0"/>
+                            </a:spcAft>
+                            <a:buClrTx/>
+                            <a:buSzTx/>
+                            <a:buFontTx/>
+                            <a:buNone/>
+                            <a:tabLst/>
+                            <a:defRPr/>
+                          </a:pPr>
+                          <a14:m>
+                            <m:oMathPara xmlns:m="http://schemas.openxmlformats.org/officeDocument/2006/math">
+                              <m:oMathParaPr>
+                                <m:jc m:val="centerGroup"/>
+                              </m:oMathParaPr>
+                              <m:oMath xmlns:m="http://schemas.openxmlformats.org/officeDocument/2006/math">
+                                <m:r>
+                                  <a:rPr lang="en-US" altLang="zh-CN" sz="2400" b="0" i="1" kern="1200" dirty="0" smtClean="0">
+                                    <a:solidFill>
+                                      <a:schemeClr val="tx1"/>
+                                    </a:solidFill>
+                                    <a:latin typeface="Cambria Math" panose="02040503050406030204" pitchFamily="18" charset="0"/>
+                                    <a:ea typeface="华文楷体" panose="02010600040101010101" pitchFamily="2" charset="-122"/>
+                                    <a:cs typeface="+mn-cs"/>
+                                  </a:rPr>
+                                  <m:t>𝐴</m:t>
+                                </m:r>
+                              </m:oMath>
+                            </m:oMathPara>
+                          </a14:m>
+                          <a:endParaRPr lang="zh-CN" altLang="en-US" sz="2400" b="0" kern="1200" dirty="0">
+                            <a:solidFill>
+                              <a:schemeClr val="tx1"/>
+                            </a:solidFill>
+                            <a:latin typeface="华文楷体" panose="02010600040101010101" pitchFamily="2" charset="-122"/>
+                            <a:ea typeface="华文楷体" panose="02010600040101010101" pitchFamily="2" charset="-122"/>
+                            <a:cs typeface="+mn-cs"/>
+                          </a:endParaRPr>
+                        </a:p>
+                      </a:txBody>
+                      <a:tcPr anchor="ctr">
+                        <a:lnL w="12700" cap="flat" cmpd="sng" algn="ctr">
+                          <a:solidFill>
+                            <a:schemeClr val="tx1"/>
+                          </a:solidFill>
+                          <a:prstDash val="solid"/>
+                          <a:round/>
+                          <a:headEnd type="none" w="med" len="med"/>
+                          <a:tailEnd type="none" w="med" len="med"/>
+                        </a:lnL>
+                        <a:lnR w="12700" cap="flat" cmpd="sng" algn="ctr">
+                          <a:solidFill>
+                            <a:schemeClr val="tx1"/>
+                          </a:solidFill>
+                          <a:prstDash val="solid"/>
+                          <a:round/>
+                          <a:headEnd type="none" w="med" len="med"/>
+                          <a:tailEnd type="none" w="med" len="med"/>
+                        </a:lnR>
+                        <a:lnT w="12700" cap="flat" cmpd="sng" algn="ctr">
+                          <a:solidFill>
+                            <a:schemeClr val="tx1"/>
+                          </a:solidFill>
+                          <a:prstDash val="solid"/>
+                          <a:round/>
+                          <a:headEnd type="none" w="med" len="med"/>
+                          <a:tailEnd type="none" w="med" len="med"/>
+                        </a:lnT>
+                        <a:lnB w="12700" cap="flat" cmpd="sng" algn="ctr">
+                          <a:solidFill>
+                            <a:schemeClr val="tx1"/>
+                          </a:solidFill>
+                          <a:prstDash val="solid"/>
+                          <a:round/>
+                          <a:headEnd type="none" w="med" len="med"/>
+                          <a:tailEnd type="none" w="med" len="med"/>
+                        </a:lnB>
+                        <a:noFill/>
+                      </a:tcPr>
+                    </a:tc>
+                    <a:tc>
+                      <a:txBody>
+                        <a:bodyPr/>
+                        <a:lstStyle/>
+                        <a:p>
+                          <a:pPr algn="ctr"/>
+                          <a:r>
+                            <a:rPr lang="en-US" altLang="zh-CN" sz="2400" kern="1200" dirty="0">
+                              <a:solidFill>
+                                <a:schemeClr val="tx1"/>
+                              </a:solidFill>
+                              <a:latin typeface="华文楷体" panose="02010600040101010101" pitchFamily="2" charset="-122"/>
+                              <a:ea typeface="华文楷体" panose="02010600040101010101" pitchFamily="2" charset="-122"/>
+                              <a:cs typeface="+mn-cs"/>
+                            </a:rPr>
+                            <a:t>104.1496</a:t>
+                          </a:r>
+                        </a:p>
+                        <a:p>
+                          <a:pPr algn="ctr"/>
+                          <a14:m>
+                            <m:oMathPara xmlns:m="http://schemas.openxmlformats.org/officeDocument/2006/math">
+                              <m:oMathParaPr>
+                                <m:jc m:val="centerGroup"/>
+                              </m:oMathParaPr>
+                              <m:oMath xmlns:m="http://schemas.openxmlformats.org/officeDocument/2006/math">
+                                <m:d>
+                                  <m:dPr>
+                                    <m:ctrlPr>
+                                      <a:rPr lang="en-US" altLang="zh-CN" sz="2400" b="0" i="1" kern="1200" dirty="0" smtClean="0">
+                                        <a:solidFill>
+                                          <a:schemeClr val="tx1"/>
+                                        </a:solidFill>
+                                        <a:latin typeface="Cambria Math" panose="02040503050406030204" pitchFamily="18" charset="0"/>
+                                        <a:ea typeface="华文楷体" panose="02010600040101010101" pitchFamily="2" charset="-122"/>
+                                        <a:cs typeface="+mn-cs"/>
+                                      </a:rPr>
+                                    </m:ctrlPr>
+                                  </m:dPr>
+                                  <m:e>
+                                    <m:r>
+                                      <a:rPr lang="en-US" altLang="zh-CN" sz="2400" i="1" kern="1200" dirty="0" smtClean="0">
+                                        <a:solidFill>
+                                          <a:schemeClr val="tx1"/>
+                                        </a:solidFill>
+                                        <a:latin typeface="Cambria Math" panose="02040503050406030204" pitchFamily="18" charset="0"/>
+                                        <a:ea typeface="华文楷体" panose="02010600040101010101" pitchFamily="2" charset="-122"/>
+                                        <a:cs typeface="+mn-cs"/>
+                                      </a:rPr>
+                                      <m:t>1.0080×8+12.0107</m:t>
+                                    </m:r>
+                                    <m:r>
+                                      <a:rPr lang="en-US" altLang="zh-CN" sz="2400" b="0" i="1" kern="1200" dirty="0" smtClean="0">
+                                        <a:solidFill>
+                                          <a:schemeClr val="tx1"/>
+                                        </a:solidFill>
+                                        <a:latin typeface="Cambria Math" panose="02040503050406030204" pitchFamily="18" charset="0"/>
+                                        <a:ea typeface="华文楷体" panose="02010600040101010101" pitchFamily="2" charset="-122"/>
+                                        <a:cs typeface="+mn-cs"/>
+                                      </a:rPr>
+                                      <m:t>×</m:t>
+                                    </m:r>
+                                    <m:r>
+                                      <a:rPr lang="en-US" altLang="zh-CN" sz="2400" i="1" kern="1200" dirty="0" smtClean="0">
+                                        <a:solidFill>
+                                          <a:schemeClr val="tx1"/>
+                                        </a:solidFill>
+                                        <a:latin typeface="Cambria Math" panose="02040503050406030204" pitchFamily="18" charset="0"/>
+                                        <a:ea typeface="华文楷体" panose="02010600040101010101" pitchFamily="2" charset="-122"/>
+                                        <a:cs typeface="+mn-cs"/>
+                                      </a:rPr>
+                                      <m:t>8</m:t>
+                                    </m:r>
+                                  </m:e>
+                                </m:d>
+                              </m:oMath>
+                            </m:oMathPara>
+                          </a14:m>
+                          <a:endParaRPr lang="zh-CN" altLang="en-US" sz="2400" kern="1200" dirty="0">
+                            <a:solidFill>
+                              <a:schemeClr val="tx1"/>
+                            </a:solidFill>
+                            <a:latin typeface="华文楷体" panose="02010600040101010101" pitchFamily="2" charset="-122"/>
+                            <a:ea typeface="华文楷体" panose="02010600040101010101" pitchFamily="2" charset="-122"/>
+                            <a:cs typeface="+mn-cs"/>
+                          </a:endParaRPr>
+                        </a:p>
+                      </a:txBody>
+                      <a:tcPr anchor="ctr">
+                        <a:lnL w="12700" cap="flat" cmpd="sng" algn="ctr">
+                          <a:solidFill>
+                            <a:schemeClr val="tx1"/>
+                          </a:solidFill>
+                          <a:prstDash val="solid"/>
+                          <a:round/>
+                          <a:headEnd type="none" w="med" len="med"/>
+                          <a:tailEnd type="none" w="med" len="med"/>
+                        </a:lnL>
+                        <a:lnR w="12700" cap="flat" cmpd="sng" algn="ctr">
+                          <a:solidFill>
+                            <a:schemeClr val="tx1"/>
+                          </a:solidFill>
+                          <a:prstDash val="solid"/>
+                          <a:round/>
+                          <a:headEnd type="none" w="med" len="med"/>
+                          <a:tailEnd type="none" w="med" len="med"/>
+                        </a:lnR>
+                        <a:lnT w="12700" cap="flat" cmpd="sng" algn="ctr">
+                          <a:solidFill>
+                            <a:schemeClr val="tx1"/>
+                          </a:solidFill>
+                          <a:prstDash val="solid"/>
+                          <a:round/>
+                          <a:headEnd type="none" w="med" len="med"/>
+                          <a:tailEnd type="none" w="med" len="med"/>
+                        </a:lnT>
+                        <a:lnB w="12700" cap="flat" cmpd="sng" algn="ctr">
+                          <a:solidFill>
+                            <a:schemeClr val="tx1"/>
+                          </a:solidFill>
+                          <a:prstDash val="solid"/>
+                          <a:round/>
+                          <a:headEnd type="none" w="med" len="med"/>
+                          <a:tailEnd type="none" w="med" len="med"/>
+                        </a:lnB>
+                        <a:noFill/>
+                      </a:tcPr>
+                    </a:tc>
+                    <a:extLst>
+                      <a:ext uri="{0D108BD9-81ED-4DB2-BD59-A6C34878D82A}">
+                        <a16:rowId xmlns:a16="http://schemas.microsoft.com/office/drawing/2014/main" val="2214456908"/>
+                      </a:ext>
+                    </a:extLst>
+                  </a:tr>
+                  <a:tr h="370840">
+                    <a:tc>
+                      <a:txBody>
+                        <a:bodyPr/>
+                        <a:lstStyle/>
+                        <a:p>
+                          <a:pPr marL="0" marR="0" lvl="0" indent="0" algn="ctr" defTabSz="914400" rtl="0" eaLnBrk="1" fontAlgn="auto" latinLnBrk="0" hangingPunct="1">
+                            <a:lnSpc>
+                              <a:spcPct val="100000"/>
+                            </a:lnSpc>
+                            <a:spcBef>
+                              <a:spcPts val="0"/>
+                            </a:spcBef>
+                            <a:spcAft>
+                              <a:spcPts val="0"/>
+                            </a:spcAft>
+                            <a:buClrTx/>
+                            <a:buSzTx/>
+                            <a:buFontTx/>
+                            <a:buNone/>
+                            <a:tabLst/>
+                            <a:defRPr/>
+                          </a:pPr>
+                          <a14:m>
+                            <m:oMath xmlns:m="http://schemas.openxmlformats.org/officeDocument/2006/math">
+                              <m:r>
+                                <a:rPr lang="en-US" altLang="zh-CN" sz="2400" b="0" i="1" kern="1200" smtClean="0">
+                                  <a:solidFill>
+                                    <a:schemeClr val="tx1"/>
+                                  </a:solidFill>
+                                  <a:latin typeface="Cambria Math" panose="02040503050406030204" pitchFamily="18" charset="0"/>
+                                  <a:ea typeface="华文楷体" panose="02010600040101010101" pitchFamily="2" charset="-122"/>
+                                  <a:cs typeface="+mn-cs"/>
+                                </a:rPr>
+                                <m:t>𝐼</m:t>
+                              </m:r>
+                            </m:oMath>
+                          </a14:m>
+                          <a:r>
+                            <a:rPr lang="zh-CN" altLang="en-US" sz="2400" b="0" kern="1200" dirty="0">
+                              <a:solidFill>
+                                <a:schemeClr val="tx1"/>
+                              </a:solidFill>
+                              <a:latin typeface="华文楷体" panose="02010600040101010101" pitchFamily="2" charset="-122"/>
+                              <a:ea typeface="华文楷体" panose="02010600040101010101" pitchFamily="2" charset="-122"/>
+                              <a:cs typeface="+mn-cs"/>
+                            </a:rPr>
+                            <a:t> </a:t>
+                          </a:r>
+                          <a:r>
+                            <a:rPr lang="en-US" altLang="zh-CN" sz="2400" b="0" kern="1200" dirty="0">
+                              <a:solidFill>
+                                <a:schemeClr val="tx1"/>
+                              </a:solidFill>
+                              <a:latin typeface="华文楷体" panose="02010600040101010101" pitchFamily="2" charset="-122"/>
+                              <a:ea typeface="华文楷体" panose="02010600040101010101" pitchFamily="2" charset="-122"/>
+                              <a:cs typeface="+mn-cs"/>
+                            </a:rPr>
+                            <a:t>[</a:t>
+                          </a:r>
+                          <a14:m>
+                            <m:oMath xmlns:m="http://schemas.openxmlformats.org/officeDocument/2006/math">
+                              <m:r>
+                                <m:rPr>
+                                  <m:sty m:val="p"/>
+                                </m:rPr>
+                                <a:rPr lang="en-US" altLang="zh-CN" sz="2400" b="0" i="0" kern="1200" dirty="0" smtClean="0">
+                                  <a:solidFill>
+                                    <a:schemeClr val="tx1"/>
+                                  </a:solidFill>
+                                  <a:latin typeface="Cambria Math" panose="02040503050406030204" pitchFamily="18" charset="0"/>
+                                  <a:cs typeface="+mn-cs"/>
+                                </a:rPr>
+                                <m:t>eV</m:t>
+                              </m:r>
+                            </m:oMath>
+                          </a14:m>
+                          <a:r>
+                            <a:rPr lang="en-US" altLang="zh-CN" sz="2400" b="0" kern="1200" dirty="0">
+                              <a:solidFill>
+                                <a:schemeClr val="tx1"/>
+                              </a:solidFill>
+                              <a:latin typeface="华文楷体" panose="02010600040101010101" pitchFamily="2" charset="-122"/>
+                              <a:ea typeface="华文楷体" panose="02010600040101010101" pitchFamily="2" charset="-122"/>
+                              <a:cs typeface="+mn-cs"/>
+                            </a:rPr>
+                            <a:t>]</a:t>
+                          </a:r>
+                          <a:endParaRPr lang="zh-CN" altLang="en-US" sz="2400" b="0" kern="1200" dirty="0">
+                            <a:solidFill>
+                              <a:schemeClr val="tx1"/>
+                            </a:solidFill>
+                            <a:latin typeface="华文楷体" panose="02010600040101010101" pitchFamily="2" charset="-122"/>
+                            <a:ea typeface="华文楷体" panose="02010600040101010101" pitchFamily="2" charset="-122"/>
+                            <a:cs typeface="+mn-cs"/>
+                          </a:endParaRPr>
+                        </a:p>
+                      </a:txBody>
+                      <a:tcPr anchor="ctr">
+                        <a:lnL w="12700" cap="flat" cmpd="sng" algn="ctr">
+                          <a:solidFill>
+                            <a:schemeClr val="tx1"/>
+                          </a:solidFill>
+                          <a:prstDash val="solid"/>
+                          <a:round/>
+                          <a:headEnd type="none" w="med" len="med"/>
+                          <a:tailEnd type="none" w="med" len="med"/>
+                        </a:lnL>
+                        <a:lnR w="12700" cap="flat" cmpd="sng" algn="ctr">
+                          <a:solidFill>
+                            <a:schemeClr val="tx1"/>
+                          </a:solidFill>
+                          <a:prstDash val="solid"/>
+                          <a:round/>
+                          <a:headEnd type="none" w="med" len="med"/>
+                          <a:tailEnd type="none" w="med" len="med"/>
+                        </a:lnR>
+                        <a:lnT w="12700" cap="flat" cmpd="sng" algn="ctr">
+                          <a:solidFill>
+                            <a:schemeClr val="tx1"/>
+                          </a:solidFill>
+                          <a:prstDash val="solid"/>
+                          <a:round/>
+                          <a:headEnd type="none" w="med" len="med"/>
+                          <a:tailEnd type="none" w="med" len="med"/>
+                        </a:lnT>
+                        <a:lnB w="12700" cap="flat" cmpd="sng" algn="ctr">
+                          <a:solidFill>
+                            <a:schemeClr val="tx1"/>
+                          </a:solidFill>
+                          <a:prstDash val="solid"/>
+                          <a:round/>
+                          <a:headEnd type="none" w="med" len="med"/>
+                          <a:tailEnd type="none" w="med" len="med"/>
+                        </a:lnB>
+                        <a:noFill/>
+                      </a:tcPr>
+                    </a:tc>
+                    <a:tc>
+                      <a:txBody>
+                        <a:bodyPr/>
+                        <a:lstStyle/>
+                        <a:p>
+                          <a:pPr algn="ctr"/>
+                          <a:r>
+                            <a:rPr lang="en-US" altLang="zh-CN" sz="2400" kern="1200" dirty="0">
+                              <a:solidFill>
+                                <a:schemeClr val="tx1"/>
+                              </a:solidFill>
+                              <a:latin typeface="华文楷体" panose="02010600040101010101" pitchFamily="2" charset="-122"/>
+                              <a:ea typeface="华文楷体" panose="02010600040101010101" pitchFamily="2" charset="-122"/>
+                              <a:cs typeface="+mn-cs"/>
+                            </a:rPr>
+                            <a:t>68.7</a:t>
+                          </a:r>
+                          <a:endParaRPr lang="zh-CN" altLang="en-US" sz="2400" kern="1200" dirty="0">
+                            <a:solidFill>
+                              <a:schemeClr val="tx1"/>
+                            </a:solidFill>
+                            <a:latin typeface="华文楷体" panose="02010600040101010101" pitchFamily="2" charset="-122"/>
+                            <a:ea typeface="华文楷体" panose="02010600040101010101" pitchFamily="2" charset="-122"/>
+                            <a:cs typeface="+mn-cs"/>
+                          </a:endParaRPr>
+                        </a:p>
+                      </a:txBody>
+                      <a:tcPr anchor="ctr">
+                        <a:lnL w="12700" cap="flat" cmpd="sng" algn="ctr">
+                          <a:solidFill>
+                            <a:schemeClr val="tx1"/>
+                          </a:solidFill>
+                          <a:prstDash val="solid"/>
+                          <a:round/>
+                          <a:headEnd type="none" w="med" len="med"/>
+                          <a:tailEnd type="none" w="med" len="med"/>
+                        </a:lnL>
+                        <a:lnR w="12700" cap="flat" cmpd="sng" algn="ctr">
+                          <a:solidFill>
+                            <a:schemeClr val="tx1"/>
+                          </a:solidFill>
+                          <a:prstDash val="solid"/>
+                          <a:round/>
+                          <a:headEnd type="none" w="med" len="med"/>
+                          <a:tailEnd type="none" w="med" len="med"/>
+                        </a:lnR>
+                        <a:lnT w="12700" cap="flat" cmpd="sng" algn="ctr">
+                          <a:solidFill>
+                            <a:schemeClr val="tx1"/>
+                          </a:solidFill>
+                          <a:prstDash val="solid"/>
+                          <a:round/>
+                          <a:headEnd type="none" w="med" len="med"/>
+                          <a:tailEnd type="none" w="med" len="med"/>
+                        </a:lnT>
+                        <a:lnB w="12700" cap="flat" cmpd="sng" algn="ctr">
+                          <a:solidFill>
+                            <a:schemeClr val="tx1"/>
+                          </a:solidFill>
+                          <a:prstDash val="solid"/>
+                          <a:round/>
+                          <a:headEnd type="none" w="med" len="med"/>
+                          <a:tailEnd type="none" w="med" len="med"/>
+                        </a:lnB>
+                        <a:noFill/>
+                      </a:tcPr>
+                    </a:tc>
+                    <a:extLst>
+                      <a:ext uri="{0D108BD9-81ED-4DB2-BD59-A6C34878D82A}">
+                        <a16:rowId xmlns:a16="http://schemas.microsoft.com/office/drawing/2014/main" val="1140495037"/>
+                      </a:ext>
+                    </a:extLst>
+                  </a:tr>
+                  <a:tr h="370840">
+                    <a:tc>
+                      <a:txBody>
+                        <a:bodyPr/>
+                        <a:lstStyle/>
+                        <a:p>
+                          <a:pPr marL="0" marR="0" lvl="0" indent="0" algn="ctr" defTabSz="914400" rtl="0" eaLnBrk="1" fontAlgn="auto" latinLnBrk="0" hangingPunct="1">
+                            <a:lnSpc>
+                              <a:spcPct val="100000"/>
+                            </a:lnSpc>
+                            <a:spcBef>
+                              <a:spcPts val="0"/>
+                            </a:spcBef>
+                            <a:spcAft>
+                              <a:spcPts val="0"/>
+                            </a:spcAft>
+                            <a:buClrTx/>
+                            <a:buSzTx/>
+                            <a:buFontTx/>
+                            <a:buNone/>
+                            <a:tabLst/>
+                            <a:defRPr/>
+                          </a:pPr>
+                          <a14:m>
+                            <m:oMath xmlns:m="http://schemas.openxmlformats.org/officeDocument/2006/math">
+                              <m:r>
+                                <a:rPr lang="en-US" altLang="zh-CN" sz="2400" b="0" i="1" kern="1200" smtClean="0">
+                                  <a:solidFill>
+                                    <a:schemeClr val="tx1"/>
+                                  </a:solidFill>
+                                  <a:latin typeface="Cambria Math" panose="02040503050406030204" pitchFamily="18" charset="0"/>
+                                  <a:ea typeface="华文楷体" panose="02010600040101010101" pitchFamily="2" charset="-122"/>
+                                  <a:cs typeface="+mn-cs"/>
+                                </a:rPr>
+                                <m:t>ℏ</m:t>
+                              </m:r>
+                              <m:sSub>
+                                <m:sSubPr>
+                                  <m:ctrlPr>
+                                    <a:rPr lang="en-US" altLang="zh-CN" sz="2400" b="0" i="1" kern="1200" smtClean="0">
+                                      <a:solidFill>
+                                        <a:schemeClr val="tx1"/>
+                                      </a:solidFill>
+                                      <a:latin typeface="Cambria Math" panose="02040503050406030204" pitchFamily="18" charset="0"/>
+                                      <a:ea typeface="华文楷体" panose="02010600040101010101" pitchFamily="2" charset="-122"/>
+                                      <a:cs typeface="+mn-cs"/>
+                                    </a:rPr>
+                                  </m:ctrlPr>
+                                </m:sSubPr>
+                                <m:e>
+                                  <m:r>
+                                    <a:rPr lang="en-US" altLang="zh-CN" sz="2400" b="0" i="1" kern="1200" smtClean="0">
+                                      <a:solidFill>
+                                        <a:schemeClr val="tx1"/>
+                                      </a:solidFill>
+                                      <a:latin typeface="Cambria Math" panose="02040503050406030204" pitchFamily="18" charset="0"/>
+                                      <a:ea typeface="华文楷体" panose="02010600040101010101" pitchFamily="2" charset="-122"/>
+                                      <a:cs typeface="+mn-cs"/>
+                                    </a:rPr>
+                                    <m:t>𝜔</m:t>
+                                  </m:r>
+                                </m:e>
+                                <m:sub>
+                                  <m:r>
+                                    <a:rPr lang="en-US" altLang="zh-CN" sz="2400" b="0" i="1" kern="1200" smtClean="0">
+                                      <a:solidFill>
+                                        <a:schemeClr val="tx1"/>
+                                      </a:solidFill>
+                                      <a:latin typeface="Cambria Math" panose="02040503050406030204" pitchFamily="18" charset="0"/>
+                                      <a:ea typeface="华文楷体" panose="02010600040101010101" pitchFamily="2" charset="-122"/>
+                                      <a:cs typeface="+mn-cs"/>
+                                    </a:rPr>
+                                    <m:t>𝑝</m:t>
+                                  </m:r>
+                                </m:sub>
+                              </m:sSub>
+                            </m:oMath>
+                          </a14:m>
+                          <a:r>
+                            <a:rPr lang="zh-CN" altLang="en-US" sz="2400" b="0" kern="1200" dirty="0">
+                              <a:solidFill>
+                                <a:schemeClr val="tx1"/>
+                              </a:solidFill>
+                              <a:latin typeface="华文楷体" panose="02010600040101010101" pitchFamily="2" charset="-122"/>
+                              <a:ea typeface="华文楷体" panose="02010600040101010101" pitchFamily="2" charset="-122"/>
+                              <a:cs typeface="+mn-cs"/>
+                            </a:rPr>
+                            <a:t> </a:t>
+                          </a:r>
+                          <a:r>
+                            <a:rPr lang="en-US" altLang="zh-CN" sz="2400" b="0" kern="1200" dirty="0">
+                              <a:solidFill>
+                                <a:schemeClr val="tx1"/>
+                              </a:solidFill>
+                              <a:latin typeface="华文楷体" panose="02010600040101010101" pitchFamily="2" charset="-122"/>
+                              <a:ea typeface="华文楷体" panose="02010600040101010101" pitchFamily="2" charset="-122"/>
+                              <a:cs typeface="+mn-cs"/>
+                            </a:rPr>
+                            <a:t>[</a:t>
+                          </a:r>
+                          <a14:m>
+                            <m:oMath xmlns:m="http://schemas.openxmlformats.org/officeDocument/2006/math">
+                              <m:r>
+                                <m:rPr>
+                                  <m:sty m:val="p"/>
+                                </m:rPr>
+                                <a:rPr lang="en-US" altLang="zh-CN" sz="2400" b="0" i="0" kern="1200" dirty="0" smtClean="0">
+                                  <a:solidFill>
+                                    <a:schemeClr val="tx1"/>
+                                  </a:solidFill>
+                                  <a:latin typeface="Cambria Math" panose="02040503050406030204" pitchFamily="18" charset="0"/>
+                                  <a:ea typeface="华文楷体" panose="02010600040101010101" pitchFamily="2" charset="-122"/>
+                                  <a:cs typeface="+mn-cs"/>
+                                </a:rPr>
+                                <m:t>eV</m:t>
+                              </m:r>
+                            </m:oMath>
+                          </a14:m>
+                          <a:r>
+                            <a:rPr lang="en-US" altLang="zh-CN" sz="2400" b="0" kern="1200" dirty="0">
+                              <a:solidFill>
+                                <a:schemeClr val="tx1"/>
+                              </a:solidFill>
+                              <a:latin typeface="华文楷体" panose="02010600040101010101" pitchFamily="2" charset="-122"/>
+                              <a:ea typeface="华文楷体" panose="02010600040101010101" pitchFamily="2" charset="-122"/>
+                              <a:cs typeface="+mn-cs"/>
+                            </a:rPr>
+                            <a:t>]</a:t>
+                          </a:r>
+                          <a:endParaRPr lang="zh-CN" altLang="en-US" sz="2400" b="0" kern="1200" dirty="0">
+                            <a:solidFill>
+                              <a:schemeClr val="tx1"/>
+                            </a:solidFill>
+                            <a:latin typeface="华文楷体" panose="02010600040101010101" pitchFamily="2" charset="-122"/>
+                            <a:ea typeface="华文楷体" panose="02010600040101010101" pitchFamily="2" charset="-122"/>
+                            <a:cs typeface="+mn-cs"/>
+                          </a:endParaRPr>
+                        </a:p>
+                      </a:txBody>
+                      <a:tcPr anchor="ctr">
+                        <a:lnL w="12700" cap="flat" cmpd="sng" algn="ctr">
+                          <a:solidFill>
+                            <a:schemeClr val="tx1"/>
+                          </a:solidFill>
+                          <a:prstDash val="solid"/>
+                          <a:round/>
+                          <a:headEnd type="none" w="med" len="med"/>
+                          <a:tailEnd type="none" w="med" len="med"/>
+                        </a:lnL>
+                        <a:lnR w="12700" cap="flat" cmpd="sng" algn="ctr">
+                          <a:solidFill>
+                            <a:schemeClr val="tx1"/>
+                          </a:solidFill>
+                          <a:prstDash val="solid"/>
+                          <a:round/>
+                          <a:headEnd type="none" w="med" len="med"/>
+                          <a:tailEnd type="none" w="med" len="med"/>
+                        </a:lnR>
+                        <a:lnT w="12700" cap="flat" cmpd="sng" algn="ctr">
+                          <a:solidFill>
+                            <a:schemeClr val="tx1"/>
+                          </a:solidFill>
+                          <a:prstDash val="solid"/>
+                          <a:round/>
+                          <a:headEnd type="none" w="med" len="med"/>
+                          <a:tailEnd type="none" w="med" len="med"/>
+                        </a:lnT>
+                        <a:lnB w="12700" cap="flat" cmpd="sng" algn="ctr">
+                          <a:solidFill>
+                            <a:schemeClr val="tx1"/>
+                          </a:solidFill>
+                          <a:prstDash val="solid"/>
+                          <a:round/>
+                          <a:headEnd type="none" w="med" len="med"/>
+                          <a:tailEnd type="none" w="med" len="med"/>
+                        </a:lnB>
+                        <a:noFill/>
+                      </a:tcPr>
+                    </a:tc>
+                    <a:tc>
+                      <a:txBody>
+                        <a:bodyPr/>
+                        <a:lstStyle/>
+                        <a:p>
+                          <a:pPr algn="ctr"/>
+                          <a:r>
+                            <a:rPr lang="en-US" altLang="zh-CN" sz="2400" kern="1200" dirty="0">
+                              <a:solidFill>
+                                <a:schemeClr val="tx1"/>
+                              </a:solidFill>
+                              <a:latin typeface="华文楷体" panose="02010600040101010101" pitchFamily="2" charset="-122"/>
+                              <a:ea typeface="华文楷体" panose="02010600040101010101" pitchFamily="2" charset="-122"/>
+                              <a:cs typeface="+mn-cs"/>
+                            </a:rPr>
+                            <a:t>21.75</a:t>
+                          </a:r>
+                          <a:endParaRPr lang="zh-CN" altLang="en-US" sz="2400" kern="1200" dirty="0">
+                            <a:solidFill>
+                              <a:schemeClr val="tx1"/>
+                            </a:solidFill>
+                            <a:latin typeface="华文楷体" panose="02010600040101010101" pitchFamily="2" charset="-122"/>
+                            <a:ea typeface="华文楷体" panose="02010600040101010101" pitchFamily="2" charset="-122"/>
+                            <a:cs typeface="+mn-cs"/>
+                          </a:endParaRPr>
+                        </a:p>
+                      </a:txBody>
+                      <a:tcPr anchor="ctr">
+                        <a:lnL w="12700" cap="flat" cmpd="sng" algn="ctr">
+                          <a:solidFill>
+                            <a:schemeClr val="tx1"/>
+                          </a:solidFill>
+                          <a:prstDash val="solid"/>
+                          <a:round/>
+                          <a:headEnd type="none" w="med" len="med"/>
+                          <a:tailEnd type="none" w="med" len="med"/>
+                        </a:lnL>
+                        <a:lnR w="12700" cap="flat" cmpd="sng" algn="ctr">
+                          <a:solidFill>
+                            <a:schemeClr val="tx1"/>
+                          </a:solidFill>
+                          <a:prstDash val="solid"/>
+                          <a:round/>
+                          <a:headEnd type="none" w="med" len="med"/>
+                          <a:tailEnd type="none" w="med" len="med"/>
+                        </a:lnR>
+                        <a:lnT w="12700" cap="flat" cmpd="sng" algn="ctr">
+                          <a:solidFill>
+                            <a:schemeClr val="tx1"/>
+                          </a:solidFill>
+                          <a:prstDash val="solid"/>
+                          <a:round/>
+                          <a:headEnd type="none" w="med" len="med"/>
+                          <a:tailEnd type="none" w="med" len="med"/>
+                        </a:lnT>
+                        <a:lnB w="12700" cap="flat" cmpd="sng" algn="ctr">
+                          <a:solidFill>
+                            <a:schemeClr val="tx1"/>
+                          </a:solidFill>
+                          <a:prstDash val="solid"/>
+                          <a:round/>
+                          <a:headEnd type="none" w="med" len="med"/>
+                          <a:tailEnd type="none" w="med" len="med"/>
+                        </a:lnB>
+                        <a:noFill/>
+                      </a:tcPr>
+                    </a:tc>
+                    <a:extLst>
+                      <a:ext uri="{0D108BD9-81ED-4DB2-BD59-A6C34878D82A}">
+                        <a16:rowId xmlns:a16="http://schemas.microsoft.com/office/drawing/2014/main" val="435427648"/>
+                      </a:ext>
+                    </a:extLst>
+                  </a:tr>
+                </a:tbl>
+              </a:graphicData>
+            </a:graphic>
+          </p:graphicFrame>
+        </mc:Choice>
+        <mc:Fallback xmlns="">
+          <p:graphicFrame>
+            <p:nvGraphicFramePr>
+              <p:cNvPr id="4" name="表格 3">
+                <a:extLst>
+                  <a:ext uri="{FF2B5EF4-FFF2-40B4-BE49-F238E27FC236}">
+                    <a16:creationId xmlns:a16="http://schemas.microsoft.com/office/drawing/2014/main" id="{4B43883E-0558-5748-E1CE-98A67EABBACA}"/>
+                  </a:ext>
+                </a:extLst>
+              </p:cNvPr>
+              <p:cNvGraphicFramePr>
+                <a:graphicFrameLocks noGrp="1"/>
+              </p:cNvGraphicFramePr>
+              <p:nvPr>
+                <p:extLst>
+                  <p:ext uri="{D42A27DB-BD31-4B8C-83A1-F6EECF244321}">
+                    <p14:modId xmlns:p14="http://schemas.microsoft.com/office/powerpoint/2010/main" val="2768613572"/>
+                  </p:ext>
+                </p:extLst>
+              </p:nvPr>
+            </p:nvGraphicFramePr>
+            <p:xfrm>
+              <a:off x="2054045" y="2192289"/>
+              <a:ext cx="8083910" cy="3045778"/>
+            </p:xfrm>
+            <a:graphic>
+              <a:graphicData uri="http://schemas.openxmlformats.org/drawingml/2006/table">
+                <a:tbl>
+                  <a:tblPr firstRow="1" bandRow="1">
+                    <a:tableStyleId>{5C22544A-7EE6-4342-B048-85BDC9FD1C3A}</a:tableStyleId>
+                  </a:tblPr>
+                  <a:tblGrid>
+                    <a:gridCol w="4041955">
+                      <a:extLst>
+                        <a:ext uri="{9D8B030D-6E8A-4147-A177-3AD203B41FA5}">
+                          <a16:colId xmlns:a16="http://schemas.microsoft.com/office/drawing/2014/main" val="2459270469"/>
+                        </a:ext>
+                      </a:extLst>
+                    </a:gridCol>
+                    <a:gridCol w="4041955">
+                      <a:extLst>
+                        <a:ext uri="{9D8B030D-6E8A-4147-A177-3AD203B41FA5}">
+                          <a16:colId xmlns:a16="http://schemas.microsoft.com/office/drawing/2014/main" val="1494011293"/>
+                        </a:ext>
+                      </a:extLst>
+                    </a:gridCol>
+                  </a:tblGrid>
+                  <a:tr h="457200">
+                    <a:tc>
+                      <a:txBody>
+                        <a:bodyPr/>
+                        <a:lstStyle/>
+                        <a:p>
+                          <a:endParaRPr lang="zh-CN"/>
+                        </a:p>
+                      </a:txBody>
+                      <a:tcPr anchor="ctr">
+                        <a:lnL w="12700" cap="flat" cmpd="sng" algn="ctr">
+                          <a:solidFill>
+                            <a:schemeClr val="tx1"/>
+                          </a:solidFill>
+                          <a:prstDash val="solid"/>
+                          <a:round/>
+                          <a:headEnd type="none" w="med" len="med"/>
+                          <a:tailEnd type="none" w="med" len="med"/>
+                        </a:lnL>
+                        <a:lnR w="12700" cap="flat" cmpd="sng" algn="ctr">
+                          <a:solidFill>
+                            <a:schemeClr val="tx1"/>
+                          </a:solidFill>
+                          <a:prstDash val="solid"/>
+                          <a:round/>
+                          <a:headEnd type="none" w="med" len="med"/>
+                          <a:tailEnd type="none" w="med" len="med"/>
+                        </a:lnR>
+                        <a:lnT w="12700" cap="flat" cmpd="sng" algn="ctr">
+                          <a:solidFill>
+                            <a:schemeClr val="tx1"/>
+                          </a:solidFill>
+                          <a:prstDash val="solid"/>
+                          <a:round/>
+                          <a:headEnd type="none" w="med" len="med"/>
+                          <a:tailEnd type="none" w="med" len="med"/>
+                        </a:lnT>
+                        <a:lnB w="12700" cap="flat" cmpd="sng" algn="ctr">
+                          <a:solidFill>
+                            <a:schemeClr val="tx1"/>
+                          </a:solidFill>
+                          <a:prstDash val="solid"/>
+                          <a:round/>
+                          <a:headEnd type="none" w="med" len="med"/>
+                          <a:tailEnd type="none" w="med" len="med"/>
+                        </a:lnB>
+                        <a:blipFill>
+                          <a:blip r:embed="rId2"/>
+                          <a:stretch>
+                            <a:fillRect l="-151" t="-9333" r="-100301" b="-594667"/>
+                          </a:stretch>
+                        </a:blipFill>
+                      </a:tcPr>
+                    </a:tc>
+                    <a:tc>
+                      <a:txBody>
+                        <a:bodyPr/>
+                        <a:lstStyle/>
+                        <a:p>
+                          <a:pPr algn="ctr"/>
+                          <a:r>
+                            <a:rPr lang="en-US" altLang="zh-CN" sz="2400" b="0" kern="1200" dirty="0">
+                              <a:solidFill>
+                                <a:schemeClr val="tx1"/>
+                              </a:solidFill>
+                              <a:latin typeface="华文楷体" panose="02010600040101010101" pitchFamily="2" charset="-122"/>
+                              <a:ea typeface="华文楷体" panose="02010600040101010101" pitchFamily="2" charset="-122"/>
+                              <a:cs typeface="+mn-cs"/>
+                            </a:rPr>
+                            <a:t>1.060</a:t>
+                          </a:r>
+                          <a:endParaRPr lang="zh-CN" altLang="en-US" sz="2400" b="0" kern="1200" dirty="0">
+                            <a:solidFill>
+                              <a:schemeClr val="tx1"/>
+                            </a:solidFill>
+                            <a:latin typeface="华文楷体" panose="02010600040101010101" pitchFamily="2" charset="-122"/>
+                            <a:ea typeface="华文楷体" panose="02010600040101010101" pitchFamily="2" charset="-122"/>
+                            <a:cs typeface="+mn-cs"/>
+                          </a:endParaRPr>
+                        </a:p>
+                      </a:txBody>
+                      <a:tcPr anchor="ctr">
+                        <a:lnL w="12700" cap="flat" cmpd="sng" algn="ctr">
+                          <a:solidFill>
+                            <a:schemeClr val="tx1"/>
+                          </a:solidFill>
+                          <a:prstDash val="solid"/>
+                          <a:round/>
+                          <a:headEnd type="none" w="med" len="med"/>
+                          <a:tailEnd type="none" w="med" len="med"/>
+                        </a:lnL>
+                        <a:lnR w="12700" cap="flat" cmpd="sng" algn="ctr">
+                          <a:solidFill>
+                            <a:schemeClr val="tx1"/>
+                          </a:solidFill>
+                          <a:prstDash val="solid"/>
+                          <a:round/>
+                          <a:headEnd type="none" w="med" len="med"/>
+                          <a:tailEnd type="none" w="med" len="med"/>
+                        </a:lnR>
+                        <a:lnT w="12700" cap="flat" cmpd="sng" algn="ctr">
+                          <a:solidFill>
+                            <a:schemeClr val="tx1"/>
+                          </a:solidFill>
+                          <a:prstDash val="solid"/>
+                          <a:round/>
+                          <a:headEnd type="none" w="med" len="med"/>
+                          <a:tailEnd type="none" w="med" len="med"/>
+                        </a:lnT>
+                        <a:lnB w="12700" cap="flat" cmpd="sng" algn="ctr">
+                          <a:solidFill>
+                            <a:schemeClr val="tx1"/>
+                          </a:solidFill>
+                          <a:prstDash val="solid"/>
+                          <a:round/>
+                          <a:headEnd type="none" w="med" len="med"/>
+                          <a:tailEnd type="none" w="med" len="med"/>
+                        </a:lnB>
+                        <a:noFill/>
+                      </a:tcPr>
+                    </a:tc>
+                    <a:extLst>
+                      <a:ext uri="{0D108BD9-81ED-4DB2-BD59-A6C34878D82A}">
+                        <a16:rowId xmlns:a16="http://schemas.microsoft.com/office/drawing/2014/main" val="1450359678"/>
+                      </a:ext>
+                    </a:extLst>
+                  </a:tr>
+                  <a:tr h="822960">
+                    <a:tc>
+                      <a:txBody>
+                        <a:bodyPr/>
+                        <a:lstStyle/>
+                        <a:p>
+                          <a:endParaRPr lang="zh-CN"/>
+                        </a:p>
+                      </a:txBody>
+                      <a:tcPr anchor="ctr">
+                        <a:lnL w="12700" cap="flat" cmpd="sng" algn="ctr">
+                          <a:solidFill>
+                            <a:schemeClr val="tx1"/>
+                          </a:solidFill>
+                          <a:prstDash val="solid"/>
+                          <a:round/>
+                          <a:headEnd type="none" w="med" len="med"/>
+                          <a:tailEnd type="none" w="med" len="med"/>
+                        </a:lnL>
+                        <a:lnR w="12700" cap="flat" cmpd="sng" algn="ctr">
+                          <a:solidFill>
+                            <a:schemeClr val="tx1"/>
+                          </a:solidFill>
+                          <a:prstDash val="solid"/>
+                          <a:round/>
+                          <a:headEnd type="none" w="med" len="med"/>
+                          <a:tailEnd type="none" w="med" len="med"/>
+                        </a:lnR>
+                        <a:lnT w="12700" cap="flat" cmpd="sng" algn="ctr">
+                          <a:solidFill>
+                            <a:schemeClr val="tx1"/>
+                          </a:solidFill>
+                          <a:prstDash val="solid"/>
+                          <a:round/>
+                          <a:headEnd type="none" w="med" len="med"/>
+                          <a:tailEnd type="none" w="med" len="med"/>
+                        </a:lnT>
+                        <a:lnB w="12700" cap="flat" cmpd="sng" algn="ctr">
+                          <a:solidFill>
+                            <a:schemeClr val="tx1"/>
+                          </a:solidFill>
+                          <a:prstDash val="solid"/>
+                          <a:round/>
+                          <a:headEnd type="none" w="med" len="med"/>
+                          <a:tailEnd type="none" w="med" len="med"/>
+                        </a:lnB>
+                        <a:blipFill>
+                          <a:blip r:embed="rId2"/>
+                          <a:stretch>
+                            <a:fillRect l="-151" t="-60294" r="-100301" b="-227941"/>
+                          </a:stretch>
+                        </a:blipFill>
+                      </a:tcPr>
+                    </a:tc>
+                    <a:tc>
+                      <a:txBody>
+                        <a:bodyPr/>
+                        <a:lstStyle/>
+                        <a:p>
+                          <a:endParaRPr lang="zh-CN"/>
+                        </a:p>
+                      </a:txBody>
+                      <a:tcPr anchor="ctr">
+                        <a:lnL w="12700" cap="flat" cmpd="sng" algn="ctr">
+                          <a:solidFill>
+                            <a:schemeClr val="tx1"/>
+                          </a:solidFill>
+                          <a:prstDash val="solid"/>
+                          <a:round/>
+                          <a:headEnd type="none" w="med" len="med"/>
+                          <a:tailEnd type="none" w="med" len="med"/>
+                        </a:lnL>
+                        <a:lnR w="12700" cap="flat" cmpd="sng" algn="ctr">
+                          <a:solidFill>
+                            <a:schemeClr val="tx1"/>
+                          </a:solidFill>
+                          <a:prstDash val="solid"/>
+                          <a:round/>
+                          <a:headEnd type="none" w="med" len="med"/>
+                          <a:tailEnd type="none" w="med" len="med"/>
+                        </a:lnR>
+                        <a:lnT w="12700" cap="flat" cmpd="sng" algn="ctr">
+                          <a:solidFill>
+                            <a:schemeClr val="tx1"/>
+                          </a:solidFill>
+                          <a:prstDash val="solid"/>
+                          <a:round/>
+                          <a:headEnd type="none" w="med" len="med"/>
+                          <a:tailEnd type="none" w="med" len="med"/>
+                        </a:lnT>
+                        <a:lnB w="12700" cap="flat" cmpd="sng" algn="ctr">
+                          <a:solidFill>
+                            <a:schemeClr val="tx1"/>
+                          </a:solidFill>
+                          <a:prstDash val="solid"/>
+                          <a:round/>
+                          <a:headEnd type="none" w="med" len="med"/>
+                          <a:tailEnd type="none" w="med" len="med"/>
+                        </a:lnB>
+                        <a:blipFill>
+                          <a:blip r:embed="rId2"/>
+                          <a:stretch>
+                            <a:fillRect l="-100151" t="-60294" r="-301" b="-227941"/>
+                          </a:stretch>
+                        </a:blipFill>
+                      </a:tcPr>
+                    </a:tc>
+                    <a:extLst>
+                      <a:ext uri="{0D108BD9-81ED-4DB2-BD59-A6C34878D82A}">
+                        <a16:rowId xmlns:a16="http://schemas.microsoft.com/office/drawing/2014/main" val="978271092"/>
+                      </a:ext>
+                    </a:extLst>
+                  </a:tr>
+                  <a:tr h="822960">
+                    <a:tc>
+                      <a:txBody>
+                        <a:bodyPr/>
+                        <a:lstStyle/>
+                        <a:p>
+                          <a:endParaRPr lang="zh-CN"/>
+                        </a:p>
+                      </a:txBody>
+                      <a:tcPr anchor="ctr">
+                        <a:lnL w="12700" cap="flat" cmpd="sng" algn="ctr">
+                          <a:solidFill>
+                            <a:schemeClr val="tx1"/>
+                          </a:solidFill>
+                          <a:prstDash val="solid"/>
+                          <a:round/>
+                          <a:headEnd type="none" w="med" len="med"/>
+                          <a:tailEnd type="none" w="med" len="med"/>
+                        </a:lnL>
+                        <a:lnR w="12700" cap="flat" cmpd="sng" algn="ctr">
+                          <a:solidFill>
+                            <a:schemeClr val="tx1"/>
+                          </a:solidFill>
+                          <a:prstDash val="solid"/>
+                          <a:round/>
+                          <a:headEnd type="none" w="med" len="med"/>
+                          <a:tailEnd type="none" w="med" len="med"/>
+                        </a:lnR>
+                        <a:lnT w="12700" cap="flat" cmpd="sng" algn="ctr">
+                          <a:solidFill>
+                            <a:schemeClr val="tx1"/>
+                          </a:solidFill>
+                          <a:prstDash val="solid"/>
+                          <a:round/>
+                          <a:headEnd type="none" w="med" len="med"/>
+                          <a:tailEnd type="none" w="med" len="med"/>
+                        </a:lnT>
+                        <a:lnB w="12700" cap="flat" cmpd="sng" algn="ctr">
+                          <a:solidFill>
+                            <a:schemeClr val="tx1"/>
+                          </a:solidFill>
+                          <a:prstDash val="solid"/>
+                          <a:round/>
+                          <a:headEnd type="none" w="med" len="med"/>
+                          <a:tailEnd type="none" w="med" len="med"/>
+                        </a:lnB>
+                        <a:blipFill>
+                          <a:blip r:embed="rId2"/>
+                          <a:stretch>
+                            <a:fillRect l="-151" t="-161481" r="-100301" b="-129630"/>
+                          </a:stretch>
+                        </a:blipFill>
+                      </a:tcPr>
+                    </a:tc>
+                    <a:tc>
+                      <a:txBody>
+                        <a:bodyPr/>
+                        <a:lstStyle/>
+                        <a:p>
+                          <a:endParaRPr lang="zh-CN"/>
+                        </a:p>
+                      </a:txBody>
+                      <a:tcPr anchor="ctr">
+                        <a:lnL w="12700" cap="flat" cmpd="sng" algn="ctr">
+                          <a:solidFill>
+                            <a:schemeClr val="tx1"/>
+                          </a:solidFill>
+                          <a:prstDash val="solid"/>
+                          <a:round/>
+                          <a:headEnd type="none" w="med" len="med"/>
+                          <a:tailEnd type="none" w="med" len="med"/>
+                        </a:lnL>
+                        <a:lnR w="12700" cap="flat" cmpd="sng" algn="ctr">
+                          <a:solidFill>
+                            <a:schemeClr val="tx1"/>
+                          </a:solidFill>
+                          <a:prstDash val="solid"/>
+                          <a:round/>
+                          <a:headEnd type="none" w="med" len="med"/>
+                          <a:tailEnd type="none" w="med" len="med"/>
+                        </a:lnR>
+                        <a:lnT w="12700" cap="flat" cmpd="sng" algn="ctr">
+                          <a:solidFill>
+                            <a:schemeClr val="tx1"/>
+                          </a:solidFill>
+                          <a:prstDash val="solid"/>
+                          <a:round/>
+                          <a:headEnd type="none" w="med" len="med"/>
+                          <a:tailEnd type="none" w="med" len="med"/>
+                        </a:lnT>
+                        <a:lnB w="12700" cap="flat" cmpd="sng" algn="ctr">
+                          <a:solidFill>
+                            <a:schemeClr val="tx1"/>
+                          </a:solidFill>
+                          <a:prstDash val="solid"/>
+                          <a:round/>
+                          <a:headEnd type="none" w="med" len="med"/>
+                          <a:tailEnd type="none" w="med" len="med"/>
+                        </a:lnB>
+                        <a:blipFill>
+                          <a:blip r:embed="rId2"/>
+                          <a:stretch>
+                            <a:fillRect l="-100151" t="-161481" r="-301" b="-129630"/>
+                          </a:stretch>
+                        </a:blipFill>
+                      </a:tcPr>
+                    </a:tc>
+                    <a:extLst>
+                      <a:ext uri="{0D108BD9-81ED-4DB2-BD59-A6C34878D82A}">
+                        <a16:rowId xmlns:a16="http://schemas.microsoft.com/office/drawing/2014/main" val="2214456908"/>
+                      </a:ext>
+                    </a:extLst>
+                  </a:tr>
+                  <a:tr h="457200">
+                    <a:tc>
+                      <a:txBody>
+                        <a:bodyPr/>
+                        <a:lstStyle/>
+                        <a:p>
+                          <a:endParaRPr lang="zh-CN"/>
+                        </a:p>
+                      </a:txBody>
+                      <a:tcPr anchor="ctr">
+                        <a:lnL w="12700" cap="flat" cmpd="sng" algn="ctr">
+                          <a:solidFill>
+                            <a:schemeClr val="tx1"/>
+                          </a:solidFill>
+                          <a:prstDash val="solid"/>
+                          <a:round/>
+                          <a:headEnd type="none" w="med" len="med"/>
+                          <a:tailEnd type="none" w="med" len="med"/>
+                        </a:lnL>
+                        <a:lnR w="12700" cap="flat" cmpd="sng" algn="ctr">
+                          <a:solidFill>
+                            <a:schemeClr val="tx1"/>
+                          </a:solidFill>
+                          <a:prstDash val="solid"/>
+                          <a:round/>
+                          <a:headEnd type="none" w="med" len="med"/>
+                          <a:tailEnd type="none" w="med" len="med"/>
+                        </a:lnR>
+                        <a:lnT w="12700" cap="flat" cmpd="sng" algn="ctr">
+                          <a:solidFill>
+                            <a:schemeClr val="tx1"/>
+                          </a:solidFill>
+                          <a:prstDash val="solid"/>
+                          <a:round/>
+                          <a:headEnd type="none" w="med" len="med"/>
+                          <a:tailEnd type="none" w="med" len="med"/>
+                        </a:lnT>
+                        <a:lnB w="12700" cap="flat" cmpd="sng" algn="ctr">
+                          <a:solidFill>
+                            <a:schemeClr val="tx1"/>
+                          </a:solidFill>
+                          <a:prstDash val="solid"/>
+                          <a:round/>
+                          <a:headEnd type="none" w="med" len="med"/>
+                          <a:tailEnd type="none" w="med" len="med"/>
+                        </a:lnB>
+                        <a:blipFill>
+                          <a:blip r:embed="rId2"/>
+                          <a:stretch>
+                            <a:fillRect l="-151" t="-470667" r="-100301" b="-133333"/>
+                          </a:stretch>
+                        </a:blipFill>
+                      </a:tcPr>
+                    </a:tc>
+                    <a:tc>
+                      <a:txBody>
+                        <a:bodyPr/>
+                        <a:lstStyle/>
+                        <a:p>
+                          <a:pPr algn="ctr"/>
+                          <a:r>
+                            <a:rPr lang="en-US" altLang="zh-CN" sz="2400" kern="1200" dirty="0">
+                              <a:solidFill>
+                                <a:schemeClr val="tx1"/>
+                              </a:solidFill>
+                              <a:latin typeface="华文楷体" panose="02010600040101010101" pitchFamily="2" charset="-122"/>
+                              <a:ea typeface="华文楷体" panose="02010600040101010101" pitchFamily="2" charset="-122"/>
+                              <a:cs typeface="+mn-cs"/>
+                            </a:rPr>
+                            <a:t>68.7</a:t>
+                          </a:r>
+                          <a:endParaRPr lang="zh-CN" altLang="en-US" sz="2400" kern="1200" dirty="0">
+                            <a:solidFill>
+                              <a:schemeClr val="tx1"/>
+                            </a:solidFill>
+                            <a:latin typeface="华文楷体" panose="02010600040101010101" pitchFamily="2" charset="-122"/>
+                            <a:ea typeface="华文楷体" panose="02010600040101010101" pitchFamily="2" charset="-122"/>
+                            <a:cs typeface="+mn-cs"/>
+                          </a:endParaRPr>
+                        </a:p>
+                      </a:txBody>
+                      <a:tcPr anchor="ctr">
+                        <a:lnL w="12700" cap="flat" cmpd="sng" algn="ctr">
+                          <a:solidFill>
+                            <a:schemeClr val="tx1"/>
+                          </a:solidFill>
+                          <a:prstDash val="solid"/>
+                          <a:round/>
+                          <a:headEnd type="none" w="med" len="med"/>
+                          <a:tailEnd type="none" w="med" len="med"/>
+                        </a:lnL>
+                        <a:lnR w="12700" cap="flat" cmpd="sng" algn="ctr">
+                          <a:solidFill>
+                            <a:schemeClr val="tx1"/>
+                          </a:solidFill>
+                          <a:prstDash val="solid"/>
+                          <a:round/>
+                          <a:headEnd type="none" w="med" len="med"/>
+                          <a:tailEnd type="none" w="med" len="med"/>
+                        </a:lnR>
+                        <a:lnT w="12700" cap="flat" cmpd="sng" algn="ctr">
+                          <a:solidFill>
+                            <a:schemeClr val="tx1"/>
+                          </a:solidFill>
+                          <a:prstDash val="solid"/>
+                          <a:round/>
+                          <a:headEnd type="none" w="med" len="med"/>
+                          <a:tailEnd type="none" w="med" len="med"/>
+                        </a:lnT>
+                        <a:lnB w="12700" cap="flat" cmpd="sng" algn="ctr">
+                          <a:solidFill>
+                            <a:schemeClr val="tx1"/>
+                          </a:solidFill>
+                          <a:prstDash val="solid"/>
+                          <a:round/>
+                          <a:headEnd type="none" w="med" len="med"/>
+                          <a:tailEnd type="none" w="med" len="med"/>
+                        </a:lnB>
+                        <a:noFill/>
+                      </a:tcPr>
+                    </a:tc>
+                    <a:extLst>
+                      <a:ext uri="{0D108BD9-81ED-4DB2-BD59-A6C34878D82A}">
+                        <a16:rowId xmlns:a16="http://schemas.microsoft.com/office/drawing/2014/main" val="1140495037"/>
+                      </a:ext>
+                    </a:extLst>
+                  </a:tr>
+                  <a:tr h="485458">
+                    <a:tc>
+                      <a:txBody>
+                        <a:bodyPr/>
+                        <a:lstStyle/>
+                        <a:p>
+                          <a:endParaRPr lang="zh-CN"/>
+                        </a:p>
+                      </a:txBody>
+                      <a:tcPr anchor="ctr">
+                        <a:lnL w="12700" cap="flat" cmpd="sng" algn="ctr">
+                          <a:solidFill>
+                            <a:schemeClr val="tx1"/>
+                          </a:solidFill>
+                          <a:prstDash val="solid"/>
+                          <a:round/>
+                          <a:headEnd type="none" w="med" len="med"/>
+                          <a:tailEnd type="none" w="med" len="med"/>
+                        </a:lnL>
+                        <a:lnR w="12700" cap="flat" cmpd="sng" algn="ctr">
+                          <a:solidFill>
+                            <a:schemeClr val="tx1"/>
+                          </a:solidFill>
+                          <a:prstDash val="solid"/>
+                          <a:round/>
+                          <a:headEnd type="none" w="med" len="med"/>
+                          <a:tailEnd type="none" w="med" len="med"/>
+                        </a:lnR>
+                        <a:lnT w="12700" cap="flat" cmpd="sng" algn="ctr">
+                          <a:solidFill>
+                            <a:schemeClr val="tx1"/>
+                          </a:solidFill>
+                          <a:prstDash val="solid"/>
+                          <a:round/>
+                          <a:headEnd type="none" w="med" len="med"/>
+                          <a:tailEnd type="none" w="med" len="med"/>
+                        </a:lnT>
+                        <a:lnB w="12700" cap="flat" cmpd="sng" algn="ctr">
+                          <a:solidFill>
+                            <a:schemeClr val="tx1"/>
+                          </a:solidFill>
+                          <a:prstDash val="solid"/>
+                          <a:round/>
+                          <a:headEnd type="none" w="med" len="med"/>
+                          <a:tailEnd type="none" w="med" len="med"/>
+                        </a:lnB>
+                        <a:blipFill>
+                          <a:blip r:embed="rId2"/>
+                          <a:stretch>
+                            <a:fillRect l="-151" t="-535000" r="-100301" b="-25000"/>
+                          </a:stretch>
+                        </a:blipFill>
+                      </a:tcPr>
+                    </a:tc>
+                    <a:tc>
+                      <a:txBody>
+                        <a:bodyPr/>
+                        <a:lstStyle/>
+                        <a:p>
+                          <a:pPr algn="ctr"/>
+                          <a:r>
+                            <a:rPr lang="en-US" altLang="zh-CN" sz="2400" kern="1200" dirty="0">
+                              <a:solidFill>
+                                <a:schemeClr val="tx1"/>
+                              </a:solidFill>
+                              <a:latin typeface="华文楷体" panose="02010600040101010101" pitchFamily="2" charset="-122"/>
+                              <a:ea typeface="华文楷体" panose="02010600040101010101" pitchFamily="2" charset="-122"/>
+                              <a:cs typeface="+mn-cs"/>
+                            </a:rPr>
+                            <a:t>21.75</a:t>
+                          </a:r>
+                          <a:endParaRPr lang="zh-CN" altLang="en-US" sz="2400" kern="1200" dirty="0">
+                            <a:solidFill>
+                              <a:schemeClr val="tx1"/>
+                            </a:solidFill>
+                            <a:latin typeface="华文楷体" panose="02010600040101010101" pitchFamily="2" charset="-122"/>
+                            <a:ea typeface="华文楷体" panose="02010600040101010101" pitchFamily="2" charset="-122"/>
+                            <a:cs typeface="+mn-cs"/>
+                          </a:endParaRPr>
+                        </a:p>
+                      </a:txBody>
+                      <a:tcPr anchor="ctr">
+                        <a:lnL w="12700" cap="flat" cmpd="sng" algn="ctr">
+                          <a:solidFill>
+                            <a:schemeClr val="tx1"/>
+                          </a:solidFill>
+                          <a:prstDash val="solid"/>
+                          <a:round/>
+                          <a:headEnd type="none" w="med" len="med"/>
+                          <a:tailEnd type="none" w="med" len="med"/>
+                        </a:lnL>
+                        <a:lnR w="12700" cap="flat" cmpd="sng" algn="ctr">
+                          <a:solidFill>
+                            <a:schemeClr val="tx1"/>
+                          </a:solidFill>
+                          <a:prstDash val="solid"/>
+                          <a:round/>
+                          <a:headEnd type="none" w="med" len="med"/>
+                          <a:tailEnd type="none" w="med" len="med"/>
+                        </a:lnR>
+                        <a:lnT w="12700" cap="flat" cmpd="sng" algn="ctr">
+                          <a:solidFill>
+                            <a:schemeClr val="tx1"/>
+                          </a:solidFill>
+                          <a:prstDash val="solid"/>
+                          <a:round/>
+                          <a:headEnd type="none" w="med" len="med"/>
+                          <a:tailEnd type="none" w="med" len="med"/>
+                        </a:lnT>
+                        <a:lnB w="12700" cap="flat" cmpd="sng" algn="ctr">
+                          <a:solidFill>
+                            <a:schemeClr val="tx1"/>
+                          </a:solidFill>
+                          <a:prstDash val="solid"/>
+                          <a:round/>
+                          <a:headEnd type="none" w="med" len="med"/>
+                          <a:tailEnd type="none" w="med" len="med"/>
+                        </a:lnB>
+                        <a:noFill/>
+                      </a:tcPr>
+                    </a:tc>
+                    <a:extLst>
+                      <a:ext uri="{0D108BD9-81ED-4DB2-BD59-A6C34878D82A}">
+                        <a16:rowId xmlns:a16="http://schemas.microsoft.com/office/drawing/2014/main" val="435427648"/>
+                      </a:ext>
+                    </a:extLst>
+                  </a:tr>
+                </a:tbl>
+              </a:graphicData>
+            </a:graphic>
+          </p:graphicFrame>
+        </mc:Fallback>
+      </mc:AlternateContent>
+      <p:sp>
+        <p:nvSpPr>
+          <p:cNvPr id="11" name="文本框 10">
+            <a:extLst>
+              <a:ext uri="{FF2B5EF4-FFF2-40B4-BE49-F238E27FC236}">
+                <a16:creationId xmlns:a16="http://schemas.microsoft.com/office/drawing/2014/main" id="{867DF182-3491-1BC9-7B2B-AE8608AF1277}"/>
+              </a:ext>
+            </a:extLst>
+          </p:cNvPr>
+          <p:cNvSpPr txBox="1"/>
+          <p:nvPr/>
+        </p:nvSpPr>
+        <p:spPr>
+          <a:xfrm>
+            <a:off x="696000" y="1729630"/>
+            <a:ext cx="10800000" cy="461665"/>
+          </a:xfrm>
+          <a:prstGeom prst="rect">
+            <a:avLst/>
+          </a:prstGeom>
+          <a:noFill/>
+        </p:spPr>
+        <p:txBody>
+          <a:bodyPr wrap="square">
+            <a:spAutoFit/>
+          </a:bodyPr>
+          <a:lstStyle/>
+          <a:p>
+            <a:pPr>
+              <a:spcBef>
+                <a:spcPts val="600"/>
+              </a:spcBef>
+              <a:spcAft>
+                <a:spcPts val="600"/>
+              </a:spcAft>
+            </a:pPr>
+            <a:r>
+              <a:rPr lang="zh-CN" altLang="en-US" sz="2400" dirty="0">
+                <a:latin typeface="华文楷体" panose="02010600040101010101" pitchFamily="2" charset="-122"/>
+                <a:ea typeface="华文楷体" panose="02010600040101010101" pitchFamily="2" charset="-122"/>
+              </a:rPr>
+              <a:t>来自于</a:t>
+            </a:r>
+            <a:r>
+              <a:rPr lang="en-US" altLang="zh-CN" sz="2400" dirty="0">
+                <a:latin typeface="华文楷体" panose="02010600040101010101" pitchFamily="2" charset="-122"/>
+                <a:ea typeface="华文楷体" panose="02010600040101010101" pitchFamily="2" charset="-122"/>
+              </a:rPr>
+              <a:t>[3]</a:t>
+            </a:r>
+            <a:r>
+              <a:rPr lang="zh-CN" altLang="en-US" sz="2400" dirty="0">
+                <a:latin typeface="华文楷体" panose="02010600040101010101" pitchFamily="2" charset="-122"/>
+                <a:ea typeface="华文楷体" panose="02010600040101010101" pitchFamily="2" charset="-122"/>
+              </a:rPr>
+              <a:t>的聚苯乙烯参数：</a:t>
+            </a:r>
+          </a:p>
+        </p:txBody>
+      </p:sp>
+      <p:sp>
+        <p:nvSpPr>
+          <p:cNvPr id="3" name="文本框 2">
+            <a:extLst>
+              <a:ext uri="{FF2B5EF4-FFF2-40B4-BE49-F238E27FC236}">
+                <a16:creationId xmlns:a16="http://schemas.microsoft.com/office/drawing/2014/main" id="{97DE91FE-30EA-1327-14B2-1E763B3ED818}"/>
+              </a:ext>
+            </a:extLst>
+          </p:cNvPr>
+          <p:cNvSpPr txBox="1"/>
+          <p:nvPr/>
+        </p:nvSpPr>
+        <p:spPr>
+          <a:xfrm>
+            <a:off x="312000" y="5771575"/>
+            <a:ext cx="11880000" cy="584775"/>
+          </a:xfrm>
+          <a:prstGeom prst="rect">
+            <a:avLst/>
+          </a:prstGeom>
+          <a:noFill/>
+        </p:spPr>
+        <p:txBody>
+          <a:bodyPr wrap="square">
+            <a:spAutoFit/>
+          </a:bodyPr>
+          <a:lstStyle/>
+          <a:p>
+            <a:r>
+              <a:rPr lang="en-US" altLang="zh-CN" sz="1600" dirty="0">
+                <a:latin typeface="华文楷体" panose="02010600040101010101" pitchFamily="2" charset="-122"/>
+                <a:ea typeface="华文楷体" panose="02010600040101010101" pitchFamily="2" charset="-122"/>
+                <a:cs typeface="Times New Roman" panose="02020603050405020304" pitchFamily="18" charset="0"/>
+              </a:rPr>
+              <a:t>[3] Particle Data Group. Atomic and nuclear properties of polystyrene[EB/OL]. [2025-01-16]. https://pdg.lbl.gov/2024/AtomicNuclearProperties/HTML/polystyrene.html.</a:t>
+            </a:r>
+          </a:p>
+        </p:txBody>
+      </p:sp>
+    </p:spTree>
+    <p:extLst>
+      <p:ext uri="{BB962C8B-B14F-4D97-AF65-F5344CB8AC3E}">
+        <p14:creationId xmlns:p14="http://schemas.microsoft.com/office/powerpoint/2010/main" val="1021588536"/>
+      </p:ext>
+    </p:extLst>
+  </p:cSld>
+  <p:clrMapOvr>
+    <a:masterClrMapping/>
+  </p:clrMapOvr>
+  <mc:AlternateContent xmlns:mc="http://schemas.openxmlformats.org/markup-compatibility/2006" xmlns:p159="http://schemas.microsoft.com/office/powerpoint/2015/09/main">
+    <mc:Choice Requires="p159">
+      <p:transition>
+        <p159:morph option="byObject"/>
+      </p:transition>
+    </mc:Choice>
+    <mc:Fallback xmlns="">
+      <p:transition>
+        <p:fade/>
+      </p:transition>
+    </mc:Fallback>
+  </mc:AlternateContent>
+</p:sld>
+</file>
+
+<file path=ppt/slides/slide25.xml><?xml version="1.0" encoding="utf-8"?>
+<p:sld xmlns:a="http://schemas.openxmlformats.org/drawingml/2006/main" xmlns:r="http://schemas.openxmlformats.org/officeDocument/2006/relationships" xmlns:p="http://schemas.openxmlformats.org/presentationml/2006/main">
+  <p:cSld>
+    <p:spTree>
+      <p:nvGrpSpPr>
+        <p:cNvPr id="1" name="">
+          <a:extLst>
+            <a:ext uri="{FF2B5EF4-FFF2-40B4-BE49-F238E27FC236}">
+              <a16:creationId xmlns:a16="http://schemas.microsoft.com/office/drawing/2014/main" id="{D17EF9F8-E52C-A3F0-31CE-9207352A4682}"/>
+            </a:ext>
+          </a:extLst>
+        </p:cNvPr>
+        <p:cNvGrpSpPr/>
+        <p:nvPr/>
+      </p:nvGrpSpPr>
+      <p:grpSpPr>
+        <a:xfrm>
+          <a:off x="0" y="0"/>
+          <a:ext cx="0" cy="0"/>
+          <a:chOff x="0" y="0"/>
+          <a:chExt cx="0" cy="0"/>
+        </a:xfrm>
+      </p:grpSpPr>
+      <p:sp>
+        <p:nvSpPr>
+          <p:cNvPr id="2" name="标题 1">
+            <a:extLst>
+              <a:ext uri="{FF2B5EF4-FFF2-40B4-BE49-F238E27FC236}">
+                <a16:creationId xmlns:a16="http://schemas.microsoft.com/office/drawing/2014/main" id="{EC0450FF-F8DA-4FA1-EFFE-01990E6E4B2B}"/>
+              </a:ext>
+            </a:extLst>
+          </p:cNvPr>
+          <p:cNvSpPr>
+            <a:spLocks noGrp="1"/>
+          </p:cNvSpPr>
+          <p:nvPr>
+            <p:ph type="title"/>
+          </p:nvPr>
+        </p:nvSpPr>
+        <p:spPr>
+          <a:xfrm>
+            <a:off x="838200" y="365125"/>
+            <a:ext cx="10515600" cy="830997"/>
+          </a:xfrm>
+        </p:spPr>
+        <p:txBody>
+          <a:bodyPr/>
+          <a:lstStyle/>
+          <a:p>
+            <a:pPr>
+              <a:spcAft>
+                <a:spcPts val="600"/>
+              </a:spcAft>
+            </a:pPr>
+            <a:r>
+              <a:rPr lang="zh-CN" altLang="en-US" sz="4400" dirty="0">
+                <a:latin typeface="华文楷体" panose="02010600040101010101" pitchFamily="2" charset="-122"/>
+                <a:ea typeface="华文楷体" panose="02010600040101010101" pitchFamily="2" charset="-122"/>
+              </a:rPr>
+              <a:t>研究中使用的具体参数</a:t>
+            </a:r>
+            <a:endParaRPr lang="en-US" altLang="zh-CN" sz="4400" dirty="0">
+              <a:latin typeface="华文楷体" panose="02010600040101010101" pitchFamily="2" charset="-122"/>
+              <a:ea typeface="华文楷体" panose="02010600040101010101" pitchFamily="2" charset="-122"/>
+            </a:endParaRPr>
+          </a:p>
+        </p:txBody>
+      </p:sp>
+      <p:sp>
+        <p:nvSpPr>
+          <p:cNvPr id="7" name="灯片编号占位符 3">
+            <a:extLst>
+              <a:ext uri="{FF2B5EF4-FFF2-40B4-BE49-F238E27FC236}">
+                <a16:creationId xmlns:a16="http://schemas.microsoft.com/office/drawing/2014/main" id="{3AC34691-A981-CFA8-4C91-779CF8542967}"/>
+              </a:ext>
+            </a:extLst>
+          </p:cNvPr>
+          <p:cNvSpPr>
+            <a:spLocks noGrp="1"/>
+          </p:cNvSpPr>
+          <p:nvPr>
+            <p:ph type="sldNum" sz="quarter" idx="12"/>
+          </p:nvPr>
+        </p:nvSpPr>
+        <p:spPr>
+          <a:xfrm>
+            <a:off x="8610600" y="6356350"/>
+            <a:ext cx="2743200" cy="365125"/>
+          </a:xfrm>
+        </p:spPr>
+        <p:txBody>
+          <a:bodyPr/>
+          <a:lstStyle/>
+          <a:p>
+            <a:fld id="{4DF96A39-405C-4801-AFAA-189ED9B29D59}" type="slidenum">
+              <a:rPr lang="zh-CN" altLang="en-US" sz="2400" smtClean="0"/>
+              <a:t>25</a:t>
+            </a:fld>
+            <a:endParaRPr lang="zh-CN" altLang="en-US" sz="2400" dirty="0"/>
+          </a:p>
+        </p:txBody>
+      </p:sp>
+      <mc:AlternateContent xmlns:mc="http://schemas.openxmlformats.org/markup-compatibility/2006" xmlns:a14="http://schemas.microsoft.com/office/drawing/2010/main">
+        <mc:Choice Requires="a14">
+          <p:graphicFrame>
+            <p:nvGraphicFramePr>
+              <p:cNvPr id="4" name="表格 3">
+                <a:extLst>
+                  <a:ext uri="{FF2B5EF4-FFF2-40B4-BE49-F238E27FC236}">
+                    <a16:creationId xmlns:a16="http://schemas.microsoft.com/office/drawing/2014/main" id="{2FBC3BF2-6932-1572-F7B2-F0E5EAEA6F40}"/>
+                  </a:ext>
+                </a:extLst>
+              </p:cNvPr>
+              <p:cNvGraphicFramePr>
+                <a:graphicFrameLocks noGrp="1"/>
+              </p:cNvGraphicFramePr>
+              <p:nvPr>
+                <p:extLst>
+                  <p:ext uri="{D42A27DB-BD31-4B8C-83A1-F6EECF244321}">
+                    <p14:modId xmlns:p14="http://schemas.microsoft.com/office/powerpoint/2010/main" val="2887848441"/>
+                  </p:ext>
+                </p:extLst>
+              </p:nvPr>
+            </p:nvGraphicFramePr>
+            <p:xfrm>
+              <a:off x="2054045" y="2550619"/>
+              <a:ext cx="8083910" cy="2329117"/>
+            </p:xfrm>
+            <a:graphic>
+              <a:graphicData uri="http://schemas.openxmlformats.org/drawingml/2006/table">
+                <a:tbl>
+                  <a:tblPr firstRow="1" bandRow="1">
+                    <a:tableStyleId>{5C22544A-7EE6-4342-B048-85BDC9FD1C3A}</a:tableStyleId>
+                  </a:tblPr>
+                  <a:tblGrid>
+                    <a:gridCol w="4041955">
+                      <a:extLst>
+                        <a:ext uri="{9D8B030D-6E8A-4147-A177-3AD203B41FA5}">
+                          <a16:colId xmlns:a16="http://schemas.microsoft.com/office/drawing/2014/main" val="2459270469"/>
+                        </a:ext>
+                      </a:extLst>
+                    </a:gridCol>
+                    <a:gridCol w="4041955">
+                      <a:extLst>
+                        <a:ext uri="{9D8B030D-6E8A-4147-A177-3AD203B41FA5}">
+                          <a16:colId xmlns:a16="http://schemas.microsoft.com/office/drawing/2014/main" val="1494011293"/>
+                        </a:ext>
+                      </a:extLst>
+                    </a:gridCol>
+                  </a:tblGrid>
+                  <a:tr h="370840">
+                    <a:tc>
+                      <a:txBody>
+                        <a:bodyPr/>
+                        <a:lstStyle/>
+                        <a:p>
+                          <a:pPr algn="ctr"/>
+                          <a14:m>
+                            <m:oMathPara xmlns:m="http://schemas.openxmlformats.org/officeDocument/2006/math">
+                              <m:oMathParaPr>
+                                <m:jc m:val="centerGroup"/>
+                              </m:oMathParaPr>
+                              <m:oMath xmlns:m="http://schemas.openxmlformats.org/officeDocument/2006/math">
+                                <m:r>
+                                  <a:rPr lang="en-US" altLang="zh-CN" sz="2400" b="0" i="1" kern="1200" dirty="0" smtClean="0">
+                                    <a:solidFill>
+                                      <a:schemeClr val="tx1"/>
+                                    </a:solidFill>
+                                    <a:latin typeface="Cambria Math" panose="02040503050406030204" pitchFamily="18" charset="0"/>
+                                    <a:ea typeface="华文楷体" panose="02010600040101010101" pitchFamily="2" charset="-122"/>
+                                    <a:cs typeface="+mn-cs"/>
+                                  </a:rPr>
+                                  <m:t>𝑎</m:t>
+                                </m:r>
+                              </m:oMath>
+                            </m:oMathPara>
+                          </a14:m>
+                          <a:endParaRPr lang="zh-CN" altLang="en-US" sz="2400" b="0" kern="1200" dirty="0">
+                            <a:solidFill>
+                              <a:schemeClr val="tx1"/>
+                            </a:solidFill>
+                            <a:latin typeface="华文楷体" panose="02010600040101010101" pitchFamily="2" charset="-122"/>
+                            <a:ea typeface="华文楷体" panose="02010600040101010101" pitchFamily="2" charset="-122"/>
+                            <a:cs typeface="+mn-cs"/>
+                          </a:endParaRPr>
+                        </a:p>
+                      </a:txBody>
+                      <a:tcPr anchor="ctr">
+                        <a:lnL w="12700" cap="flat" cmpd="sng" algn="ctr">
+                          <a:solidFill>
+                            <a:schemeClr val="tx1"/>
+                          </a:solidFill>
+                          <a:prstDash val="solid"/>
+                          <a:round/>
+                          <a:headEnd type="none" w="med" len="med"/>
+                          <a:tailEnd type="none" w="med" len="med"/>
+                        </a:lnL>
+                        <a:lnR w="12700" cap="flat" cmpd="sng" algn="ctr">
+                          <a:solidFill>
+                            <a:schemeClr val="tx1"/>
+                          </a:solidFill>
+                          <a:prstDash val="solid"/>
+                          <a:round/>
+                          <a:headEnd type="none" w="med" len="med"/>
+                          <a:tailEnd type="none" w="med" len="med"/>
+                        </a:lnR>
+                        <a:lnT w="12700" cap="flat" cmpd="sng" algn="ctr">
+                          <a:solidFill>
+                            <a:schemeClr val="tx1"/>
+                          </a:solidFill>
+                          <a:prstDash val="solid"/>
+                          <a:round/>
+                          <a:headEnd type="none" w="med" len="med"/>
+                          <a:tailEnd type="none" w="med" len="med"/>
+                        </a:lnT>
+                        <a:lnB w="12700" cap="flat" cmpd="sng" algn="ctr">
+                          <a:solidFill>
+                            <a:schemeClr val="tx1"/>
+                          </a:solidFill>
+                          <a:prstDash val="solid"/>
+                          <a:round/>
+                          <a:headEnd type="none" w="med" len="med"/>
+                          <a:tailEnd type="none" w="med" len="med"/>
+                        </a:lnB>
+                        <a:noFill/>
+                      </a:tcPr>
+                    </a:tc>
+                    <a:tc>
+                      <a:txBody>
+                        <a:bodyPr/>
+                        <a:lstStyle/>
+                        <a:p>
+                          <a:pPr algn="ctr"/>
+                          <a:r>
+                            <a:rPr lang="en-US" altLang="zh-CN" sz="2400" b="0" kern="1200" dirty="0">
+                              <a:solidFill>
+                                <a:schemeClr val="tx1"/>
+                              </a:solidFill>
+                              <a:latin typeface="华文楷体" panose="02010600040101010101" pitchFamily="2" charset="-122"/>
+                              <a:ea typeface="华文楷体" panose="02010600040101010101" pitchFamily="2" charset="-122"/>
+                              <a:cs typeface="+mn-cs"/>
+                            </a:rPr>
+                            <a:t>0. 3670</a:t>
+                          </a:r>
+                          <a:endParaRPr lang="zh-CN" altLang="en-US" sz="2400" b="0" kern="1200" dirty="0">
+                            <a:solidFill>
+                              <a:schemeClr val="tx1"/>
+                            </a:solidFill>
+                            <a:latin typeface="华文楷体" panose="02010600040101010101" pitchFamily="2" charset="-122"/>
+                            <a:ea typeface="华文楷体" panose="02010600040101010101" pitchFamily="2" charset="-122"/>
+                            <a:cs typeface="+mn-cs"/>
+                          </a:endParaRPr>
+                        </a:p>
+                      </a:txBody>
+                      <a:tcPr anchor="ctr">
+                        <a:lnL w="12700" cap="flat" cmpd="sng" algn="ctr">
+                          <a:solidFill>
+                            <a:schemeClr val="tx1"/>
+                          </a:solidFill>
+                          <a:prstDash val="solid"/>
+                          <a:round/>
+                          <a:headEnd type="none" w="med" len="med"/>
+                          <a:tailEnd type="none" w="med" len="med"/>
+                        </a:lnL>
+                        <a:lnR w="12700" cap="flat" cmpd="sng" algn="ctr">
+                          <a:solidFill>
+                            <a:schemeClr val="tx1"/>
+                          </a:solidFill>
+                          <a:prstDash val="solid"/>
+                          <a:round/>
+                          <a:headEnd type="none" w="med" len="med"/>
+                          <a:tailEnd type="none" w="med" len="med"/>
+                        </a:lnR>
+                        <a:lnT w="12700" cap="flat" cmpd="sng" algn="ctr">
+                          <a:solidFill>
+                            <a:schemeClr val="tx1"/>
+                          </a:solidFill>
+                          <a:prstDash val="solid"/>
+                          <a:round/>
+                          <a:headEnd type="none" w="med" len="med"/>
+                          <a:tailEnd type="none" w="med" len="med"/>
+                        </a:lnT>
+                        <a:lnB w="12700" cap="flat" cmpd="sng" algn="ctr">
+                          <a:solidFill>
+                            <a:schemeClr val="tx1"/>
+                          </a:solidFill>
+                          <a:prstDash val="solid"/>
+                          <a:round/>
+                          <a:headEnd type="none" w="med" len="med"/>
+                          <a:tailEnd type="none" w="med" len="med"/>
+                        </a:lnB>
+                        <a:noFill/>
+                      </a:tcPr>
+                    </a:tc>
+                    <a:extLst>
+                      <a:ext uri="{0D108BD9-81ED-4DB2-BD59-A6C34878D82A}">
+                        <a16:rowId xmlns:a16="http://schemas.microsoft.com/office/drawing/2014/main" val="1450359678"/>
+                      </a:ext>
+                    </a:extLst>
+                  </a:tr>
+                  <a:tr h="370840">
+                    <a:tc>
+                      <a:txBody>
+                        <a:bodyPr/>
+                        <a:lstStyle/>
+                        <a:p>
+                          <a:pPr algn="ctr"/>
+                          <a14:m>
+                            <m:oMathPara xmlns:m="http://schemas.openxmlformats.org/officeDocument/2006/math">
+                              <m:oMathParaPr>
+                                <m:jc m:val="centerGroup"/>
+                              </m:oMathParaPr>
+                              <m:oMath xmlns:m="http://schemas.openxmlformats.org/officeDocument/2006/math">
+                                <m:r>
+                                  <a:rPr lang="en-US" altLang="zh-CN" sz="2400" i="1" kern="1200" dirty="0" smtClean="0">
+                                    <a:solidFill>
+                                      <a:schemeClr val="tx1"/>
+                                    </a:solidFill>
+                                    <a:latin typeface="Cambria Math" panose="02040503050406030204" pitchFamily="18" charset="0"/>
+                                    <a:ea typeface="华文楷体" panose="02010600040101010101" pitchFamily="2" charset="-122"/>
+                                    <a:cs typeface="+mn-cs"/>
+                                  </a:rPr>
+                                  <m:t>𝑘</m:t>
+                                </m:r>
+                              </m:oMath>
+                            </m:oMathPara>
+                          </a14:m>
+                          <a:endParaRPr lang="zh-CN" altLang="en-US" sz="2400" kern="1200" dirty="0">
+                            <a:solidFill>
+                              <a:schemeClr val="tx1"/>
+                            </a:solidFill>
+                            <a:latin typeface="华文楷体" panose="02010600040101010101" pitchFamily="2" charset="-122"/>
+                            <a:ea typeface="华文楷体" panose="02010600040101010101" pitchFamily="2" charset="-122"/>
+                            <a:cs typeface="+mn-cs"/>
+                          </a:endParaRPr>
+                        </a:p>
+                      </a:txBody>
+                      <a:tcPr anchor="ctr">
+                        <a:lnL w="12700" cap="flat" cmpd="sng" algn="ctr">
+                          <a:solidFill>
+                            <a:schemeClr val="tx1"/>
+                          </a:solidFill>
+                          <a:prstDash val="solid"/>
+                          <a:round/>
+                          <a:headEnd type="none" w="med" len="med"/>
+                          <a:tailEnd type="none" w="med" len="med"/>
+                        </a:lnL>
+                        <a:lnR w="12700" cap="flat" cmpd="sng" algn="ctr">
+                          <a:solidFill>
+                            <a:schemeClr val="tx1"/>
+                          </a:solidFill>
+                          <a:prstDash val="solid"/>
+                          <a:round/>
+                          <a:headEnd type="none" w="med" len="med"/>
+                          <a:tailEnd type="none" w="med" len="med"/>
+                        </a:lnR>
+                        <a:lnT w="12700" cap="flat" cmpd="sng" algn="ctr">
+                          <a:solidFill>
+                            <a:schemeClr val="tx1"/>
+                          </a:solidFill>
+                          <a:prstDash val="solid"/>
+                          <a:round/>
+                          <a:headEnd type="none" w="med" len="med"/>
+                          <a:tailEnd type="none" w="med" len="med"/>
+                        </a:lnT>
+                        <a:lnB w="12700" cap="flat" cmpd="sng" algn="ctr">
+                          <a:solidFill>
+                            <a:schemeClr val="tx1"/>
+                          </a:solidFill>
+                          <a:prstDash val="solid"/>
+                          <a:round/>
+                          <a:headEnd type="none" w="med" len="med"/>
+                          <a:tailEnd type="none" w="med" len="med"/>
+                        </a:lnB>
+                        <a:noFill/>
+                      </a:tcPr>
+                    </a:tc>
+                    <a:tc>
+                      <a:txBody>
+                        <a:bodyPr/>
+                        <a:lstStyle/>
+                        <a:p>
+                          <a:pPr algn="ctr"/>
+                          <a:r>
+                            <a:rPr lang="en-US" altLang="zh-CN" sz="2400" kern="1200" dirty="0">
+                              <a:solidFill>
+                                <a:schemeClr val="tx1"/>
+                              </a:solidFill>
+                              <a:latin typeface="华文楷体" panose="02010600040101010101" pitchFamily="2" charset="-122"/>
+                              <a:ea typeface="华文楷体" panose="02010600040101010101" pitchFamily="2" charset="-122"/>
+                              <a:cs typeface="+mn-cs"/>
+                            </a:rPr>
+                            <a:t>2.724</a:t>
+                          </a:r>
+                          <a:endParaRPr lang="zh-CN" altLang="en-US" sz="2400" kern="1200" dirty="0">
+                            <a:solidFill>
+                              <a:schemeClr val="tx1"/>
+                            </a:solidFill>
+                            <a:latin typeface="华文楷体" panose="02010600040101010101" pitchFamily="2" charset="-122"/>
+                            <a:ea typeface="华文楷体" panose="02010600040101010101" pitchFamily="2" charset="-122"/>
+                            <a:cs typeface="+mn-cs"/>
+                          </a:endParaRPr>
+                        </a:p>
+                      </a:txBody>
+                      <a:tcPr anchor="ctr">
+                        <a:lnL w="12700" cap="flat" cmpd="sng" algn="ctr">
+                          <a:solidFill>
+                            <a:schemeClr val="tx1"/>
+                          </a:solidFill>
+                          <a:prstDash val="solid"/>
+                          <a:round/>
+                          <a:headEnd type="none" w="med" len="med"/>
+                          <a:tailEnd type="none" w="med" len="med"/>
+                        </a:lnL>
+                        <a:lnR w="12700" cap="flat" cmpd="sng" algn="ctr">
+                          <a:solidFill>
+                            <a:schemeClr val="tx1"/>
+                          </a:solidFill>
+                          <a:prstDash val="solid"/>
+                          <a:round/>
+                          <a:headEnd type="none" w="med" len="med"/>
+                          <a:tailEnd type="none" w="med" len="med"/>
+                        </a:lnR>
+                        <a:lnT w="12700" cap="flat" cmpd="sng" algn="ctr">
+                          <a:solidFill>
+                            <a:schemeClr val="tx1"/>
+                          </a:solidFill>
+                          <a:prstDash val="solid"/>
+                          <a:round/>
+                          <a:headEnd type="none" w="med" len="med"/>
+                          <a:tailEnd type="none" w="med" len="med"/>
+                        </a:lnT>
+                        <a:lnB w="12700" cap="flat" cmpd="sng" algn="ctr">
+                          <a:solidFill>
+                            <a:schemeClr val="tx1"/>
+                          </a:solidFill>
+                          <a:prstDash val="solid"/>
+                          <a:round/>
+                          <a:headEnd type="none" w="med" len="med"/>
+                          <a:tailEnd type="none" w="med" len="med"/>
+                        </a:lnB>
+                        <a:noFill/>
+                      </a:tcPr>
+                    </a:tc>
+                    <a:extLst>
+                      <a:ext uri="{0D108BD9-81ED-4DB2-BD59-A6C34878D82A}">
+                        <a16:rowId xmlns:a16="http://schemas.microsoft.com/office/drawing/2014/main" val="978271092"/>
+                      </a:ext>
+                    </a:extLst>
+                  </a:tr>
+                  <a:tr h="370840">
+                    <a:tc>
+                      <a:txBody>
+                        <a:bodyPr/>
+                        <a:lstStyle/>
+                        <a:p>
+                          <a:pPr marL="0" marR="0" lvl="0" indent="0" algn="ctr" defTabSz="914400" rtl="0" eaLnBrk="1" fontAlgn="auto" latinLnBrk="0" hangingPunct="1">
+                            <a:lnSpc>
+                              <a:spcPct val="100000"/>
+                            </a:lnSpc>
+                            <a:spcBef>
+                              <a:spcPts val="0"/>
+                            </a:spcBef>
+                            <a:spcAft>
+                              <a:spcPts val="0"/>
+                            </a:spcAft>
+                            <a:buClrTx/>
+                            <a:buSzTx/>
+                            <a:buFontTx/>
+                            <a:buNone/>
+                            <a:tabLst/>
+                            <a:defRPr/>
+                          </a:pPr>
+                          <a14:m>
+                            <m:oMathPara xmlns:m="http://schemas.openxmlformats.org/officeDocument/2006/math">
+                              <m:oMathParaPr>
+                                <m:jc m:val="centerGroup"/>
+                              </m:oMathParaPr>
+                              <m:oMath xmlns:m="http://schemas.openxmlformats.org/officeDocument/2006/math">
+                                <m:sSub>
+                                  <m:sSubPr>
+                                    <m:ctrlPr>
+                                      <a:rPr lang="en-US" altLang="zh-CN" sz="2400" b="0" i="1" kern="1200" smtClean="0">
+                                        <a:solidFill>
+                                          <a:schemeClr val="tx1"/>
+                                        </a:solidFill>
+                                        <a:latin typeface="Cambria Math" panose="02040503050406030204" pitchFamily="18" charset="0"/>
+                                        <a:ea typeface="华文楷体" panose="02010600040101010101" pitchFamily="2" charset="-122"/>
+                                        <a:cs typeface="+mn-cs"/>
+                                      </a:rPr>
+                                    </m:ctrlPr>
+                                  </m:sSubPr>
+                                  <m:e>
+                                    <m:r>
+                                      <a:rPr lang="en-US" altLang="zh-CN" sz="2400" b="0" i="1" kern="1200" smtClean="0">
+                                        <a:solidFill>
+                                          <a:schemeClr val="tx1"/>
+                                        </a:solidFill>
+                                        <a:latin typeface="Cambria Math" panose="02040503050406030204" pitchFamily="18" charset="0"/>
+                                        <a:ea typeface="华文楷体" panose="02010600040101010101" pitchFamily="2" charset="-122"/>
+                                        <a:cs typeface="+mn-cs"/>
+                                      </a:rPr>
+                                      <m:t>𝑥</m:t>
+                                    </m:r>
+                                  </m:e>
+                                  <m:sub>
+                                    <m:r>
+                                      <a:rPr lang="en-US" altLang="zh-CN" sz="2400" b="0" i="1" kern="1200" smtClean="0">
+                                        <a:solidFill>
+                                          <a:schemeClr val="tx1"/>
+                                        </a:solidFill>
+                                        <a:latin typeface="Cambria Math" panose="02040503050406030204" pitchFamily="18" charset="0"/>
+                                        <a:ea typeface="华文楷体" panose="02010600040101010101" pitchFamily="2" charset="-122"/>
+                                        <a:cs typeface="+mn-cs"/>
+                                      </a:rPr>
+                                      <m:t>0</m:t>
+                                    </m:r>
+                                  </m:sub>
+                                </m:sSub>
+                              </m:oMath>
+                            </m:oMathPara>
+                          </a14:m>
+                          <a:endParaRPr lang="zh-CN" altLang="en-US" sz="2400" b="0" kern="1200" dirty="0">
+                            <a:solidFill>
+                              <a:schemeClr val="tx1"/>
+                            </a:solidFill>
+                            <a:latin typeface="华文楷体" panose="02010600040101010101" pitchFamily="2" charset="-122"/>
+                            <a:ea typeface="华文楷体" panose="02010600040101010101" pitchFamily="2" charset="-122"/>
+                            <a:cs typeface="+mn-cs"/>
+                          </a:endParaRPr>
+                        </a:p>
+                      </a:txBody>
+                      <a:tcPr anchor="ctr">
+                        <a:lnL w="12700" cap="flat" cmpd="sng" algn="ctr">
+                          <a:solidFill>
+                            <a:schemeClr val="tx1"/>
+                          </a:solidFill>
+                          <a:prstDash val="solid"/>
+                          <a:round/>
+                          <a:headEnd type="none" w="med" len="med"/>
+                          <a:tailEnd type="none" w="med" len="med"/>
+                        </a:lnL>
+                        <a:lnR w="12700" cap="flat" cmpd="sng" algn="ctr">
+                          <a:solidFill>
+                            <a:schemeClr val="tx1"/>
+                          </a:solidFill>
+                          <a:prstDash val="solid"/>
+                          <a:round/>
+                          <a:headEnd type="none" w="med" len="med"/>
+                          <a:tailEnd type="none" w="med" len="med"/>
+                        </a:lnR>
+                        <a:lnT w="12700" cap="flat" cmpd="sng" algn="ctr">
+                          <a:solidFill>
+                            <a:schemeClr val="tx1"/>
+                          </a:solidFill>
+                          <a:prstDash val="solid"/>
+                          <a:round/>
+                          <a:headEnd type="none" w="med" len="med"/>
+                          <a:tailEnd type="none" w="med" len="med"/>
+                        </a:lnT>
+                        <a:lnB w="12700" cap="flat" cmpd="sng" algn="ctr">
+                          <a:solidFill>
+                            <a:schemeClr val="tx1"/>
+                          </a:solidFill>
+                          <a:prstDash val="solid"/>
+                          <a:round/>
+                          <a:headEnd type="none" w="med" len="med"/>
+                          <a:tailEnd type="none" w="med" len="med"/>
+                        </a:lnB>
+                        <a:noFill/>
+                      </a:tcPr>
+                    </a:tc>
+                    <a:tc>
+                      <a:txBody>
+                        <a:bodyPr/>
+                        <a:lstStyle/>
+                        <a:p>
+                          <a:pPr algn="ctr"/>
+                          <a:r>
+                            <a:rPr lang="en-US" altLang="zh-CN" sz="2400" kern="1200" dirty="0">
+                              <a:solidFill>
+                                <a:schemeClr val="tx1"/>
+                              </a:solidFill>
+                              <a:latin typeface="华文楷体" panose="02010600040101010101" pitchFamily="2" charset="-122"/>
+                              <a:ea typeface="华文楷体" panose="02010600040101010101" pitchFamily="2" charset="-122"/>
+                              <a:cs typeface="+mn-cs"/>
+                            </a:rPr>
+                            <a:t>0. 1647</a:t>
+                          </a:r>
+                          <a:endParaRPr lang="zh-CN" altLang="en-US" sz="2400" kern="1200" dirty="0">
+                            <a:solidFill>
+                              <a:schemeClr val="tx1"/>
+                            </a:solidFill>
+                            <a:latin typeface="华文楷体" panose="02010600040101010101" pitchFamily="2" charset="-122"/>
+                            <a:ea typeface="华文楷体" panose="02010600040101010101" pitchFamily="2" charset="-122"/>
+                            <a:cs typeface="+mn-cs"/>
+                          </a:endParaRPr>
+                        </a:p>
+                      </a:txBody>
+                      <a:tcPr anchor="ctr">
+                        <a:lnL w="12700" cap="flat" cmpd="sng" algn="ctr">
+                          <a:solidFill>
+                            <a:schemeClr val="tx1"/>
+                          </a:solidFill>
+                          <a:prstDash val="solid"/>
+                          <a:round/>
+                          <a:headEnd type="none" w="med" len="med"/>
+                          <a:tailEnd type="none" w="med" len="med"/>
+                        </a:lnL>
+                        <a:lnR w="12700" cap="flat" cmpd="sng" algn="ctr">
+                          <a:solidFill>
+                            <a:schemeClr val="tx1"/>
+                          </a:solidFill>
+                          <a:prstDash val="solid"/>
+                          <a:round/>
+                          <a:headEnd type="none" w="med" len="med"/>
+                          <a:tailEnd type="none" w="med" len="med"/>
+                        </a:lnR>
+                        <a:lnT w="12700" cap="flat" cmpd="sng" algn="ctr">
+                          <a:solidFill>
+                            <a:schemeClr val="tx1"/>
+                          </a:solidFill>
+                          <a:prstDash val="solid"/>
+                          <a:round/>
+                          <a:headEnd type="none" w="med" len="med"/>
+                          <a:tailEnd type="none" w="med" len="med"/>
+                        </a:lnT>
+                        <a:lnB w="12700" cap="flat" cmpd="sng" algn="ctr">
+                          <a:solidFill>
+                            <a:schemeClr val="tx1"/>
+                          </a:solidFill>
+                          <a:prstDash val="solid"/>
+                          <a:round/>
+                          <a:headEnd type="none" w="med" len="med"/>
+                          <a:tailEnd type="none" w="med" len="med"/>
+                        </a:lnB>
+                        <a:noFill/>
+                      </a:tcPr>
+                    </a:tc>
+                    <a:extLst>
+                      <a:ext uri="{0D108BD9-81ED-4DB2-BD59-A6C34878D82A}">
+                        <a16:rowId xmlns:a16="http://schemas.microsoft.com/office/drawing/2014/main" val="2214456908"/>
+                      </a:ext>
+                    </a:extLst>
+                  </a:tr>
+                  <a:tr h="370840">
+                    <a:tc>
+                      <a:txBody>
+                        <a:bodyPr/>
+                        <a:lstStyle/>
+                        <a:p>
+                          <a:pPr marL="0" marR="0" lvl="0" indent="0" algn="ctr" defTabSz="914400" rtl="0" eaLnBrk="1" fontAlgn="auto" latinLnBrk="0" hangingPunct="1">
+                            <a:lnSpc>
+                              <a:spcPct val="100000"/>
+                            </a:lnSpc>
+                            <a:spcBef>
+                              <a:spcPts val="0"/>
+                            </a:spcBef>
+                            <a:spcAft>
+                              <a:spcPts val="0"/>
+                            </a:spcAft>
+                            <a:buClrTx/>
+                            <a:buSzTx/>
+                            <a:buFontTx/>
+                            <a:buNone/>
+                            <a:tabLst/>
+                            <a:defRPr/>
+                          </a:pPr>
+                          <a14:m>
+                            <m:oMathPara xmlns:m="http://schemas.openxmlformats.org/officeDocument/2006/math">
+                              <m:oMathParaPr>
+                                <m:jc m:val="centerGroup"/>
+                              </m:oMathParaPr>
+                              <m:oMath xmlns:m="http://schemas.openxmlformats.org/officeDocument/2006/math">
+                                <m:sSub>
+                                  <m:sSubPr>
+                                    <m:ctrlPr>
+                                      <a:rPr lang="en-US" altLang="zh-CN" sz="2400" b="0" i="1" kern="1200" smtClean="0">
+                                        <a:solidFill>
+                                          <a:schemeClr val="tx1"/>
+                                        </a:solidFill>
+                                        <a:latin typeface="Cambria Math" panose="02040503050406030204" pitchFamily="18" charset="0"/>
+                                        <a:ea typeface="华文楷体" panose="02010600040101010101" pitchFamily="2" charset="-122"/>
+                                        <a:cs typeface="+mn-cs"/>
+                                      </a:rPr>
+                                    </m:ctrlPr>
+                                  </m:sSubPr>
+                                  <m:e>
+                                    <m:r>
+                                      <a:rPr lang="en-US" altLang="zh-CN" sz="2400" b="0" i="1" kern="1200" smtClean="0">
+                                        <a:solidFill>
+                                          <a:schemeClr val="tx1"/>
+                                        </a:solidFill>
+                                        <a:latin typeface="Cambria Math" panose="02040503050406030204" pitchFamily="18" charset="0"/>
+                                        <a:ea typeface="华文楷体" panose="02010600040101010101" pitchFamily="2" charset="-122"/>
+                                        <a:cs typeface="+mn-cs"/>
+                                      </a:rPr>
+                                      <m:t>𝑥</m:t>
+                                    </m:r>
+                                  </m:e>
+                                  <m:sub>
+                                    <m:r>
+                                      <a:rPr lang="en-US" altLang="zh-CN" sz="2400" b="0" i="1" kern="1200" smtClean="0">
+                                        <a:solidFill>
+                                          <a:schemeClr val="tx1"/>
+                                        </a:solidFill>
+                                        <a:latin typeface="Cambria Math" panose="02040503050406030204" pitchFamily="18" charset="0"/>
+                                        <a:ea typeface="华文楷体" panose="02010600040101010101" pitchFamily="2" charset="-122"/>
+                                        <a:cs typeface="+mn-cs"/>
+                                      </a:rPr>
+                                      <m:t>1</m:t>
+                                    </m:r>
+                                  </m:sub>
+                                </m:sSub>
+                              </m:oMath>
+                            </m:oMathPara>
+                          </a14:m>
+                          <a:endParaRPr lang="zh-CN" altLang="en-US" sz="2400" b="0" kern="1200" dirty="0">
+                            <a:solidFill>
+                              <a:schemeClr val="tx1"/>
+                            </a:solidFill>
+                            <a:latin typeface="华文楷体" panose="02010600040101010101" pitchFamily="2" charset="-122"/>
+                            <a:ea typeface="华文楷体" panose="02010600040101010101" pitchFamily="2" charset="-122"/>
+                            <a:cs typeface="+mn-cs"/>
+                          </a:endParaRPr>
+                        </a:p>
+                      </a:txBody>
+                      <a:tcPr anchor="ctr">
+                        <a:lnL w="12700" cap="flat" cmpd="sng" algn="ctr">
+                          <a:solidFill>
+                            <a:schemeClr val="tx1"/>
+                          </a:solidFill>
+                          <a:prstDash val="solid"/>
+                          <a:round/>
+                          <a:headEnd type="none" w="med" len="med"/>
+                          <a:tailEnd type="none" w="med" len="med"/>
+                        </a:lnL>
+                        <a:lnR w="12700" cap="flat" cmpd="sng" algn="ctr">
+                          <a:solidFill>
+                            <a:schemeClr val="tx1"/>
+                          </a:solidFill>
+                          <a:prstDash val="solid"/>
+                          <a:round/>
+                          <a:headEnd type="none" w="med" len="med"/>
+                          <a:tailEnd type="none" w="med" len="med"/>
+                        </a:lnR>
+                        <a:lnT w="12700" cap="flat" cmpd="sng" algn="ctr">
+                          <a:solidFill>
+                            <a:schemeClr val="tx1"/>
+                          </a:solidFill>
+                          <a:prstDash val="solid"/>
+                          <a:round/>
+                          <a:headEnd type="none" w="med" len="med"/>
+                          <a:tailEnd type="none" w="med" len="med"/>
+                        </a:lnT>
+                        <a:lnB w="12700" cap="flat" cmpd="sng" algn="ctr">
+                          <a:solidFill>
+                            <a:schemeClr val="tx1"/>
+                          </a:solidFill>
+                          <a:prstDash val="solid"/>
+                          <a:round/>
+                          <a:headEnd type="none" w="med" len="med"/>
+                          <a:tailEnd type="none" w="med" len="med"/>
+                        </a:lnB>
+                        <a:noFill/>
+                      </a:tcPr>
+                    </a:tc>
+                    <a:tc>
+                      <a:txBody>
+                        <a:bodyPr/>
+                        <a:lstStyle/>
+                        <a:p>
+                          <a:pPr algn="ctr"/>
+                          <a:r>
+                            <a:rPr lang="en-US" altLang="zh-CN" sz="2400" kern="1200" dirty="0">
+                              <a:solidFill>
+                                <a:schemeClr val="tx1"/>
+                              </a:solidFill>
+                              <a:latin typeface="华文楷体" panose="02010600040101010101" pitchFamily="2" charset="-122"/>
+                              <a:ea typeface="华文楷体" panose="02010600040101010101" pitchFamily="2" charset="-122"/>
+                              <a:cs typeface="+mn-cs"/>
+                            </a:rPr>
+                            <a:t>2.2</a:t>
+                          </a:r>
+                          <a:endParaRPr lang="zh-CN" altLang="en-US" sz="2400" kern="1200" dirty="0">
+                            <a:solidFill>
+                              <a:schemeClr val="tx1"/>
+                            </a:solidFill>
+                            <a:latin typeface="华文楷体" panose="02010600040101010101" pitchFamily="2" charset="-122"/>
+                            <a:ea typeface="华文楷体" panose="02010600040101010101" pitchFamily="2" charset="-122"/>
+                            <a:cs typeface="+mn-cs"/>
+                          </a:endParaRPr>
+                        </a:p>
+                      </a:txBody>
+                      <a:tcPr anchor="ctr">
+                        <a:lnL w="12700" cap="flat" cmpd="sng" algn="ctr">
+                          <a:solidFill>
+                            <a:schemeClr val="tx1"/>
+                          </a:solidFill>
+                          <a:prstDash val="solid"/>
+                          <a:round/>
+                          <a:headEnd type="none" w="med" len="med"/>
+                          <a:tailEnd type="none" w="med" len="med"/>
+                        </a:lnL>
+                        <a:lnR w="12700" cap="flat" cmpd="sng" algn="ctr">
+                          <a:solidFill>
+                            <a:schemeClr val="tx1"/>
+                          </a:solidFill>
+                          <a:prstDash val="solid"/>
+                          <a:round/>
+                          <a:headEnd type="none" w="med" len="med"/>
+                          <a:tailEnd type="none" w="med" len="med"/>
+                        </a:lnR>
+                        <a:lnT w="12700" cap="flat" cmpd="sng" algn="ctr">
+                          <a:solidFill>
+                            <a:schemeClr val="tx1"/>
+                          </a:solidFill>
+                          <a:prstDash val="solid"/>
+                          <a:round/>
+                          <a:headEnd type="none" w="med" len="med"/>
+                          <a:tailEnd type="none" w="med" len="med"/>
+                        </a:lnT>
+                        <a:lnB w="12700" cap="flat" cmpd="sng" algn="ctr">
+                          <a:solidFill>
+                            <a:schemeClr val="tx1"/>
+                          </a:solidFill>
+                          <a:prstDash val="solid"/>
+                          <a:round/>
+                          <a:headEnd type="none" w="med" len="med"/>
+                          <a:tailEnd type="none" w="med" len="med"/>
+                        </a:lnB>
+                        <a:noFill/>
+                      </a:tcPr>
+                    </a:tc>
+                    <a:extLst>
+                      <a:ext uri="{0D108BD9-81ED-4DB2-BD59-A6C34878D82A}">
+                        <a16:rowId xmlns:a16="http://schemas.microsoft.com/office/drawing/2014/main" val="1140495037"/>
+                      </a:ext>
+                    </a:extLst>
+                  </a:tr>
+                  <a:tr h="370840">
+                    <a:tc>
+                      <a:txBody>
+                        <a:bodyPr/>
+                        <a:lstStyle/>
+                        <a:p>
+                          <a:pPr marL="0" marR="0" lvl="0" indent="0" algn="ctr" defTabSz="914400" rtl="0" eaLnBrk="1" fontAlgn="auto" latinLnBrk="0" hangingPunct="1">
+                            <a:lnSpc>
+                              <a:spcPct val="100000"/>
+                            </a:lnSpc>
+                            <a:spcBef>
+                              <a:spcPts val="0"/>
+                            </a:spcBef>
+                            <a:spcAft>
+                              <a:spcPts val="0"/>
+                            </a:spcAft>
+                            <a:buClrTx/>
+                            <a:buSzTx/>
+                            <a:buFontTx/>
+                            <a:buNone/>
+                            <a:tabLst/>
+                            <a:defRPr/>
+                          </a:pPr>
+                          <a14:m>
+                            <m:oMathPara xmlns:m="http://schemas.openxmlformats.org/officeDocument/2006/math">
+                              <m:oMathParaPr>
+                                <m:jc m:val="centerGroup"/>
+                              </m:oMathParaPr>
+                              <m:oMath xmlns:m="http://schemas.openxmlformats.org/officeDocument/2006/math">
+                                <m:bar>
+                                  <m:barPr>
+                                    <m:pos m:val="top"/>
+                                    <m:ctrlPr>
+                                      <a:rPr lang="en-US" altLang="zh-CN" sz="2400" b="0" i="1" kern="1200" smtClean="0">
+                                        <a:solidFill>
+                                          <a:schemeClr val="tx1"/>
+                                        </a:solidFill>
+                                        <a:latin typeface="Cambria Math" panose="02040503050406030204" pitchFamily="18" charset="0"/>
+                                        <a:ea typeface="华文楷体" panose="02010600040101010101" pitchFamily="2" charset="-122"/>
+                                        <a:cs typeface="+mn-cs"/>
+                                      </a:rPr>
+                                    </m:ctrlPr>
+                                  </m:barPr>
+                                  <m:e>
+                                    <m:r>
+                                      <a:rPr lang="en-US" altLang="zh-CN" sz="2400" b="0" i="1" kern="1200" smtClean="0">
+                                        <a:solidFill>
+                                          <a:schemeClr val="tx1"/>
+                                        </a:solidFill>
+                                        <a:latin typeface="Cambria Math" panose="02040503050406030204" pitchFamily="18" charset="0"/>
+                                        <a:ea typeface="华文楷体" panose="02010600040101010101" pitchFamily="2" charset="-122"/>
+                                        <a:cs typeface="+mn-cs"/>
+                                      </a:rPr>
+                                      <m:t>𝐶</m:t>
+                                    </m:r>
+                                  </m:e>
+                                </m:bar>
+                              </m:oMath>
+                            </m:oMathPara>
+                          </a14:m>
+                          <a:endParaRPr lang="zh-CN" altLang="en-US" sz="2400" b="0" kern="1200" dirty="0">
+                            <a:solidFill>
+                              <a:schemeClr val="tx1"/>
+                            </a:solidFill>
+                            <a:latin typeface="华文楷体" panose="02010600040101010101" pitchFamily="2" charset="-122"/>
+                            <a:ea typeface="华文楷体" panose="02010600040101010101" pitchFamily="2" charset="-122"/>
+                            <a:cs typeface="+mn-cs"/>
+                          </a:endParaRPr>
+                        </a:p>
+                      </a:txBody>
+                      <a:tcPr anchor="ctr">
+                        <a:lnL w="12700" cap="flat" cmpd="sng" algn="ctr">
+                          <a:solidFill>
+                            <a:schemeClr val="tx1"/>
+                          </a:solidFill>
+                          <a:prstDash val="solid"/>
+                          <a:round/>
+                          <a:headEnd type="none" w="med" len="med"/>
+                          <a:tailEnd type="none" w="med" len="med"/>
+                        </a:lnL>
+                        <a:lnR w="12700" cap="flat" cmpd="sng" algn="ctr">
+                          <a:solidFill>
+                            <a:schemeClr val="tx1"/>
+                          </a:solidFill>
+                          <a:prstDash val="solid"/>
+                          <a:round/>
+                          <a:headEnd type="none" w="med" len="med"/>
+                          <a:tailEnd type="none" w="med" len="med"/>
+                        </a:lnR>
+                        <a:lnT w="12700" cap="flat" cmpd="sng" algn="ctr">
+                          <a:solidFill>
+                            <a:schemeClr val="tx1"/>
+                          </a:solidFill>
+                          <a:prstDash val="solid"/>
+                          <a:round/>
+                          <a:headEnd type="none" w="med" len="med"/>
+                          <a:tailEnd type="none" w="med" len="med"/>
+                        </a:lnT>
+                        <a:lnB w="12700" cap="flat" cmpd="sng" algn="ctr">
+                          <a:solidFill>
+                            <a:schemeClr val="tx1"/>
+                          </a:solidFill>
+                          <a:prstDash val="solid"/>
+                          <a:round/>
+                          <a:headEnd type="none" w="med" len="med"/>
+                          <a:tailEnd type="none" w="med" len="med"/>
+                        </a:lnB>
+                        <a:noFill/>
+                      </a:tcPr>
+                    </a:tc>
+                    <a:tc>
+                      <a:txBody>
+                        <a:bodyPr/>
+                        <a:lstStyle/>
+                        <a:p>
+                          <a:pPr algn="ctr"/>
+                          <a:r>
+                            <a:rPr lang="en-US" altLang="zh-CN" sz="2400" kern="1200" dirty="0">
+                              <a:solidFill>
+                                <a:schemeClr val="tx1"/>
+                              </a:solidFill>
+                              <a:latin typeface="华文楷体" panose="02010600040101010101" pitchFamily="2" charset="-122"/>
+                              <a:ea typeface="华文楷体" panose="02010600040101010101" pitchFamily="2" charset="-122"/>
+                              <a:cs typeface="+mn-cs"/>
+                            </a:rPr>
+                            <a:t>3.300</a:t>
+                          </a:r>
+                          <a:endParaRPr lang="zh-CN" altLang="en-US" sz="2400" kern="1200" dirty="0">
+                            <a:solidFill>
+                              <a:schemeClr val="tx1"/>
+                            </a:solidFill>
+                            <a:latin typeface="华文楷体" panose="02010600040101010101" pitchFamily="2" charset="-122"/>
+                            <a:ea typeface="华文楷体" panose="02010600040101010101" pitchFamily="2" charset="-122"/>
+                            <a:cs typeface="+mn-cs"/>
+                          </a:endParaRPr>
+                        </a:p>
+                      </a:txBody>
+                      <a:tcPr anchor="ctr">
+                        <a:lnL w="12700" cap="flat" cmpd="sng" algn="ctr">
+                          <a:solidFill>
+                            <a:schemeClr val="tx1"/>
+                          </a:solidFill>
+                          <a:prstDash val="solid"/>
+                          <a:round/>
+                          <a:headEnd type="none" w="med" len="med"/>
+                          <a:tailEnd type="none" w="med" len="med"/>
+                        </a:lnL>
+                        <a:lnR w="12700" cap="flat" cmpd="sng" algn="ctr">
+                          <a:solidFill>
+                            <a:schemeClr val="tx1"/>
+                          </a:solidFill>
+                          <a:prstDash val="solid"/>
+                          <a:round/>
+                          <a:headEnd type="none" w="med" len="med"/>
+                          <a:tailEnd type="none" w="med" len="med"/>
+                        </a:lnR>
+                        <a:lnT w="12700" cap="flat" cmpd="sng" algn="ctr">
+                          <a:solidFill>
+                            <a:schemeClr val="tx1"/>
+                          </a:solidFill>
+                          <a:prstDash val="solid"/>
+                          <a:round/>
+                          <a:headEnd type="none" w="med" len="med"/>
+                          <a:tailEnd type="none" w="med" len="med"/>
+                        </a:lnT>
+                        <a:lnB w="12700" cap="flat" cmpd="sng" algn="ctr">
+                          <a:solidFill>
+                            <a:schemeClr val="tx1"/>
+                          </a:solidFill>
+                          <a:prstDash val="solid"/>
+                          <a:round/>
+                          <a:headEnd type="none" w="med" len="med"/>
+                          <a:tailEnd type="none" w="med" len="med"/>
+                        </a:lnB>
+                        <a:noFill/>
+                      </a:tcPr>
+                    </a:tc>
+                    <a:extLst>
+                      <a:ext uri="{0D108BD9-81ED-4DB2-BD59-A6C34878D82A}">
+                        <a16:rowId xmlns:a16="http://schemas.microsoft.com/office/drawing/2014/main" val="435427648"/>
+                      </a:ext>
+                    </a:extLst>
+                  </a:tr>
+                </a:tbl>
+              </a:graphicData>
+            </a:graphic>
+          </p:graphicFrame>
+        </mc:Choice>
+        <mc:Fallback xmlns="">
+          <p:graphicFrame>
+            <p:nvGraphicFramePr>
+              <p:cNvPr id="4" name="表格 3">
+                <a:extLst>
+                  <a:ext uri="{FF2B5EF4-FFF2-40B4-BE49-F238E27FC236}">
+                    <a16:creationId xmlns:a16="http://schemas.microsoft.com/office/drawing/2014/main" id="{2FBC3BF2-6932-1572-F7B2-F0E5EAEA6F40}"/>
+                  </a:ext>
+                </a:extLst>
+              </p:cNvPr>
+              <p:cNvGraphicFramePr>
+                <a:graphicFrameLocks noGrp="1"/>
+              </p:cNvGraphicFramePr>
+              <p:nvPr>
+                <p:extLst>
+                  <p:ext uri="{D42A27DB-BD31-4B8C-83A1-F6EECF244321}">
+                    <p14:modId xmlns:p14="http://schemas.microsoft.com/office/powerpoint/2010/main" val="2887848441"/>
+                  </p:ext>
+                </p:extLst>
+              </p:nvPr>
+            </p:nvGraphicFramePr>
+            <p:xfrm>
+              <a:off x="2054045" y="2550619"/>
+              <a:ext cx="8083910" cy="2329117"/>
+            </p:xfrm>
+            <a:graphic>
+              <a:graphicData uri="http://schemas.openxmlformats.org/drawingml/2006/table">
+                <a:tbl>
+                  <a:tblPr firstRow="1" bandRow="1">
+                    <a:tableStyleId>{5C22544A-7EE6-4342-B048-85BDC9FD1C3A}</a:tableStyleId>
+                  </a:tblPr>
+                  <a:tblGrid>
+                    <a:gridCol w="4041955">
+                      <a:extLst>
+                        <a:ext uri="{9D8B030D-6E8A-4147-A177-3AD203B41FA5}">
+                          <a16:colId xmlns:a16="http://schemas.microsoft.com/office/drawing/2014/main" val="2459270469"/>
+                        </a:ext>
+                      </a:extLst>
+                    </a:gridCol>
+                    <a:gridCol w="4041955">
+                      <a:extLst>
+                        <a:ext uri="{9D8B030D-6E8A-4147-A177-3AD203B41FA5}">
+                          <a16:colId xmlns:a16="http://schemas.microsoft.com/office/drawing/2014/main" val="1494011293"/>
+                        </a:ext>
+                      </a:extLst>
+                    </a:gridCol>
+                  </a:tblGrid>
+                  <a:tr h="457200">
+                    <a:tc>
+                      <a:txBody>
+                        <a:bodyPr/>
+                        <a:lstStyle/>
+                        <a:p>
+                          <a:endParaRPr lang="zh-CN"/>
+                        </a:p>
+                      </a:txBody>
+                      <a:tcPr anchor="ctr">
+                        <a:lnL w="12700" cap="flat" cmpd="sng" algn="ctr">
+                          <a:solidFill>
+                            <a:schemeClr val="tx1"/>
+                          </a:solidFill>
+                          <a:prstDash val="solid"/>
+                          <a:round/>
+                          <a:headEnd type="none" w="med" len="med"/>
+                          <a:tailEnd type="none" w="med" len="med"/>
+                        </a:lnL>
+                        <a:lnR w="12700" cap="flat" cmpd="sng" algn="ctr">
+                          <a:solidFill>
+                            <a:schemeClr val="tx1"/>
+                          </a:solidFill>
+                          <a:prstDash val="solid"/>
+                          <a:round/>
+                          <a:headEnd type="none" w="med" len="med"/>
+                          <a:tailEnd type="none" w="med" len="med"/>
+                        </a:lnR>
+                        <a:lnT w="12700" cap="flat" cmpd="sng" algn="ctr">
+                          <a:solidFill>
+                            <a:schemeClr val="tx1"/>
+                          </a:solidFill>
+                          <a:prstDash val="solid"/>
+                          <a:round/>
+                          <a:headEnd type="none" w="med" len="med"/>
+                          <a:tailEnd type="none" w="med" len="med"/>
+                        </a:lnT>
+                        <a:lnB w="12700" cap="flat" cmpd="sng" algn="ctr">
+                          <a:solidFill>
+                            <a:schemeClr val="tx1"/>
+                          </a:solidFill>
+                          <a:prstDash val="solid"/>
+                          <a:round/>
+                          <a:headEnd type="none" w="med" len="med"/>
+                          <a:tailEnd type="none" w="med" len="med"/>
+                        </a:lnB>
+                        <a:blipFill>
+                          <a:blip r:embed="rId2"/>
+                          <a:stretch>
+                            <a:fillRect l="-151" t="-10667" r="-100301" b="-436000"/>
+                          </a:stretch>
+                        </a:blipFill>
+                      </a:tcPr>
+                    </a:tc>
+                    <a:tc>
+                      <a:txBody>
+                        <a:bodyPr/>
+                        <a:lstStyle/>
+                        <a:p>
+                          <a:pPr algn="ctr"/>
+                          <a:r>
+                            <a:rPr lang="en-US" altLang="zh-CN" sz="2400" b="0" kern="1200" dirty="0">
+                              <a:solidFill>
+                                <a:schemeClr val="tx1"/>
+                              </a:solidFill>
+                              <a:latin typeface="华文楷体" panose="02010600040101010101" pitchFamily="2" charset="-122"/>
+                              <a:ea typeface="华文楷体" panose="02010600040101010101" pitchFamily="2" charset="-122"/>
+                              <a:cs typeface="+mn-cs"/>
+                            </a:rPr>
+                            <a:t>0. 3670</a:t>
+                          </a:r>
+                          <a:endParaRPr lang="zh-CN" altLang="en-US" sz="2400" b="0" kern="1200" dirty="0">
+                            <a:solidFill>
+                              <a:schemeClr val="tx1"/>
+                            </a:solidFill>
+                            <a:latin typeface="华文楷体" panose="02010600040101010101" pitchFamily="2" charset="-122"/>
+                            <a:ea typeface="华文楷体" panose="02010600040101010101" pitchFamily="2" charset="-122"/>
+                            <a:cs typeface="+mn-cs"/>
+                          </a:endParaRPr>
+                        </a:p>
+                      </a:txBody>
+                      <a:tcPr anchor="ctr">
+                        <a:lnL w="12700" cap="flat" cmpd="sng" algn="ctr">
+                          <a:solidFill>
+                            <a:schemeClr val="tx1"/>
+                          </a:solidFill>
+                          <a:prstDash val="solid"/>
+                          <a:round/>
+                          <a:headEnd type="none" w="med" len="med"/>
+                          <a:tailEnd type="none" w="med" len="med"/>
+                        </a:lnL>
+                        <a:lnR w="12700" cap="flat" cmpd="sng" algn="ctr">
+                          <a:solidFill>
+                            <a:schemeClr val="tx1"/>
+                          </a:solidFill>
+                          <a:prstDash val="solid"/>
+                          <a:round/>
+                          <a:headEnd type="none" w="med" len="med"/>
+                          <a:tailEnd type="none" w="med" len="med"/>
+                        </a:lnR>
+                        <a:lnT w="12700" cap="flat" cmpd="sng" algn="ctr">
+                          <a:solidFill>
+                            <a:schemeClr val="tx1"/>
+                          </a:solidFill>
+                          <a:prstDash val="solid"/>
+                          <a:round/>
+                          <a:headEnd type="none" w="med" len="med"/>
+                          <a:tailEnd type="none" w="med" len="med"/>
+                        </a:lnT>
+                        <a:lnB w="12700" cap="flat" cmpd="sng" algn="ctr">
+                          <a:solidFill>
+                            <a:schemeClr val="tx1"/>
+                          </a:solidFill>
+                          <a:prstDash val="solid"/>
+                          <a:round/>
+                          <a:headEnd type="none" w="med" len="med"/>
+                          <a:tailEnd type="none" w="med" len="med"/>
+                        </a:lnB>
+                        <a:noFill/>
+                      </a:tcPr>
+                    </a:tc>
+                    <a:extLst>
+                      <a:ext uri="{0D108BD9-81ED-4DB2-BD59-A6C34878D82A}">
+                        <a16:rowId xmlns:a16="http://schemas.microsoft.com/office/drawing/2014/main" val="1450359678"/>
+                      </a:ext>
+                    </a:extLst>
+                  </a:tr>
+                  <a:tr h="457200">
+                    <a:tc>
+                      <a:txBody>
+                        <a:bodyPr/>
+                        <a:lstStyle/>
+                        <a:p>
+                          <a:endParaRPr lang="zh-CN"/>
+                        </a:p>
+                      </a:txBody>
+                      <a:tcPr anchor="ctr">
+                        <a:lnL w="12700" cap="flat" cmpd="sng" algn="ctr">
+                          <a:solidFill>
+                            <a:schemeClr val="tx1"/>
+                          </a:solidFill>
+                          <a:prstDash val="solid"/>
+                          <a:round/>
+                          <a:headEnd type="none" w="med" len="med"/>
+                          <a:tailEnd type="none" w="med" len="med"/>
+                        </a:lnL>
+                        <a:lnR w="12700" cap="flat" cmpd="sng" algn="ctr">
+                          <a:solidFill>
+                            <a:schemeClr val="tx1"/>
+                          </a:solidFill>
+                          <a:prstDash val="solid"/>
+                          <a:round/>
+                          <a:headEnd type="none" w="med" len="med"/>
+                          <a:tailEnd type="none" w="med" len="med"/>
+                        </a:lnR>
+                        <a:lnT w="12700" cap="flat" cmpd="sng" algn="ctr">
+                          <a:solidFill>
+                            <a:schemeClr val="tx1"/>
+                          </a:solidFill>
+                          <a:prstDash val="solid"/>
+                          <a:round/>
+                          <a:headEnd type="none" w="med" len="med"/>
+                          <a:tailEnd type="none" w="med" len="med"/>
+                        </a:lnT>
+                        <a:lnB w="12700" cap="flat" cmpd="sng" algn="ctr">
+                          <a:solidFill>
+                            <a:schemeClr val="tx1"/>
+                          </a:solidFill>
+                          <a:prstDash val="solid"/>
+                          <a:round/>
+                          <a:headEnd type="none" w="med" len="med"/>
+                          <a:tailEnd type="none" w="med" len="med"/>
+                        </a:lnB>
+                        <a:blipFill>
+                          <a:blip r:embed="rId2"/>
+                          <a:stretch>
+                            <a:fillRect l="-151" t="-110667" r="-100301" b="-336000"/>
+                          </a:stretch>
+                        </a:blipFill>
+                      </a:tcPr>
+                    </a:tc>
+                    <a:tc>
+                      <a:txBody>
+                        <a:bodyPr/>
+                        <a:lstStyle/>
+                        <a:p>
+                          <a:pPr algn="ctr"/>
+                          <a:r>
+                            <a:rPr lang="en-US" altLang="zh-CN" sz="2400" kern="1200" dirty="0">
+                              <a:solidFill>
+                                <a:schemeClr val="tx1"/>
+                              </a:solidFill>
+                              <a:latin typeface="华文楷体" panose="02010600040101010101" pitchFamily="2" charset="-122"/>
+                              <a:ea typeface="华文楷体" panose="02010600040101010101" pitchFamily="2" charset="-122"/>
+                              <a:cs typeface="+mn-cs"/>
+                            </a:rPr>
+                            <a:t>2.724</a:t>
+                          </a:r>
+                          <a:endParaRPr lang="zh-CN" altLang="en-US" sz="2400" kern="1200" dirty="0">
+                            <a:solidFill>
+                              <a:schemeClr val="tx1"/>
+                            </a:solidFill>
+                            <a:latin typeface="华文楷体" panose="02010600040101010101" pitchFamily="2" charset="-122"/>
+                            <a:ea typeface="华文楷体" panose="02010600040101010101" pitchFamily="2" charset="-122"/>
+                            <a:cs typeface="+mn-cs"/>
+                          </a:endParaRPr>
+                        </a:p>
+                      </a:txBody>
+                      <a:tcPr anchor="ctr">
+                        <a:lnL w="12700" cap="flat" cmpd="sng" algn="ctr">
+                          <a:solidFill>
+                            <a:schemeClr val="tx1"/>
+                          </a:solidFill>
+                          <a:prstDash val="solid"/>
+                          <a:round/>
+                          <a:headEnd type="none" w="med" len="med"/>
+                          <a:tailEnd type="none" w="med" len="med"/>
+                        </a:lnL>
+                        <a:lnR w="12700" cap="flat" cmpd="sng" algn="ctr">
+                          <a:solidFill>
+                            <a:schemeClr val="tx1"/>
+                          </a:solidFill>
+                          <a:prstDash val="solid"/>
+                          <a:round/>
+                          <a:headEnd type="none" w="med" len="med"/>
+                          <a:tailEnd type="none" w="med" len="med"/>
+                        </a:lnR>
+                        <a:lnT w="12700" cap="flat" cmpd="sng" algn="ctr">
+                          <a:solidFill>
+                            <a:schemeClr val="tx1"/>
+                          </a:solidFill>
+                          <a:prstDash val="solid"/>
+                          <a:round/>
+                          <a:headEnd type="none" w="med" len="med"/>
+                          <a:tailEnd type="none" w="med" len="med"/>
+                        </a:lnT>
+                        <a:lnB w="12700" cap="flat" cmpd="sng" algn="ctr">
+                          <a:solidFill>
+                            <a:schemeClr val="tx1"/>
+                          </a:solidFill>
+                          <a:prstDash val="solid"/>
+                          <a:round/>
+                          <a:headEnd type="none" w="med" len="med"/>
+                          <a:tailEnd type="none" w="med" len="med"/>
+                        </a:lnB>
+                        <a:noFill/>
+                      </a:tcPr>
+                    </a:tc>
+                    <a:extLst>
+                      <a:ext uri="{0D108BD9-81ED-4DB2-BD59-A6C34878D82A}">
+                        <a16:rowId xmlns:a16="http://schemas.microsoft.com/office/drawing/2014/main" val="978271092"/>
+                      </a:ext>
+                    </a:extLst>
+                  </a:tr>
+                  <a:tr h="457200">
+                    <a:tc>
+                      <a:txBody>
+                        <a:bodyPr/>
+                        <a:lstStyle/>
+                        <a:p>
+                          <a:endParaRPr lang="zh-CN"/>
+                        </a:p>
+                      </a:txBody>
+                      <a:tcPr anchor="ctr">
+                        <a:lnL w="12700" cap="flat" cmpd="sng" algn="ctr">
+                          <a:solidFill>
+                            <a:schemeClr val="tx1"/>
+                          </a:solidFill>
+                          <a:prstDash val="solid"/>
+                          <a:round/>
+                          <a:headEnd type="none" w="med" len="med"/>
+                          <a:tailEnd type="none" w="med" len="med"/>
+                        </a:lnL>
+                        <a:lnR w="12700" cap="flat" cmpd="sng" algn="ctr">
+                          <a:solidFill>
+                            <a:schemeClr val="tx1"/>
+                          </a:solidFill>
+                          <a:prstDash val="solid"/>
+                          <a:round/>
+                          <a:headEnd type="none" w="med" len="med"/>
+                          <a:tailEnd type="none" w="med" len="med"/>
+                        </a:lnR>
+                        <a:lnT w="12700" cap="flat" cmpd="sng" algn="ctr">
+                          <a:solidFill>
+                            <a:schemeClr val="tx1"/>
+                          </a:solidFill>
+                          <a:prstDash val="solid"/>
+                          <a:round/>
+                          <a:headEnd type="none" w="med" len="med"/>
+                          <a:tailEnd type="none" w="med" len="med"/>
+                        </a:lnT>
+                        <a:lnB w="12700" cap="flat" cmpd="sng" algn="ctr">
+                          <a:solidFill>
+                            <a:schemeClr val="tx1"/>
+                          </a:solidFill>
+                          <a:prstDash val="solid"/>
+                          <a:round/>
+                          <a:headEnd type="none" w="med" len="med"/>
+                          <a:tailEnd type="none" w="med" len="med"/>
+                        </a:lnB>
+                        <a:blipFill>
+                          <a:blip r:embed="rId2"/>
+                          <a:stretch>
+                            <a:fillRect l="-151" t="-207895" r="-100301" b="-231579"/>
+                          </a:stretch>
+                        </a:blipFill>
+                      </a:tcPr>
+                    </a:tc>
+                    <a:tc>
+                      <a:txBody>
+                        <a:bodyPr/>
+                        <a:lstStyle/>
+                        <a:p>
+                          <a:pPr algn="ctr"/>
+                          <a:r>
+                            <a:rPr lang="en-US" altLang="zh-CN" sz="2400" kern="1200" dirty="0">
+                              <a:solidFill>
+                                <a:schemeClr val="tx1"/>
+                              </a:solidFill>
+                              <a:latin typeface="华文楷体" panose="02010600040101010101" pitchFamily="2" charset="-122"/>
+                              <a:ea typeface="华文楷体" panose="02010600040101010101" pitchFamily="2" charset="-122"/>
+                              <a:cs typeface="+mn-cs"/>
+                            </a:rPr>
+                            <a:t>0. 1647</a:t>
+                          </a:r>
+                          <a:endParaRPr lang="zh-CN" altLang="en-US" sz="2400" kern="1200" dirty="0">
+                            <a:solidFill>
+                              <a:schemeClr val="tx1"/>
+                            </a:solidFill>
+                            <a:latin typeface="华文楷体" panose="02010600040101010101" pitchFamily="2" charset="-122"/>
+                            <a:ea typeface="华文楷体" panose="02010600040101010101" pitchFamily="2" charset="-122"/>
+                            <a:cs typeface="+mn-cs"/>
+                          </a:endParaRPr>
+                        </a:p>
+                      </a:txBody>
+                      <a:tcPr anchor="ctr">
+                        <a:lnL w="12700" cap="flat" cmpd="sng" algn="ctr">
+                          <a:solidFill>
+                            <a:schemeClr val="tx1"/>
+                          </a:solidFill>
+                          <a:prstDash val="solid"/>
+                          <a:round/>
+                          <a:headEnd type="none" w="med" len="med"/>
+                          <a:tailEnd type="none" w="med" len="med"/>
+                        </a:lnL>
+                        <a:lnR w="12700" cap="flat" cmpd="sng" algn="ctr">
+                          <a:solidFill>
+                            <a:schemeClr val="tx1"/>
+                          </a:solidFill>
+                          <a:prstDash val="solid"/>
+                          <a:round/>
+                          <a:headEnd type="none" w="med" len="med"/>
+                          <a:tailEnd type="none" w="med" len="med"/>
+                        </a:lnR>
+                        <a:lnT w="12700" cap="flat" cmpd="sng" algn="ctr">
+                          <a:solidFill>
+                            <a:schemeClr val="tx1"/>
+                          </a:solidFill>
+                          <a:prstDash val="solid"/>
+                          <a:round/>
+                          <a:headEnd type="none" w="med" len="med"/>
+                          <a:tailEnd type="none" w="med" len="med"/>
+                        </a:lnT>
+                        <a:lnB w="12700" cap="flat" cmpd="sng" algn="ctr">
+                          <a:solidFill>
+                            <a:schemeClr val="tx1"/>
+                          </a:solidFill>
+                          <a:prstDash val="solid"/>
+                          <a:round/>
+                          <a:headEnd type="none" w="med" len="med"/>
+                          <a:tailEnd type="none" w="med" len="med"/>
+                        </a:lnB>
+                        <a:noFill/>
+                      </a:tcPr>
+                    </a:tc>
+                    <a:extLst>
+                      <a:ext uri="{0D108BD9-81ED-4DB2-BD59-A6C34878D82A}">
+                        <a16:rowId xmlns:a16="http://schemas.microsoft.com/office/drawing/2014/main" val="2214456908"/>
+                      </a:ext>
+                    </a:extLst>
+                  </a:tr>
+                  <a:tr h="457200">
+                    <a:tc>
+                      <a:txBody>
+                        <a:bodyPr/>
+                        <a:lstStyle/>
+                        <a:p>
+                          <a:endParaRPr lang="zh-CN"/>
+                        </a:p>
+                      </a:txBody>
+                      <a:tcPr anchor="ctr">
+                        <a:lnL w="12700" cap="flat" cmpd="sng" algn="ctr">
+                          <a:solidFill>
+                            <a:schemeClr val="tx1"/>
+                          </a:solidFill>
+                          <a:prstDash val="solid"/>
+                          <a:round/>
+                          <a:headEnd type="none" w="med" len="med"/>
+                          <a:tailEnd type="none" w="med" len="med"/>
+                        </a:lnL>
+                        <a:lnR w="12700" cap="flat" cmpd="sng" algn="ctr">
+                          <a:solidFill>
+                            <a:schemeClr val="tx1"/>
+                          </a:solidFill>
+                          <a:prstDash val="solid"/>
+                          <a:round/>
+                          <a:headEnd type="none" w="med" len="med"/>
+                          <a:tailEnd type="none" w="med" len="med"/>
+                        </a:lnR>
+                        <a:lnT w="12700" cap="flat" cmpd="sng" algn="ctr">
+                          <a:solidFill>
+                            <a:schemeClr val="tx1"/>
+                          </a:solidFill>
+                          <a:prstDash val="solid"/>
+                          <a:round/>
+                          <a:headEnd type="none" w="med" len="med"/>
+                          <a:tailEnd type="none" w="med" len="med"/>
+                        </a:lnT>
+                        <a:lnB w="12700" cap="flat" cmpd="sng" algn="ctr">
+                          <a:solidFill>
+                            <a:schemeClr val="tx1"/>
+                          </a:solidFill>
+                          <a:prstDash val="solid"/>
+                          <a:round/>
+                          <a:headEnd type="none" w="med" len="med"/>
+                          <a:tailEnd type="none" w="med" len="med"/>
+                        </a:lnB>
+                        <a:blipFill>
+                          <a:blip r:embed="rId2"/>
+                          <a:stretch>
+                            <a:fillRect l="-151" t="-312000" r="-100301" b="-134667"/>
+                          </a:stretch>
+                        </a:blipFill>
+                      </a:tcPr>
+                    </a:tc>
+                    <a:tc>
+                      <a:txBody>
+                        <a:bodyPr/>
+                        <a:lstStyle/>
+                        <a:p>
+                          <a:pPr algn="ctr"/>
+                          <a:r>
+                            <a:rPr lang="en-US" altLang="zh-CN" sz="2400" kern="1200" dirty="0">
+                              <a:solidFill>
+                                <a:schemeClr val="tx1"/>
+                              </a:solidFill>
+                              <a:latin typeface="华文楷体" panose="02010600040101010101" pitchFamily="2" charset="-122"/>
+                              <a:ea typeface="华文楷体" panose="02010600040101010101" pitchFamily="2" charset="-122"/>
+                              <a:cs typeface="+mn-cs"/>
+                            </a:rPr>
+                            <a:t>2.2</a:t>
+                          </a:r>
+                          <a:endParaRPr lang="zh-CN" altLang="en-US" sz="2400" kern="1200" dirty="0">
+                            <a:solidFill>
+                              <a:schemeClr val="tx1"/>
+                            </a:solidFill>
+                            <a:latin typeface="华文楷体" panose="02010600040101010101" pitchFamily="2" charset="-122"/>
+                            <a:ea typeface="华文楷体" panose="02010600040101010101" pitchFamily="2" charset="-122"/>
+                            <a:cs typeface="+mn-cs"/>
+                          </a:endParaRPr>
+                        </a:p>
+                      </a:txBody>
+                      <a:tcPr anchor="ctr">
+                        <a:lnL w="12700" cap="flat" cmpd="sng" algn="ctr">
+                          <a:solidFill>
+                            <a:schemeClr val="tx1"/>
+                          </a:solidFill>
+                          <a:prstDash val="solid"/>
+                          <a:round/>
+                          <a:headEnd type="none" w="med" len="med"/>
+                          <a:tailEnd type="none" w="med" len="med"/>
+                        </a:lnL>
+                        <a:lnR w="12700" cap="flat" cmpd="sng" algn="ctr">
+                          <a:solidFill>
+                            <a:schemeClr val="tx1"/>
+                          </a:solidFill>
+                          <a:prstDash val="solid"/>
+                          <a:round/>
+                          <a:headEnd type="none" w="med" len="med"/>
+                          <a:tailEnd type="none" w="med" len="med"/>
+                        </a:lnR>
+                        <a:lnT w="12700" cap="flat" cmpd="sng" algn="ctr">
+                          <a:solidFill>
+                            <a:schemeClr val="tx1"/>
+                          </a:solidFill>
+                          <a:prstDash val="solid"/>
+                          <a:round/>
+                          <a:headEnd type="none" w="med" len="med"/>
+                          <a:tailEnd type="none" w="med" len="med"/>
+                        </a:lnT>
+                        <a:lnB w="12700" cap="flat" cmpd="sng" algn="ctr">
+                          <a:solidFill>
+                            <a:schemeClr val="tx1"/>
+                          </a:solidFill>
+                          <a:prstDash val="solid"/>
+                          <a:round/>
+                          <a:headEnd type="none" w="med" len="med"/>
+                          <a:tailEnd type="none" w="med" len="med"/>
+                        </a:lnB>
+                        <a:noFill/>
+                      </a:tcPr>
+                    </a:tc>
+                    <a:extLst>
+                      <a:ext uri="{0D108BD9-81ED-4DB2-BD59-A6C34878D82A}">
+                        <a16:rowId xmlns:a16="http://schemas.microsoft.com/office/drawing/2014/main" val="1140495037"/>
+                      </a:ext>
+                    </a:extLst>
+                  </a:tr>
+                  <a:tr h="500317">
+                    <a:tc>
+                      <a:txBody>
+                        <a:bodyPr/>
+                        <a:lstStyle/>
+                        <a:p>
+                          <a:endParaRPr lang="zh-CN"/>
+                        </a:p>
+                      </a:txBody>
+                      <a:tcPr anchor="ctr">
+                        <a:lnL w="12700" cap="flat" cmpd="sng" algn="ctr">
+                          <a:solidFill>
+                            <a:schemeClr val="tx1"/>
+                          </a:solidFill>
+                          <a:prstDash val="solid"/>
+                          <a:round/>
+                          <a:headEnd type="none" w="med" len="med"/>
+                          <a:tailEnd type="none" w="med" len="med"/>
+                        </a:lnL>
+                        <a:lnR w="12700" cap="flat" cmpd="sng" algn="ctr">
+                          <a:solidFill>
+                            <a:schemeClr val="tx1"/>
+                          </a:solidFill>
+                          <a:prstDash val="solid"/>
+                          <a:round/>
+                          <a:headEnd type="none" w="med" len="med"/>
+                          <a:tailEnd type="none" w="med" len="med"/>
+                        </a:lnR>
+                        <a:lnT w="12700" cap="flat" cmpd="sng" algn="ctr">
+                          <a:solidFill>
+                            <a:schemeClr val="tx1"/>
+                          </a:solidFill>
+                          <a:prstDash val="solid"/>
+                          <a:round/>
+                          <a:headEnd type="none" w="med" len="med"/>
+                          <a:tailEnd type="none" w="med" len="med"/>
+                        </a:lnT>
+                        <a:lnB w="12700" cap="flat" cmpd="sng" algn="ctr">
+                          <a:solidFill>
+                            <a:schemeClr val="tx1"/>
+                          </a:solidFill>
+                          <a:prstDash val="solid"/>
+                          <a:round/>
+                          <a:headEnd type="none" w="med" len="med"/>
+                          <a:tailEnd type="none" w="med" len="med"/>
+                        </a:lnB>
+                        <a:blipFill>
+                          <a:blip r:embed="rId2"/>
+                          <a:stretch>
+                            <a:fillRect l="-151" t="-376829" r="-100301" b="-23171"/>
+                          </a:stretch>
+                        </a:blipFill>
+                      </a:tcPr>
+                    </a:tc>
+                    <a:tc>
+                      <a:txBody>
+                        <a:bodyPr/>
+                        <a:lstStyle/>
+                        <a:p>
+                          <a:pPr algn="ctr"/>
+                          <a:r>
+                            <a:rPr lang="en-US" altLang="zh-CN" sz="2400" kern="1200" dirty="0">
+                              <a:solidFill>
+                                <a:schemeClr val="tx1"/>
+                              </a:solidFill>
+                              <a:latin typeface="华文楷体" panose="02010600040101010101" pitchFamily="2" charset="-122"/>
+                              <a:ea typeface="华文楷体" panose="02010600040101010101" pitchFamily="2" charset="-122"/>
+                              <a:cs typeface="+mn-cs"/>
+                            </a:rPr>
+                            <a:t>3.300</a:t>
+                          </a:r>
+                          <a:endParaRPr lang="zh-CN" altLang="en-US" sz="2400" kern="1200" dirty="0">
+                            <a:solidFill>
+                              <a:schemeClr val="tx1"/>
+                            </a:solidFill>
+                            <a:latin typeface="华文楷体" panose="02010600040101010101" pitchFamily="2" charset="-122"/>
+                            <a:ea typeface="华文楷体" panose="02010600040101010101" pitchFamily="2" charset="-122"/>
+                            <a:cs typeface="+mn-cs"/>
+                          </a:endParaRPr>
+                        </a:p>
+                      </a:txBody>
+                      <a:tcPr anchor="ctr">
+                        <a:lnL w="12700" cap="flat" cmpd="sng" algn="ctr">
+                          <a:solidFill>
+                            <a:schemeClr val="tx1"/>
+                          </a:solidFill>
+                          <a:prstDash val="solid"/>
+                          <a:round/>
+                          <a:headEnd type="none" w="med" len="med"/>
+                          <a:tailEnd type="none" w="med" len="med"/>
+                        </a:lnL>
+                        <a:lnR w="12700" cap="flat" cmpd="sng" algn="ctr">
+                          <a:solidFill>
+                            <a:schemeClr val="tx1"/>
+                          </a:solidFill>
+                          <a:prstDash val="solid"/>
+                          <a:round/>
+                          <a:headEnd type="none" w="med" len="med"/>
+                          <a:tailEnd type="none" w="med" len="med"/>
+                        </a:lnR>
+                        <a:lnT w="12700" cap="flat" cmpd="sng" algn="ctr">
+                          <a:solidFill>
+                            <a:schemeClr val="tx1"/>
+                          </a:solidFill>
+                          <a:prstDash val="solid"/>
+                          <a:round/>
+                          <a:headEnd type="none" w="med" len="med"/>
+                          <a:tailEnd type="none" w="med" len="med"/>
+                        </a:lnT>
+                        <a:lnB w="12700" cap="flat" cmpd="sng" algn="ctr">
+                          <a:solidFill>
+                            <a:schemeClr val="tx1"/>
+                          </a:solidFill>
+                          <a:prstDash val="solid"/>
+                          <a:round/>
+                          <a:headEnd type="none" w="med" len="med"/>
+                          <a:tailEnd type="none" w="med" len="med"/>
+                        </a:lnB>
+                        <a:noFill/>
+                      </a:tcPr>
+                    </a:tc>
+                    <a:extLst>
+                      <a:ext uri="{0D108BD9-81ED-4DB2-BD59-A6C34878D82A}">
+                        <a16:rowId xmlns:a16="http://schemas.microsoft.com/office/drawing/2014/main" val="435427648"/>
+                      </a:ext>
+                    </a:extLst>
+                  </a:tr>
+                </a:tbl>
+              </a:graphicData>
+            </a:graphic>
+          </p:graphicFrame>
+        </mc:Fallback>
+      </mc:AlternateContent>
+      <p:sp>
+        <p:nvSpPr>
+          <p:cNvPr id="11" name="文本框 10">
+            <a:extLst>
+              <a:ext uri="{FF2B5EF4-FFF2-40B4-BE49-F238E27FC236}">
+                <a16:creationId xmlns:a16="http://schemas.microsoft.com/office/drawing/2014/main" id="{A4B32871-19A2-0C09-5471-F61BB16D138D}"/>
+              </a:ext>
+            </a:extLst>
+          </p:cNvPr>
+          <p:cNvSpPr txBox="1"/>
+          <p:nvPr/>
+        </p:nvSpPr>
+        <p:spPr>
+          <a:xfrm>
+            <a:off x="696000" y="2087960"/>
+            <a:ext cx="10800000" cy="461665"/>
+          </a:xfrm>
+          <a:prstGeom prst="rect">
+            <a:avLst/>
+          </a:prstGeom>
+          <a:noFill/>
+        </p:spPr>
+        <p:txBody>
+          <a:bodyPr wrap="square">
+            <a:spAutoFit/>
+          </a:bodyPr>
+          <a:lstStyle/>
+          <a:p>
+            <a:pPr>
+              <a:spcBef>
+                <a:spcPts val="600"/>
+              </a:spcBef>
+              <a:spcAft>
+                <a:spcPts val="600"/>
+              </a:spcAft>
+            </a:pPr>
+            <a:r>
+              <a:rPr lang="zh-CN" altLang="en-US" sz="2400" dirty="0">
+                <a:latin typeface="华文楷体" panose="02010600040101010101" pitchFamily="2" charset="-122"/>
+                <a:ea typeface="华文楷体" panose="02010600040101010101" pitchFamily="2" charset="-122"/>
+              </a:rPr>
+              <a:t>来自于</a:t>
+            </a:r>
+            <a:r>
+              <a:rPr lang="en-US" altLang="zh-CN" sz="2400" dirty="0">
+                <a:latin typeface="华文楷体" panose="02010600040101010101" pitchFamily="2" charset="-122"/>
+                <a:ea typeface="华文楷体" panose="02010600040101010101" pitchFamily="2" charset="-122"/>
+              </a:rPr>
+              <a:t>[4]</a:t>
+            </a:r>
+            <a:r>
+              <a:rPr lang="zh-CN" altLang="en-US" sz="2400" dirty="0">
+                <a:latin typeface="华文楷体" panose="02010600040101010101" pitchFamily="2" charset="-122"/>
+                <a:ea typeface="华文楷体" panose="02010600040101010101" pitchFamily="2" charset="-122"/>
+              </a:rPr>
+              <a:t>的聚苯乙烯参数：</a:t>
+            </a:r>
+          </a:p>
+        </p:txBody>
+      </p:sp>
+      <p:sp>
+        <p:nvSpPr>
+          <p:cNvPr id="3" name="文本框 2">
+            <a:extLst>
+              <a:ext uri="{FF2B5EF4-FFF2-40B4-BE49-F238E27FC236}">
+                <a16:creationId xmlns:a16="http://schemas.microsoft.com/office/drawing/2014/main" id="{2BD8DA4C-1031-FCA5-F959-E446C4BBDC3F}"/>
+              </a:ext>
+            </a:extLst>
+          </p:cNvPr>
+          <p:cNvSpPr txBox="1"/>
+          <p:nvPr/>
+        </p:nvSpPr>
+        <p:spPr>
+          <a:xfrm>
+            <a:off x="156000" y="5771575"/>
+            <a:ext cx="11880000" cy="584775"/>
+          </a:xfrm>
+          <a:prstGeom prst="rect">
+            <a:avLst/>
+          </a:prstGeom>
+          <a:noFill/>
+        </p:spPr>
+        <p:txBody>
+          <a:bodyPr wrap="square">
+            <a:spAutoFit/>
+          </a:bodyPr>
+          <a:lstStyle/>
+          <a:p>
+            <a:r>
+              <a:rPr lang="en-US" altLang="zh-CN" sz="1600" dirty="0">
+                <a:latin typeface="华文楷体" panose="02010600040101010101" pitchFamily="2" charset="-122"/>
+                <a:ea typeface="华文楷体" panose="02010600040101010101" pitchFamily="2" charset="-122"/>
+                <a:cs typeface="Times New Roman" panose="02020603050405020304" pitchFamily="18" charset="0"/>
+              </a:rPr>
+              <a:t>[4] </a:t>
+            </a:r>
+            <a:r>
+              <a:rPr lang="en-US" altLang="zh-CN" sz="1600" dirty="0" err="1">
+                <a:latin typeface="华文楷体" panose="02010600040101010101" pitchFamily="2" charset="-122"/>
+                <a:ea typeface="华文楷体" panose="02010600040101010101" pitchFamily="2" charset="-122"/>
+                <a:cs typeface="Times New Roman" panose="02020603050405020304" pitchFamily="18" charset="0"/>
+              </a:rPr>
+              <a:t>Sternheimer</a:t>
+            </a:r>
+            <a:r>
+              <a:rPr lang="en-US" altLang="zh-CN" sz="1600" dirty="0">
+                <a:latin typeface="华文楷体" panose="02010600040101010101" pitchFamily="2" charset="-122"/>
+                <a:ea typeface="华文楷体" panose="02010600040101010101" pitchFamily="2" charset="-122"/>
+                <a:cs typeface="Times New Roman" panose="02020603050405020304" pitchFamily="18" charset="0"/>
+              </a:rPr>
+              <a:t>, R. M., Seltzer, S. M., Berger, M. J.. Density effect for the ionization loss of charged particles in various substances. Phys. Rev. B, 26: 6067--6076, 1982. DOI: 10.1103/PhysRevB.26.6067.</a:t>
+            </a:r>
+            <a:endParaRPr lang="zh-CN" altLang="en-US" sz="1600" dirty="0">
+              <a:latin typeface="华文楷体" panose="02010600040101010101" pitchFamily="2" charset="-122"/>
+              <a:ea typeface="华文楷体" panose="02010600040101010101" pitchFamily="2" charset="-122"/>
+              <a:cs typeface="Times New Roman" panose="02020603050405020304" pitchFamily="18" charset="0"/>
+            </a:endParaRPr>
+          </a:p>
+        </p:txBody>
+      </p:sp>
+    </p:spTree>
+    <p:extLst>
+      <p:ext uri="{BB962C8B-B14F-4D97-AF65-F5344CB8AC3E}">
+        <p14:creationId xmlns:p14="http://schemas.microsoft.com/office/powerpoint/2010/main" val="3054679165"/>
+      </p:ext>
+    </p:extLst>
+  </p:cSld>
+  <p:clrMapOvr>
+    <a:masterClrMapping/>
+  </p:clrMapOvr>
+  <mc:AlternateContent xmlns:mc="http://schemas.openxmlformats.org/markup-compatibility/2006" xmlns:p159="http://schemas.microsoft.com/office/powerpoint/2015/09/main">
+    <mc:Choice Requires="p159">
+      <p:transition>
+        <p159:morph option="byObject"/>
+      </p:transition>
+    </mc:Choice>
+    <mc:Fallback xmlns="">
+      <p:transition>
+        <p:fade/>
+      </p:transition>
+    </mc:Fallback>
+  </mc:AlternateContent>
+</p:sld>
+</file>
+
+<file path=ppt/slides/slide26.xml><?xml version="1.0" encoding="utf-8"?>
+<p:sld xmlns:a="http://schemas.openxmlformats.org/drawingml/2006/main" xmlns:r="http://schemas.openxmlformats.org/officeDocument/2006/relationships" xmlns:p="http://schemas.openxmlformats.org/presentationml/2006/main">
+  <p:cSld>
+    <p:spTree>
+      <p:nvGrpSpPr>
+        <p:cNvPr id="1" name="">
+          <a:extLst>
+            <a:ext uri="{FF2B5EF4-FFF2-40B4-BE49-F238E27FC236}">
+              <a16:creationId xmlns:a16="http://schemas.microsoft.com/office/drawing/2014/main" id="{64BC26CC-3992-3E20-18D4-805876EA4795}"/>
+            </a:ext>
+          </a:extLst>
+        </p:cNvPr>
+        <p:cNvGrpSpPr/>
+        <p:nvPr/>
+      </p:nvGrpSpPr>
+      <p:grpSpPr>
+        <a:xfrm>
+          <a:off x="0" y="0"/>
+          <a:ext cx="0" cy="0"/>
+          <a:chOff x="0" y="0"/>
+          <a:chExt cx="0" cy="0"/>
+        </a:xfrm>
+      </p:grpSpPr>
+      <p:sp>
+        <p:nvSpPr>
+          <p:cNvPr id="2" name="标题 1">
+            <a:extLst>
+              <a:ext uri="{FF2B5EF4-FFF2-40B4-BE49-F238E27FC236}">
+                <a16:creationId xmlns:a16="http://schemas.microsoft.com/office/drawing/2014/main" id="{F616FC74-72D8-C51B-1EE2-016437C27A46}"/>
+              </a:ext>
+            </a:extLst>
+          </p:cNvPr>
+          <p:cNvSpPr>
+            <a:spLocks noGrp="1"/>
+          </p:cNvSpPr>
+          <p:nvPr>
+            <p:ph type="title"/>
+          </p:nvPr>
+        </p:nvSpPr>
+        <p:spPr>
+          <a:xfrm>
+            <a:off x="838200" y="365125"/>
+            <a:ext cx="10515600" cy="830997"/>
+          </a:xfrm>
+        </p:spPr>
+        <p:txBody>
+          <a:bodyPr/>
+          <a:lstStyle/>
+          <a:p>
+            <a:pPr>
+              <a:spcAft>
+                <a:spcPts val="600"/>
+              </a:spcAft>
+            </a:pPr>
+            <a:r>
+              <a:rPr lang="zh-CN" altLang="en-US" sz="4400" dirty="0">
+                <a:latin typeface="华文楷体" panose="02010600040101010101" pitchFamily="2" charset="-122"/>
+                <a:ea typeface="华文楷体" panose="02010600040101010101" pitchFamily="2" charset="-122"/>
+              </a:rPr>
+              <a:t>研究中使用的具体参数</a:t>
+            </a:r>
+            <a:endParaRPr lang="en-US" altLang="zh-CN" sz="4400" dirty="0">
+              <a:latin typeface="华文楷体" panose="02010600040101010101" pitchFamily="2" charset="-122"/>
+              <a:ea typeface="华文楷体" panose="02010600040101010101" pitchFamily="2" charset="-122"/>
+            </a:endParaRPr>
+          </a:p>
+        </p:txBody>
+      </p:sp>
+      <p:sp>
+        <p:nvSpPr>
+          <p:cNvPr id="7" name="灯片编号占位符 3">
+            <a:extLst>
+              <a:ext uri="{FF2B5EF4-FFF2-40B4-BE49-F238E27FC236}">
+                <a16:creationId xmlns:a16="http://schemas.microsoft.com/office/drawing/2014/main" id="{9D4251DA-38AE-B70F-8BB9-827F69E4D4FF}"/>
+              </a:ext>
+            </a:extLst>
+          </p:cNvPr>
+          <p:cNvSpPr>
+            <a:spLocks noGrp="1"/>
+          </p:cNvSpPr>
+          <p:nvPr>
+            <p:ph type="sldNum" sz="quarter" idx="12"/>
+          </p:nvPr>
+        </p:nvSpPr>
+        <p:spPr>
+          <a:xfrm>
+            <a:off x="8610600" y="6356350"/>
+            <a:ext cx="2743200" cy="365125"/>
+          </a:xfrm>
+        </p:spPr>
+        <p:txBody>
+          <a:bodyPr/>
+          <a:lstStyle/>
+          <a:p>
+            <a:fld id="{4DF96A39-405C-4801-AFAA-189ED9B29D59}" type="slidenum">
+              <a:rPr lang="zh-CN" altLang="en-US" sz="2400" smtClean="0"/>
+              <a:t>26</a:t>
+            </a:fld>
+            <a:endParaRPr lang="zh-CN" altLang="en-US" sz="2400" dirty="0"/>
+          </a:p>
+        </p:txBody>
+      </p:sp>
+      <mc:AlternateContent xmlns:mc="http://schemas.openxmlformats.org/markup-compatibility/2006" xmlns:a14="http://schemas.microsoft.com/office/drawing/2010/main">
+        <mc:Choice Requires="a14">
+          <p:graphicFrame>
+            <p:nvGraphicFramePr>
+              <p:cNvPr id="4" name="表格 3">
+                <a:extLst>
+                  <a:ext uri="{FF2B5EF4-FFF2-40B4-BE49-F238E27FC236}">
+                    <a16:creationId xmlns:a16="http://schemas.microsoft.com/office/drawing/2014/main" id="{A6C7B0B2-2D40-1BF2-5828-7F288637B19B}"/>
+                  </a:ext>
+                </a:extLst>
+              </p:cNvPr>
+              <p:cNvGraphicFramePr>
+                <a:graphicFrameLocks noGrp="1"/>
+              </p:cNvGraphicFramePr>
+              <p:nvPr>
+                <p:extLst>
+                  <p:ext uri="{D42A27DB-BD31-4B8C-83A1-F6EECF244321}">
+                    <p14:modId xmlns:p14="http://schemas.microsoft.com/office/powerpoint/2010/main" val="610284721"/>
+                  </p:ext>
+                </p:extLst>
+              </p:nvPr>
+            </p:nvGraphicFramePr>
+            <p:xfrm>
+              <a:off x="2054045" y="2108924"/>
+              <a:ext cx="8083910" cy="457200"/>
+            </p:xfrm>
+            <a:graphic>
+              <a:graphicData uri="http://schemas.openxmlformats.org/drawingml/2006/table">
+                <a:tbl>
+                  <a:tblPr firstRow="1" bandRow="1">
+                    <a:tableStyleId>{5C22544A-7EE6-4342-B048-85BDC9FD1C3A}</a:tableStyleId>
+                  </a:tblPr>
+                  <a:tblGrid>
+                    <a:gridCol w="4041955">
+                      <a:extLst>
+                        <a:ext uri="{9D8B030D-6E8A-4147-A177-3AD203B41FA5}">
+                          <a16:colId xmlns:a16="http://schemas.microsoft.com/office/drawing/2014/main" val="2459270469"/>
+                        </a:ext>
+                      </a:extLst>
+                    </a:gridCol>
+                    <a:gridCol w="4041955">
+                      <a:extLst>
+                        <a:ext uri="{9D8B030D-6E8A-4147-A177-3AD203B41FA5}">
+                          <a16:colId xmlns:a16="http://schemas.microsoft.com/office/drawing/2014/main" val="1494011293"/>
+                        </a:ext>
+                      </a:extLst>
+                    </a:gridCol>
+                  </a:tblGrid>
+                  <a:tr h="370840">
+                    <a:tc>
+                      <a:txBody>
+                        <a:bodyPr/>
+                        <a:lstStyle/>
+                        <a:p>
+                          <a:pPr algn="ctr"/>
+                          <a14:m>
+                            <m:oMath xmlns:m="http://schemas.openxmlformats.org/officeDocument/2006/math">
+                              <m:r>
+                                <a:rPr lang="en-US" altLang="zh-CN" sz="2400" b="0" i="1" kern="1200" dirty="0" smtClean="0">
+                                  <a:solidFill>
+                                    <a:schemeClr val="tx1"/>
+                                  </a:solidFill>
+                                  <a:latin typeface="Cambria Math" panose="02040503050406030204" pitchFamily="18" charset="0"/>
+                                  <a:ea typeface="华文楷体" panose="02010600040101010101" pitchFamily="2" charset="-122"/>
+                                  <a:cs typeface="+mn-cs"/>
+                                </a:rPr>
+                                <m:t>𝑚</m:t>
+                              </m:r>
+                            </m:oMath>
+                          </a14:m>
+                          <a:r>
+                            <a:rPr lang="en-US" altLang="zh-CN" sz="2400" b="0" kern="1200" dirty="0">
+                              <a:solidFill>
+                                <a:schemeClr val="tx1"/>
+                              </a:solidFill>
+                              <a:latin typeface="华文楷体" panose="02010600040101010101" pitchFamily="2" charset="-122"/>
+                              <a:ea typeface="华文楷体" panose="02010600040101010101" pitchFamily="2" charset="-122"/>
+                              <a:cs typeface="+mn-cs"/>
+                            </a:rPr>
+                            <a:t> [</a:t>
+                          </a:r>
+                          <a14:m>
+                            <m:oMath xmlns:m="http://schemas.openxmlformats.org/officeDocument/2006/math">
+                              <m:r>
+                                <m:rPr>
+                                  <m:sty m:val="p"/>
+                                </m:rPr>
+                                <a:rPr lang="en-US" altLang="zh-CN" sz="2400" b="0" i="0" kern="1200" dirty="0" smtClean="0">
+                                  <a:solidFill>
+                                    <a:schemeClr val="tx1"/>
+                                  </a:solidFill>
+                                  <a:latin typeface="Cambria Math" panose="02040503050406030204" pitchFamily="18" charset="0"/>
+                                  <a:ea typeface="华文楷体" panose="02010600040101010101" pitchFamily="2" charset="-122"/>
+                                  <a:cs typeface="+mn-cs"/>
+                                </a:rPr>
+                                <m:t>Da</m:t>
+                              </m:r>
+                            </m:oMath>
+                          </a14:m>
+                          <a:r>
+                            <a:rPr lang="en-US" altLang="zh-CN" sz="2400" b="0" kern="1200" dirty="0">
+                              <a:solidFill>
+                                <a:schemeClr val="tx1"/>
+                              </a:solidFill>
+                              <a:latin typeface="华文楷体" panose="02010600040101010101" pitchFamily="2" charset="-122"/>
+                              <a:ea typeface="华文楷体" panose="02010600040101010101" pitchFamily="2" charset="-122"/>
+                              <a:cs typeface="+mn-cs"/>
+                            </a:rPr>
+                            <a:t>]</a:t>
+                          </a:r>
+                          <a:endParaRPr lang="zh-CN" altLang="en-US" sz="2400" b="0" kern="1200" dirty="0">
+                            <a:solidFill>
+                              <a:schemeClr val="tx1"/>
+                            </a:solidFill>
+                            <a:latin typeface="华文楷体" panose="02010600040101010101" pitchFamily="2" charset="-122"/>
+                            <a:ea typeface="华文楷体" panose="02010600040101010101" pitchFamily="2" charset="-122"/>
+                            <a:cs typeface="+mn-cs"/>
+                          </a:endParaRPr>
+                        </a:p>
+                      </a:txBody>
+                      <a:tcPr anchor="ctr">
+                        <a:lnL w="12700" cap="flat" cmpd="sng" algn="ctr">
+                          <a:solidFill>
+                            <a:schemeClr val="tx1"/>
+                          </a:solidFill>
+                          <a:prstDash val="solid"/>
+                          <a:round/>
+                          <a:headEnd type="none" w="med" len="med"/>
+                          <a:tailEnd type="none" w="med" len="med"/>
+                        </a:lnL>
+                        <a:lnR w="12700" cap="flat" cmpd="sng" algn="ctr">
+                          <a:solidFill>
+                            <a:schemeClr val="tx1"/>
+                          </a:solidFill>
+                          <a:prstDash val="solid"/>
+                          <a:round/>
+                          <a:headEnd type="none" w="med" len="med"/>
+                          <a:tailEnd type="none" w="med" len="med"/>
+                        </a:lnR>
+                        <a:lnT w="12700" cap="flat" cmpd="sng" algn="ctr">
+                          <a:solidFill>
+                            <a:schemeClr val="tx1"/>
+                          </a:solidFill>
+                          <a:prstDash val="solid"/>
+                          <a:round/>
+                          <a:headEnd type="none" w="med" len="med"/>
+                          <a:tailEnd type="none" w="med" len="med"/>
+                        </a:lnT>
+                        <a:lnB w="12700" cap="flat" cmpd="sng" algn="ctr">
+                          <a:solidFill>
+                            <a:schemeClr val="tx1"/>
+                          </a:solidFill>
+                          <a:prstDash val="solid"/>
+                          <a:round/>
+                          <a:headEnd type="none" w="med" len="med"/>
+                          <a:tailEnd type="none" w="med" len="med"/>
+                        </a:lnB>
+                        <a:noFill/>
+                      </a:tcPr>
+                    </a:tc>
+                    <a:tc>
+                      <a:txBody>
+                        <a:bodyPr/>
+                        <a:lstStyle/>
+                        <a:p>
+                          <a:pPr algn="ctr"/>
+                          <a:r>
+                            <a:rPr lang="en-US" altLang="zh-CN" sz="2400" b="0" kern="1200" dirty="0">
+                              <a:solidFill>
+                                <a:schemeClr val="tx1"/>
+                              </a:solidFill>
+                              <a:latin typeface="华文楷体" panose="02010600040101010101" pitchFamily="2" charset="-122"/>
+                              <a:ea typeface="华文楷体" panose="02010600040101010101" pitchFamily="2" charset="-122"/>
+                              <a:cs typeface="+mn-cs"/>
+                            </a:rPr>
+                            <a:t>6.01512289</a:t>
+                          </a:r>
+                        </a:p>
+                      </a:txBody>
+                      <a:tcPr anchor="ctr">
+                        <a:lnL w="12700" cap="flat" cmpd="sng" algn="ctr">
+                          <a:solidFill>
+                            <a:schemeClr val="tx1"/>
+                          </a:solidFill>
+                          <a:prstDash val="solid"/>
+                          <a:round/>
+                          <a:headEnd type="none" w="med" len="med"/>
+                          <a:tailEnd type="none" w="med" len="med"/>
+                        </a:lnL>
+                        <a:lnR w="12700" cap="flat" cmpd="sng" algn="ctr">
+                          <a:solidFill>
+                            <a:schemeClr val="tx1"/>
+                          </a:solidFill>
+                          <a:prstDash val="solid"/>
+                          <a:round/>
+                          <a:headEnd type="none" w="med" len="med"/>
+                          <a:tailEnd type="none" w="med" len="med"/>
+                        </a:lnR>
+                        <a:lnT w="12700" cap="flat" cmpd="sng" algn="ctr">
+                          <a:solidFill>
+                            <a:schemeClr val="tx1"/>
+                          </a:solidFill>
+                          <a:prstDash val="solid"/>
+                          <a:round/>
+                          <a:headEnd type="none" w="med" len="med"/>
+                          <a:tailEnd type="none" w="med" len="med"/>
+                        </a:lnT>
+                        <a:lnB w="12700" cap="flat" cmpd="sng" algn="ctr">
+                          <a:solidFill>
+                            <a:schemeClr val="tx1"/>
+                          </a:solidFill>
+                          <a:prstDash val="solid"/>
+                          <a:round/>
+                          <a:headEnd type="none" w="med" len="med"/>
+                          <a:tailEnd type="none" w="med" len="med"/>
+                        </a:lnB>
+                        <a:noFill/>
+                      </a:tcPr>
+                    </a:tc>
+                    <a:extLst>
+                      <a:ext uri="{0D108BD9-81ED-4DB2-BD59-A6C34878D82A}">
+                        <a16:rowId xmlns:a16="http://schemas.microsoft.com/office/drawing/2014/main" val="1450359678"/>
+                      </a:ext>
+                    </a:extLst>
+                  </a:tr>
+                </a:tbl>
+              </a:graphicData>
+            </a:graphic>
+          </p:graphicFrame>
+        </mc:Choice>
+        <mc:Fallback xmlns="">
+          <p:graphicFrame>
+            <p:nvGraphicFramePr>
+              <p:cNvPr id="4" name="表格 3">
+                <a:extLst>
+                  <a:ext uri="{FF2B5EF4-FFF2-40B4-BE49-F238E27FC236}">
+                    <a16:creationId xmlns:a16="http://schemas.microsoft.com/office/drawing/2014/main" id="{A6C7B0B2-2D40-1BF2-5828-7F288637B19B}"/>
+                  </a:ext>
+                </a:extLst>
+              </p:cNvPr>
+              <p:cNvGraphicFramePr>
+                <a:graphicFrameLocks noGrp="1"/>
+              </p:cNvGraphicFramePr>
+              <p:nvPr>
+                <p:extLst>
+                  <p:ext uri="{D42A27DB-BD31-4B8C-83A1-F6EECF244321}">
+                    <p14:modId xmlns:p14="http://schemas.microsoft.com/office/powerpoint/2010/main" val="610284721"/>
+                  </p:ext>
+                </p:extLst>
+              </p:nvPr>
+            </p:nvGraphicFramePr>
+            <p:xfrm>
+              <a:off x="2054045" y="2108924"/>
+              <a:ext cx="8083910" cy="457200"/>
+            </p:xfrm>
+            <a:graphic>
+              <a:graphicData uri="http://schemas.openxmlformats.org/drawingml/2006/table">
+                <a:tbl>
+                  <a:tblPr firstRow="1" bandRow="1">
+                    <a:tableStyleId>{5C22544A-7EE6-4342-B048-85BDC9FD1C3A}</a:tableStyleId>
+                  </a:tblPr>
+                  <a:tblGrid>
+                    <a:gridCol w="4041955">
+                      <a:extLst>
+                        <a:ext uri="{9D8B030D-6E8A-4147-A177-3AD203B41FA5}">
+                          <a16:colId xmlns:a16="http://schemas.microsoft.com/office/drawing/2014/main" val="2459270469"/>
+                        </a:ext>
+                      </a:extLst>
+                    </a:gridCol>
+                    <a:gridCol w="4041955">
+                      <a:extLst>
+                        <a:ext uri="{9D8B030D-6E8A-4147-A177-3AD203B41FA5}">
+                          <a16:colId xmlns:a16="http://schemas.microsoft.com/office/drawing/2014/main" val="1494011293"/>
+                        </a:ext>
+                      </a:extLst>
+                    </a:gridCol>
+                  </a:tblGrid>
+                  <a:tr h="457200">
+                    <a:tc>
+                      <a:txBody>
+                        <a:bodyPr/>
+                        <a:lstStyle/>
+                        <a:p>
+                          <a:endParaRPr lang="zh-CN"/>
+                        </a:p>
+                      </a:txBody>
+                      <a:tcPr anchor="ctr">
+                        <a:lnL w="12700" cap="flat" cmpd="sng" algn="ctr">
+                          <a:solidFill>
+                            <a:schemeClr val="tx1"/>
+                          </a:solidFill>
+                          <a:prstDash val="solid"/>
+                          <a:round/>
+                          <a:headEnd type="none" w="med" len="med"/>
+                          <a:tailEnd type="none" w="med" len="med"/>
+                        </a:lnL>
+                        <a:lnR w="12700" cap="flat" cmpd="sng" algn="ctr">
+                          <a:solidFill>
+                            <a:schemeClr val="tx1"/>
+                          </a:solidFill>
+                          <a:prstDash val="solid"/>
+                          <a:round/>
+                          <a:headEnd type="none" w="med" len="med"/>
+                          <a:tailEnd type="none" w="med" len="med"/>
+                        </a:lnR>
+                        <a:lnT w="12700" cap="flat" cmpd="sng" algn="ctr">
+                          <a:solidFill>
+                            <a:schemeClr val="tx1"/>
+                          </a:solidFill>
+                          <a:prstDash val="solid"/>
+                          <a:round/>
+                          <a:headEnd type="none" w="med" len="med"/>
+                          <a:tailEnd type="none" w="med" len="med"/>
+                        </a:lnT>
+                        <a:lnB w="12700" cap="flat" cmpd="sng" algn="ctr">
+                          <a:solidFill>
+                            <a:schemeClr val="tx1"/>
+                          </a:solidFill>
+                          <a:prstDash val="solid"/>
+                          <a:round/>
+                          <a:headEnd type="none" w="med" len="med"/>
+                          <a:tailEnd type="none" w="med" len="med"/>
+                        </a:lnB>
+                        <a:blipFill>
+                          <a:blip r:embed="rId2"/>
+                          <a:stretch>
+                            <a:fillRect l="-151" t="-9211" r="-100301" b="-30263"/>
+                          </a:stretch>
+                        </a:blipFill>
+                      </a:tcPr>
+                    </a:tc>
+                    <a:tc>
+                      <a:txBody>
+                        <a:bodyPr/>
+                        <a:lstStyle/>
+                        <a:p>
+                          <a:pPr algn="ctr"/>
+                          <a:r>
+                            <a:rPr lang="en-US" altLang="zh-CN" sz="2400" b="0" kern="1200" dirty="0">
+                              <a:solidFill>
+                                <a:schemeClr val="tx1"/>
+                              </a:solidFill>
+                              <a:latin typeface="华文楷体" panose="02010600040101010101" pitchFamily="2" charset="-122"/>
+                              <a:ea typeface="华文楷体" panose="02010600040101010101" pitchFamily="2" charset="-122"/>
+                              <a:cs typeface="+mn-cs"/>
+                            </a:rPr>
+                            <a:t>6.01512289</a:t>
+                          </a:r>
+                        </a:p>
+                      </a:txBody>
+                      <a:tcPr anchor="ctr">
+                        <a:lnL w="12700" cap="flat" cmpd="sng" algn="ctr">
+                          <a:solidFill>
+                            <a:schemeClr val="tx1"/>
+                          </a:solidFill>
+                          <a:prstDash val="solid"/>
+                          <a:round/>
+                          <a:headEnd type="none" w="med" len="med"/>
+                          <a:tailEnd type="none" w="med" len="med"/>
+                        </a:lnL>
+                        <a:lnR w="12700" cap="flat" cmpd="sng" algn="ctr">
+                          <a:solidFill>
+                            <a:schemeClr val="tx1"/>
+                          </a:solidFill>
+                          <a:prstDash val="solid"/>
+                          <a:round/>
+                          <a:headEnd type="none" w="med" len="med"/>
+                          <a:tailEnd type="none" w="med" len="med"/>
+                        </a:lnR>
+                        <a:lnT w="12700" cap="flat" cmpd="sng" algn="ctr">
+                          <a:solidFill>
+                            <a:schemeClr val="tx1"/>
+                          </a:solidFill>
+                          <a:prstDash val="solid"/>
+                          <a:round/>
+                          <a:headEnd type="none" w="med" len="med"/>
+                          <a:tailEnd type="none" w="med" len="med"/>
+                        </a:lnT>
+                        <a:lnB w="12700" cap="flat" cmpd="sng" algn="ctr">
+                          <a:solidFill>
+                            <a:schemeClr val="tx1"/>
+                          </a:solidFill>
+                          <a:prstDash val="solid"/>
+                          <a:round/>
+                          <a:headEnd type="none" w="med" len="med"/>
+                          <a:tailEnd type="none" w="med" len="med"/>
+                        </a:lnB>
+                        <a:noFill/>
+                      </a:tcPr>
+                    </a:tc>
+                    <a:extLst>
+                      <a:ext uri="{0D108BD9-81ED-4DB2-BD59-A6C34878D82A}">
+                        <a16:rowId xmlns:a16="http://schemas.microsoft.com/office/drawing/2014/main" val="1450359678"/>
+                      </a:ext>
+                    </a:extLst>
+                  </a:tr>
+                </a:tbl>
+              </a:graphicData>
+            </a:graphic>
+          </p:graphicFrame>
+        </mc:Fallback>
+      </mc:AlternateContent>
+      <p:sp>
+        <p:nvSpPr>
+          <p:cNvPr id="11" name="文本框 10">
+            <a:extLst>
+              <a:ext uri="{FF2B5EF4-FFF2-40B4-BE49-F238E27FC236}">
+                <a16:creationId xmlns:a16="http://schemas.microsoft.com/office/drawing/2014/main" id="{E5E6C1DA-C42E-8EDC-ED88-4EBAEABA1500}"/>
+              </a:ext>
+            </a:extLst>
+          </p:cNvPr>
+          <p:cNvSpPr txBox="1"/>
+          <p:nvPr/>
+        </p:nvSpPr>
+        <p:spPr>
+          <a:xfrm>
+            <a:off x="696000" y="1646265"/>
+            <a:ext cx="10800000" cy="461665"/>
+          </a:xfrm>
+          <a:prstGeom prst="rect">
+            <a:avLst/>
+          </a:prstGeom>
+          <a:noFill/>
+        </p:spPr>
+        <p:txBody>
+          <a:bodyPr wrap="square">
+            <a:spAutoFit/>
+          </a:bodyPr>
+          <a:lstStyle/>
+          <a:p>
+            <a:pPr>
+              <a:spcBef>
+                <a:spcPts val="600"/>
+              </a:spcBef>
+              <a:spcAft>
+                <a:spcPts val="600"/>
+              </a:spcAft>
+            </a:pPr>
+            <a:r>
+              <a:rPr lang="zh-CN" altLang="en-US" sz="2400" dirty="0">
+                <a:latin typeface="华文楷体" panose="02010600040101010101" pitchFamily="2" charset="-122"/>
+                <a:ea typeface="华文楷体" panose="02010600040101010101" pitchFamily="2" charset="-122"/>
+              </a:rPr>
+              <a:t>来自于</a:t>
+            </a:r>
+            <a:r>
+              <a:rPr lang="en-US" altLang="zh-CN" sz="2400" dirty="0">
+                <a:latin typeface="华文楷体" panose="02010600040101010101" pitchFamily="2" charset="-122"/>
+                <a:ea typeface="华文楷体" panose="02010600040101010101" pitchFamily="2" charset="-122"/>
+              </a:rPr>
+              <a:t>[5]</a:t>
+            </a:r>
+            <a:r>
+              <a:rPr lang="zh-CN" altLang="en-US" sz="2400" dirty="0">
+                <a:latin typeface="华文楷体" panose="02010600040101010101" pitchFamily="2" charset="-122"/>
+                <a:ea typeface="华文楷体" panose="02010600040101010101" pitchFamily="2" charset="-122"/>
+              </a:rPr>
+              <a:t>的</a:t>
+            </a:r>
+            <a:r>
+              <a:rPr lang="en-US" altLang="zh-CN" sz="2400" baseline="30000" dirty="0">
+                <a:latin typeface="华文楷体" panose="02010600040101010101" pitchFamily="2" charset="-122"/>
+                <a:ea typeface="华文楷体" panose="02010600040101010101" pitchFamily="2" charset="-122"/>
+              </a:rPr>
+              <a:t>6</a:t>
+            </a:r>
+            <a:r>
+              <a:rPr lang="en-US" altLang="zh-CN" sz="2400" dirty="0">
+                <a:latin typeface="华文楷体" panose="02010600040101010101" pitchFamily="2" charset="-122"/>
+                <a:ea typeface="华文楷体" panose="02010600040101010101" pitchFamily="2" charset="-122"/>
+              </a:rPr>
+              <a:t>Li</a:t>
+            </a:r>
+            <a:r>
+              <a:rPr lang="zh-CN" altLang="en-US" sz="2400" dirty="0">
+                <a:latin typeface="华文楷体" panose="02010600040101010101" pitchFamily="2" charset="-122"/>
+                <a:ea typeface="华文楷体" panose="02010600040101010101" pitchFamily="2" charset="-122"/>
+              </a:rPr>
+              <a:t>参数：</a:t>
+            </a:r>
+          </a:p>
+        </p:txBody>
+      </p:sp>
+      <mc:AlternateContent xmlns:mc="http://schemas.openxmlformats.org/markup-compatibility/2006" xmlns:a14="http://schemas.microsoft.com/office/drawing/2010/main">
+        <mc:Choice Requires="a14">
+          <p:graphicFrame>
+            <p:nvGraphicFramePr>
+              <p:cNvPr id="3" name="表格 2">
+                <a:extLst>
+                  <a:ext uri="{FF2B5EF4-FFF2-40B4-BE49-F238E27FC236}">
+                    <a16:creationId xmlns:a16="http://schemas.microsoft.com/office/drawing/2014/main" id="{C7587500-85E4-6E95-5F78-9920402015BB}"/>
+                  </a:ext>
+                </a:extLst>
+              </p:cNvPr>
+              <p:cNvGraphicFramePr>
+                <a:graphicFrameLocks noGrp="1"/>
+              </p:cNvGraphicFramePr>
+              <p:nvPr>
+                <p:extLst>
+                  <p:ext uri="{D42A27DB-BD31-4B8C-83A1-F6EECF244321}">
+                    <p14:modId xmlns:p14="http://schemas.microsoft.com/office/powerpoint/2010/main" val="3505486924"/>
+                  </p:ext>
+                </p:extLst>
+              </p:nvPr>
+            </p:nvGraphicFramePr>
+            <p:xfrm>
+              <a:off x="997070" y="3403433"/>
+              <a:ext cx="10197860" cy="457200"/>
+            </p:xfrm>
+            <a:graphic>
+              <a:graphicData uri="http://schemas.openxmlformats.org/drawingml/2006/table">
+                <a:tbl>
+                  <a:tblPr firstRow="1" bandRow="1">
+                    <a:tableStyleId>{5C22544A-7EE6-4342-B048-85BDC9FD1C3A}</a:tableStyleId>
+                  </a:tblPr>
+                  <a:tblGrid>
+                    <a:gridCol w="5098930">
+                      <a:extLst>
+                        <a:ext uri="{9D8B030D-6E8A-4147-A177-3AD203B41FA5}">
+                          <a16:colId xmlns:a16="http://schemas.microsoft.com/office/drawing/2014/main" val="2459270469"/>
+                        </a:ext>
+                      </a:extLst>
+                    </a:gridCol>
+                    <a:gridCol w="5098930">
+                      <a:extLst>
+                        <a:ext uri="{9D8B030D-6E8A-4147-A177-3AD203B41FA5}">
+                          <a16:colId xmlns:a16="http://schemas.microsoft.com/office/drawing/2014/main" val="1494011293"/>
+                        </a:ext>
+                      </a:extLst>
+                    </a:gridCol>
+                  </a:tblGrid>
+                  <a:tr h="370840">
+                    <a:tc>
+                      <a:txBody>
+                        <a:bodyPr/>
+                        <a:lstStyle/>
+                        <a:p>
+                          <a:pPr algn="ctr"/>
+                          <a14:m>
+                            <m:oMath xmlns:m="http://schemas.openxmlformats.org/officeDocument/2006/math">
+                              <m:r>
+                                <m:rPr>
+                                  <m:sty m:val="p"/>
+                                </m:rPr>
+                                <a:rPr lang="en-US" altLang="zh-CN" sz="2400" b="0" i="0" kern="1200" dirty="0" smtClean="0">
+                                  <a:solidFill>
+                                    <a:schemeClr val="tx1"/>
+                                  </a:solidFill>
+                                  <a:latin typeface="Cambria Math" panose="02040503050406030204" pitchFamily="18" charset="0"/>
+                                  <a:ea typeface="华文楷体" panose="02010600040101010101" pitchFamily="2" charset="-122"/>
+                                  <a:cs typeface="+mn-cs"/>
+                                </a:rPr>
+                                <m:t>Da</m:t>
+                              </m:r>
+                            </m:oMath>
+                          </a14:m>
+                          <a:r>
+                            <a:rPr lang="en-US" altLang="zh-CN" sz="2400" b="0" kern="1200" dirty="0">
+                              <a:solidFill>
+                                <a:schemeClr val="tx1"/>
+                              </a:solidFill>
+                              <a:latin typeface="华文楷体" panose="02010600040101010101" pitchFamily="2" charset="-122"/>
+                              <a:ea typeface="华文楷体" panose="02010600040101010101" pitchFamily="2" charset="-122"/>
+                              <a:cs typeface="+mn-cs"/>
+                            </a:rPr>
+                            <a:t> &amp; </a:t>
+                          </a:r>
+                          <a14:m>
+                            <m:oMath xmlns:m="http://schemas.openxmlformats.org/officeDocument/2006/math">
+                              <m:r>
+                                <m:rPr>
+                                  <m:sty m:val="p"/>
+                                </m:rPr>
+                                <a:rPr lang="en-US" altLang="zh-CN" sz="2400" b="0" i="0" kern="1200" dirty="0" smtClean="0">
+                                  <a:solidFill>
+                                    <a:schemeClr val="tx1"/>
+                                  </a:solidFill>
+                                  <a:latin typeface="Cambria Math" panose="02040503050406030204" pitchFamily="18" charset="0"/>
+                                  <a:ea typeface="华文楷体" panose="02010600040101010101" pitchFamily="2" charset="-122"/>
+                                  <a:cs typeface="+mn-cs"/>
+                                </a:rPr>
+                                <m:t>kg</m:t>
+                              </m:r>
+                            </m:oMath>
+                          </a14:m>
+                          <a:endParaRPr lang="zh-CN" altLang="en-US" sz="2400" b="0" i="0" kern="1200" dirty="0">
+                            <a:solidFill>
+                              <a:schemeClr val="tx1"/>
+                            </a:solidFill>
+                            <a:latin typeface="华文楷体" panose="02010600040101010101" pitchFamily="2" charset="-122"/>
+                            <a:ea typeface="华文楷体" panose="02010600040101010101" pitchFamily="2" charset="-122"/>
+                            <a:cs typeface="+mn-cs"/>
+                          </a:endParaRPr>
+                        </a:p>
+                      </a:txBody>
+                      <a:tcPr anchor="ctr">
+                        <a:lnL w="12700" cap="flat" cmpd="sng" algn="ctr">
+                          <a:solidFill>
+                            <a:schemeClr val="tx1"/>
+                          </a:solidFill>
+                          <a:prstDash val="solid"/>
+                          <a:round/>
+                          <a:headEnd type="none" w="med" len="med"/>
+                          <a:tailEnd type="none" w="med" len="med"/>
+                        </a:lnL>
+                        <a:lnR w="12700" cap="flat" cmpd="sng" algn="ctr">
+                          <a:solidFill>
+                            <a:schemeClr val="tx1"/>
+                          </a:solidFill>
+                          <a:prstDash val="solid"/>
+                          <a:round/>
+                          <a:headEnd type="none" w="med" len="med"/>
+                          <a:tailEnd type="none" w="med" len="med"/>
+                        </a:lnR>
+                        <a:lnT w="12700" cap="flat" cmpd="sng" algn="ctr">
+                          <a:solidFill>
+                            <a:schemeClr val="tx1"/>
+                          </a:solidFill>
+                          <a:prstDash val="solid"/>
+                          <a:round/>
+                          <a:headEnd type="none" w="med" len="med"/>
+                          <a:tailEnd type="none" w="med" len="med"/>
+                        </a:lnT>
+                        <a:lnB w="12700" cap="flat" cmpd="sng" algn="ctr">
+                          <a:solidFill>
+                            <a:schemeClr val="tx1"/>
+                          </a:solidFill>
+                          <a:prstDash val="solid"/>
+                          <a:round/>
+                          <a:headEnd type="none" w="med" len="med"/>
+                          <a:tailEnd type="none" w="med" len="med"/>
+                        </a:lnB>
+                        <a:noFill/>
+                      </a:tcPr>
+                    </a:tc>
+                    <a:tc>
+                      <a:txBody>
+                        <a:bodyPr/>
+                        <a:lstStyle/>
+                        <a:p>
+                          <a:pPr algn="ctr"/>
+                          <a14:m>
+                            <m:oMathPara xmlns:m="http://schemas.openxmlformats.org/officeDocument/2006/math">
+                              <m:oMathParaPr>
+                                <m:jc m:val="centerGroup"/>
+                              </m:oMathParaPr>
+                              <m:oMath xmlns:m="http://schemas.openxmlformats.org/officeDocument/2006/math">
+                                <m:r>
+                                  <a:rPr lang="en-US" altLang="zh-CN" sz="2400" b="0" i="1" kern="1200" dirty="0" smtClean="0">
+                                    <a:solidFill>
+                                      <a:schemeClr val="tx1"/>
+                                    </a:solidFill>
+                                    <a:latin typeface="Cambria Math" panose="02040503050406030204" pitchFamily="18" charset="0"/>
+                                    <a:ea typeface="华文楷体" panose="02010600040101010101" pitchFamily="2" charset="-122"/>
+                                    <a:cs typeface="+mn-cs"/>
+                                  </a:rPr>
+                                  <m:t>1</m:t>
+                                </m:r>
+                                <m:r>
+                                  <m:rPr>
+                                    <m:sty m:val="p"/>
+                                  </m:rPr>
+                                  <a:rPr lang="en-US" altLang="zh-CN" sz="2400" b="0" i="0" kern="1200" dirty="0" smtClean="0">
+                                    <a:solidFill>
+                                      <a:schemeClr val="tx1"/>
+                                    </a:solidFill>
+                                    <a:latin typeface="Cambria Math" panose="02040503050406030204" pitchFamily="18" charset="0"/>
+                                    <a:ea typeface="华文楷体" panose="02010600040101010101" pitchFamily="2" charset="-122"/>
+                                    <a:cs typeface="+mn-cs"/>
+                                  </a:rPr>
+                                  <m:t>Da</m:t>
+                                </m:r>
+                                <m:r>
+                                  <a:rPr lang="en-US" altLang="zh-CN" sz="2400" b="0" i="1" kern="1200" dirty="0" smtClean="0">
+                                    <a:solidFill>
+                                      <a:schemeClr val="tx1"/>
+                                    </a:solidFill>
+                                    <a:latin typeface="Cambria Math" panose="02040503050406030204" pitchFamily="18" charset="0"/>
+                                    <a:ea typeface="华文楷体" panose="02010600040101010101" pitchFamily="2" charset="-122"/>
+                                    <a:cs typeface="+mn-cs"/>
+                                  </a:rPr>
+                                  <m:t>=1.66053906660×</m:t>
+                                </m:r>
+                                <m:sSup>
+                                  <m:sSupPr>
+                                    <m:ctrlPr>
+                                      <a:rPr lang="en-US" altLang="zh-CN" sz="2400" b="0" i="1" kern="1200" dirty="0" smtClean="0">
+                                        <a:solidFill>
+                                          <a:schemeClr val="tx1"/>
+                                        </a:solidFill>
+                                        <a:latin typeface="Cambria Math" panose="02040503050406030204" pitchFamily="18" charset="0"/>
+                                        <a:ea typeface="华文楷体" panose="02010600040101010101" pitchFamily="2" charset="-122"/>
+                                        <a:cs typeface="+mn-cs"/>
+                                      </a:rPr>
+                                    </m:ctrlPr>
+                                  </m:sSupPr>
+                                  <m:e>
+                                    <m:r>
+                                      <a:rPr lang="en-US" altLang="zh-CN" sz="2400" b="0" i="1" kern="1200" dirty="0" smtClean="0">
+                                        <a:solidFill>
+                                          <a:schemeClr val="tx1"/>
+                                        </a:solidFill>
+                                        <a:latin typeface="Cambria Math" panose="02040503050406030204" pitchFamily="18" charset="0"/>
+                                        <a:ea typeface="华文楷体" panose="02010600040101010101" pitchFamily="2" charset="-122"/>
+                                        <a:cs typeface="+mn-cs"/>
+                                      </a:rPr>
+                                      <m:t>10</m:t>
+                                    </m:r>
+                                  </m:e>
+                                  <m:sup>
+                                    <m:r>
+                                      <a:rPr lang="en-US" altLang="zh-CN" sz="2400" b="0" i="1" kern="1200" dirty="0" smtClean="0">
+                                        <a:solidFill>
+                                          <a:schemeClr val="tx1"/>
+                                        </a:solidFill>
+                                        <a:latin typeface="Cambria Math" panose="02040503050406030204" pitchFamily="18" charset="0"/>
+                                        <a:ea typeface="华文楷体" panose="02010600040101010101" pitchFamily="2" charset="-122"/>
+                                        <a:cs typeface="+mn-cs"/>
+                                      </a:rPr>
+                                      <m:t>−27</m:t>
+                                    </m:r>
+                                  </m:sup>
+                                </m:sSup>
+                                <m:r>
+                                  <m:rPr>
+                                    <m:sty m:val="p"/>
+                                  </m:rPr>
+                                  <a:rPr lang="en-US" altLang="zh-CN" sz="2400" b="0" i="0" kern="1200" dirty="0" smtClean="0">
+                                    <a:solidFill>
+                                      <a:schemeClr val="tx1"/>
+                                    </a:solidFill>
+                                    <a:latin typeface="Cambria Math" panose="02040503050406030204" pitchFamily="18" charset="0"/>
+                                    <a:ea typeface="华文楷体" panose="02010600040101010101" pitchFamily="2" charset="-122"/>
+                                    <a:cs typeface="+mn-cs"/>
+                                  </a:rPr>
+                                  <m:t>kg</m:t>
+                                </m:r>
+                              </m:oMath>
+                            </m:oMathPara>
+                          </a14:m>
+                          <a:endParaRPr lang="en-US" altLang="zh-CN" sz="2400" b="0" i="0" kern="1200" dirty="0">
+                            <a:solidFill>
+                              <a:schemeClr val="tx1"/>
+                            </a:solidFill>
+                            <a:latin typeface="华文楷体" panose="02010600040101010101" pitchFamily="2" charset="-122"/>
+                            <a:ea typeface="华文楷体" panose="02010600040101010101" pitchFamily="2" charset="-122"/>
+                            <a:cs typeface="+mn-cs"/>
+                          </a:endParaRPr>
+                        </a:p>
+                      </a:txBody>
+                      <a:tcPr anchor="ctr">
+                        <a:lnL w="12700" cap="flat" cmpd="sng" algn="ctr">
+                          <a:solidFill>
+                            <a:schemeClr val="tx1"/>
+                          </a:solidFill>
+                          <a:prstDash val="solid"/>
+                          <a:round/>
+                          <a:headEnd type="none" w="med" len="med"/>
+                          <a:tailEnd type="none" w="med" len="med"/>
+                        </a:lnL>
+                        <a:lnR w="12700" cap="flat" cmpd="sng" algn="ctr">
+                          <a:solidFill>
+                            <a:schemeClr val="tx1"/>
+                          </a:solidFill>
+                          <a:prstDash val="solid"/>
+                          <a:round/>
+                          <a:headEnd type="none" w="med" len="med"/>
+                          <a:tailEnd type="none" w="med" len="med"/>
+                        </a:lnR>
+                        <a:lnT w="12700" cap="flat" cmpd="sng" algn="ctr">
+                          <a:solidFill>
+                            <a:schemeClr val="tx1"/>
+                          </a:solidFill>
+                          <a:prstDash val="solid"/>
+                          <a:round/>
+                          <a:headEnd type="none" w="med" len="med"/>
+                          <a:tailEnd type="none" w="med" len="med"/>
+                        </a:lnT>
+                        <a:lnB w="12700" cap="flat" cmpd="sng" algn="ctr">
+                          <a:solidFill>
+                            <a:schemeClr val="tx1"/>
+                          </a:solidFill>
+                          <a:prstDash val="solid"/>
+                          <a:round/>
+                          <a:headEnd type="none" w="med" len="med"/>
+                          <a:tailEnd type="none" w="med" len="med"/>
+                        </a:lnB>
+                        <a:noFill/>
+                      </a:tcPr>
+                    </a:tc>
+                    <a:extLst>
+                      <a:ext uri="{0D108BD9-81ED-4DB2-BD59-A6C34878D82A}">
+                        <a16:rowId xmlns:a16="http://schemas.microsoft.com/office/drawing/2014/main" val="1450359678"/>
+                      </a:ext>
+                    </a:extLst>
+                  </a:tr>
+                </a:tbl>
+              </a:graphicData>
+            </a:graphic>
+          </p:graphicFrame>
+        </mc:Choice>
+        <mc:Fallback xmlns="">
+          <p:graphicFrame>
+            <p:nvGraphicFramePr>
+              <p:cNvPr id="3" name="表格 2">
+                <a:extLst>
+                  <a:ext uri="{FF2B5EF4-FFF2-40B4-BE49-F238E27FC236}">
+                    <a16:creationId xmlns:a16="http://schemas.microsoft.com/office/drawing/2014/main" id="{C7587500-85E4-6E95-5F78-9920402015BB}"/>
+                  </a:ext>
+                </a:extLst>
+              </p:cNvPr>
+              <p:cNvGraphicFramePr>
+                <a:graphicFrameLocks noGrp="1"/>
+              </p:cNvGraphicFramePr>
+              <p:nvPr>
+                <p:extLst>
+                  <p:ext uri="{D42A27DB-BD31-4B8C-83A1-F6EECF244321}">
+                    <p14:modId xmlns:p14="http://schemas.microsoft.com/office/powerpoint/2010/main" val="3505486924"/>
+                  </p:ext>
+                </p:extLst>
+              </p:nvPr>
+            </p:nvGraphicFramePr>
+            <p:xfrm>
+              <a:off x="997070" y="3403433"/>
+              <a:ext cx="10197860" cy="457200"/>
+            </p:xfrm>
+            <a:graphic>
+              <a:graphicData uri="http://schemas.openxmlformats.org/drawingml/2006/table">
+                <a:tbl>
+                  <a:tblPr firstRow="1" bandRow="1">
+                    <a:tableStyleId>{5C22544A-7EE6-4342-B048-85BDC9FD1C3A}</a:tableStyleId>
+                  </a:tblPr>
+                  <a:tblGrid>
+                    <a:gridCol w="5098930">
+                      <a:extLst>
+                        <a:ext uri="{9D8B030D-6E8A-4147-A177-3AD203B41FA5}">
+                          <a16:colId xmlns:a16="http://schemas.microsoft.com/office/drawing/2014/main" val="2459270469"/>
+                        </a:ext>
+                      </a:extLst>
+                    </a:gridCol>
+                    <a:gridCol w="5098930">
+                      <a:extLst>
+                        <a:ext uri="{9D8B030D-6E8A-4147-A177-3AD203B41FA5}">
+                          <a16:colId xmlns:a16="http://schemas.microsoft.com/office/drawing/2014/main" val="1494011293"/>
+                        </a:ext>
+                      </a:extLst>
+                    </a:gridCol>
+                  </a:tblGrid>
+                  <a:tr h="457200">
+                    <a:tc>
+                      <a:txBody>
+                        <a:bodyPr/>
+                        <a:lstStyle/>
+                        <a:p>
+                          <a:endParaRPr lang="zh-CN"/>
+                        </a:p>
+                      </a:txBody>
+                      <a:tcPr anchor="ctr">
+                        <a:lnL w="12700" cap="flat" cmpd="sng" algn="ctr">
+                          <a:solidFill>
+                            <a:schemeClr val="tx1"/>
+                          </a:solidFill>
+                          <a:prstDash val="solid"/>
+                          <a:round/>
+                          <a:headEnd type="none" w="med" len="med"/>
+                          <a:tailEnd type="none" w="med" len="med"/>
+                        </a:lnL>
+                        <a:lnR w="12700" cap="flat" cmpd="sng" algn="ctr">
+                          <a:solidFill>
+                            <a:schemeClr val="tx1"/>
+                          </a:solidFill>
+                          <a:prstDash val="solid"/>
+                          <a:round/>
+                          <a:headEnd type="none" w="med" len="med"/>
+                          <a:tailEnd type="none" w="med" len="med"/>
+                        </a:lnR>
+                        <a:lnT w="12700" cap="flat" cmpd="sng" algn="ctr">
+                          <a:solidFill>
+                            <a:schemeClr val="tx1"/>
+                          </a:solidFill>
+                          <a:prstDash val="solid"/>
+                          <a:round/>
+                          <a:headEnd type="none" w="med" len="med"/>
+                          <a:tailEnd type="none" w="med" len="med"/>
+                        </a:lnT>
+                        <a:lnB w="12700" cap="flat" cmpd="sng" algn="ctr">
+                          <a:solidFill>
+                            <a:schemeClr val="tx1"/>
+                          </a:solidFill>
+                          <a:prstDash val="solid"/>
+                          <a:round/>
+                          <a:headEnd type="none" w="med" len="med"/>
+                          <a:tailEnd type="none" w="med" len="med"/>
+                        </a:lnB>
+                        <a:blipFill>
+                          <a:blip r:embed="rId3"/>
+                          <a:stretch>
+                            <a:fillRect l="-119" t="-10526" r="-100239" b="-28947"/>
+                          </a:stretch>
+                        </a:blipFill>
+                      </a:tcPr>
+                    </a:tc>
+                    <a:tc>
+                      <a:txBody>
+                        <a:bodyPr/>
+                        <a:lstStyle/>
+                        <a:p>
+                          <a:endParaRPr lang="zh-CN"/>
+                        </a:p>
+                      </a:txBody>
+                      <a:tcPr anchor="ctr">
+                        <a:lnL w="12700" cap="flat" cmpd="sng" algn="ctr">
+                          <a:solidFill>
+                            <a:schemeClr val="tx1"/>
+                          </a:solidFill>
+                          <a:prstDash val="solid"/>
+                          <a:round/>
+                          <a:headEnd type="none" w="med" len="med"/>
+                          <a:tailEnd type="none" w="med" len="med"/>
+                        </a:lnL>
+                        <a:lnR w="12700" cap="flat" cmpd="sng" algn="ctr">
+                          <a:solidFill>
+                            <a:schemeClr val="tx1"/>
+                          </a:solidFill>
+                          <a:prstDash val="solid"/>
+                          <a:round/>
+                          <a:headEnd type="none" w="med" len="med"/>
+                          <a:tailEnd type="none" w="med" len="med"/>
+                        </a:lnR>
+                        <a:lnT w="12700" cap="flat" cmpd="sng" algn="ctr">
+                          <a:solidFill>
+                            <a:schemeClr val="tx1"/>
+                          </a:solidFill>
+                          <a:prstDash val="solid"/>
+                          <a:round/>
+                          <a:headEnd type="none" w="med" len="med"/>
+                          <a:tailEnd type="none" w="med" len="med"/>
+                        </a:lnT>
+                        <a:lnB w="12700" cap="flat" cmpd="sng" algn="ctr">
+                          <a:solidFill>
+                            <a:schemeClr val="tx1"/>
+                          </a:solidFill>
+                          <a:prstDash val="solid"/>
+                          <a:round/>
+                          <a:headEnd type="none" w="med" len="med"/>
+                          <a:tailEnd type="none" w="med" len="med"/>
+                        </a:lnB>
+                        <a:blipFill>
+                          <a:blip r:embed="rId3"/>
+                          <a:stretch>
+                            <a:fillRect l="-100119" t="-10526" r="-239" b="-28947"/>
+                          </a:stretch>
+                        </a:blipFill>
+                      </a:tcPr>
+                    </a:tc>
+                    <a:extLst>
+                      <a:ext uri="{0D108BD9-81ED-4DB2-BD59-A6C34878D82A}">
+                        <a16:rowId xmlns:a16="http://schemas.microsoft.com/office/drawing/2014/main" val="1450359678"/>
+                      </a:ext>
+                    </a:extLst>
+                  </a:tr>
+                </a:tbl>
+              </a:graphicData>
+            </a:graphic>
+          </p:graphicFrame>
+        </mc:Fallback>
+      </mc:AlternateContent>
+      <p:sp>
+        <p:nvSpPr>
+          <p:cNvPr id="5" name="文本框 4">
+            <a:extLst>
+              <a:ext uri="{FF2B5EF4-FFF2-40B4-BE49-F238E27FC236}">
+                <a16:creationId xmlns:a16="http://schemas.microsoft.com/office/drawing/2014/main" id="{9FB4FB69-3DE4-ACED-B123-F5A3435F9A7B}"/>
+              </a:ext>
+            </a:extLst>
+          </p:cNvPr>
+          <p:cNvSpPr txBox="1"/>
+          <p:nvPr/>
+        </p:nvSpPr>
+        <p:spPr>
+          <a:xfrm>
+            <a:off x="696000" y="2945239"/>
+            <a:ext cx="10800000" cy="461665"/>
+          </a:xfrm>
+          <a:prstGeom prst="rect">
+            <a:avLst/>
+          </a:prstGeom>
+          <a:noFill/>
+        </p:spPr>
+        <p:txBody>
+          <a:bodyPr wrap="square">
+            <a:spAutoFit/>
+          </a:bodyPr>
+          <a:lstStyle/>
+          <a:p>
+            <a:pPr>
+              <a:spcBef>
+                <a:spcPts val="600"/>
+              </a:spcBef>
+              <a:spcAft>
+                <a:spcPts val="600"/>
+              </a:spcAft>
+            </a:pPr>
+            <a:r>
+              <a:rPr lang="zh-CN" altLang="en-US" sz="2400" dirty="0">
+                <a:latin typeface="华文楷体" panose="02010600040101010101" pitchFamily="2" charset="-122"/>
+                <a:ea typeface="华文楷体" panose="02010600040101010101" pitchFamily="2" charset="-122"/>
+              </a:rPr>
+              <a:t>来自于</a:t>
+            </a:r>
+            <a:r>
+              <a:rPr lang="en-US" altLang="zh-CN" sz="2400" dirty="0">
+                <a:latin typeface="华文楷体" panose="02010600040101010101" pitchFamily="2" charset="-122"/>
+                <a:ea typeface="华文楷体" panose="02010600040101010101" pitchFamily="2" charset="-122"/>
+              </a:rPr>
+              <a:t>[6]</a:t>
+            </a:r>
+            <a:r>
+              <a:rPr lang="zh-CN" altLang="en-US" sz="2400" dirty="0">
+                <a:latin typeface="华文楷体" panose="02010600040101010101" pitchFamily="2" charset="-122"/>
+                <a:ea typeface="华文楷体" panose="02010600040101010101" pitchFamily="2" charset="-122"/>
+              </a:rPr>
+              <a:t>的参数：</a:t>
+            </a:r>
+          </a:p>
+        </p:txBody>
+      </p:sp>
+      <mc:AlternateContent xmlns:mc="http://schemas.openxmlformats.org/markup-compatibility/2006" xmlns:a14="http://schemas.microsoft.com/office/drawing/2010/main">
+        <mc:Choice Requires="a14">
+          <p:sp>
+            <p:nvSpPr>
+              <p:cNvPr id="6" name="文本框 5">
+                <a:extLst>
+                  <a:ext uri="{FF2B5EF4-FFF2-40B4-BE49-F238E27FC236}">
+                    <a16:creationId xmlns:a16="http://schemas.microsoft.com/office/drawing/2014/main" id="{2985905F-0B34-FC84-4487-B9FCE6EDF073}"/>
+                  </a:ext>
+                </a:extLst>
+              </p:cNvPr>
+              <p:cNvSpPr txBox="1"/>
+              <p:nvPr/>
+            </p:nvSpPr>
+            <p:spPr>
+              <a:xfrm>
+                <a:off x="696000" y="4244213"/>
+                <a:ext cx="10800000" cy="830997"/>
+              </a:xfrm>
+              <a:prstGeom prst="rect">
+                <a:avLst/>
+              </a:prstGeom>
+              <a:noFill/>
+            </p:spPr>
+            <p:txBody>
+              <a:bodyPr wrap="square">
+                <a:spAutoFit/>
+              </a:bodyPr>
+              <a:lstStyle/>
+              <a:p>
+                <a:pPr>
+                  <a:spcBef>
+                    <a:spcPts val="600"/>
+                  </a:spcBef>
+                  <a:spcAft>
+                    <a:spcPts val="600"/>
+                  </a:spcAft>
+                </a:pPr>
+                <a:r>
+                  <a:rPr lang="zh-CN" altLang="en-US" sz="2400" dirty="0">
+                    <a:latin typeface="华文楷体" panose="02010600040101010101" pitchFamily="2" charset="-122"/>
+                    <a:ea typeface="华文楷体" panose="02010600040101010101" pitchFamily="2" charset="-122"/>
+                  </a:rPr>
+                  <a:t>另外，研究中还使用了一些</a:t>
+                </a:r>
+                <a14:m>
+                  <m:oMath xmlns:m="http://schemas.openxmlformats.org/officeDocument/2006/math">
+                    <m:r>
+                      <m:rPr>
+                        <m:sty m:val="p"/>
+                      </m:rPr>
+                      <a:rPr lang="en-US" altLang="zh-CN" sz="2400" i="0" dirty="0" smtClean="0">
+                        <a:latin typeface="Cambria Math" panose="02040503050406030204" pitchFamily="18" charset="0"/>
+                        <a:ea typeface="华文楷体" panose="02010600040101010101" pitchFamily="2" charset="-122"/>
+                      </a:rPr>
+                      <m:t>ROOT</m:t>
+                    </m:r>
+                  </m:oMath>
+                </a14:m>
+                <a:r>
+                  <a:rPr lang="zh-CN" altLang="en-US" sz="2400" dirty="0">
+                    <a:latin typeface="华文楷体" panose="02010600040101010101" pitchFamily="2" charset="-122"/>
+                    <a:ea typeface="华文楷体" panose="02010600040101010101" pitchFamily="2" charset="-122"/>
+                  </a:rPr>
+                  <a:t>定义在</a:t>
+                </a:r>
+                <a14:m>
+                  <m:oMath xmlns:m="http://schemas.openxmlformats.org/officeDocument/2006/math">
+                    <m:r>
+                      <m:rPr>
+                        <m:sty m:val="p"/>
+                      </m:rPr>
+                      <a:rPr lang="en-US" altLang="zh-CN" sz="2400" i="0" dirty="0" smtClean="0">
+                        <a:latin typeface="Cambria Math" panose="02040503050406030204" pitchFamily="18" charset="0"/>
+                        <a:ea typeface="华文楷体" panose="02010600040101010101" pitchFamily="2" charset="-122"/>
+                      </a:rPr>
+                      <m:t>T</m:t>
+                    </m:r>
+                    <m:r>
+                      <m:rPr>
+                        <m:sty m:val="p"/>
+                      </m:rPr>
+                      <a:rPr lang="en-US" altLang="zh-CN" sz="2400" i="1" dirty="0">
+                        <a:latin typeface="Cambria Math" panose="02040503050406030204" pitchFamily="18" charset="0"/>
+                        <a:ea typeface="华文楷体" panose="02010600040101010101" pitchFamily="2" charset="-122"/>
+                      </a:rPr>
+                      <m:t>M</m:t>
+                    </m:r>
+                    <m:r>
+                      <m:rPr>
+                        <m:sty m:val="p"/>
+                      </m:rPr>
+                      <a:rPr lang="en-US" altLang="zh-CN" sz="2400" i="0" dirty="0" smtClean="0">
+                        <a:latin typeface="Cambria Math" panose="02040503050406030204" pitchFamily="18" charset="0"/>
+                        <a:ea typeface="华文楷体" panose="02010600040101010101" pitchFamily="2" charset="-122"/>
+                      </a:rPr>
+                      <m:t>ath</m:t>
+                    </m:r>
+                  </m:oMath>
+                </a14:m>
+                <a:r>
+                  <a:rPr lang="zh-CN" altLang="en-US" sz="2400" dirty="0">
+                    <a:latin typeface="华文楷体" panose="02010600040101010101" pitchFamily="2" charset="-122"/>
+                    <a:ea typeface="华文楷体" panose="02010600040101010101" pitchFamily="2" charset="-122"/>
+                  </a:rPr>
+                  <a:t>库中的常数，如光速</a:t>
+                </a:r>
+                <a14:m>
+                  <m:oMath xmlns:m="http://schemas.openxmlformats.org/officeDocument/2006/math">
+                    <m:r>
+                      <a:rPr lang="en-US" altLang="zh-CN" sz="2400" i="1" dirty="0" smtClean="0">
+                        <a:latin typeface="Cambria Math" panose="02040503050406030204" pitchFamily="18" charset="0"/>
+                        <a:ea typeface="华文楷体" panose="02010600040101010101" pitchFamily="2" charset="-122"/>
+                      </a:rPr>
+                      <m:t>𝑐</m:t>
+                    </m:r>
+                  </m:oMath>
+                </a14:m>
+                <a:r>
+                  <a:rPr lang="zh-CN" altLang="en-US" sz="2400" dirty="0">
+                    <a:latin typeface="华文楷体" panose="02010600040101010101" pitchFamily="2" charset="-122"/>
+                    <a:ea typeface="华文楷体" panose="02010600040101010101" pitchFamily="2" charset="-122"/>
+                  </a:rPr>
+                  <a:t>、元电荷</a:t>
+                </a:r>
+                <a14:m>
+                  <m:oMath xmlns:m="http://schemas.openxmlformats.org/officeDocument/2006/math">
+                    <m:r>
+                      <a:rPr lang="en-US" altLang="zh-CN" sz="2400" b="0" i="1" smtClean="0">
+                        <a:latin typeface="Cambria Math" panose="02040503050406030204" pitchFamily="18" charset="0"/>
+                        <a:ea typeface="华文楷体" panose="02010600040101010101" pitchFamily="2" charset="-122"/>
+                      </a:rPr>
+                      <m:t>𝑒</m:t>
+                    </m:r>
+                  </m:oMath>
+                </a14:m>
+                <a:r>
+                  <a:rPr lang="zh-CN" altLang="en-US" sz="2400" dirty="0">
+                    <a:latin typeface="华文楷体" panose="02010600040101010101" pitchFamily="2" charset="-122"/>
+                    <a:ea typeface="华文楷体" panose="02010600040101010101" pitchFamily="2" charset="-122"/>
+                  </a:rPr>
+                  <a:t>等</a:t>
+                </a:r>
+              </a:p>
+            </p:txBody>
+          </p:sp>
+        </mc:Choice>
+        <mc:Fallback xmlns="">
+          <p:sp>
+            <p:nvSpPr>
+              <p:cNvPr id="6" name="文本框 5">
+                <a:extLst>
+                  <a:ext uri="{FF2B5EF4-FFF2-40B4-BE49-F238E27FC236}">
+                    <a16:creationId xmlns:a16="http://schemas.microsoft.com/office/drawing/2014/main" id="{2985905F-0B34-FC84-4487-B9FCE6EDF073}"/>
+                  </a:ext>
+                </a:extLst>
+              </p:cNvPr>
+              <p:cNvSpPr txBox="1">
+                <a:spLocks noRot="1" noChangeAspect="1" noMove="1" noResize="1" noEditPoints="1" noAdjustHandles="1" noChangeArrowheads="1" noChangeShapeType="1" noTextEdit="1"/>
+              </p:cNvSpPr>
+              <p:nvPr/>
+            </p:nvSpPr>
+            <p:spPr>
+              <a:xfrm>
+                <a:off x="696000" y="4244213"/>
+                <a:ext cx="10800000" cy="830997"/>
+              </a:xfrm>
+              <a:prstGeom prst="rect">
+                <a:avLst/>
+              </a:prstGeom>
+              <a:blipFill>
+                <a:blip r:embed="rId4"/>
+                <a:stretch>
+                  <a:fillRect l="-847" t="-5839" b="-15328"/>
+                </a:stretch>
+              </a:blipFill>
+            </p:spPr>
+            <p:txBody>
+              <a:bodyPr/>
+              <a:lstStyle/>
+              <a:p>
+                <a:r>
+                  <a:rPr lang="zh-CN" altLang="en-US">
+                    <a:noFill/>
+                  </a:rPr>
+                  <a:t> </a:t>
+                </a:r>
+              </a:p>
+            </p:txBody>
+          </p:sp>
+        </mc:Fallback>
+      </mc:AlternateContent>
+      <p:sp>
+        <p:nvSpPr>
+          <p:cNvPr id="8" name="文本框 7">
+            <a:extLst>
+              <a:ext uri="{FF2B5EF4-FFF2-40B4-BE49-F238E27FC236}">
+                <a16:creationId xmlns:a16="http://schemas.microsoft.com/office/drawing/2014/main" id="{614F0BCB-775C-056E-64BD-9216EF072D27}"/>
+              </a:ext>
+            </a:extLst>
+          </p:cNvPr>
+          <p:cNvSpPr txBox="1"/>
+          <p:nvPr/>
+        </p:nvSpPr>
+        <p:spPr>
+          <a:xfrm>
+            <a:off x="156000" y="5525353"/>
+            <a:ext cx="11880000" cy="830997"/>
+          </a:xfrm>
+          <a:prstGeom prst="rect">
+            <a:avLst/>
+          </a:prstGeom>
+          <a:noFill/>
+        </p:spPr>
+        <p:txBody>
+          <a:bodyPr wrap="square">
+            <a:spAutoFit/>
+          </a:bodyPr>
+          <a:lstStyle/>
+          <a:p>
+            <a:r>
+              <a:rPr lang="en-US" altLang="zh-CN" sz="1600" dirty="0">
+                <a:latin typeface="华文楷体" panose="02010600040101010101" pitchFamily="2" charset="-122"/>
+                <a:ea typeface="华文楷体" panose="02010600040101010101" pitchFamily="2" charset="-122"/>
+                <a:cs typeface="Times New Roman" panose="02020603050405020304" pitchFamily="18" charset="0"/>
+              </a:rPr>
+              <a:t>[5] Commission on Isotopic Abundances and Atomic Weights. Atomic Weight of Lithium[EB/OL]. [2025-01-16]. https://ciaaw.org/lithium.htm.</a:t>
+            </a:r>
+          </a:p>
+          <a:p>
+            <a:r>
+              <a:rPr lang="en-US" altLang="zh-CN" sz="1600" dirty="0">
+                <a:latin typeface="华文楷体" panose="02010600040101010101" pitchFamily="2" charset="-122"/>
+                <a:ea typeface="华文楷体" panose="02010600040101010101" pitchFamily="2" charset="-122"/>
+                <a:cs typeface="Times New Roman" panose="02020603050405020304" pitchFamily="18" charset="0"/>
+              </a:rPr>
+              <a:t>[6] The Bureau International des </a:t>
+            </a:r>
+            <a:r>
+              <a:rPr lang="en-US" altLang="zh-CN" sz="1600" dirty="0" err="1">
+                <a:latin typeface="华文楷体" panose="02010600040101010101" pitchFamily="2" charset="-122"/>
+                <a:ea typeface="华文楷体" panose="02010600040101010101" pitchFamily="2" charset="-122"/>
+                <a:cs typeface="Times New Roman" panose="02020603050405020304" pitchFamily="18" charset="0"/>
+              </a:rPr>
+              <a:t>Poids</a:t>
+            </a:r>
+            <a:r>
+              <a:rPr lang="en-US" altLang="zh-CN" sz="1600" dirty="0">
+                <a:latin typeface="华文楷体" panose="02010600040101010101" pitchFamily="2" charset="-122"/>
+                <a:ea typeface="华文楷体" panose="02010600040101010101" pitchFamily="2" charset="-122"/>
+                <a:cs typeface="Times New Roman" panose="02020603050405020304" pitchFamily="18" charset="0"/>
+              </a:rPr>
+              <a:t> et </a:t>
+            </a:r>
+            <a:r>
+              <a:rPr lang="en-US" altLang="zh-CN" sz="1600" dirty="0" err="1">
+                <a:latin typeface="华文楷体" panose="02010600040101010101" pitchFamily="2" charset="-122"/>
+                <a:ea typeface="华文楷体" panose="02010600040101010101" pitchFamily="2" charset="-122"/>
+                <a:cs typeface="Times New Roman" panose="02020603050405020304" pitchFamily="18" charset="0"/>
+              </a:rPr>
+              <a:t>Mesures</a:t>
+            </a:r>
+            <a:r>
+              <a:rPr lang="en-US" altLang="zh-CN" sz="1600" dirty="0">
+                <a:latin typeface="华文楷体" panose="02010600040101010101" pitchFamily="2" charset="-122"/>
+                <a:ea typeface="华文楷体" panose="02010600040101010101" pitchFamily="2" charset="-122"/>
+                <a:cs typeface="Times New Roman" panose="02020603050405020304" pitchFamily="18" charset="0"/>
+              </a:rPr>
+              <a:t>. The International System of Units (SI)[EB/OL]. [2025-01-16]. https://www.bipm.org/documents/20126/41483022/SI-Brochure-9.pdf.</a:t>
+            </a:r>
+            <a:endParaRPr lang="zh-CN" altLang="en-US" sz="1600" dirty="0">
+              <a:latin typeface="华文楷体" panose="02010600040101010101" pitchFamily="2" charset="-122"/>
+              <a:ea typeface="华文楷体" panose="02010600040101010101" pitchFamily="2" charset="-122"/>
+              <a:cs typeface="Times New Roman" panose="02020603050405020304" pitchFamily="18" charset="0"/>
+            </a:endParaRPr>
+          </a:p>
+        </p:txBody>
+      </p:sp>
+    </p:spTree>
+    <p:extLst>
+      <p:ext uri="{BB962C8B-B14F-4D97-AF65-F5344CB8AC3E}">
+        <p14:creationId xmlns:p14="http://schemas.microsoft.com/office/powerpoint/2010/main" val="972437329"/>
+      </p:ext>
+    </p:extLst>
+  </p:cSld>
+  <p:clrMapOvr>
+    <a:masterClrMapping/>
+  </p:clrMapOvr>
+  <mc:AlternateContent xmlns:mc="http://schemas.openxmlformats.org/markup-compatibility/2006" xmlns:p159="http://schemas.microsoft.com/office/powerpoint/2015/09/main">
+    <mc:Choice Requires="p159">
+      <p:transition>
+        <p159:morph option="byObject"/>
+      </p:transition>
+    </mc:Choice>
+    <mc:Fallback xmlns="">
+      <p:transition>
+        <p:fade/>
+      </p:transition>
+    </mc:Fallback>
+  </mc:AlternateContent>
+</p:sld>
+</file>
+
+<file path=ppt/slides/slide27.xml><?xml version="1.0" encoding="utf-8"?>
+<p:sld xmlns:a="http://schemas.openxmlformats.org/drawingml/2006/main" xmlns:r="http://schemas.openxmlformats.org/officeDocument/2006/relationships" xmlns:p="http://schemas.openxmlformats.org/presentationml/2006/main">
+  <p:cSld>
+    <p:spTree>
+      <p:nvGrpSpPr>
+        <p:cNvPr id="1" name="">
+          <a:extLst>
+            <a:ext uri="{FF2B5EF4-FFF2-40B4-BE49-F238E27FC236}">
+              <a16:creationId xmlns:a16="http://schemas.microsoft.com/office/drawing/2014/main" id="{5172344D-109D-DF62-F046-2C551773F2B1}"/>
+            </a:ext>
+          </a:extLst>
+        </p:cNvPr>
+        <p:cNvGrpSpPr/>
+        <p:nvPr/>
+      </p:nvGrpSpPr>
+      <p:grpSpPr>
+        <a:xfrm>
+          <a:off x="0" y="0"/>
+          <a:ext cx="0" cy="0"/>
+          <a:chOff x="0" y="0"/>
+          <a:chExt cx="0" cy="0"/>
+        </a:xfrm>
+      </p:grpSpPr>
+      <p:sp>
+        <p:nvSpPr>
+          <p:cNvPr id="2" name="标题 1">
+            <a:extLst>
+              <a:ext uri="{FF2B5EF4-FFF2-40B4-BE49-F238E27FC236}">
+                <a16:creationId xmlns:a16="http://schemas.microsoft.com/office/drawing/2014/main" id="{484E014E-7883-B146-CAF4-9A7E649DF108}"/>
+              </a:ext>
+            </a:extLst>
+          </p:cNvPr>
+          <p:cNvSpPr>
+            <a:spLocks noGrp="1"/>
+          </p:cNvSpPr>
+          <p:nvPr>
+            <p:ph type="title"/>
+          </p:nvPr>
+        </p:nvSpPr>
+        <p:spPr>
+          <a:xfrm>
+            <a:off x="838200" y="365125"/>
+            <a:ext cx="10515600" cy="830997"/>
+          </a:xfrm>
+        </p:spPr>
+        <p:txBody>
+          <a:bodyPr/>
+          <a:lstStyle/>
+          <a:p>
+            <a:pPr>
+              <a:spcAft>
+                <a:spcPts val="600"/>
+              </a:spcAft>
+            </a:pPr>
+            <a:r>
+              <a:rPr lang="zh-CN" altLang="en-US" sz="4400" dirty="0">
+                <a:latin typeface="华文楷体" panose="02010600040101010101" pitchFamily="2" charset="-122"/>
+                <a:ea typeface="华文楷体" panose="02010600040101010101" pitchFamily="2" charset="-122"/>
+              </a:rPr>
+              <a:t>参考文献</a:t>
+            </a:r>
+            <a:endParaRPr lang="en-US" altLang="zh-CN" sz="4400" dirty="0">
+              <a:latin typeface="华文楷体" panose="02010600040101010101" pitchFamily="2" charset="-122"/>
+              <a:ea typeface="华文楷体" panose="02010600040101010101" pitchFamily="2" charset="-122"/>
+            </a:endParaRPr>
+          </a:p>
+        </p:txBody>
+      </p:sp>
+      <p:sp>
+        <p:nvSpPr>
+          <p:cNvPr id="7" name="灯片编号占位符 3">
+            <a:extLst>
+              <a:ext uri="{FF2B5EF4-FFF2-40B4-BE49-F238E27FC236}">
+                <a16:creationId xmlns:a16="http://schemas.microsoft.com/office/drawing/2014/main" id="{6883BF9E-9A06-1AFD-1030-CF09F82BD3C9}"/>
+              </a:ext>
+            </a:extLst>
+          </p:cNvPr>
+          <p:cNvSpPr>
+            <a:spLocks noGrp="1"/>
+          </p:cNvSpPr>
+          <p:nvPr>
+            <p:ph type="sldNum" sz="quarter" idx="12"/>
+          </p:nvPr>
+        </p:nvSpPr>
+        <p:spPr>
+          <a:xfrm>
+            <a:off x="8610600" y="6356350"/>
+            <a:ext cx="2743200" cy="365125"/>
+          </a:xfrm>
+        </p:spPr>
+        <p:txBody>
+          <a:bodyPr/>
+          <a:lstStyle/>
+          <a:p>
+            <a:fld id="{4DF96A39-405C-4801-AFAA-189ED9B29D59}" type="slidenum">
+              <a:rPr lang="zh-CN" altLang="en-US" sz="2400" smtClean="0"/>
+              <a:t>27</a:t>
+            </a:fld>
+            <a:endParaRPr lang="zh-CN" altLang="en-US" sz="2400" dirty="0"/>
+          </a:p>
+        </p:txBody>
+      </p:sp>
+      <p:sp>
+        <p:nvSpPr>
+          <p:cNvPr id="9" name="文本框 8">
+            <a:extLst>
+              <a:ext uri="{FF2B5EF4-FFF2-40B4-BE49-F238E27FC236}">
+                <a16:creationId xmlns:a16="http://schemas.microsoft.com/office/drawing/2014/main" id="{9FE68297-652E-B3A6-42DE-548287809AEF}"/>
+              </a:ext>
+            </a:extLst>
+          </p:cNvPr>
+          <p:cNvSpPr txBox="1"/>
+          <p:nvPr/>
+        </p:nvSpPr>
+        <p:spPr>
+          <a:xfrm>
+            <a:off x="156000" y="1196122"/>
+            <a:ext cx="11880000" cy="5324535"/>
+          </a:xfrm>
+          <a:prstGeom prst="rect">
+            <a:avLst/>
+          </a:prstGeom>
+          <a:noFill/>
+        </p:spPr>
+        <p:txBody>
+          <a:bodyPr wrap="square">
+            <a:spAutoFit/>
+          </a:bodyPr>
+          <a:lstStyle/>
+          <a:p>
+            <a:r>
+              <a:rPr lang="zh-CN" altLang="en-US" sz="2000" dirty="0">
+                <a:latin typeface="华文楷体" panose="02010600040101010101" pitchFamily="2" charset="-122"/>
+                <a:ea typeface="华文楷体" panose="02010600040101010101" pitchFamily="2" charset="-122"/>
+                <a:cs typeface="Times New Roman" panose="02020603050405020304" pitchFamily="18" charset="0"/>
+              </a:rPr>
+              <a:t>[1] V. Bindi, G.M. Chen, H.S. Chen, et al. Calibration and performance of the AMS-02 time of flight detector in space. Nuclear Instruments and Methods in Physics Research Section A: Accelerators, Spectrometers, Detectors and Associated Equipment, 743: 22-29, 2014. DOI: https://doi.org/10.1016/j.nima.2014.01.002.</a:t>
+            </a:r>
+            <a:endParaRPr lang="en-US" altLang="zh-CN" sz="2000" dirty="0">
+              <a:latin typeface="华文楷体" panose="02010600040101010101" pitchFamily="2" charset="-122"/>
+              <a:ea typeface="华文楷体" panose="02010600040101010101" pitchFamily="2" charset="-122"/>
+              <a:cs typeface="Times New Roman" panose="02020603050405020304" pitchFamily="18" charset="0"/>
+            </a:endParaRPr>
+          </a:p>
+          <a:p>
+            <a:r>
+              <a:rPr lang="en-US" altLang="zh-CN" sz="2000" dirty="0">
+                <a:latin typeface="华文楷体" panose="02010600040101010101" pitchFamily="2" charset="-122"/>
+                <a:ea typeface="华文楷体" panose="02010600040101010101" pitchFamily="2" charset="-122"/>
+                <a:cs typeface="Times New Roman" panose="02020603050405020304" pitchFamily="18" charset="0"/>
+              </a:rPr>
+              <a:t>[2] ELJEN TECHNOLOGY. GENERAL PURPOSE EJ-200, EJ-204, EJ-208, EJ-212[EB/OL]. [2025-01-16]. https://eljentechnology.com/products/plastic-scintillators/ej-200-ej-204-ej-208-ej-212.</a:t>
+            </a:r>
+          </a:p>
+          <a:p>
+            <a:r>
+              <a:rPr lang="en-US" altLang="zh-CN" sz="2000" dirty="0">
+                <a:latin typeface="华文楷体" panose="02010600040101010101" pitchFamily="2" charset="-122"/>
+                <a:ea typeface="华文楷体" panose="02010600040101010101" pitchFamily="2" charset="-122"/>
+                <a:cs typeface="Times New Roman" panose="02020603050405020304" pitchFamily="18" charset="0"/>
+              </a:rPr>
+              <a:t>[3] Particle Data Group. Atomic and nuclear properties of polystyrene[EB/OL]. [2025-01-16]. https://pdg.lbl.gov/2024/AtomicNuclearProperties/HTML/polystyrene.html.</a:t>
+            </a:r>
+          </a:p>
+          <a:p>
+            <a:r>
+              <a:rPr lang="en-US" altLang="zh-CN" sz="2000" dirty="0">
+                <a:latin typeface="华文楷体" panose="02010600040101010101" pitchFamily="2" charset="-122"/>
+                <a:ea typeface="华文楷体" panose="02010600040101010101" pitchFamily="2" charset="-122"/>
+                <a:cs typeface="Times New Roman" panose="02020603050405020304" pitchFamily="18" charset="0"/>
+              </a:rPr>
+              <a:t>[4] </a:t>
+            </a:r>
+            <a:r>
+              <a:rPr lang="en-US" altLang="zh-CN" sz="2000" dirty="0" err="1">
+                <a:latin typeface="华文楷体" panose="02010600040101010101" pitchFamily="2" charset="-122"/>
+                <a:ea typeface="华文楷体" panose="02010600040101010101" pitchFamily="2" charset="-122"/>
+                <a:cs typeface="Times New Roman" panose="02020603050405020304" pitchFamily="18" charset="0"/>
+              </a:rPr>
+              <a:t>Sternheimer</a:t>
+            </a:r>
+            <a:r>
+              <a:rPr lang="en-US" altLang="zh-CN" sz="2000" dirty="0">
+                <a:latin typeface="华文楷体" panose="02010600040101010101" pitchFamily="2" charset="-122"/>
+                <a:ea typeface="华文楷体" panose="02010600040101010101" pitchFamily="2" charset="-122"/>
+                <a:cs typeface="Times New Roman" panose="02020603050405020304" pitchFamily="18" charset="0"/>
+              </a:rPr>
+              <a:t>, R. M., Seltzer, S. M., Berger, M. J.. Density effect for the ionization loss of charged particles in various substances. Phys. Rev. B, 26: 6067--6076, 1982. DOI: 10.1103/PhysRevB.26.6067.</a:t>
+            </a:r>
+          </a:p>
+          <a:p>
+            <a:r>
+              <a:rPr lang="en-US" altLang="zh-CN" sz="2000" dirty="0">
+                <a:latin typeface="华文楷体" panose="02010600040101010101" pitchFamily="2" charset="-122"/>
+                <a:ea typeface="华文楷体" panose="02010600040101010101" pitchFamily="2" charset="-122"/>
+                <a:cs typeface="Times New Roman" panose="02020603050405020304" pitchFamily="18" charset="0"/>
+              </a:rPr>
+              <a:t>[5] Commission on Isotopic Abundances and Atomic Weights. Atomic Weight of Lithium[EB/OL]. [2025-01-16]. https://ciaaw.org/lithium.htm.</a:t>
+            </a:r>
+          </a:p>
+          <a:p>
+            <a:r>
+              <a:rPr lang="en-US" altLang="zh-CN" sz="2000" dirty="0">
+                <a:latin typeface="华文楷体" panose="02010600040101010101" pitchFamily="2" charset="-122"/>
+                <a:ea typeface="华文楷体" panose="02010600040101010101" pitchFamily="2" charset="-122"/>
+                <a:cs typeface="Times New Roman" panose="02020603050405020304" pitchFamily="18" charset="0"/>
+              </a:rPr>
+              <a:t>[6] The Bureau International des </a:t>
+            </a:r>
+            <a:r>
+              <a:rPr lang="en-US" altLang="zh-CN" sz="2000" dirty="0" err="1">
+                <a:latin typeface="华文楷体" panose="02010600040101010101" pitchFamily="2" charset="-122"/>
+                <a:ea typeface="华文楷体" panose="02010600040101010101" pitchFamily="2" charset="-122"/>
+                <a:cs typeface="Times New Roman" panose="02020603050405020304" pitchFamily="18" charset="0"/>
+              </a:rPr>
+              <a:t>Poids</a:t>
+            </a:r>
+            <a:r>
+              <a:rPr lang="en-US" altLang="zh-CN" sz="2000" dirty="0">
+                <a:latin typeface="华文楷体" panose="02010600040101010101" pitchFamily="2" charset="-122"/>
+                <a:ea typeface="华文楷体" panose="02010600040101010101" pitchFamily="2" charset="-122"/>
+                <a:cs typeface="Times New Roman" panose="02020603050405020304" pitchFamily="18" charset="0"/>
+              </a:rPr>
+              <a:t> et </a:t>
+            </a:r>
+            <a:r>
+              <a:rPr lang="en-US" altLang="zh-CN" sz="2000" dirty="0" err="1">
+                <a:latin typeface="华文楷体" panose="02010600040101010101" pitchFamily="2" charset="-122"/>
+                <a:ea typeface="华文楷体" panose="02010600040101010101" pitchFamily="2" charset="-122"/>
+                <a:cs typeface="Times New Roman" panose="02020603050405020304" pitchFamily="18" charset="0"/>
+              </a:rPr>
+              <a:t>Mesures</a:t>
+            </a:r>
+            <a:r>
+              <a:rPr lang="en-US" altLang="zh-CN" sz="2000" dirty="0">
+                <a:latin typeface="华文楷体" panose="02010600040101010101" pitchFamily="2" charset="-122"/>
+                <a:ea typeface="华文楷体" panose="02010600040101010101" pitchFamily="2" charset="-122"/>
+                <a:cs typeface="Times New Roman" panose="02020603050405020304" pitchFamily="18" charset="0"/>
+              </a:rPr>
+              <a:t>. The International System of Units (SI)[EB/OL]. [2025-01-16]. https://www.bipm.org/documents/20126/41483022/SI-Brochure-9.pdf.</a:t>
+            </a:r>
+          </a:p>
+          <a:p>
+            <a:r>
+              <a:rPr lang="en-US" altLang="zh-CN" sz="2000" dirty="0">
+                <a:latin typeface="华文楷体" panose="02010600040101010101" pitchFamily="2" charset="-122"/>
+                <a:ea typeface="华文楷体" panose="02010600040101010101" pitchFamily="2" charset="-122"/>
+                <a:cs typeface="Times New Roman" panose="02020603050405020304" pitchFamily="18" charset="0"/>
+              </a:rPr>
+              <a:t>[7] Navas, S., others. Review of particle physics. Phys. Rev. D, 110(3): 030001, 2024. DOI: 10.1103/PhysRevD.110.030001.</a:t>
+            </a:r>
+          </a:p>
+          <a:p>
+            <a:r>
+              <a:rPr lang="en-US" altLang="zh-CN" sz="2000" dirty="0">
+                <a:latin typeface="华文楷体" panose="02010600040101010101" pitchFamily="2" charset="-122"/>
+                <a:ea typeface="华文楷体" panose="02010600040101010101" pitchFamily="2" charset="-122"/>
+                <a:cs typeface="Times New Roman" panose="02020603050405020304" pitchFamily="18" charset="0"/>
+              </a:rPr>
+              <a:t>[8] </a:t>
+            </a:r>
+            <a:r>
+              <a:rPr lang="en-US" altLang="zh-CN" sz="2000" dirty="0" err="1">
+                <a:latin typeface="华文楷体" panose="02010600040101010101" pitchFamily="2" charset="-122"/>
+                <a:ea typeface="华文楷体" panose="02010600040101010101" pitchFamily="2" charset="-122"/>
+                <a:cs typeface="Times New Roman" panose="02020603050405020304" pitchFamily="18" charset="0"/>
+              </a:rPr>
+              <a:t>SternheimerR</a:t>
+            </a:r>
+            <a:r>
+              <a:rPr lang="en-US" altLang="zh-CN" sz="2000" dirty="0">
+                <a:latin typeface="华文楷体" panose="02010600040101010101" pitchFamily="2" charset="-122"/>
+                <a:ea typeface="华文楷体" panose="02010600040101010101" pitchFamily="2" charset="-122"/>
+                <a:cs typeface="Times New Roman" panose="02020603050405020304" pitchFamily="18" charset="0"/>
+              </a:rPr>
+              <a:t>. M.. General expression for the density effect for the ionization loss of charged particles. Phys. Rev. B, 24: 6288--6291, 1981. DOI: 10.1103/PhysRevB.24.6288.</a:t>
+            </a:r>
+          </a:p>
+        </p:txBody>
+      </p:sp>
+    </p:spTree>
+    <p:extLst>
+      <p:ext uri="{BB962C8B-B14F-4D97-AF65-F5344CB8AC3E}">
+        <p14:creationId xmlns:p14="http://schemas.microsoft.com/office/powerpoint/2010/main" val="1889859577"/>
+      </p:ext>
+    </p:extLst>
+  </p:cSld>
+  <p:clrMapOvr>
+    <a:masterClrMapping/>
+  </p:clrMapOvr>
+  <mc:AlternateContent xmlns:mc="http://schemas.openxmlformats.org/markup-compatibility/2006" xmlns:p159="http://schemas.microsoft.com/office/powerpoint/2015/09/main">
+    <mc:Choice Requires="p159">
+      <p:transition>
+        <p159:morph option="byObject"/>
+      </p:transition>
+    </mc:Choice>
+    <mc:Fallback xmlns="">
+      <p:transition>
+        <p:fade/>
+      </p:transition>
+    </mc:Fallback>
+  </mc:AlternateContent>
+</p:sld>
+</file>
+
+<file path=ppt/slides/slide28.xml><?xml version="1.0" encoding="utf-8"?>
+<p:sld xmlns:a="http://schemas.openxmlformats.org/drawingml/2006/main" xmlns:r="http://schemas.openxmlformats.org/officeDocument/2006/relationships" xmlns:p="http://schemas.openxmlformats.org/presentationml/2006/main">
   <p:cSld>
     <p:spTree>
       <p:nvGrpSpPr>
@@ -16881,7 +23295,7 @@
         </p:nvCxnSpPr>
         <p:spPr>
           <a:xfrm>
-            <a:off x="6153386" y="1806709"/>
+            <a:off x="6159137" y="1806709"/>
             <a:ext cx="1744" cy="221487"/>
           </a:xfrm>
           <a:prstGeom prst="line">
@@ -16925,7 +23339,7 @@
         </p:nvCxnSpPr>
         <p:spPr>
           <a:xfrm>
-            <a:off x="6151212" y="2028196"/>
+            <a:off x="6156963" y="2028196"/>
             <a:ext cx="0" cy="2962115"/>
           </a:xfrm>
           <a:prstGeom prst="line">
@@ -16968,7 +23382,7 @@
         </p:nvCxnSpPr>
         <p:spPr>
           <a:xfrm>
-            <a:off x="6151108" y="4958561"/>
+            <a:off x="6156859" y="4958561"/>
             <a:ext cx="0" cy="243544"/>
           </a:xfrm>
           <a:prstGeom prst="line">
@@ -17012,7 +23426,7 @@
         </p:nvCxnSpPr>
         <p:spPr>
           <a:xfrm>
-            <a:off x="6151212" y="5187160"/>
+            <a:off x="6156963" y="5187160"/>
             <a:ext cx="0" cy="206510"/>
           </a:xfrm>
           <a:prstGeom prst="line">
@@ -17055,7 +23469,7 @@
         </p:nvCxnSpPr>
         <p:spPr>
           <a:xfrm>
-            <a:off x="6151240" y="5393670"/>
+            <a:off x="6156991" y="5393670"/>
             <a:ext cx="1744" cy="221487"/>
           </a:xfrm>
           <a:prstGeom prst="line">
@@ -17097,7 +23511,7 @@
         </p:nvCxnSpPr>
         <p:spPr>
           <a:xfrm>
-            <a:off x="6153152" y="5605464"/>
+            <a:off x="6158903" y="5605464"/>
             <a:ext cx="0" cy="359569"/>
           </a:xfrm>
           <a:prstGeom prst="straightConnector1">
@@ -17150,7 +23564,7 @@
           <a:p>
             <a:fld id="{4DF96A39-405C-4801-AFAA-189ED9B29D59}" type="slidenum">
               <a:rPr lang="zh-CN" altLang="en-US" sz="2400" smtClean="0"/>
-              <a:t>22</a:t>
+              <a:t>28</a:t>
             </a:fld>
             <a:endParaRPr lang="zh-CN" altLang="en-US" sz="2400" dirty="0"/>
           </a:p>
@@ -17166,13 +23580,13 @@
   <p:clrMapOvr>
     <a:masterClrMapping/>
   </p:clrMapOvr>
-  <mc:AlternateContent xmlns:mc="http://schemas.openxmlformats.org/markup-compatibility/2006" xmlns:p159="http://schemas.microsoft.com/office/powerpoint/2015/09/main">
-    <mc:Choice Requires="p159">
+  <mc:AlternateContent xmlns:mc="http://schemas.openxmlformats.org/markup-compatibility/2006">
+    <mc:Choice xmlns:p159="http://schemas.microsoft.com/office/powerpoint/2015/09/main" Requires="p159">
       <p:transition>
         <p159:morph option="byObject"/>
       </p:transition>
     </mc:Choice>
-    <mc:Fallback xmlns="">
+    <mc:Fallback>
       <p:transition>
         <p:fade/>
       </p:transition>
@@ -17425,7 +23839,7 @@
                 <a:ea typeface="华文楷体" panose="02010600040101010101" pitchFamily="2" charset="-122"/>
                 <a:cs typeface="+mj-cs"/>
               </a:rPr>
-              <a:t>系统由四层</a:t>
+              <a:t>系统由四层型号为</a:t>
             </a:r>
             <a:r>
               <a:rPr lang="en-US" altLang="zh-CN" sz="2400" dirty="0">
@@ -17441,7 +23855,7 @@
                 <a:ea typeface="华文楷体" panose="02010600040101010101" pitchFamily="2" charset="-122"/>
                 <a:cs typeface="+mj-cs"/>
               </a:rPr>
-              <a:t>闪烁体探测器组成</a:t>
+              <a:t>的闪烁体探测器组成</a:t>
             </a:r>
             <a:r>
               <a:rPr lang="en-US" altLang="zh-CN" sz="2400" baseline="30000" dirty="0">
@@ -17701,7 +24115,7 @@
                 <a:ea typeface="华文楷体" panose="02010600040101010101" pitchFamily="2" charset="-122"/>
                 <a:cs typeface="+mj-cs"/>
               </a:rPr>
-              <a:t>基底：聚甲苯乙烯 </a:t>
+              <a:t>型闪烁体探测器基底：聚甲苯乙烯 </a:t>
             </a:r>
             <a:r>
               <a:rPr lang="en-US" altLang="zh-CN" sz="2400" dirty="0">
@@ -17988,7 +24402,7 @@
                 <a:ea typeface="华文楷体" panose="02010600040101010101" pitchFamily="2" charset="-122"/>
                 <a:cs typeface="+mj-cs"/>
               </a:rPr>
-              <a:t>，数据来源于</a:t>
+              <a:t>，具体数据来源于</a:t>
             </a:r>
             <a:r>
               <a:rPr lang="en-US" altLang="zh-CN" sz="2400" dirty="0">
@@ -18113,7 +24527,7 @@
                 <a:ea typeface="华文楷体" panose="02010600040101010101" pitchFamily="2" charset="-122"/>
                 <a:cs typeface="+mj-cs"/>
               </a:rPr>
-              <a:t>，数据来源于</a:t>
+              <a:t>，具体数据来源于</a:t>
             </a:r>
             <a:r>
               <a:rPr lang="en-US" altLang="zh-CN" sz="2400" dirty="0">
@@ -18129,7 +24543,7 @@
                 <a:ea typeface="华文楷体" panose="02010600040101010101" pitchFamily="2" charset="-122"/>
                 <a:cs typeface="+mj-cs"/>
               </a:rPr>
-              <a:t>以及</a:t>
+              <a:t>和</a:t>
             </a:r>
             <a:r>
               <a:rPr lang="en-US" altLang="zh-CN" sz="2400" dirty="0">
@@ -18181,7 +24595,7 @@
         <p:spPr>
           <a:xfrm>
             <a:off x="156000" y="4046839"/>
-            <a:ext cx="11880000" cy="2554545"/>
+            <a:ext cx="11880000" cy="2308324"/>
           </a:xfrm>
           <a:prstGeom prst="rect">
             <a:avLst/>
@@ -18479,13 +24893,6 @@
               </a:rPr>
               <a:t>. The International System of Units (SI)[EB/OL]. [2025-01-16]. https://www.bipm.org/documents/20126/41483022/SI-Brochure-9.pdf.</a:t>
             </a:r>
-            <a:endParaRPr lang="zh-CN" altLang="en-US" sz="1600" dirty="0">
-              <a:latin typeface="华文楷体" panose="02010600040101010101" pitchFamily="2" charset="-122"/>
-              <a:ea typeface="华文楷体" panose="02010600040101010101" pitchFamily="2" charset="-122"/>
-              <a:cs typeface="Times New Roman" panose="02020603050405020304" pitchFamily="18" charset="0"/>
-            </a:endParaRPr>
-          </a:p>
-          <a:p>
             <a:endParaRPr lang="zh-CN" altLang="en-US" sz="1600" dirty="0">
               <a:latin typeface="华文楷体" panose="02010600040101010101" pitchFamily="2" charset="-122"/>
               <a:ea typeface="华文楷体" panose="02010600040101010101" pitchFamily="2" charset="-122"/>
@@ -18616,8 +25023,8 @@
           </a:p>
         </p:txBody>
       </p:sp>
-      <mc:AlternateContent xmlns:mc="http://schemas.openxmlformats.org/markup-compatibility/2006" xmlns:a14="http://schemas.microsoft.com/office/drawing/2010/main">
-        <mc:Choice Requires="a14">
+      <mc:AlternateContent xmlns:mc="http://schemas.openxmlformats.org/markup-compatibility/2006">
+        <mc:Choice xmlns:a14="http://schemas.microsoft.com/office/drawing/2010/main" Requires="a14">
           <p:sp>
             <p:nvSpPr>
               <p:cNvPr id="8" name="文本框 7">
@@ -18691,7 +25098,7 @@
                     <a:ea typeface="华文楷体" panose="02010600040101010101" pitchFamily="2" charset="-122"/>
                     <a:cs typeface="+mj-cs"/>
                   </a:rPr>
-                  <a:t>粒子的速度方向被指定为了</a:t>
+                  <a:t>粒子的速度方向被固定为</a:t>
                 </a:r>
                 <a:r>
                   <a:rPr lang="en-US" altLang="zh-CN" sz="2400" dirty="0">
@@ -18707,7 +25114,7 @@
                     <a:ea typeface="华文楷体" panose="02010600040101010101" pitchFamily="2" charset="-122"/>
                     <a:cs typeface="+mj-cs"/>
                   </a:rPr>
-                  <a:t>方向（垂直入射）</a:t>
+                  <a:t>方向（即垂直入射）</a:t>
                 </a:r>
                 <a:endParaRPr lang="en-US" altLang="zh-CN" sz="2400" dirty="0">
                   <a:latin typeface="华文楷体" panose="02010600040101010101" pitchFamily="2" charset="-122"/>
@@ -18768,7 +25175,7 @@
                     <a:ea typeface="华文楷体" panose="02010600040101010101" pitchFamily="2" charset="-122"/>
                     <a:cs typeface="+mj-cs"/>
                   </a:rPr>
-                  <a:t>方程</a:t>
+                  <a:t>方程描述</a:t>
                 </a:r>
                 <a:endParaRPr lang="en-US" altLang="zh-CN" sz="2400" dirty="0">
                   <a:latin typeface="华文楷体" panose="02010600040101010101" pitchFamily="2" charset="-122"/>
@@ -18789,51 +25196,41 @@
                     <a:ea typeface="华文楷体" panose="02010600040101010101" pitchFamily="2" charset="-122"/>
                     <a:cs typeface="+mj-cs"/>
                   </a:rPr>
-                  <a:t>研究采用的自然单位制</a:t>
+                  <a:t>采用自然单位制（</a:t>
                 </a:r>
                 <a14:m>
                   <m:oMath xmlns:m="http://schemas.openxmlformats.org/officeDocument/2006/math">
-                    <m:d>
-                      <m:dPr>
-                        <m:ctrlPr>
-                          <a:rPr lang="en-US" altLang="zh-CN" sz="2400" i="1" dirty="0" smtClean="0">
-                            <a:latin typeface="Cambria Math" panose="02040503050406030204" pitchFamily="18" charset="0"/>
-                            <a:ea typeface="华文楷体" panose="02010600040101010101" pitchFamily="2" charset="-122"/>
-                            <a:cs typeface="+mj-cs"/>
-                          </a:rPr>
-                        </m:ctrlPr>
-                      </m:dPr>
-                      <m:e>
-                        <m:r>
-                          <a:rPr lang="en-US" altLang="zh-CN" sz="2400" i="1" dirty="0" smtClean="0">
-                            <a:latin typeface="Cambria Math" panose="02040503050406030204" pitchFamily="18" charset="0"/>
-                            <a:ea typeface="华文楷体" panose="02010600040101010101" pitchFamily="2" charset="-122"/>
-                            <a:cs typeface="+mj-cs"/>
-                          </a:rPr>
-                          <m:t>𝑐</m:t>
-                        </m:r>
-                        <m:r>
-                          <a:rPr lang="en-US" altLang="zh-CN" sz="2400" i="1" dirty="0" smtClean="0">
-                            <a:latin typeface="Cambria Math" panose="02040503050406030204" pitchFamily="18" charset="0"/>
-                            <a:ea typeface="华文楷体" panose="02010600040101010101" pitchFamily="2" charset="-122"/>
-                            <a:cs typeface="+mj-cs"/>
-                          </a:rPr>
-                          <m:t>=1</m:t>
-                        </m:r>
-                      </m:e>
-                    </m:d>
+                    <m:r>
+                      <a:rPr lang="en-US" altLang="zh-CN" sz="2400" i="1" dirty="0" smtClean="0">
+                        <a:latin typeface="Cambria Math" panose="02040503050406030204" pitchFamily="18" charset="0"/>
+                        <a:ea typeface="华文楷体" panose="02010600040101010101" pitchFamily="2" charset="-122"/>
+                        <a:cs typeface="+mj-cs"/>
+                      </a:rPr>
+                      <m:t>𝑐</m:t>
+                    </m:r>
+                    <m:r>
+                      <a:rPr lang="en-US" altLang="zh-CN" sz="2400" i="1" dirty="0" smtClean="0">
+                        <a:latin typeface="Cambria Math" panose="02040503050406030204" pitchFamily="18" charset="0"/>
+                        <a:ea typeface="华文楷体" panose="02010600040101010101" pitchFamily="2" charset="-122"/>
+                        <a:cs typeface="+mj-cs"/>
+                      </a:rPr>
+                      <m:t>=1</m:t>
+                    </m:r>
                   </m:oMath>
                 </a14:m>
-                <a:endParaRPr lang="zh-CN" altLang="en-US" sz="2400" dirty="0">
-                  <a:latin typeface="华文楷体" panose="02010600040101010101" pitchFamily="2" charset="-122"/>
-                  <a:ea typeface="华文楷体" panose="02010600040101010101" pitchFamily="2" charset="-122"/>
-                  <a:cs typeface="+mj-cs"/>
-                </a:endParaRPr>
+                <a:r>
+                  <a:rPr lang="zh-CN" altLang="en-US" sz="2400" dirty="0">
+                    <a:latin typeface="华文楷体" panose="02010600040101010101" pitchFamily="2" charset="-122"/>
+                    <a:ea typeface="华文楷体" panose="02010600040101010101" pitchFamily="2" charset="-122"/>
+                    <a:cs typeface="+mj-cs"/>
+                  </a:rPr>
+                  <a:t>）</a:t>
+                </a:r>
               </a:p>
             </p:txBody>
           </p:sp>
         </mc:Choice>
-        <mc:Fallback xmlns="">
+        <mc:Fallback>
           <p:sp>
             <p:nvSpPr>
               <p:cNvPr id="8" name="文本框 7">
@@ -19166,36 +25563,6 @@
           </a:p>
         </p:txBody>
       </p:sp>
-      <p:pic>
-        <p:nvPicPr>
-          <p:cNvPr id="36" name="图片 35">
-            <a:extLst>
-              <a:ext uri="{FF2B5EF4-FFF2-40B4-BE49-F238E27FC236}">
-                <a16:creationId xmlns:a16="http://schemas.microsoft.com/office/drawing/2014/main" id="{3D033EE5-DB5F-3E10-0BC0-E3A11B365BDD}"/>
-              </a:ext>
-            </a:extLst>
-          </p:cNvPr>
-          <p:cNvPicPr>
-            <a:picLocks noChangeAspect="1"/>
-          </p:cNvPicPr>
-          <p:nvPr/>
-        </p:nvPicPr>
-        <p:blipFill>
-          <a:blip r:embed="rId2"/>
-          <a:stretch>
-            <a:fillRect/>
-          </a:stretch>
-        </p:blipFill>
-        <p:spPr>
-          <a:xfrm>
-            <a:off x="7524841" y="1196122"/>
-            <a:ext cx="4143283" cy="3998651"/>
-          </a:xfrm>
-          <a:prstGeom prst="rect">
-            <a:avLst/>
-          </a:prstGeom>
-        </p:spPr>
-      </p:pic>
       <p:sp>
         <p:nvSpPr>
           <p:cNvPr id="38" name="文本框 37">
@@ -19210,7 +25577,7 @@
         </p:nvSpPr>
         <p:spPr>
           <a:xfrm>
-            <a:off x="7524841" y="5261768"/>
+            <a:off x="6962775" y="5330780"/>
             <a:ext cx="3295650" cy="400110"/>
           </a:xfrm>
           <a:prstGeom prst="rect">
@@ -19291,6 +25658,36 @@
           </a:p>
         </p:txBody>
       </p:sp>
+      <p:pic>
+        <p:nvPicPr>
+          <p:cNvPr id="701" name="图片 700">
+            <a:extLst>
+              <a:ext uri="{FF2B5EF4-FFF2-40B4-BE49-F238E27FC236}">
+                <a16:creationId xmlns:a16="http://schemas.microsoft.com/office/drawing/2014/main" id="{36DFB525-46AF-D48B-96DC-3ADF815E737F}"/>
+              </a:ext>
+            </a:extLst>
+          </p:cNvPr>
+          <p:cNvPicPr>
+            <a:picLocks noChangeAspect="1"/>
+          </p:cNvPicPr>
+          <p:nvPr/>
+        </p:nvPicPr>
+        <p:blipFill>
+          <a:blip r:embed="rId2"/>
+          <a:stretch>
+            <a:fillRect/>
+          </a:stretch>
+        </p:blipFill>
+        <p:spPr>
+          <a:xfrm>
+            <a:off x="6529474" y="838070"/>
+            <a:ext cx="4679109" cy="4492710"/>
+          </a:xfrm>
+          <a:prstGeom prst="rect">
+            <a:avLst/>
+          </a:prstGeom>
+        </p:spPr>
+      </p:pic>
     </p:spTree>
     <p:extLst>
       <p:ext uri="{BB962C8B-B14F-4D97-AF65-F5344CB8AC3E}">
@@ -19440,7 +25837,7 @@
                 <a:ea typeface="华文楷体" panose="02010600040101010101" pitchFamily="2" charset="-122"/>
                 <a:cs typeface="+mj-cs"/>
               </a:rPr>
-              <a:t>此阶段考虑</a:t>
+              <a:t>此阶段仅考虑</a:t>
             </a:r>
             <a:r>
               <a:rPr lang="en-US" altLang="zh-CN" sz="2400" dirty="0">
@@ -22298,8 +28695,8 @@
           </a:p>
         </p:txBody>
       </p:sp>
-      <mc:AlternateContent xmlns:mc="http://schemas.openxmlformats.org/markup-compatibility/2006" xmlns:a14="http://schemas.microsoft.com/office/drawing/2010/main">
-        <mc:Choice Requires="a14">
+      <mc:AlternateContent xmlns:mc="http://schemas.openxmlformats.org/markup-compatibility/2006">
+        <mc:Choice xmlns:a14="http://schemas.microsoft.com/office/drawing/2010/main" Requires="a14">
           <p:sp>
             <p:nvSpPr>
               <p:cNvPr id="11" name="文本框 10">
@@ -22334,7 +28731,36 @@
                     <a:ea typeface="华文楷体" panose="02010600040101010101" pitchFamily="2" charset="-122"/>
                     <a:cs typeface="+mj-cs"/>
                   </a:rPr>
-                  <a:t>其中，系数</a:t>
+                  <a:t>其中</a:t>
+                </a:r>
+                <a:r>
+                  <a:rPr lang="zh-CN" altLang="en-US" sz="2400" dirty="0">
+                    <a:latin typeface="华文楷体" panose="02010600040101010101" pitchFamily="2" charset="-122"/>
+                    <a:ea typeface="华文楷体" panose="02010600040101010101" pitchFamily="2" charset="-122"/>
+                  </a:rPr>
+                  <a:t>符号定义与</a:t>
+                </a:r>
+                <a:r>
+                  <a:rPr lang="en-US" altLang="zh-CN" sz="2400" dirty="0">
+                    <a:latin typeface="华文楷体" panose="02010600040101010101" pitchFamily="2" charset="-122"/>
+                    <a:ea typeface="华文楷体" panose="02010600040101010101" pitchFamily="2" charset="-122"/>
+                  </a:rPr>
+                  <a:t>[7]</a:t>
+                </a:r>
+                <a:r>
+                  <a:rPr lang="zh-CN" altLang="en-US" sz="2400" dirty="0">
+                    <a:latin typeface="华文楷体" panose="02010600040101010101" pitchFamily="2" charset="-122"/>
+                    <a:ea typeface="华文楷体" panose="02010600040101010101" pitchFamily="2" charset="-122"/>
+                  </a:rPr>
+                  <a:t>一致</a:t>
+                </a:r>
+                <a:r>
+                  <a:rPr lang="zh-CN" altLang="en-US" sz="2400" dirty="0">
+                    <a:latin typeface="华文楷体" panose="02010600040101010101" pitchFamily="2" charset="-122"/>
+                    <a:ea typeface="华文楷体" panose="02010600040101010101" pitchFamily="2" charset="-122"/>
+                    <a:cs typeface="+mj-cs"/>
+                  </a:rPr>
+                  <a:t>。系数</a:t>
                 </a:r>
                 <a14:m>
                   <m:oMath xmlns:m="http://schemas.openxmlformats.org/officeDocument/2006/math">
@@ -22372,7 +28798,7 @@
             </p:txBody>
           </p:sp>
         </mc:Choice>
-        <mc:Fallback xmlns="">
+        <mc:Fallback>
           <p:sp>
             <p:nvSpPr>
               <p:cNvPr id="11" name="文本框 10">
@@ -22453,7 +28879,7 @@
                     <a:ea typeface="华文楷体" panose="02010600040101010101" pitchFamily="2" charset="-122"/>
                     <a:cs typeface="+mj-cs"/>
                   </a:rPr>
-                  <a:t>通过</a:t>
+                  <a:t>该方程通过</a:t>
                 </a:r>
                 <a14:m>
                   <m:oMath xmlns:m="http://schemas.openxmlformats.org/officeDocument/2006/math">
@@ -22579,8 +29005,8 @@
           </p:sp>
         </mc:Fallback>
       </mc:AlternateContent>
-      <mc:AlternateContent xmlns:mc="http://schemas.openxmlformats.org/markup-compatibility/2006" xmlns:a14="http://schemas.microsoft.com/office/drawing/2010/main">
-        <mc:Choice Requires="a14">
+      <mc:AlternateContent xmlns:mc="http://schemas.openxmlformats.org/markup-compatibility/2006">
+        <mc:Choice xmlns:a14="http://schemas.microsoft.com/office/drawing/2010/main" Requires="a14">
           <p:sp>
             <p:nvSpPr>
               <p:cNvPr id="14" name="文本框 13">
@@ -22667,7 +29093,7 @@
             </p:txBody>
           </p:sp>
         </mc:Choice>
-        <mc:Fallback xmlns="">
+        <mc:Fallback>
           <p:sp>
             <p:nvSpPr>
               <p:cNvPr id="14" name="文本框 13">
@@ -23620,7 +30046,7 @@
             </p:nvGraphicFramePr>
             <p:xfrm>
               <a:off x="696000" y="3162224"/>
-              <a:ext cx="10800000" cy="1808734"/>
+              <a:ext cx="10800000" cy="1761109"/>
             </p:xfrm>
             <a:graphic>
               <a:graphicData uri="http://schemas.openxmlformats.org/drawingml/2006/table">
@@ -25370,8 +31796,8 @@
           </a:p>
         </p:txBody>
       </p:sp>
-      <mc:AlternateContent xmlns:mc="http://schemas.openxmlformats.org/markup-compatibility/2006" xmlns:a14="http://schemas.microsoft.com/office/drawing/2010/main">
-        <mc:Choice Requires="a14">
+      <mc:AlternateContent xmlns:mc="http://schemas.openxmlformats.org/markup-compatibility/2006">
+        <mc:Choice xmlns:a14="http://schemas.microsoft.com/office/drawing/2010/main" Requires="a14">
           <p:sp>
             <p:nvSpPr>
               <p:cNvPr id="12" name="文本框 11">
@@ -25499,7 +31925,199 @@
                     <a:ea typeface="华文楷体" panose="02010600040101010101" pitchFamily="2" charset="-122"/>
                     <a:cs typeface="+mj-cs"/>
                   </a:rPr>
-                  <a:t>。</a:t>
+                  <a:t>，</a:t>
+                </a:r>
+                <a:r>
+                  <a:rPr lang="en-US" altLang="zh-CN" sz="2400" dirty="0">
+                    <a:ea typeface="华文楷体" panose="02010600040101010101" pitchFamily="2" charset="-122"/>
+                  </a:rPr>
+                  <a:t> </a:t>
+                </a:r>
+                <a14:m>
+                  <m:oMath xmlns:m="http://schemas.openxmlformats.org/officeDocument/2006/math">
+                    <m:r>
+                      <a:rPr lang="en-US" altLang="zh-CN" sz="2400" i="1">
+                        <a:latin typeface="Cambria Math" panose="02040503050406030204" pitchFamily="18" charset="0"/>
+                        <a:ea typeface="华文楷体" panose="02010600040101010101" pitchFamily="2" charset="-122"/>
+                      </a:rPr>
+                      <m:t>𝑎</m:t>
+                    </m:r>
+                  </m:oMath>
+                </a14:m>
+                <a:r>
+                  <a:rPr lang="zh-CN" altLang="en-US" sz="2400" dirty="0">
+                    <a:latin typeface="华文楷体" panose="02010600040101010101" pitchFamily="2" charset="-122"/>
+                    <a:ea typeface="华文楷体" panose="02010600040101010101" pitchFamily="2" charset="-122"/>
+                  </a:rPr>
+                  <a:t>，</a:t>
+                </a:r>
+                <a14:m>
+                  <m:oMath xmlns:m="http://schemas.openxmlformats.org/officeDocument/2006/math">
+                    <m:r>
+                      <a:rPr lang="en-US" altLang="zh-CN" sz="2400" i="1" dirty="0">
+                        <a:latin typeface="Cambria Math" panose="02040503050406030204" pitchFamily="18" charset="0"/>
+                        <a:ea typeface="华文楷体" panose="02010600040101010101" pitchFamily="2" charset="-122"/>
+                      </a:rPr>
+                      <m:t>𝑘</m:t>
+                    </m:r>
+                  </m:oMath>
+                </a14:m>
+                <a:r>
+                  <a:rPr lang="zh-CN" altLang="en-US" sz="2400" dirty="0">
+                    <a:latin typeface="华文楷体" panose="02010600040101010101" pitchFamily="2" charset="-122"/>
+                    <a:ea typeface="华文楷体" panose="02010600040101010101" pitchFamily="2" charset="-122"/>
+                  </a:rPr>
+                  <a:t>，</a:t>
+                </a:r>
+                <a14:m>
+                  <m:oMath xmlns:m="http://schemas.openxmlformats.org/officeDocument/2006/math">
+                    <m:sSub>
+                      <m:sSubPr>
+                        <m:ctrlPr>
+                          <a:rPr lang="en-US" altLang="zh-CN" sz="2400" i="1" dirty="0">
+                            <a:latin typeface="Cambria Math" panose="02040503050406030204" pitchFamily="18" charset="0"/>
+                            <a:ea typeface="华文楷体" panose="02010600040101010101" pitchFamily="2" charset="-122"/>
+                          </a:rPr>
+                        </m:ctrlPr>
+                      </m:sSubPr>
+                      <m:e>
+                        <m:r>
+                          <a:rPr lang="en-US" altLang="zh-CN" sz="2400" i="1" dirty="0">
+                            <a:latin typeface="Cambria Math" panose="02040503050406030204" pitchFamily="18" charset="0"/>
+                            <a:ea typeface="华文楷体" panose="02010600040101010101" pitchFamily="2" charset="-122"/>
+                          </a:rPr>
+                          <m:t>𝑥</m:t>
+                        </m:r>
+                      </m:e>
+                      <m:sub>
+                        <m:r>
+                          <a:rPr lang="en-US" altLang="zh-CN" sz="2400" i="1" dirty="0">
+                            <a:latin typeface="Cambria Math" panose="02040503050406030204" pitchFamily="18" charset="0"/>
+                            <a:ea typeface="华文楷体" panose="02010600040101010101" pitchFamily="2" charset="-122"/>
+                          </a:rPr>
+                          <m:t>0</m:t>
+                        </m:r>
+                      </m:sub>
+                    </m:sSub>
+                  </m:oMath>
+                </a14:m>
+                <a:r>
+                  <a:rPr lang="zh-CN" altLang="en-US" sz="2400" dirty="0">
+                    <a:latin typeface="华文楷体" panose="02010600040101010101" pitchFamily="2" charset="-122"/>
+                    <a:ea typeface="华文楷体" panose="02010600040101010101" pitchFamily="2" charset="-122"/>
+                  </a:rPr>
+                  <a:t>，</a:t>
+                </a:r>
+                <a14:m>
+                  <m:oMath xmlns:m="http://schemas.openxmlformats.org/officeDocument/2006/math">
+                    <m:sSub>
+                      <m:sSubPr>
+                        <m:ctrlPr>
+                          <a:rPr lang="en-US" altLang="zh-CN" sz="2400" i="1" dirty="0">
+                            <a:latin typeface="Cambria Math" panose="02040503050406030204" pitchFamily="18" charset="0"/>
+                            <a:ea typeface="华文楷体" panose="02010600040101010101" pitchFamily="2" charset="-122"/>
+                          </a:rPr>
+                        </m:ctrlPr>
+                      </m:sSubPr>
+                      <m:e>
+                        <m:r>
+                          <a:rPr lang="en-US" altLang="zh-CN" sz="2400" i="1" dirty="0">
+                            <a:latin typeface="Cambria Math" panose="02040503050406030204" pitchFamily="18" charset="0"/>
+                            <a:ea typeface="华文楷体" panose="02010600040101010101" pitchFamily="2" charset="-122"/>
+                          </a:rPr>
+                          <m:t>𝑥</m:t>
+                        </m:r>
+                      </m:e>
+                      <m:sub>
+                        <m:r>
+                          <a:rPr lang="en-US" altLang="zh-CN" sz="2400" i="1" dirty="0">
+                            <a:latin typeface="Cambria Math" panose="02040503050406030204" pitchFamily="18" charset="0"/>
+                            <a:ea typeface="华文楷体" panose="02010600040101010101" pitchFamily="2" charset="-122"/>
+                          </a:rPr>
+                          <m:t>1</m:t>
+                        </m:r>
+                      </m:sub>
+                    </m:sSub>
+                  </m:oMath>
+                </a14:m>
+                <a:r>
+                  <a:rPr lang="zh-CN" altLang="en-US" sz="2400" dirty="0">
+                    <a:latin typeface="华文楷体" panose="02010600040101010101" pitchFamily="2" charset="-122"/>
+                    <a:ea typeface="华文楷体" panose="02010600040101010101" pitchFamily="2" charset="-122"/>
+                  </a:rPr>
+                  <a:t>，</a:t>
+                </a:r>
+                <a14:m>
+                  <m:oMath xmlns:m="http://schemas.openxmlformats.org/officeDocument/2006/math">
+                    <m:sSub>
+                      <m:sSubPr>
+                        <m:ctrlPr>
+                          <a:rPr lang="en-US" altLang="zh-CN" sz="2400" i="1" dirty="0">
+                            <a:latin typeface="Cambria Math" panose="02040503050406030204" pitchFamily="18" charset="0"/>
+                            <a:ea typeface="华文楷体" panose="02010600040101010101" pitchFamily="2" charset="-122"/>
+                          </a:rPr>
+                        </m:ctrlPr>
+                      </m:sSubPr>
+                      <m:e>
+                        <m:r>
+                          <a:rPr lang="en-US" altLang="zh-CN" sz="2400" i="1" dirty="0">
+                            <a:latin typeface="Cambria Math" panose="02040503050406030204" pitchFamily="18" charset="0"/>
+                            <a:ea typeface="华文楷体" panose="02010600040101010101" pitchFamily="2" charset="-122"/>
+                          </a:rPr>
+                          <m:t>𝛿</m:t>
+                        </m:r>
+                      </m:e>
+                      <m:sub>
+                        <m:r>
+                          <a:rPr lang="en-US" altLang="zh-CN" sz="2400" i="1" dirty="0">
+                            <a:latin typeface="Cambria Math" panose="02040503050406030204" pitchFamily="18" charset="0"/>
+                            <a:ea typeface="华文楷体" panose="02010600040101010101" pitchFamily="2" charset="-122"/>
+                          </a:rPr>
+                          <m:t>0</m:t>
+                        </m:r>
+                      </m:sub>
+                    </m:sSub>
+                  </m:oMath>
+                </a14:m>
+                <a:r>
+                  <a:rPr lang="zh-CN" altLang="en-US" sz="2400" dirty="0">
+                    <a:latin typeface="华文楷体" panose="02010600040101010101" pitchFamily="2" charset="-122"/>
+                    <a:ea typeface="华文楷体" panose="02010600040101010101" pitchFamily="2" charset="-122"/>
+                    <a:cs typeface="+mj-cs"/>
+                  </a:rPr>
+                  <a:t>和</a:t>
+                </a:r>
+                <a14:m>
+                  <m:oMath xmlns:m="http://schemas.openxmlformats.org/officeDocument/2006/math">
+                    <m:acc>
+                      <m:accPr>
+                        <m:chr m:val="̅"/>
+                        <m:ctrlPr>
+                          <a:rPr lang="zh-CN" altLang="zh-CN" sz="2400" i="1">
+                            <a:latin typeface="Cambria Math" panose="02040503050406030204" pitchFamily="18" charset="0"/>
+                            <a:ea typeface="华文楷体" panose="02010600040101010101" pitchFamily="2" charset="-122"/>
+                          </a:rPr>
+                        </m:ctrlPr>
+                      </m:accPr>
+                      <m:e>
+                        <m:r>
+                          <a:rPr lang="en-US" altLang="zh-CN" sz="2400" i="1">
+                            <a:latin typeface="Cambria Math" panose="02040503050406030204" pitchFamily="18" charset="0"/>
+                            <a:ea typeface="华文楷体" panose="02010600040101010101" pitchFamily="2" charset="-122"/>
+                          </a:rPr>
+                          <m:t>𝐶</m:t>
+                        </m:r>
+                      </m:e>
+                    </m:acc>
+                  </m:oMath>
+                </a14:m>
+                <a:r>
+                  <a:rPr lang="zh-CN" altLang="en-US" sz="2400" dirty="0">
+                    <a:latin typeface="华文楷体" panose="02010600040101010101" pitchFamily="2" charset="-122"/>
+                    <a:ea typeface="华文楷体" panose="02010600040101010101" pitchFamily="2" charset="-122"/>
+                    <a:cs typeface="+mj-cs"/>
+                  </a:rPr>
+                  <a:t>为拟合系数。</a:t>
                 </a:r>
                 <a:endParaRPr lang="zh-CN" altLang="zh-CN" sz="2400" dirty="0">
                   <a:latin typeface="华文楷体" panose="02010600040101010101" pitchFamily="2" charset="-122"/>
@@ -25510,7 +32128,7 @@
             </p:txBody>
           </p:sp>
         </mc:Choice>
-        <mc:Fallback xmlns="">
+        <mc:Fallback>
           <p:sp>
             <p:nvSpPr>
               <p:cNvPr id="12" name="文本框 11">
@@ -25536,7 +32154,7 @@
               <a:blipFill>
                 <a:blip r:embed="rId4"/>
                 <a:stretch>
-                  <a:fillRect l="-847" t="-10526" b="-28947"/>
+                  <a:fillRect l="-847" t="-9211" b="-30263"/>
                 </a:stretch>
               </a:blipFill>
             </p:spPr>
@@ -25555,8 +32173,8 @@
           </p:sp>
         </mc:Fallback>
       </mc:AlternateContent>
-      <mc:AlternateContent xmlns:mc="http://schemas.openxmlformats.org/markup-compatibility/2006" xmlns:a14="http://schemas.microsoft.com/office/drawing/2010/main">
-        <mc:Choice Requires="a14">
+      <mc:AlternateContent xmlns:mc="http://schemas.openxmlformats.org/markup-compatibility/2006">
+        <mc:Choice xmlns:a14="http://schemas.microsoft.com/office/drawing/2010/main" Requires="a14">
           <p:sp>
             <p:nvSpPr>
               <p:cNvPr id="14" name="文本框 13">
@@ -25619,7 +32237,7 @@
                     <a:ea typeface="华文楷体" panose="02010600040101010101" pitchFamily="2" charset="-122"/>
                     <a:cs typeface="+mj-cs"/>
                   </a:rPr>
-                  <a:t>参数化，密度效应修正如下</a:t>
+                  <a:t>参数化，密度效应修正可用如下函数描述</a:t>
                 </a:r>
                 <a:r>
                   <a:rPr lang="en-US" altLang="zh-CN" sz="2400" baseline="30000" dirty="0">
@@ -25637,7 +32255,7 @@
             </p:txBody>
           </p:sp>
         </mc:Choice>
-        <mc:Fallback xmlns="">
+        <mc:Fallback>
           <p:sp>
             <p:nvSpPr>
               <p:cNvPr id="14" name="文本框 13">
@@ -26573,8 +33191,8 @@
           </p:graphicFrame>
         </mc:Fallback>
       </mc:AlternateContent>
-      <mc:AlternateContent xmlns:mc="http://schemas.openxmlformats.org/markup-compatibility/2006" xmlns:a14="http://schemas.microsoft.com/office/drawing/2010/main">
-        <mc:Choice Requires="a14">
+      <mc:AlternateContent xmlns:mc="http://schemas.openxmlformats.org/markup-compatibility/2006">
+        <mc:Choice xmlns:a14="http://schemas.microsoft.com/office/drawing/2010/main" Requires="a14">
           <p:sp>
             <p:nvSpPr>
               <p:cNvPr id="9" name="文本框 8">
@@ -26783,7 +33401,7 @@
                     <a:ea typeface="华文楷体" panose="02010600040101010101" pitchFamily="2" charset="-122"/>
                     <a:cs typeface="+mj-cs"/>
                   </a:rPr>
-                  <a:t>）的详细计算方法参见</a:t>
+                  <a:t>）的详细计算方法可参阅</a:t>
                 </a:r>
                 <a:r>
                   <a:rPr lang="en-US" altLang="zh-CN" sz="2400" dirty="0">
@@ -26810,7 +33428,7 @@
             </p:txBody>
           </p:sp>
         </mc:Choice>
-        <mc:Fallback xmlns="">
+        <mc:Fallback>
           <p:sp>
             <p:nvSpPr>
               <p:cNvPr id="9" name="文本框 8">
@@ -26869,8 +33487,8 @@
         </p:nvSpPr>
         <p:spPr>
           <a:xfrm>
-            <a:off x="154800" y="5699523"/>
-            <a:ext cx="11880000" cy="830997"/>
+            <a:off x="154800" y="5392823"/>
+            <a:ext cx="11880000" cy="1323439"/>
           </a:xfrm>
           <a:prstGeom prst="rect">
             <a:avLst/>
@@ -26912,7 +33530,7 @@
                 <a:ea typeface="华文楷体" panose="02010600040101010101" pitchFamily="2" charset="-122"/>
                 <a:cs typeface="Times New Roman" panose="02020603050405020304" pitchFamily="18" charset="0"/>
               </a:rPr>
-              <a:t>[8] </a:t>
+              <a:t>[4] </a:t>
             </a:r>
             <a:r>
               <a:rPr lang="en-US" altLang="zh-CN" sz="1600" dirty="0" err="1">
@@ -26929,6 +33547,32 @@
                 <a:cs typeface="Times New Roman" panose="02020603050405020304" pitchFamily="18" charset="0"/>
               </a:rPr>
               <a:t>, R. M., Seltzer, S. M., Berger, M. J.. Density effect for the ionization loss of charged particles in various substances. Phys. Rev. B, 26: 6067--6076, 1982. DOI: 10.1103/PhysRevB.26.6067.</a:t>
+            </a:r>
+          </a:p>
+          <a:p>
+            <a:r>
+              <a:rPr lang="en-US" altLang="zh-CN" sz="1600" dirty="0">
+                <a:latin typeface="华文楷体" panose="02010600040101010101" pitchFamily="2" charset="-122"/>
+                <a:ea typeface="华文楷体" panose="02010600040101010101" pitchFamily="2" charset="-122"/>
+                <a:cs typeface="Times New Roman" panose="02020603050405020304" pitchFamily="18" charset="0"/>
+              </a:rPr>
+              <a:t>[8] </a:t>
+            </a:r>
+            <a:r>
+              <a:rPr lang="en-US" altLang="zh-CN" sz="1600" dirty="0" err="1">
+                <a:latin typeface="华文楷体" panose="02010600040101010101" pitchFamily="2" charset="-122"/>
+                <a:ea typeface="华文楷体" panose="02010600040101010101" pitchFamily="2" charset="-122"/>
+                <a:cs typeface="Times New Roman" panose="02020603050405020304" pitchFamily="18" charset="0"/>
+              </a:rPr>
+              <a:t>SternheimerR</a:t>
+            </a:r>
+            <a:r>
+              <a:rPr lang="en-US" altLang="zh-CN" sz="1600" dirty="0">
+                <a:latin typeface="华文楷体" panose="02010600040101010101" pitchFamily="2" charset="-122"/>
+                <a:ea typeface="华文楷体" panose="02010600040101010101" pitchFamily="2" charset="-122"/>
+                <a:cs typeface="Times New Roman" panose="02020603050405020304" pitchFamily="18" charset="0"/>
+              </a:rPr>
+              <a:t>. M.. General expression for the density effect for the ionization loss of charged particles. Phys. Rev. B, 24: 6288--6291, 1981. DOI: 10.1103/PhysRevB.24.6288.</a:t>
             </a:r>
           </a:p>
         </p:txBody>
@@ -27007,7 +33651,7 @@
                 <a:ea typeface="华文楷体" panose="02010600040101010101" pitchFamily="2" charset="-122"/>
                 <a:cs typeface="+mj-cs"/>
               </a:rPr>
-              <a:t>给出了参数，本阶段研究中使用的材料（聚苯乙烯）参数即通过文献获取。</a:t>
+              <a:t>给出了这些参数，本阶段研究中使用的材料（聚苯乙烯）的相关参数即在其中。</a:t>
             </a:r>
             <a:endParaRPr lang="en-US" altLang="zh-CN" sz="2400" dirty="0">
               <a:latin typeface="华文楷体" panose="02010600040101010101" pitchFamily="2" charset="-122"/>
@@ -27017,8 +33661,8 @@
           </a:p>
         </p:txBody>
       </p:sp>
-      <mc:AlternateContent xmlns:mc="http://schemas.openxmlformats.org/markup-compatibility/2006" xmlns:a14="http://schemas.microsoft.com/office/drawing/2010/main">
-        <mc:Choice Requires="a14">
+      <mc:AlternateContent xmlns:mc="http://schemas.openxmlformats.org/markup-compatibility/2006">
+        <mc:Choice xmlns:a14="http://schemas.microsoft.com/office/drawing/2010/main" Requires="a14">
           <p:sp>
             <p:nvSpPr>
               <p:cNvPr id="14" name="文本框 13">
@@ -27061,7 +33705,23 @@
                     <a:ea typeface="华文楷体" panose="02010600040101010101" pitchFamily="2" charset="-122"/>
                     <a:cs typeface="+mj-cs"/>
                   </a:rPr>
-                  <a:t>则能量损失可通过式</a:t>
+                  <a:t>现</a:t>
+                </a:r>
+                <a:r>
+                  <a:rPr lang="en-US" altLang="zh-CN" sz="2400" dirty="0">
+                    <a:latin typeface="华文楷体" panose="02010600040101010101" pitchFamily="2" charset="-122"/>
+                    <a:ea typeface="华文楷体" panose="02010600040101010101" pitchFamily="2" charset="-122"/>
+                    <a:cs typeface="+mj-cs"/>
+                  </a:rPr>
+                  <a:t>Bethe</a:t>
+                </a:r>
+                <a:r>
+                  <a:rPr lang="zh-CN" altLang="en-US" sz="2400" dirty="0">
+                    <a:latin typeface="华文楷体" panose="02010600040101010101" pitchFamily="2" charset="-122"/>
+                    <a:ea typeface="华文楷体" panose="02010600040101010101" pitchFamily="2" charset="-122"/>
+                    <a:cs typeface="+mj-cs"/>
+                  </a:rPr>
+                  <a:t>方程描述的能量损失可通过式</a:t>
                 </a:r>
                 <a14:m>
                   <m:oMath xmlns:m="http://schemas.openxmlformats.org/officeDocument/2006/math">
@@ -27095,7 +33755,7 @@
             </p:txBody>
           </p:sp>
         </mc:Choice>
-        <mc:Fallback xmlns="">
+        <mc:Fallback>
           <p:sp>
             <p:nvSpPr>
               <p:cNvPr id="14" name="文本框 13">
